--- a/Redis/pics/pics.pptx
+++ b/Redis/pics/pics.pptx
@@ -8,6 +8,7 @@
     <p:sldId id="256" r:id="rId2"/>
     <p:sldId id="257" r:id="rId3"/>
     <p:sldId id="258" r:id="rId4"/>
+    <p:sldId id="259" r:id="rId5"/>
   </p:sldIdLst>
   <p:sldSz cx="12192000" cy="6858000"/>
   <p:notesSz cx="6858000" cy="9144000"/>
@@ -261,7 +262,7 @@
           <a:p>
             <a:fld id="{C37C3152-9AA4-4DE5-82FF-C271ABB9E57C}" type="datetimeFigureOut">
               <a:rPr lang="zh-CN" altLang="en-US" smtClean="0"/>
-              <a:t>2021/09/08</a:t>
+              <a:t>2021/10/11</a:t>
             </a:fld>
             <a:endParaRPr lang="zh-CN" altLang="en-US"/>
           </a:p>
@@ -459,7 +460,7 @@
           <a:p>
             <a:fld id="{C37C3152-9AA4-4DE5-82FF-C271ABB9E57C}" type="datetimeFigureOut">
               <a:rPr lang="zh-CN" altLang="en-US" smtClean="0"/>
-              <a:t>2021/09/08</a:t>
+              <a:t>2021/10/11</a:t>
             </a:fld>
             <a:endParaRPr lang="zh-CN" altLang="en-US"/>
           </a:p>
@@ -667,7 +668,7 @@
           <a:p>
             <a:fld id="{C37C3152-9AA4-4DE5-82FF-C271ABB9E57C}" type="datetimeFigureOut">
               <a:rPr lang="zh-CN" altLang="en-US" smtClean="0"/>
-              <a:t>2021/09/08</a:t>
+              <a:t>2021/10/11</a:t>
             </a:fld>
             <a:endParaRPr lang="zh-CN" altLang="en-US"/>
           </a:p>
@@ -865,7 +866,7 @@
           <a:p>
             <a:fld id="{C37C3152-9AA4-4DE5-82FF-C271ABB9E57C}" type="datetimeFigureOut">
               <a:rPr lang="zh-CN" altLang="en-US" smtClean="0"/>
-              <a:t>2021/09/08</a:t>
+              <a:t>2021/10/11</a:t>
             </a:fld>
             <a:endParaRPr lang="zh-CN" altLang="en-US"/>
           </a:p>
@@ -1140,7 +1141,7 @@
           <a:p>
             <a:fld id="{C37C3152-9AA4-4DE5-82FF-C271ABB9E57C}" type="datetimeFigureOut">
               <a:rPr lang="zh-CN" altLang="en-US" smtClean="0"/>
-              <a:t>2021/09/08</a:t>
+              <a:t>2021/10/11</a:t>
             </a:fld>
             <a:endParaRPr lang="zh-CN" altLang="en-US"/>
           </a:p>
@@ -1405,7 +1406,7 @@
           <a:p>
             <a:fld id="{C37C3152-9AA4-4DE5-82FF-C271ABB9E57C}" type="datetimeFigureOut">
               <a:rPr lang="zh-CN" altLang="en-US" smtClean="0"/>
-              <a:t>2021/09/08</a:t>
+              <a:t>2021/10/11</a:t>
             </a:fld>
             <a:endParaRPr lang="zh-CN" altLang="en-US"/>
           </a:p>
@@ -1817,7 +1818,7 @@
           <a:p>
             <a:fld id="{C37C3152-9AA4-4DE5-82FF-C271ABB9E57C}" type="datetimeFigureOut">
               <a:rPr lang="zh-CN" altLang="en-US" smtClean="0"/>
-              <a:t>2021/09/08</a:t>
+              <a:t>2021/10/11</a:t>
             </a:fld>
             <a:endParaRPr lang="zh-CN" altLang="en-US"/>
           </a:p>
@@ -1958,7 +1959,7 @@
           <a:p>
             <a:fld id="{C37C3152-9AA4-4DE5-82FF-C271ABB9E57C}" type="datetimeFigureOut">
               <a:rPr lang="zh-CN" altLang="en-US" smtClean="0"/>
-              <a:t>2021/09/08</a:t>
+              <a:t>2021/10/11</a:t>
             </a:fld>
             <a:endParaRPr lang="zh-CN" altLang="en-US"/>
           </a:p>
@@ -2071,7 +2072,7 @@
           <a:p>
             <a:fld id="{C37C3152-9AA4-4DE5-82FF-C271ABB9E57C}" type="datetimeFigureOut">
               <a:rPr lang="zh-CN" altLang="en-US" smtClean="0"/>
-              <a:t>2021/09/08</a:t>
+              <a:t>2021/10/11</a:t>
             </a:fld>
             <a:endParaRPr lang="zh-CN" altLang="en-US"/>
           </a:p>
@@ -2382,7 +2383,7 @@
           <a:p>
             <a:fld id="{C37C3152-9AA4-4DE5-82FF-C271ABB9E57C}" type="datetimeFigureOut">
               <a:rPr lang="zh-CN" altLang="en-US" smtClean="0"/>
-              <a:t>2021/09/08</a:t>
+              <a:t>2021/10/11</a:t>
             </a:fld>
             <a:endParaRPr lang="zh-CN" altLang="en-US"/>
           </a:p>
@@ -2670,7 +2671,7 @@
           <a:p>
             <a:fld id="{C37C3152-9AA4-4DE5-82FF-C271ABB9E57C}" type="datetimeFigureOut">
               <a:rPr lang="zh-CN" altLang="en-US" smtClean="0"/>
-              <a:t>2021/09/08</a:t>
+              <a:t>2021/10/11</a:t>
             </a:fld>
             <a:endParaRPr lang="zh-CN" altLang="en-US"/>
           </a:p>
@@ -2911,7 +2912,7 @@
           <a:p>
             <a:fld id="{C37C3152-9AA4-4DE5-82FF-C271ABB9E57C}" type="datetimeFigureOut">
               <a:rPr lang="zh-CN" altLang="en-US" smtClean="0"/>
-              <a:t>2021/09/08</a:t>
+              <a:t>2021/10/11</a:t>
             </a:fld>
             <a:endParaRPr lang="zh-CN" altLang="en-US"/>
           </a:p>
@@ -4190,6 +4191,525 @@
 </p:sld>
 </file>
 
+<file path=ppt/slides/slide4.xml><?xml version="1.0" encoding="utf-8"?>
+<p:sld xmlns:a="http://schemas.openxmlformats.org/drawingml/2006/main" xmlns:r="http://schemas.openxmlformats.org/officeDocument/2006/relationships" xmlns:p="http://schemas.openxmlformats.org/presentationml/2006/main">
+  <p:cSld>
+    <p:spTree>
+      <p:nvGrpSpPr>
+        <p:cNvPr id="1" name=""/>
+        <p:cNvGrpSpPr/>
+        <p:nvPr/>
+      </p:nvGrpSpPr>
+      <p:grpSpPr>
+        <a:xfrm>
+          <a:off x="0" y="0"/>
+          <a:ext cx="0" cy="0"/>
+          <a:chOff x="0" y="0"/>
+          <a:chExt cx="0" cy="0"/>
+        </a:xfrm>
+      </p:grpSpPr>
+      <p:sp>
+        <p:nvSpPr>
+          <p:cNvPr id="4" name="矩形 3">
+            <a:extLst>
+              <a:ext uri="{FF2B5EF4-FFF2-40B4-BE49-F238E27FC236}">
+                <a16:creationId xmlns:a16="http://schemas.microsoft.com/office/drawing/2014/main" id="{5A63A200-8D0F-4818-BC9F-9D43BA28D939}"/>
+              </a:ext>
+            </a:extLst>
+          </p:cNvPr>
+          <p:cNvSpPr/>
+          <p:nvPr/>
+        </p:nvSpPr>
+        <p:spPr>
+          <a:xfrm rot="16200000">
+            <a:off x="4495807" y="2099561"/>
+            <a:ext cx="1584286" cy="758673"/>
+          </a:xfrm>
+          <a:prstGeom prst="rect">
+            <a:avLst/>
+          </a:prstGeom>
+        </p:spPr>
+        <p:style>
+          <a:lnRef idx="2">
+            <a:schemeClr val="dk1"/>
+          </a:lnRef>
+          <a:fillRef idx="1">
+            <a:schemeClr val="lt1"/>
+          </a:fillRef>
+          <a:effectRef idx="0">
+            <a:schemeClr val="dk1"/>
+          </a:effectRef>
+          <a:fontRef idx="minor">
+            <a:schemeClr val="dk1"/>
+          </a:fontRef>
+        </p:style>
+        <p:txBody>
+          <a:bodyPr rtlCol="0" anchor="ctr"/>
+          <a:lstStyle/>
+          <a:p>
+            <a:pPr algn="ctr"/>
+            <a:endParaRPr lang="zh-CN" altLang="en-US" dirty="0"/>
+          </a:p>
+        </p:txBody>
+      </p:sp>
+      <p:cxnSp>
+        <p:nvCxnSpPr>
+          <p:cNvPr id="6" name="直接连接符 5">
+            <a:extLst>
+              <a:ext uri="{FF2B5EF4-FFF2-40B4-BE49-F238E27FC236}">
+                <a16:creationId xmlns:a16="http://schemas.microsoft.com/office/drawing/2014/main" id="{EC27701C-B326-44A8-9A2B-099E41F1A394}"/>
+              </a:ext>
+            </a:extLst>
+          </p:cNvPr>
+          <p:cNvCxnSpPr>
+            <a:cxnSpLocks/>
+          </p:cNvCxnSpPr>
+          <p:nvPr/>
+        </p:nvCxnSpPr>
+        <p:spPr>
+          <a:xfrm flipH="1">
+            <a:off x="4908614" y="2191714"/>
+            <a:ext cx="758671" cy="0"/>
+          </a:xfrm>
+          <a:prstGeom prst="line">
+            <a:avLst/>
+          </a:prstGeom>
+        </p:spPr>
+        <p:style>
+          <a:lnRef idx="1">
+            <a:schemeClr val="dk1"/>
+          </a:lnRef>
+          <a:fillRef idx="0">
+            <a:schemeClr val="dk1"/>
+          </a:fillRef>
+          <a:effectRef idx="0">
+            <a:schemeClr val="dk1"/>
+          </a:effectRef>
+          <a:fontRef idx="minor">
+            <a:schemeClr val="tx1"/>
+          </a:fontRef>
+        </p:style>
+      </p:cxnSp>
+      <p:cxnSp>
+        <p:nvCxnSpPr>
+          <p:cNvPr id="7" name="直接连接符 6">
+            <a:extLst>
+              <a:ext uri="{FF2B5EF4-FFF2-40B4-BE49-F238E27FC236}">
+                <a16:creationId xmlns:a16="http://schemas.microsoft.com/office/drawing/2014/main" id="{C1B25220-4793-442A-97B9-A68CF3E9A201}"/>
+              </a:ext>
+            </a:extLst>
+          </p:cNvPr>
+          <p:cNvCxnSpPr>
+            <a:cxnSpLocks/>
+          </p:cNvCxnSpPr>
+          <p:nvPr/>
+        </p:nvCxnSpPr>
+        <p:spPr>
+          <a:xfrm flipH="1">
+            <a:off x="4908615" y="2420985"/>
+            <a:ext cx="758673" cy="0"/>
+          </a:xfrm>
+          <a:prstGeom prst="line">
+            <a:avLst/>
+          </a:prstGeom>
+        </p:spPr>
+        <p:style>
+          <a:lnRef idx="1">
+            <a:schemeClr val="dk1"/>
+          </a:lnRef>
+          <a:fillRef idx="0">
+            <a:schemeClr val="dk1"/>
+          </a:fillRef>
+          <a:effectRef idx="0">
+            <a:schemeClr val="dk1"/>
+          </a:effectRef>
+          <a:fontRef idx="minor">
+            <a:schemeClr val="tx1"/>
+          </a:fontRef>
+        </p:style>
+      </p:cxnSp>
+      <p:cxnSp>
+        <p:nvCxnSpPr>
+          <p:cNvPr id="12" name="直接连接符 11">
+            <a:extLst>
+              <a:ext uri="{FF2B5EF4-FFF2-40B4-BE49-F238E27FC236}">
+                <a16:creationId xmlns:a16="http://schemas.microsoft.com/office/drawing/2014/main" id="{EFA67CED-3D17-4EFD-810E-02FED515FB80}"/>
+              </a:ext>
+            </a:extLst>
+          </p:cNvPr>
+          <p:cNvCxnSpPr>
+            <a:cxnSpLocks/>
+          </p:cNvCxnSpPr>
+          <p:nvPr/>
+        </p:nvCxnSpPr>
+        <p:spPr>
+          <a:xfrm flipH="1">
+            <a:off x="4908615" y="2728287"/>
+            <a:ext cx="758673" cy="0"/>
+          </a:xfrm>
+          <a:prstGeom prst="line">
+            <a:avLst/>
+          </a:prstGeom>
+        </p:spPr>
+        <p:style>
+          <a:lnRef idx="1">
+            <a:schemeClr val="dk1"/>
+          </a:lnRef>
+          <a:fillRef idx="0">
+            <a:schemeClr val="dk1"/>
+          </a:fillRef>
+          <a:effectRef idx="0">
+            <a:schemeClr val="dk1"/>
+          </a:effectRef>
+          <a:fontRef idx="minor">
+            <a:schemeClr val="tx1"/>
+          </a:fontRef>
+        </p:style>
+      </p:cxnSp>
+      <p:cxnSp>
+        <p:nvCxnSpPr>
+          <p:cNvPr id="13" name="直接连接符 12">
+            <a:extLst>
+              <a:ext uri="{FF2B5EF4-FFF2-40B4-BE49-F238E27FC236}">
+                <a16:creationId xmlns:a16="http://schemas.microsoft.com/office/drawing/2014/main" id="{C07B1874-5D20-4907-8268-72DF2430AEC3}"/>
+              </a:ext>
+            </a:extLst>
+          </p:cNvPr>
+          <p:cNvCxnSpPr>
+            <a:cxnSpLocks/>
+          </p:cNvCxnSpPr>
+          <p:nvPr/>
+        </p:nvCxnSpPr>
+        <p:spPr>
+          <a:xfrm flipH="1">
+            <a:off x="4908615" y="2994044"/>
+            <a:ext cx="758673" cy="0"/>
+          </a:xfrm>
+          <a:prstGeom prst="line">
+            <a:avLst/>
+          </a:prstGeom>
+        </p:spPr>
+        <p:style>
+          <a:lnRef idx="1">
+            <a:schemeClr val="dk1"/>
+          </a:lnRef>
+          <a:fillRef idx="0">
+            <a:schemeClr val="dk1"/>
+          </a:fillRef>
+          <a:effectRef idx="0">
+            <a:schemeClr val="dk1"/>
+          </a:effectRef>
+          <a:fontRef idx="minor">
+            <a:schemeClr val="tx1"/>
+          </a:fontRef>
+        </p:style>
+      </p:cxnSp>
+      <p:sp>
+        <p:nvSpPr>
+          <p:cNvPr id="14" name="文本框 13">
+            <a:extLst>
+              <a:ext uri="{FF2B5EF4-FFF2-40B4-BE49-F238E27FC236}">
+                <a16:creationId xmlns:a16="http://schemas.microsoft.com/office/drawing/2014/main" id="{12D3878E-5BA1-4B15-8640-5894C1A4D6B9}"/>
+              </a:ext>
+            </a:extLst>
+          </p:cNvPr>
+          <p:cNvSpPr txBox="1"/>
+          <p:nvPr/>
+        </p:nvSpPr>
+        <p:spPr>
+          <a:xfrm>
+            <a:off x="4839994" y="2451286"/>
+            <a:ext cx="860399" cy="276999"/>
+          </a:xfrm>
+          <a:prstGeom prst="rect">
+            <a:avLst/>
+          </a:prstGeom>
+          <a:noFill/>
+        </p:spPr>
+        <p:txBody>
+          <a:bodyPr wrap="square" rtlCol="0">
+            <a:spAutoFit/>
+          </a:bodyPr>
+          <a:lstStyle/>
+          <a:p>
+            <a:r>
+              <a:rPr lang="en-US" altLang="zh-CN" sz="1200" dirty="0">
+                <a:latin typeface="Courier New" panose="02070309020205020404" pitchFamily="49" charset="0"/>
+                <a:cs typeface="Courier New" panose="02070309020205020404" pitchFamily="49" charset="0"/>
+              </a:rPr>
+              <a:t>level[2]</a:t>
+            </a:r>
+            <a:endParaRPr lang="zh-CN" altLang="en-US" sz="1200" dirty="0">
+              <a:latin typeface="Courier New" panose="02070309020205020404" pitchFamily="49" charset="0"/>
+              <a:cs typeface="Courier New" panose="02070309020205020404" pitchFamily="49" charset="0"/>
+            </a:endParaRPr>
+          </a:p>
+        </p:txBody>
+      </p:sp>
+      <p:sp>
+        <p:nvSpPr>
+          <p:cNvPr id="19" name="文本框 18">
+            <a:extLst>
+              <a:ext uri="{FF2B5EF4-FFF2-40B4-BE49-F238E27FC236}">
+                <a16:creationId xmlns:a16="http://schemas.microsoft.com/office/drawing/2014/main" id="{A3CEA8BE-5705-45E5-B00A-BC1ED9DDCDF5}"/>
+              </a:ext>
+            </a:extLst>
+          </p:cNvPr>
+          <p:cNvSpPr txBox="1"/>
+          <p:nvPr/>
+        </p:nvSpPr>
+        <p:spPr>
+          <a:xfrm>
+            <a:off x="4839994" y="2728286"/>
+            <a:ext cx="860399" cy="276999"/>
+          </a:xfrm>
+          <a:prstGeom prst="rect">
+            <a:avLst/>
+          </a:prstGeom>
+          <a:noFill/>
+        </p:spPr>
+        <p:txBody>
+          <a:bodyPr wrap="square" rtlCol="0">
+            <a:spAutoFit/>
+          </a:bodyPr>
+          <a:lstStyle/>
+          <a:p>
+            <a:r>
+              <a:rPr lang="en-US" altLang="zh-CN" sz="1200" dirty="0">
+                <a:latin typeface="Courier New" panose="02070309020205020404" pitchFamily="49" charset="0"/>
+                <a:cs typeface="Courier New" panose="02070309020205020404" pitchFamily="49" charset="0"/>
+              </a:rPr>
+              <a:t>level[1]</a:t>
+            </a:r>
+            <a:endParaRPr lang="zh-CN" altLang="en-US" sz="1200" dirty="0">
+              <a:latin typeface="Courier New" panose="02070309020205020404" pitchFamily="49" charset="0"/>
+              <a:cs typeface="Courier New" panose="02070309020205020404" pitchFamily="49" charset="0"/>
+            </a:endParaRPr>
+          </a:p>
+        </p:txBody>
+      </p:sp>
+      <p:sp>
+        <p:nvSpPr>
+          <p:cNvPr id="20" name="文本框 19">
+            <a:extLst>
+              <a:ext uri="{FF2B5EF4-FFF2-40B4-BE49-F238E27FC236}">
+                <a16:creationId xmlns:a16="http://schemas.microsoft.com/office/drawing/2014/main" id="{68086048-23C1-44F9-8AE2-718CFCB6519C}"/>
+              </a:ext>
+            </a:extLst>
+          </p:cNvPr>
+          <p:cNvSpPr txBox="1"/>
+          <p:nvPr/>
+        </p:nvSpPr>
+        <p:spPr>
+          <a:xfrm>
+            <a:off x="4839995" y="2994044"/>
+            <a:ext cx="860399" cy="276999"/>
+          </a:xfrm>
+          <a:prstGeom prst="rect">
+            <a:avLst/>
+          </a:prstGeom>
+          <a:noFill/>
+        </p:spPr>
+        <p:txBody>
+          <a:bodyPr wrap="square" rtlCol="0">
+            <a:spAutoFit/>
+          </a:bodyPr>
+          <a:lstStyle/>
+          <a:p>
+            <a:r>
+              <a:rPr lang="en-US" altLang="zh-CN" sz="1200" dirty="0">
+                <a:latin typeface="Courier New" panose="02070309020205020404" pitchFamily="49" charset="0"/>
+                <a:cs typeface="Courier New" panose="02070309020205020404" pitchFamily="49" charset="0"/>
+              </a:rPr>
+              <a:t>level[0]</a:t>
+            </a:r>
+            <a:endParaRPr lang="zh-CN" altLang="en-US" sz="1200" dirty="0">
+              <a:latin typeface="Courier New" panose="02070309020205020404" pitchFamily="49" charset="0"/>
+              <a:cs typeface="Courier New" panose="02070309020205020404" pitchFamily="49" charset="0"/>
+            </a:endParaRPr>
+          </a:p>
+        </p:txBody>
+      </p:sp>
+      <p:cxnSp>
+        <p:nvCxnSpPr>
+          <p:cNvPr id="27" name="直接连接符 26">
+            <a:extLst>
+              <a:ext uri="{FF2B5EF4-FFF2-40B4-BE49-F238E27FC236}">
+                <a16:creationId xmlns:a16="http://schemas.microsoft.com/office/drawing/2014/main" id="{B11888DE-B1C6-4CDC-B972-7A1FCECE0EF1}"/>
+              </a:ext>
+            </a:extLst>
+          </p:cNvPr>
+          <p:cNvCxnSpPr>
+            <a:cxnSpLocks/>
+          </p:cNvCxnSpPr>
+          <p:nvPr/>
+        </p:nvCxnSpPr>
+        <p:spPr>
+          <a:xfrm flipH="1">
+            <a:off x="4908614" y="1933490"/>
+            <a:ext cx="758671" cy="0"/>
+          </a:xfrm>
+          <a:prstGeom prst="line">
+            <a:avLst/>
+          </a:prstGeom>
+        </p:spPr>
+        <p:style>
+          <a:lnRef idx="1">
+            <a:schemeClr val="dk1"/>
+          </a:lnRef>
+          <a:fillRef idx="0">
+            <a:schemeClr val="dk1"/>
+          </a:fillRef>
+          <a:effectRef idx="0">
+            <a:schemeClr val="dk1"/>
+          </a:effectRef>
+          <a:fontRef idx="minor">
+            <a:schemeClr val="tx1"/>
+          </a:fontRef>
+        </p:style>
+      </p:cxnSp>
+      <p:sp>
+        <p:nvSpPr>
+          <p:cNvPr id="31" name="文本框 30">
+            <a:extLst>
+              <a:ext uri="{FF2B5EF4-FFF2-40B4-BE49-F238E27FC236}">
+                <a16:creationId xmlns:a16="http://schemas.microsoft.com/office/drawing/2014/main" id="{439A6F0D-BCEF-4017-904F-BCC04877FE86}"/>
+              </a:ext>
+            </a:extLst>
+          </p:cNvPr>
+          <p:cNvSpPr txBox="1"/>
+          <p:nvPr/>
+        </p:nvSpPr>
+        <p:spPr>
+          <a:xfrm>
+            <a:off x="4839994" y="1663936"/>
+            <a:ext cx="860399" cy="276999"/>
+          </a:xfrm>
+          <a:prstGeom prst="rect">
+            <a:avLst/>
+          </a:prstGeom>
+          <a:noFill/>
+        </p:spPr>
+        <p:txBody>
+          <a:bodyPr wrap="square" rtlCol="0">
+            <a:spAutoFit/>
+          </a:bodyPr>
+          <a:lstStyle/>
+          <a:p>
+            <a:pPr algn="ctr"/>
+            <a:r>
+              <a:rPr lang="en-US" altLang="zh-CN" sz="1200" dirty="0" err="1">
+                <a:latin typeface="Courier New" panose="02070309020205020404" pitchFamily="49" charset="0"/>
+                <a:cs typeface="Courier New" panose="02070309020205020404" pitchFamily="49" charset="0"/>
+              </a:rPr>
+              <a:t>ele</a:t>
+            </a:r>
+            <a:endParaRPr lang="zh-CN" altLang="en-US" sz="1200" dirty="0">
+              <a:latin typeface="Courier New" panose="02070309020205020404" pitchFamily="49" charset="0"/>
+              <a:cs typeface="Courier New" panose="02070309020205020404" pitchFamily="49" charset="0"/>
+            </a:endParaRPr>
+          </a:p>
+        </p:txBody>
+      </p:sp>
+      <p:sp>
+        <p:nvSpPr>
+          <p:cNvPr id="32" name="文本框 31">
+            <a:extLst>
+              <a:ext uri="{FF2B5EF4-FFF2-40B4-BE49-F238E27FC236}">
+                <a16:creationId xmlns:a16="http://schemas.microsoft.com/office/drawing/2014/main" id="{B06F2CBB-9C70-4880-899E-EF0E79B3CA0B}"/>
+              </a:ext>
+            </a:extLst>
+          </p:cNvPr>
+          <p:cNvSpPr txBox="1"/>
+          <p:nvPr/>
+        </p:nvSpPr>
+        <p:spPr>
+          <a:xfrm>
+            <a:off x="4875504" y="1934049"/>
+            <a:ext cx="860399" cy="276999"/>
+          </a:xfrm>
+          <a:prstGeom prst="rect">
+            <a:avLst/>
+          </a:prstGeom>
+          <a:noFill/>
+        </p:spPr>
+        <p:txBody>
+          <a:bodyPr wrap="square" rtlCol="0">
+            <a:spAutoFit/>
+          </a:bodyPr>
+          <a:lstStyle/>
+          <a:p>
+            <a:pPr algn="ctr"/>
+            <a:r>
+              <a:rPr lang="en-US" altLang="zh-CN" sz="1200" dirty="0">
+                <a:latin typeface="Courier New" panose="02070309020205020404" pitchFamily="49" charset="0"/>
+                <a:cs typeface="Courier New" panose="02070309020205020404" pitchFamily="49" charset="0"/>
+              </a:rPr>
+              <a:t>score</a:t>
+            </a:r>
+            <a:endParaRPr lang="zh-CN" altLang="en-US" sz="1200" dirty="0">
+              <a:latin typeface="Courier New" panose="02070309020205020404" pitchFamily="49" charset="0"/>
+              <a:cs typeface="Courier New" panose="02070309020205020404" pitchFamily="49" charset="0"/>
+            </a:endParaRPr>
+          </a:p>
+        </p:txBody>
+      </p:sp>
+      <p:sp>
+        <p:nvSpPr>
+          <p:cNvPr id="33" name="文本框 32">
+            <a:extLst>
+              <a:ext uri="{FF2B5EF4-FFF2-40B4-BE49-F238E27FC236}">
+                <a16:creationId xmlns:a16="http://schemas.microsoft.com/office/drawing/2014/main" id="{7B5EF4CB-C9D7-4AD0-A1B8-D1D46C1115B0}"/>
+              </a:ext>
+            </a:extLst>
+          </p:cNvPr>
+          <p:cNvSpPr txBox="1"/>
+          <p:nvPr/>
+        </p:nvSpPr>
+        <p:spPr>
+          <a:xfrm>
+            <a:off x="4857749" y="2177898"/>
+            <a:ext cx="860399" cy="276999"/>
+          </a:xfrm>
+          <a:prstGeom prst="rect">
+            <a:avLst/>
+          </a:prstGeom>
+          <a:noFill/>
+        </p:spPr>
+        <p:txBody>
+          <a:bodyPr wrap="square" rtlCol="0">
+            <a:spAutoFit/>
+          </a:bodyPr>
+          <a:lstStyle/>
+          <a:p>
+            <a:pPr algn="ctr"/>
+            <a:r>
+              <a:rPr lang="en-US" altLang="zh-CN" sz="1200" dirty="0" err="1">
+                <a:latin typeface="Courier New" panose="02070309020205020404" pitchFamily="49" charset="0"/>
+                <a:cs typeface="Courier New" panose="02070309020205020404" pitchFamily="49" charset="0"/>
+              </a:rPr>
+              <a:t>bw</a:t>
+            </a:r>
+            <a:endParaRPr lang="zh-CN" altLang="en-US" sz="1200" dirty="0">
+              <a:latin typeface="Courier New" panose="02070309020205020404" pitchFamily="49" charset="0"/>
+              <a:cs typeface="Courier New" panose="02070309020205020404" pitchFamily="49" charset="0"/>
+            </a:endParaRPr>
+          </a:p>
+        </p:txBody>
+      </p:sp>
+    </p:spTree>
+    <p:extLst>
+      <p:ext uri="{BB962C8B-B14F-4D97-AF65-F5344CB8AC3E}">
+        <p14:creationId xmlns:p14="http://schemas.microsoft.com/office/powerpoint/2010/main" val="3048374050"/>
+      </p:ext>
+    </p:extLst>
+  </p:cSld>
+  <p:clrMapOvr>
+    <a:masterClrMapping/>
+  </p:clrMapOvr>
+</p:sld>
+</file>
+
 <file path=ppt/theme/theme1.xml><?xml version="1.0" encoding="utf-8"?>
 <a:theme xmlns:a="http://schemas.openxmlformats.org/drawingml/2006/main" name="Office 主题​​">
   <a:themeElements>

--- a/Redis/pics/pics.pptx
+++ b/Redis/pics/pics.pptx
@@ -9,6 +9,9 @@
     <p:sldId id="257" r:id="rId3"/>
     <p:sldId id="258" r:id="rId4"/>
     <p:sldId id="259" r:id="rId5"/>
+    <p:sldId id="261" r:id="rId6"/>
+    <p:sldId id="260" r:id="rId7"/>
+    <p:sldId id="262" r:id="rId8"/>
   </p:sldIdLst>
   <p:sldSz cx="12192000" cy="6858000"/>
   <p:notesSz cx="6858000" cy="9144000"/>
@@ -262,7 +265,7 @@
           <a:p>
             <a:fld id="{C37C3152-9AA4-4DE5-82FF-C271ABB9E57C}" type="datetimeFigureOut">
               <a:rPr lang="zh-CN" altLang="en-US" smtClean="0"/>
-              <a:t>2021/10/11</a:t>
+              <a:t>2021/10/17</a:t>
             </a:fld>
             <a:endParaRPr lang="zh-CN" altLang="en-US"/>
           </a:p>
@@ -460,7 +463,7 @@
           <a:p>
             <a:fld id="{C37C3152-9AA4-4DE5-82FF-C271ABB9E57C}" type="datetimeFigureOut">
               <a:rPr lang="zh-CN" altLang="en-US" smtClean="0"/>
-              <a:t>2021/10/11</a:t>
+              <a:t>2021/10/17</a:t>
             </a:fld>
             <a:endParaRPr lang="zh-CN" altLang="en-US"/>
           </a:p>
@@ -668,7 +671,7 @@
           <a:p>
             <a:fld id="{C37C3152-9AA4-4DE5-82FF-C271ABB9E57C}" type="datetimeFigureOut">
               <a:rPr lang="zh-CN" altLang="en-US" smtClean="0"/>
-              <a:t>2021/10/11</a:t>
+              <a:t>2021/10/17</a:t>
             </a:fld>
             <a:endParaRPr lang="zh-CN" altLang="en-US"/>
           </a:p>
@@ -866,7 +869,7 @@
           <a:p>
             <a:fld id="{C37C3152-9AA4-4DE5-82FF-C271ABB9E57C}" type="datetimeFigureOut">
               <a:rPr lang="zh-CN" altLang="en-US" smtClean="0"/>
-              <a:t>2021/10/11</a:t>
+              <a:t>2021/10/17</a:t>
             </a:fld>
             <a:endParaRPr lang="zh-CN" altLang="en-US"/>
           </a:p>
@@ -1141,7 +1144,7 @@
           <a:p>
             <a:fld id="{C37C3152-9AA4-4DE5-82FF-C271ABB9E57C}" type="datetimeFigureOut">
               <a:rPr lang="zh-CN" altLang="en-US" smtClean="0"/>
-              <a:t>2021/10/11</a:t>
+              <a:t>2021/10/17</a:t>
             </a:fld>
             <a:endParaRPr lang="zh-CN" altLang="en-US"/>
           </a:p>
@@ -1406,7 +1409,7 @@
           <a:p>
             <a:fld id="{C37C3152-9AA4-4DE5-82FF-C271ABB9E57C}" type="datetimeFigureOut">
               <a:rPr lang="zh-CN" altLang="en-US" smtClean="0"/>
-              <a:t>2021/10/11</a:t>
+              <a:t>2021/10/17</a:t>
             </a:fld>
             <a:endParaRPr lang="zh-CN" altLang="en-US"/>
           </a:p>
@@ -1818,7 +1821,7 @@
           <a:p>
             <a:fld id="{C37C3152-9AA4-4DE5-82FF-C271ABB9E57C}" type="datetimeFigureOut">
               <a:rPr lang="zh-CN" altLang="en-US" smtClean="0"/>
-              <a:t>2021/10/11</a:t>
+              <a:t>2021/10/17</a:t>
             </a:fld>
             <a:endParaRPr lang="zh-CN" altLang="en-US"/>
           </a:p>
@@ -1959,7 +1962,7 @@
           <a:p>
             <a:fld id="{C37C3152-9AA4-4DE5-82FF-C271ABB9E57C}" type="datetimeFigureOut">
               <a:rPr lang="zh-CN" altLang="en-US" smtClean="0"/>
-              <a:t>2021/10/11</a:t>
+              <a:t>2021/10/17</a:t>
             </a:fld>
             <a:endParaRPr lang="zh-CN" altLang="en-US"/>
           </a:p>
@@ -2072,7 +2075,7 @@
           <a:p>
             <a:fld id="{C37C3152-9AA4-4DE5-82FF-C271ABB9E57C}" type="datetimeFigureOut">
               <a:rPr lang="zh-CN" altLang="en-US" smtClean="0"/>
-              <a:t>2021/10/11</a:t>
+              <a:t>2021/10/17</a:t>
             </a:fld>
             <a:endParaRPr lang="zh-CN" altLang="en-US"/>
           </a:p>
@@ -2383,7 +2386,7 @@
           <a:p>
             <a:fld id="{C37C3152-9AA4-4DE5-82FF-C271ABB9E57C}" type="datetimeFigureOut">
               <a:rPr lang="zh-CN" altLang="en-US" smtClean="0"/>
-              <a:t>2021/10/11</a:t>
+              <a:t>2021/10/17</a:t>
             </a:fld>
             <a:endParaRPr lang="zh-CN" altLang="en-US"/>
           </a:p>
@@ -2671,7 +2674,7 @@
           <a:p>
             <a:fld id="{C37C3152-9AA4-4DE5-82FF-C271ABB9E57C}" type="datetimeFigureOut">
               <a:rPr lang="zh-CN" altLang="en-US" smtClean="0"/>
-              <a:t>2021/10/11</a:t>
+              <a:t>2021/10/17</a:t>
             </a:fld>
             <a:endParaRPr lang="zh-CN" altLang="en-US"/>
           </a:p>
@@ -2912,7 +2915,7 @@
           <a:p>
             <a:fld id="{C37C3152-9AA4-4DE5-82FF-C271ABB9E57C}" type="datetimeFigureOut">
               <a:rPr lang="zh-CN" altLang="en-US" smtClean="0"/>
-              <a:t>2021/10/11</a:t>
+              <a:t>2021/10/17</a:t>
             </a:fld>
             <a:endParaRPr lang="zh-CN" altLang="en-US"/>
           </a:p>
@@ -4710,6 +4713,3241 @@
 </p:sld>
 </file>
 
+<file path=ppt/slides/slide5.xml><?xml version="1.0" encoding="utf-8"?>
+<p:sld xmlns:a="http://schemas.openxmlformats.org/drawingml/2006/main" xmlns:r="http://schemas.openxmlformats.org/officeDocument/2006/relationships" xmlns:p="http://schemas.openxmlformats.org/presentationml/2006/main">
+  <p:cSld>
+    <p:spTree>
+      <p:nvGrpSpPr>
+        <p:cNvPr id="1" name=""/>
+        <p:cNvGrpSpPr/>
+        <p:nvPr/>
+      </p:nvGrpSpPr>
+      <p:grpSpPr>
+        <a:xfrm>
+          <a:off x="0" y="0"/>
+          <a:ext cx="0" cy="0"/>
+          <a:chOff x="0" y="0"/>
+          <a:chExt cx="0" cy="0"/>
+        </a:xfrm>
+      </p:grpSpPr>
+      <p:sp>
+        <p:nvSpPr>
+          <p:cNvPr id="4" name="矩形 3">
+            <a:extLst>
+              <a:ext uri="{FF2B5EF4-FFF2-40B4-BE49-F238E27FC236}">
+                <a16:creationId xmlns:a16="http://schemas.microsoft.com/office/drawing/2014/main" id="{5A63A200-8D0F-4818-BC9F-9D43BA28D939}"/>
+              </a:ext>
+            </a:extLst>
+          </p:cNvPr>
+          <p:cNvSpPr/>
+          <p:nvPr/>
+        </p:nvSpPr>
+        <p:spPr>
+          <a:xfrm rot="16200000">
+            <a:off x="4602428" y="1998543"/>
+            <a:ext cx="2183903" cy="1553775"/>
+          </a:xfrm>
+          <a:prstGeom prst="rect">
+            <a:avLst/>
+          </a:prstGeom>
+        </p:spPr>
+        <p:style>
+          <a:lnRef idx="2">
+            <a:schemeClr val="dk1"/>
+          </a:lnRef>
+          <a:fillRef idx="1">
+            <a:schemeClr val="lt1"/>
+          </a:fillRef>
+          <a:effectRef idx="0">
+            <a:schemeClr val="dk1"/>
+          </a:effectRef>
+          <a:fontRef idx="minor">
+            <a:schemeClr val="dk1"/>
+          </a:fontRef>
+        </p:style>
+        <p:txBody>
+          <a:bodyPr rtlCol="0" anchor="ctr"/>
+          <a:lstStyle/>
+          <a:p>
+            <a:pPr algn="ctr"/>
+            <a:endParaRPr lang="zh-CN" altLang="en-US" dirty="0"/>
+          </a:p>
+        </p:txBody>
+      </p:sp>
+      <p:cxnSp>
+        <p:nvCxnSpPr>
+          <p:cNvPr id="7" name="直接连接符 6">
+            <a:extLst>
+              <a:ext uri="{FF2B5EF4-FFF2-40B4-BE49-F238E27FC236}">
+                <a16:creationId xmlns:a16="http://schemas.microsoft.com/office/drawing/2014/main" id="{C1B25220-4793-442A-97B9-A68CF3E9A201}"/>
+              </a:ext>
+            </a:extLst>
+          </p:cNvPr>
+          <p:cNvCxnSpPr>
+            <a:cxnSpLocks/>
+          </p:cNvCxnSpPr>
+          <p:nvPr/>
+        </p:nvCxnSpPr>
+        <p:spPr>
+          <a:xfrm flipH="1">
+            <a:off x="4917493" y="2882622"/>
+            <a:ext cx="1544895" cy="0"/>
+          </a:xfrm>
+          <a:prstGeom prst="line">
+            <a:avLst/>
+          </a:prstGeom>
+        </p:spPr>
+        <p:style>
+          <a:lnRef idx="1">
+            <a:schemeClr val="dk1"/>
+          </a:lnRef>
+          <a:fillRef idx="0">
+            <a:schemeClr val="dk1"/>
+          </a:fillRef>
+          <a:effectRef idx="0">
+            <a:schemeClr val="dk1"/>
+          </a:effectRef>
+          <a:fontRef idx="minor">
+            <a:schemeClr val="tx1"/>
+          </a:fontRef>
+        </p:style>
+      </p:cxnSp>
+      <p:sp>
+        <p:nvSpPr>
+          <p:cNvPr id="14" name="文本框 13">
+            <a:extLst>
+              <a:ext uri="{FF2B5EF4-FFF2-40B4-BE49-F238E27FC236}">
+                <a16:creationId xmlns:a16="http://schemas.microsoft.com/office/drawing/2014/main" id="{12D3878E-5BA1-4B15-8640-5894C1A4D6B9}"/>
+              </a:ext>
+            </a:extLst>
+          </p:cNvPr>
+          <p:cNvSpPr txBox="1"/>
+          <p:nvPr/>
+        </p:nvSpPr>
+        <p:spPr>
+          <a:xfrm>
+            <a:off x="5255300" y="3468551"/>
+            <a:ext cx="860399" cy="276999"/>
+          </a:xfrm>
+          <a:prstGeom prst="rect">
+            <a:avLst/>
+          </a:prstGeom>
+          <a:noFill/>
+        </p:spPr>
+        <p:txBody>
+          <a:bodyPr wrap="square" rtlCol="0">
+            <a:spAutoFit/>
+          </a:bodyPr>
+          <a:lstStyle/>
+          <a:p>
+            <a:pPr algn="ctr"/>
+            <a:r>
+              <a:rPr lang="en-US" altLang="zh-CN" sz="1200" dirty="0" err="1">
+                <a:latin typeface="Courier New" panose="02070309020205020404" pitchFamily="49" charset="0"/>
+                <a:cs typeface="Courier New" panose="02070309020205020404" pitchFamily="49" charset="0"/>
+              </a:rPr>
+              <a:t>ptr</a:t>
+            </a:r>
+            <a:endParaRPr lang="zh-CN" altLang="en-US" sz="1200" dirty="0">
+              <a:latin typeface="Courier New" panose="02070309020205020404" pitchFamily="49" charset="0"/>
+              <a:cs typeface="Courier New" panose="02070309020205020404" pitchFamily="49" charset="0"/>
+            </a:endParaRPr>
+          </a:p>
+        </p:txBody>
+      </p:sp>
+      <p:cxnSp>
+        <p:nvCxnSpPr>
+          <p:cNvPr id="27" name="直接连接符 26">
+            <a:extLst>
+              <a:ext uri="{FF2B5EF4-FFF2-40B4-BE49-F238E27FC236}">
+                <a16:creationId xmlns:a16="http://schemas.microsoft.com/office/drawing/2014/main" id="{B11888DE-B1C6-4CDC-B972-7A1FCECE0EF1}"/>
+              </a:ext>
+            </a:extLst>
+          </p:cNvPr>
+          <p:cNvCxnSpPr>
+            <a:cxnSpLocks/>
+          </p:cNvCxnSpPr>
+          <p:nvPr/>
+        </p:nvCxnSpPr>
+        <p:spPr>
+          <a:xfrm flipH="1">
+            <a:off x="4917493" y="2266633"/>
+            <a:ext cx="1544895" cy="0"/>
+          </a:xfrm>
+          <a:prstGeom prst="line">
+            <a:avLst/>
+          </a:prstGeom>
+        </p:spPr>
+        <p:style>
+          <a:lnRef idx="1">
+            <a:schemeClr val="dk1"/>
+          </a:lnRef>
+          <a:fillRef idx="0">
+            <a:schemeClr val="dk1"/>
+          </a:fillRef>
+          <a:effectRef idx="0">
+            <a:schemeClr val="dk1"/>
+          </a:effectRef>
+          <a:fontRef idx="minor">
+            <a:schemeClr val="tx1"/>
+          </a:fontRef>
+        </p:style>
+      </p:cxnSp>
+      <p:sp>
+        <p:nvSpPr>
+          <p:cNvPr id="31" name="文本框 30">
+            <a:extLst>
+              <a:ext uri="{FF2B5EF4-FFF2-40B4-BE49-F238E27FC236}">
+                <a16:creationId xmlns:a16="http://schemas.microsoft.com/office/drawing/2014/main" id="{439A6F0D-BCEF-4017-904F-BCC04877FE86}"/>
+              </a:ext>
+            </a:extLst>
+          </p:cNvPr>
+          <p:cNvSpPr txBox="1"/>
+          <p:nvPr/>
+        </p:nvSpPr>
+        <p:spPr>
+          <a:xfrm>
+            <a:off x="5019905" y="1759705"/>
+            <a:ext cx="1348948" cy="461665"/>
+          </a:xfrm>
+          <a:prstGeom prst="rect">
+            <a:avLst/>
+          </a:prstGeom>
+          <a:noFill/>
+        </p:spPr>
+        <p:txBody>
+          <a:bodyPr wrap="square" rtlCol="0">
+            <a:spAutoFit/>
+          </a:bodyPr>
+          <a:lstStyle/>
+          <a:p>
+            <a:pPr algn="ctr"/>
+            <a:r>
+              <a:rPr lang="en-US" altLang="zh-CN" sz="1200" dirty="0">
+                <a:latin typeface="Courier New" panose="02070309020205020404" pitchFamily="49" charset="0"/>
+                <a:cs typeface="Courier New" panose="02070309020205020404" pitchFamily="49" charset="0"/>
+              </a:rPr>
+              <a:t>type</a:t>
+            </a:r>
+          </a:p>
+          <a:p>
+            <a:pPr algn="ctr"/>
+            <a:r>
+              <a:rPr lang="en-US" altLang="zh-CN" sz="1200" dirty="0">
+                <a:solidFill>
+                  <a:srgbClr val="FF0000"/>
+                </a:solidFill>
+                <a:latin typeface="Courier New" panose="02070309020205020404" pitchFamily="49" charset="0"/>
+                <a:cs typeface="Courier New" panose="02070309020205020404" pitchFamily="49" charset="0"/>
+              </a:rPr>
+              <a:t>OBJ_STRING</a:t>
+            </a:r>
+            <a:endParaRPr lang="zh-CN" altLang="en-US" sz="1200" dirty="0">
+              <a:solidFill>
+                <a:srgbClr val="FF0000"/>
+              </a:solidFill>
+              <a:latin typeface="Courier New" panose="02070309020205020404" pitchFamily="49" charset="0"/>
+              <a:cs typeface="Courier New" panose="02070309020205020404" pitchFamily="49" charset="0"/>
+            </a:endParaRPr>
+          </a:p>
+        </p:txBody>
+      </p:sp>
+      <p:sp>
+        <p:nvSpPr>
+          <p:cNvPr id="32" name="文本框 31">
+            <a:extLst>
+              <a:ext uri="{FF2B5EF4-FFF2-40B4-BE49-F238E27FC236}">
+                <a16:creationId xmlns:a16="http://schemas.microsoft.com/office/drawing/2014/main" id="{B06F2CBB-9C70-4880-899E-EF0E79B3CA0B}"/>
+              </a:ext>
+            </a:extLst>
+          </p:cNvPr>
+          <p:cNvSpPr txBox="1"/>
+          <p:nvPr/>
+        </p:nvSpPr>
+        <p:spPr>
+          <a:xfrm>
+            <a:off x="4851556" y="2343757"/>
+            <a:ext cx="1685646" cy="461665"/>
+          </a:xfrm>
+          <a:prstGeom prst="rect">
+            <a:avLst/>
+          </a:prstGeom>
+          <a:noFill/>
+        </p:spPr>
+        <p:txBody>
+          <a:bodyPr wrap="square" rtlCol="0">
+            <a:spAutoFit/>
+          </a:bodyPr>
+          <a:lstStyle/>
+          <a:p>
+            <a:pPr algn="ctr"/>
+            <a:r>
+              <a:rPr lang="en-US" altLang="zh-CN" sz="1200" dirty="0">
+                <a:latin typeface="Courier New" panose="02070309020205020404" pitchFamily="49" charset="0"/>
+                <a:cs typeface="Courier New" panose="02070309020205020404" pitchFamily="49" charset="0"/>
+              </a:rPr>
+              <a:t>encoding</a:t>
+            </a:r>
+          </a:p>
+          <a:p>
+            <a:pPr algn="ctr"/>
+            <a:r>
+              <a:rPr lang="en-US" altLang="zh-CN" sz="1200" dirty="0">
+                <a:solidFill>
+                  <a:srgbClr val="FF0000"/>
+                </a:solidFill>
+                <a:latin typeface="Courier New" panose="02070309020205020404" pitchFamily="49" charset="0"/>
+                <a:cs typeface="Courier New" panose="02070309020205020404" pitchFamily="49" charset="0"/>
+              </a:rPr>
+              <a:t>OBJ_ENCODING_INT</a:t>
+            </a:r>
+            <a:endParaRPr lang="zh-CN" altLang="en-US" sz="1200" dirty="0">
+              <a:solidFill>
+                <a:srgbClr val="FF0000"/>
+              </a:solidFill>
+              <a:latin typeface="Courier New" panose="02070309020205020404" pitchFamily="49" charset="0"/>
+              <a:cs typeface="Courier New" panose="02070309020205020404" pitchFamily="49" charset="0"/>
+            </a:endParaRPr>
+          </a:p>
+        </p:txBody>
+      </p:sp>
+      <p:sp>
+        <p:nvSpPr>
+          <p:cNvPr id="33" name="文本框 32">
+            <a:extLst>
+              <a:ext uri="{FF2B5EF4-FFF2-40B4-BE49-F238E27FC236}">
+                <a16:creationId xmlns:a16="http://schemas.microsoft.com/office/drawing/2014/main" id="{7B5EF4CB-C9D7-4AD0-A1B8-D1D46C1115B0}"/>
+              </a:ext>
+            </a:extLst>
+          </p:cNvPr>
+          <p:cNvSpPr txBox="1"/>
+          <p:nvPr/>
+        </p:nvSpPr>
+        <p:spPr>
+          <a:xfrm>
+            <a:off x="5255299" y="2962527"/>
+            <a:ext cx="860399" cy="276999"/>
+          </a:xfrm>
+          <a:prstGeom prst="rect">
+            <a:avLst/>
+          </a:prstGeom>
+          <a:noFill/>
+        </p:spPr>
+        <p:txBody>
+          <a:bodyPr wrap="square" rtlCol="0">
+            <a:spAutoFit/>
+          </a:bodyPr>
+          <a:lstStyle/>
+          <a:p>
+            <a:pPr algn="ctr"/>
+            <a:r>
+              <a:rPr lang="en-US" altLang="zh-CN" sz="1200" dirty="0">
+                <a:latin typeface="Courier New" panose="02070309020205020404" pitchFamily="49" charset="0"/>
+                <a:cs typeface="Courier New" panose="02070309020205020404" pitchFamily="49" charset="0"/>
+              </a:rPr>
+              <a:t>……</a:t>
+            </a:r>
+            <a:endParaRPr lang="zh-CN" altLang="en-US" sz="1200" dirty="0">
+              <a:latin typeface="Courier New" panose="02070309020205020404" pitchFamily="49" charset="0"/>
+              <a:cs typeface="Courier New" panose="02070309020205020404" pitchFamily="49" charset="0"/>
+            </a:endParaRPr>
+          </a:p>
+        </p:txBody>
+      </p:sp>
+      <p:cxnSp>
+        <p:nvCxnSpPr>
+          <p:cNvPr id="9" name="直接连接符 8">
+            <a:extLst>
+              <a:ext uri="{FF2B5EF4-FFF2-40B4-BE49-F238E27FC236}">
+                <a16:creationId xmlns:a16="http://schemas.microsoft.com/office/drawing/2014/main" id="{7EF85B8C-89AD-491E-B077-1DCE8128CDDA}"/>
+              </a:ext>
+            </a:extLst>
+          </p:cNvPr>
+          <p:cNvCxnSpPr>
+            <a:cxnSpLocks/>
+          </p:cNvCxnSpPr>
+          <p:nvPr/>
+        </p:nvCxnSpPr>
+        <p:spPr>
+          <a:xfrm>
+            <a:off x="4917492" y="3364633"/>
+            <a:ext cx="1544896" cy="0"/>
+          </a:xfrm>
+          <a:prstGeom prst="line">
+            <a:avLst/>
+          </a:prstGeom>
+        </p:spPr>
+        <p:style>
+          <a:lnRef idx="1">
+            <a:schemeClr val="dk1"/>
+          </a:lnRef>
+          <a:fillRef idx="0">
+            <a:schemeClr val="dk1"/>
+          </a:fillRef>
+          <a:effectRef idx="0">
+            <a:schemeClr val="dk1"/>
+          </a:effectRef>
+          <a:fontRef idx="minor">
+            <a:schemeClr val="tx1"/>
+          </a:fontRef>
+        </p:style>
+      </p:cxnSp>
+      <p:cxnSp>
+        <p:nvCxnSpPr>
+          <p:cNvPr id="15" name="直接箭头连接符 14">
+            <a:extLst>
+              <a:ext uri="{FF2B5EF4-FFF2-40B4-BE49-F238E27FC236}">
+                <a16:creationId xmlns:a16="http://schemas.microsoft.com/office/drawing/2014/main" id="{2D48735C-2FF0-43B7-A630-6064ED104EFC}"/>
+              </a:ext>
+            </a:extLst>
+          </p:cNvPr>
+          <p:cNvCxnSpPr>
+            <a:cxnSpLocks/>
+          </p:cNvCxnSpPr>
+          <p:nvPr/>
+        </p:nvCxnSpPr>
+        <p:spPr>
+          <a:xfrm>
+            <a:off x="6471266" y="3658586"/>
+            <a:ext cx="798988" cy="0"/>
+          </a:xfrm>
+          <a:prstGeom prst="straightConnector1">
+            <a:avLst/>
+          </a:prstGeom>
+          <a:ln>
+            <a:solidFill>
+              <a:srgbClr val="FF0000"/>
+            </a:solidFill>
+            <a:tailEnd type="triangle"/>
+          </a:ln>
+        </p:spPr>
+        <p:style>
+          <a:lnRef idx="3">
+            <a:schemeClr val="accent2"/>
+          </a:lnRef>
+          <a:fillRef idx="0">
+            <a:schemeClr val="accent2"/>
+          </a:fillRef>
+          <a:effectRef idx="2">
+            <a:schemeClr val="accent2"/>
+          </a:effectRef>
+          <a:fontRef idx="minor">
+            <a:schemeClr val="tx1"/>
+          </a:fontRef>
+        </p:style>
+      </p:cxnSp>
+      <p:sp>
+        <p:nvSpPr>
+          <p:cNvPr id="16" name="矩形 15">
+            <a:extLst>
+              <a:ext uri="{FF2B5EF4-FFF2-40B4-BE49-F238E27FC236}">
+                <a16:creationId xmlns:a16="http://schemas.microsoft.com/office/drawing/2014/main" id="{B2D96C2A-C598-4357-B0C9-937850FF26C5}"/>
+              </a:ext>
+            </a:extLst>
+          </p:cNvPr>
+          <p:cNvSpPr/>
+          <p:nvPr/>
+        </p:nvSpPr>
+        <p:spPr>
+          <a:xfrm>
+            <a:off x="7278990" y="3520128"/>
+            <a:ext cx="1029810" cy="276916"/>
+          </a:xfrm>
+          <a:prstGeom prst="rect">
+            <a:avLst/>
+          </a:prstGeom>
+        </p:spPr>
+        <p:style>
+          <a:lnRef idx="2">
+            <a:schemeClr val="dk1"/>
+          </a:lnRef>
+          <a:fillRef idx="1">
+            <a:schemeClr val="lt1"/>
+          </a:fillRef>
+          <a:effectRef idx="0">
+            <a:schemeClr val="dk1"/>
+          </a:effectRef>
+          <a:fontRef idx="minor">
+            <a:schemeClr val="dk1"/>
+          </a:fontRef>
+        </p:style>
+        <p:txBody>
+          <a:bodyPr rtlCol="0" anchor="ctr"/>
+          <a:lstStyle/>
+          <a:p>
+            <a:pPr algn="ctr"/>
+            <a:r>
+              <a:rPr lang="en-US" altLang="zh-CN" dirty="0">
+                <a:latin typeface="Courier New" panose="02070309020205020404" pitchFamily="49" charset="0"/>
+                <a:cs typeface="Courier New" panose="02070309020205020404" pitchFamily="49" charset="0"/>
+              </a:rPr>
+              <a:t>10086</a:t>
+            </a:r>
+            <a:endParaRPr lang="zh-CN" altLang="en-US" dirty="0">
+              <a:latin typeface="Courier New" panose="02070309020205020404" pitchFamily="49" charset="0"/>
+              <a:cs typeface="Courier New" panose="02070309020205020404" pitchFamily="49" charset="0"/>
+            </a:endParaRPr>
+          </a:p>
+        </p:txBody>
+      </p:sp>
+      <p:sp>
+        <p:nvSpPr>
+          <p:cNvPr id="18" name="文本框 17">
+            <a:extLst>
+              <a:ext uri="{FF2B5EF4-FFF2-40B4-BE49-F238E27FC236}">
+                <a16:creationId xmlns:a16="http://schemas.microsoft.com/office/drawing/2014/main" id="{9618831F-61FA-4759-950A-04CBC6012494}"/>
+              </a:ext>
+            </a:extLst>
+          </p:cNvPr>
+          <p:cNvSpPr txBox="1"/>
+          <p:nvPr/>
+        </p:nvSpPr>
+        <p:spPr>
+          <a:xfrm>
+            <a:off x="4908613" y="1369269"/>
+            <a:ext cx="1685646" cy="338554"/>
+          </a:xfrm>
+          <a:prstGeom prst="rect">
+            <a:avLst/>
+          </a:prstGeom>
+          <a:noFill/>
+        </p:spPr>
+        <p:txBody>
+          <a:bodyPr wrap="square" rtlCol="0">
+            <a:spAutoFit/>
+          </a:bodyPr>
+          <a:lstStyle/>
+          <a:p>
+            <a:r>
+              <a:rPr lang="en-US" altLang="zh-CN" sz="1600" dirty="0" err="1">
+                <a:latin typeface="Courier New" panose="02070309020205020404" pitchFamily="49" charset="0"/>
+                <a:cs typeface="Courier New" panose="02070309020205020404" pitchFamily="49" charset="0"/>
+              </a:rPr>
+              <a:t>redisObject</a:t>
+            </a:r>
+            <a:endParaRPr lang="zh-CN" altLang="en-US" sz="1600" dirty="0">
+              <a:latin typeface="Courier New" panose="02070309020205020404" pitchFamily="49" charset="0"/>
+              <a:cs typeface="Courier New" panose="02070309020205020404" pitchFamily="49" charset="0"/>
+            </a:endParaRPr>
+          </a:p>
+        </p:txBody>
+      </p:sp>
+    </p:spTree>
+    <p:extLst>
+      <p:ext uri="{BB962C8B-B14F-4D97-AF65-F5344CB8AC3E}">
+        <p14:creationId xmlns:p14="http://schemas.microsoft.com/office/powerpoint/2010/main" val="3698003272"/>
+      </p:ext>
+    </p:extLst>
+  </p:cSld>
+  <p:clrMapOvr>
+    <a:masterClrMapping/>
+  </p:clrMapOvr>
+</p:sld>
+</file>
+
+<file path=ppt/slides/slide6.xml><?xml version="1.0" encoding="utf-8"?>
+<p:sld xmlns:a="http://schemas.openxmlformats.org/drawingml/2006/main" xmlns:r="http://schemas.openxmlformats.org/officeDocument/2006/relationships" xmlns:p="http://schemas.openxmlformats.org/presentationml/2006/main">
+  <p:cSld>
+    <p:spTree>
+      <p:nvGrpSpPr>
+        <p:cNvPr id="1" name=""/>
+        <p:cNvGrpSpPr/>
+        <p:nvPr/>
+      </p:nvGrpSpPr>
+      <p:grpSpPr>
+        <a:xfrm>
+          <a:off x="0" y="0"/>
+          <a:ext cx="0" cy="0"/>
+          <a:chOff x="0" y="0"/>
+          <a:chExt cx="0" cy="0"/>
+        </a:xfrm>
+      </p:grpSpPr>
+      <p:sp>
+        <p:nvSpPr>
+          <p:cNvPr id="4" name="矩形 3">
+            <a:extLst>
+              <a:ext uri="{FF2B5EF4-FFF2-40B4-BE49-F238E27FC236}">
+                <a16:creationId xmlns:a16="http://schemas.microsoft.com/office/drawing/2014/main" id="{5A63A200-8D0F-4818-BC9F-9D43BA28D939}"/>
+              </a:ext>
+            </a:extLst>
+          </p:cNvPr>
+          <p:cNvSpPr/>
+          <p:nvPr/>
+        </p:nvSpPr>
+        <p:spPr>
+          <a:xfrm rot="16200000">
+            <a:off x="5615323" y="-1075615"/>
+            <a:ext cx="897363" cy="5964684"/>
+          </a:xfrm>
+          <a:prstGeom prst="rect">
+            <a:avLst/>
+          </a:prstGeom>
+        </p:spPr>
+        <p:style>
+          <a:lnRef idx="2">
+            <a:schemeClr val="dk1"/>
+          </a:lnRef>
+          <a:fillRef idx="1">
+            <a:schemeClr val="lt1"/>
+          </a:fillRef>
+          <a:effectRef idx="0">
+            <a:schemeClr val="dk1"/>
+          </a:effectRef>
+          <a:fontRef idx="minor">
+            <a:schemeClr val="dk1"/>
+          </a:fontRef>
+        </p:style>
+        <p:txBody>
+          <a:bodyPr rtlCol="0" anchor="ctr"/>
+          <a:lstStyle/>
+          <a:p>
+            <a:pPr algn="ctr"/>
+            <a:endParaRPr lang="zh-CN" altLang="en-US" dirty="0"/>
+          </a:p>
+        </p:txBody>
+      </p:sp>
+      <p:cxnSp>
+        <p:nvCxnSpPr>
+          <p:cNvPr id="7" name="直接连接符 6">
+            <a:extLst>
+              <a:ext uri="{FF2B5EF4-FFF2-40B4-BE49-F238E27FC236}">
+                <a16:creationId xmlns:a16="http://schemas.microsoft.com/office/drawing/2014/main" id="{C1B25220-4793-442A-97B9-A68CF3E9A201}"/>
+              </a:ext>
+            </a:extLst>
+          </p:cNvPr>
+          <p:cNvCxnSpPr>
+            <a:cxnSpLocks/>
+          </p:cNvCxnSpPr>
+          <p:nvPr/>
+        </p:nvCxnSpPr>
+        <p:spPr>
+          <a:xfrm flipV="1">
+            <a:off x="4133536" y="1871819"/>
+            <a:ext cx="0" cy="483590"/>
+          </a:xfrm>
+          <a:prstGeom prst="line">
+            <a:avLst/>
+          </a:prstGeom>
+        </p:spPr>
+        <p:style>
+          <a:lnRef idx="1">
+            <a:schemeClr val="dk1"/>
+          </a:lnRef>
+          <a:fillRef idx="0">
+            <a:schemeClr val="dk1"/>
+          </a:fillRef>
+          <a:effectRef idx="0">
+            <a:schemeClr val="dk1"/>
+          </a:effectRef>
+          <a:fontRef idx="minor">
+            <a:schemeClr val="tx1"/>
+          </a:fontRef>
+        </p:style>
+      </p:cxnSp>
+      <p:sp>
+        <p:nvSpPr>
+          <p:cNvPr id="14" name="文本框 13">
+            <a:extLst>
+              <a:ext uri="{FF2B5EF4-FFF2-40B4-BE49-F238E27FC236}">
+                <a16:creationId xmlns:a16="http://schemas.microsoft.com/office/drawing/2014/main" id="{12D3878E-5BA1-4B15-8640-5894C1A4D6B9}"/>
+              </a:ext>
+            </a:extLst>
+          </p:cNvPr>
+          <p:cNvSpPr txBox="1"/>
+          <p:nvPr/>
+        </p:nvSpPr>
+        <p:spPr>
+          <a:xfrm>
+            <a:off x="6631034" y="1975115"/>
+            <a:ext cx="860399" cy="276999"/>
+          </a:xfrm>
+          <a:prstGeom prst="rect">
+            <a:avLst/>
+          </a:prstGeom>
+          <a:noFill/>
+        </p:spPr>
+        <p:txBody>
+          <a:bodyPr wrap="square" rtlCol="0">
+            <a:spAutoFit/>
+          </a:bodyPr>
+          <a:lstStyle/>
+          <a:p>
+            <a:pPr algn="ctr"/>
+            <a:r>
+              <a:rPr lang="en-US" altLang="zh-CN" sz="1200" dirty="0" err="1">
+                <a:latin typeface="Courier New" panose="02070309020205020404" pitchFamily="49" charset="0"/>
+                <a:cs typeface="Courier New" panose="02070309020205020404" pitchFamily="49" charset="0"/>
+              </a:rPr>
+              <a:t>ptr</a:t>
+            </a:r>
+            <a:endParaRPr lang="zh-CN" altLang="en-US" sz="1200" dirty="0">
+              <a:latin typeface="Courier New" panose="02070309020205020404" pitchFamily="49" charset="0"/>
+              <a:cs typeface="Courier New" panose="02070309020205020404" pitchFamily="49" charset="0"/>
+            </a:endParaRPr>
+          </a:p>
+        </p:txBody>
+      </p:sp>
+      <p:sp>
+        <p:nvSpPr>
+          <p:cNvPr id="31" name="文本框 30">
+            <a:extLst>
+              <a:ext uri="{FF2B5EF4-FFF2-40B4-BE49-F238E27FC236}">
+                <a16:creationId xmlns:a16="http://schemas.microsoft.com/office/drawing/2014/main" id="{439A6F0D-BCEF-4017-904F-BCC04877FE86}"/>
+              </a:ext>
+            </a:extLst>
+          </p:cNvPr>
+          <p:cNvSpPr txBox="1"/>
+          <p:nvPr/>
+        </p:nvSpPr>
+        <p:spPr>
+          <a:xfrm>
+            <a:off x="2939799" y="1848481"/>
+            <a:ext cx="1348948" cy="461665"/>
+          </a:xfrm>
+          <a:prstGeom prst="rect">
+            <a:avLst/>
+          </a:prstGeom>
+          <a:noFill/>
+        </p:spPr>
+        <p:txBody>
+          <a:bodyPr wrap="square" rtlCol="0">
+            <a:spAutoFit/>
+          </a:bodyPr>
+          <a:lstStyle/>
+          <a:p>
+            <a:pPr algn="ctr"/>
+            <a:r>
+              <a:rPr lang="en-US" altLang="zh-CN" sz="1200" dirty="0">
+                <a:latin typeface="Courier New" panose="02070309020205020404" pitchFamily="49" charset="0"/>
+                <a:cs typeface="Courier New" panose="02070309020205020404" pitchFamily="49" charset="0"/>
+              </a:rPr>
+              <a:t>type</a:t>
+            </a:r>
+          </a:p>
+          <a:p>
+            <a:pPr algn="ctr"/>
+            <a:r>
+              <a:rPr lang="en-US" altLang="zh-CN" sz="1200" dirty="0">
+                <a:solidFill>
+                  <a:srgbClr val="FF0000"/>
+                </a:solidFill>
+                <a:latin typeface="Courier New" panose="02070309020205020404" pitchFamily="49" charset="0"/>
+                <a:cs typeface="Courier New" panose="02070309020205020404" pitchFamily="49" charset="0"/>
+              </a:rPr>
+              <a:t>OBJ_STRING</a:t>
+            </a:r>
+            <a:endParaRPr lang="zh-CN" altLang="en-US" sz="1200" dirty="0">
+              <a:solidFill>
+                <a:srgbClr val="FF0000"/>
+              </a:solidFill>
+              <a:latin typeface="Courier New" panose="02070309020205020404" pitchFamily="49" charset="0"/>
+              <a:cs typeface="Courier New" panose="02070309020205020404" pitchFamily="49" charset="0"/>
+            </a:endParaRPr>
+          </a:p>
+        </p:txBody>
+      </p:sp>
+      <p:sp>
+        <p:nvSpPr>
+          <p:cNvPr id="32" name="文本框 31">
+            <a:extLst>
+              <a:ext uri="{FF2B5EF4-FFF2-40B4-BE49-F238E27FC236}">
+                <a16:creationId xmlns:a16="http://schemas.microsoft.com/office/drawing/2014/main" id="{B06F2CBB-9C70-4880-899E-EF0E79B3CA0B}"/>
+              </a:ext>
+            </a:extLst>
+          </p:cNvPr>
+          <p:cNvSpPr txBox="1"/>
+          <p:nvPr/>
+        </p:nvSpPr>
+        <p:spPr>
+          <a:xfrm>
+            <a:off x="4106834" y="1848481"/>
+            <a:ext cx="1989166" cy="461665"/>
+          </a:xfrm>
+          <a:prstGeom prst="rect">
+            <a:avLst/>
+          </a:prstGeom>
+          <a:noFill/>
+        </p:spPr>
+        <p:txBody>
+          <a:bodyPr wrap="square" rtlCol="0">
+            <a:spAutoFit/>
+          </a:bodyPr>
+          <a:lstStyle/>
+          <a:p>
+            <a:pPr algn="ctr"/>
+            <a:r>
+              <a:rPr lang="en-US" altLang="zh-CN" sz="1200" dirty="0">
+                <a:latin typeface="Courier New" panose="02070309020205020404" pitchFamily="49" charset="0"/>
+                <a:cs typeface="Courier New" panose="02070309020205020404" pitchFamily="49" charset="0"/>
+              </a:rPr>
+              <a:t>encoding</a:t>
+            </a:r>
+          </a:p>
+          <a:p>
+            <a:pPr algn="ctr"/>
+            <a:r>
+              <a:rPr lang="en-US" altLang="zh-CN" sz="1200" dirty="0">
+                <a:solidFill>
+                  <a:srgbClr val="FF0000"/>
+                </a:solidFill>
+                <a:latin typeface="Courier New" panose="02070309020205020404" pitchFamily="49" charset="0"/>
+                <a:cs typeface="Courier New" panose="02070309020205020404" pitchFamily="49" charset="0"/>
+              </a:rPr>
+              <a:t>OBJ_ENCODING_EMBSTR</a:t>
+            </a:r>
+            <a:endParaRPr lang="zh-CN" altLang="en-US" sz="1200" dirty="0">
+              <a:solidFill>
+                <a:srgbClr val="FF0000"/>
+              </a:solidFill>
+              <a:latin typeface="Courier New" panose="02070309020205020404" pitchFamily="49" charset="0"/>
+              <a:cs typeface="Courier New" panose="02070309020205020404" pitchFamily="49" charset="0"/>
+            </a:endParaRPr>
+          </a:p>
+        </p:txBody>
+      </p:sp>
+      <p:sp>
+        <p:nvSpPr>
+          <p:cNvPr id="33" name="文本框 32">
+            <a:extLst>
+              <a:ext uri="{FF2B5EF4-FFF2-40B4-BE49-F238E27FC236}">
+                <a16:creationId xmlns:a16="http://schemas.microsoft.com/office/drawing/2014/main" id="{7B5EF4CB-C9D7-4AD0-A1B8-D1D46C1115B0}"/>
+              </a:ext>
+            </a:extLst>
+          </p:cNvPr>
+          <p:cNvSpPr txBox="1"/>
+          <p:nvPr/>
+        </p:nvSpPr>
+        <p:spPr>
+          <a:xfrm>
+            <a:off x="5950223" y="1952483"/>
+            <a:ext cx="860399" cy="276999"/>
+          </a:xfrm>
+          <a:prstGeom prst="rect">
+            <a:avLst/>
+          </a:prstGeom>
+          <a:noFill/>
+        </p:spPr>
+        <p:txBody>
+          <a:bodyPr wrap="square" rtlCol="0">
+            <a:spAutoFit/>
+          </a:bodyPr>
+          <a:lstStyle/>
+          <a:p>
+            <a:pPr algn="ctr"/>
+            <a:r>
+              <a:rPr lang="en-US" altLang="zh-CN" sz="1200" dirty="0">
+                <a:latin typeface="Courier New" panose="02070309020205020404" pitchFamily="49" charset="0"/>
+                <a:cs typeface="Courier New" panose="02070309020205020404" pitchFamily="49" charset="0"/>
+              </a:rPr>
+              <a:t>……</a:t>
+            </a:r>
+            <a:endParaRPr lang="zh-CN" altLang="en-US" sz="1200" dirty="0">
+              <a:latin typeface="Courier New" panose="02070309020205020404" pitchFamily="49" charset="0"/>
+              <a:cs typeface="Courier New" panose="02070309020205020404" pitchFamily="49" charset="0"/>
+            </a:endParaRPr>
+          </a:p>
+        </p:txBody>
+      </p:sp>
+      <p:cxnSp>
+        <p:nvCxnSpPr>
+          <p:cNvPr id="9" name="直接连接符 8">
+            <a:extLst>
+              <a:ext uri="{FF2B5EF4-FFF2-40B4-BE49-F238E27FC236}">
+                <a16:creationId xmlns:a16="http://schemas.microsoft.com/office/drawing/2014/main" id="{7EF85B8C-89AD-491E-B077-1DCE8128CDDA}"/>
+              </a:ext>
+            </a:extLst>
+          </p:cNvPr>
+          <p:cNvCxnSpPr>
+            <a:cxnSpLocks/>
+          </p:cNvCxnSpPr>
+          <p:nvPr/>
+        </p:nvCxnSpPr>
+        <p:spPr>
+          <a:xfrm>
+            <a:off x="3081662" y="1871819"/>
+            <a:ext cx="5964685" cy="0"/>
+          </a:xfrm>
+          <a:prstGeom prst="line">
+            <a:avLst/>
+          </a:prstGeom>
+        </p:spPr>
+        <p:style>
+          <a:lnRef idx="1">
+            <a:schemeClr val="dk1"/>
+          </a:lnRef>
+          <a:fillRef idx="0">
+            <a:schemeClr val="dk1"/>
+          </a:fillRef>
+          <a:effectRef idx="0">
+            <a:schemeClr val="dk1"/>
+          </a:effectRef>
+          <a:fontRef idx="minor">
+            <a:schemeClr val="tx1"/>
+          </a:fontRef>
+        </p:style>
+      </p:cxnSp>
+      <p:sp>
+        <p:nvSpPr>
+          <p:cNvPr id="18" name="文本框 17">
+            <a:extLst>
+              <a:ext uri="{FF2B5EF4-FFF2-40B4-BE49-F238E27FC236}">
+                <a16:creationId xmlns:a16="http://schemas.microsoft.com/office/drawing/2014/main" id="{9618831F-61FA-4759-950A-04CBC6012494}"/>
+              </a:ext>
+            </a:extLst>
+          </p:cNvPr>
+          <p:cNvSpPr txBox="1"/>
+          <p:nvPr/>
+        </p:nvSpPr>
+        <p:spPr>
+          <a:xfrm>
+            <a:off x="4224741" y="1483986"/>
+            <a:ext cx="1685646" cy="338554"/>
+          </a:xfrm>
+          <a:prstGeom prst="rect">
+            <a:avLst/>
+          </a:prstGeom>
+          <a:noFill/>
+        </p:spPr>
+        <p:txBody>
+          <a:bodyPr wrap="square" rtlCol="0">
+            <a:spAutoFit/>
+          </a:bodyPr>
+          <a:lstStyle/>
+          <a:p>
+            <a:pPr algn="ctr"/>
+            <a:r>
+              <a:rPr lang="en-US" altLang="zh-CN" sz="1600" dirty="0" err="1">
+                <a:latin typeface="Courier New" panose="02070309020205020404" pitchFamily="49" charset="0"/>
+                <a:cs typeface="Courier New" panose="02070309020205020404" pitchFamily="49" charset="0"/>
+              </a:rPr>
+              <a:t>redisObject</a:t>
+            </a:r>
+            <a:endParaRPr lang="zh-CN" altLang="en-US" sz="1600" dirty="0">
+              <a:latin typeface="Courier New" panose="02070309020205020404" pitchFamily="49" charset="0"/>
+              <a:cs typeface="Courier New" panose="02070309020205020404" pitchFamily="49" charset="0"/>
+            </a:endParaRPr>
+          </a:p>
+        </p:txBody>
+      </p:sp>
+      <p:cxnSp>
+        <p:nvCxnSpPr>
+          <p:cNvPr id="39" name="直接连接符 38">
+            <a:extLst>
+              <a:ext uri="{FF2B5EF4-FFF2-40B4-BE49-F238E27FC236}">
+                <a16:creationId xmlns:a16="http://schemas.microsoft.com/office/drawing/2014/main" id="{E9D0FB53-E0CD-4D8A-97A5-8E174E821E67}"/>
+              </a:ext>
+            </a:extLst>
+          </p:cNvPr>
+          <p:cNvCxnSpPr>
+            <a:endCxn id="4" idx="1"/>
+          </p:cNvCxnSpPr>
+          <p:nvPr/>
+        </p:nvCxnSpPr>
+        <p:spPr>
+          <a:xfrm>
+            <a:off x="6064004" y="1871819"/>
+            <a:ext cx="1" cy="483590"/>
+          </a:xfrm>
+          <a:prstGeom prst="line">
+            <a:avLst/>
+          </a:prstGeom>
+        </p:spPr>
+        <p:style>
+          <a:lnRef idx="1">
+            <a:schemeClr val="dk1"/>
+          </a:lnRef>
+          <a:fillRef idx="0">
+            <a:schemeClr val="dk1"/>
+          </a:fillRef>
+          <a:effectRef idx="0">
+            <a:schemeClr val="dk1"/>
+          </a:effectRef>
+          <a:fontRef idx="minor">
+            <a:schemeClr val="tx1"/>
+          </a:fontRef>
+        </p:style>
+      </p:cxnSp>
+      <p:cxnSp>
+        <p:nvCxnSpPr>
+          <p:cNvPr id="40" name="直接连接符 39">
+            <a:extLst>
+              <a:ext uri="{FF2B5EF4-FFF2-40B4-BE49-F238E27FC236}">
+                <a16:creationId xmlns:a16="http://schemas.microsoft.com/office/drawing/2014/main" id="{430BE6F7-D0A1-4B0A-BAFA-7EED9E7A15D8}"/>
+              </a:ext>
+            </a:extLst>
+          </p:cNvPr>
+          <p:cNvCxnSpPr/>
+          <p:nvPr/>
+        </p:nvCxnSpPr>
+        <p:spPr>
+          <a:xfrm>
+            <a:off x="6695798" y="1871819"/>
+            <a:ext cx="1" cy="483590"/>
+          </a:xfrm>
+          <a:prstGeom prst="line">
+            <a:avLst/>
+          </a:prstGeom>
+        </p:spPr>
+        <p:style>
+          <a:lnRef idx="1">
+            <a:schemeClr val="dk1"/>
+          </a:lnRef>
+          <a:fillRef idx="0">
+            <a:schemeClr val="dk1"/>
+          </a:fillRef>
+          <a:effectRef idx="0">
+            <a:schemeClr val="dk1"/>
+          </a:effectRef>
+          <a:fontRef idx="minor">
+            <a:schemeClr val="tx1"/>
+          </a:fontRef>
+        </p:style>
+      </p:cxnSp>
+      <p:cxnSp>
+        <p:nvCxnSpPr>
+          <p:cNvPr id="41" name="直接连接符 40">
+            <a:extLst>
+              <a:ext uri="{FF2B5EF4-FFF2-40B4-BE49-F238E27FC236}">
+                <a16:creationId xmlns:a16="http://schemas.microsoft.com/office/drawing/2014/main" id="{DF078248-AB6B-42D6-B3A3-47E892BD5974}"/>
+              </a:ext>
+            </a:extLst>
+          </p:cNvPr>
+          <p:cNvCxnSpPr>
+            <a:cxnSpLocks/>
+          </p:cNvCxnSpPr>
+          <p:nvPr/>
+        </p:nvCxnSpPr>
+        <p:spPr>
+          <a:xfrm>
+            <a:off x="7410420" y="1458045"/>
+            <a:ext cx="0" cy="892519"/>
+          </a:xfrm>
+          <a:prstGeom prst="line">
+            <a:avLst/>
+          </a:prstGeom>
+        </p:spPr>
+        <p:style>
+          <a:lnRef idx="1">
+            <a:schemeClr val="dk1"/>
+          </a:lnRef>
+          <a:fillRef idx="0">
+            <a:schemeClr val="dk1"/>
+          </a:fillRef>
+          <a:effectRef idx="0">
+            <a:schemeClr val="dk1"/>
+          </a:effectRef>
+          <a:fontRef idx="minor">
+            <a:schemeClr val="tx1"/>
+          </a:fontRef>
+        </p:style>
+      </p:cxnSp>
+      <p:sp>
+        <p:nvSpPr>
+          <p:cNvPr id="43" name="文本框 42">
+            <a:extLst>
+              <a:ext uri="{FF2B5EF4-FFF2-40B4-BE49-F238E27FC236}">
+                <a16:creationId xmlns:a16="http://schemas.microsoft.com/office/drawing/2014/main" id="{93F64362-73C5-4E9C-8D7B-292B9001A0D6}"/>
+              </a:ext>
+            </a:extLst>
+          </p:cNvPr>
+          <p:cNvSpPr txBox="1"/>
+          <p:nvPr/>
+        </p:nvSpPr>
+        <p:spPr>
+          <a:xfrm>
+            <a:off x="7404250" y="1495655"/>
+            <a:ext cx="1685646" cy="338554"/>
+          </a:xfrm>
+          <a:prstGeom prst="rect">
+            <a:avLst/>
+          </a:prstGeom>
+          <a:noFill/>
+        </p:spPr>
+        <p:txBody>
+          <a:bodyPr wrap="square" rtlCol="0">
+            <a:spAutoFit/>
+          </a:bodyPr>
+          <a:lstStyle/>
+          <a:p>
+            <a:pPr algn="ctr"/>
+            <a:r>
+              <a:rPr lang="en-US" altLang="zh-CN" sz="1600" dirty="0" err="1">
+                <a:latin typeface="Courier New" panose="02070309020205020404" pitchFamily="49" charset="0"/>
+                <a:cs typeface="Courier New" panose="02070309020205020404" pitchFamily="49" charset="0"/>
+              </a:rPr>
+              <a:t>sdshdr</a:t>
+            </a:r>
+            <a:endParaRPr lang="zh-CN" altLang="en-US" sz="1600" dirty="0">
+              <a:latin typeface="Courier New" panose="02070309020205020404" pitchFamily="49" charset="0"/>
+              <a:cs typeface="Courier New" panose="02070309020205020404" pitchFamily="49" charset="0"/>
+            </a:endParaRPr>
+          </a:p>
+        </p:txBody>
+      </p:sp>
+      <p:cxnSp>
+        <p:nvCxnSpPr>
+          <p:cNvPr id="44" name="直接连接符 43">
+            <a:extLst>
+              <a:ext uri="{FF2B5EF4-FFF2-40B4-BE49-F238E27FC236}">
+                <a16:creationId xmlns:a16="http://schemas.microsoft.com/office/drawing/2014/main" id="{8721BD3C-89B2-44F4-B7FE-92971189A7C1}"/>
+              </a:ext>
+            </a:extLst>
+          </p:cNvPr>
+          <p:cNvCxnSpPr/>
+          <p:nvPr/>
+        </p:nvCxnSpPr>
+        <p:spPr>
+          <a:xfrm>
+            <a:off x="7983461" y="1871819"/>
+            <a:ext cx="1" cy="483590"/>
+          </a:xfrm>
+          <a:prstGeom prst="line">
+            <a:avLst/>
+          </a:prstGeom>
+        </p:spPr>
+        <p:style>
+          <a:lnRef idx="1">
+            <a:schemeClr val="dk1"/>
+          </a:lnRef>
+          <a:fillRef idx="0">
+            <a:schemeClr val="dk1"/>
+          </a:fillRef>
+          <a:effectRef idx="0">
+            <a:schemeClr val="dk1"/>
+          </a:effectRef>
+          <a:fontRef idx="minor">
+            <a:schemeClr val="tx1"/>
+          </a:fontRef>
+        </p:style>
+      </p:cxnSp>
+      <p:sp>
+        <p:nvSpPr>
+          <p:cNvPr id="45" name="文本框 44">
+            <a:extLst>
+              <a:ext uri="{FF2B5EF4-FFF2-40B4-BE49-F238E27FC236}">
+                <a16:creationId xmlns:a16="http://schemas.microsoft.com/office/drawing/2014/main" id="{73D8E7C0-E1D3-4AF6-BF83-934984362881}"/>
+              </a:ext>
+            </a:extLst>
+          </p:cNvPr>
+          <p:cNvSpPr txBox="1"/>
+          <p:nvPr/>
+        </p:nvSpPr>
+        <p:spPr>
+          <a:xfrm>
+            <a:off x="7114118" y="1944771"/>
+            <a:ext cx="860399" cy="276999"/>
+          </a:xfrm>
+          <a:prstGeom prst="rect">
+            <a:avLst/>
+          </a:prstGeom>
+          <a:noFill/>
+        </p:spPr>
+        <p:txBody>
+          <a:bodyPr wrap="square" rtlCol="0">
+            <a:spAutoFit/>
+          </a:bodyPr>
+          <a:lstStyle/>
+          <a:p>
+            <a:pPr algn="ctr"/>
+            <a:r>
+              <a:rPr lang="en-US" altLang="zh-CN" sz="1200" dirty="0">
+                <a:latin typeface="Courier New" panose="02070309020205020404" pitchFamily="49" charset="0"/>
+                <a:cs typeface="Courier New" panose="02070309020205020404" pitchFamily="49" charset="0"/>
+              </a:rPr>
+              <a:t>……</a:t>
+            </a:r>
+            <a:endParaRPr lang="zh-CN" altLang="en-US" sz="1200" dirty="0">
+              <a:latin typeface="Courier New" panose="02070309020205020404" pitchFamily="49" charset="0"/>
+              <a:cs typeface="Courier New" panose="02070309020205020404" pitchFamily="49" charset="0"/>
+            </a:endParaRPr>
+          </a:p>
+        </p:txBody>
+      </p:sp>
+      <p:cxnSp>
+        <p:nvCxnSpPr>
+          <p:cNvPr id="46" name="直接连接符 45">
+            <a:extLst>
+              <a:ext uri="{FF2B5EF4-FFF2-40B4-BE49-F238E27FC236}">
+                <a16:creationId xmlns:a16="http://schemas.microsoft.com/office/drawing/2014/main" id="{AFB9A9CC-F161-40EF-BBBD-3BB364DD6031}"/>
+              </a:ext>
+            </a:extLst>
+          </p:cNvPr>
+          <p:cNvCxnSpPr>
+            <a:cxnSpLocks/>
+          </p:cNvCxnSpPr>
+          <p:nvPr/>
+        </p:nvCxnSpPr>
+        <p:spPr>
+          <a:xfrm>
+            <a:off x="7983461" y="2079313"/>
+            <a:ext cx="1062886" cy="0"/>
+          </a:xfrm>
+          <a:prstGeom prst="line">
+            <a:avLst/>
+          </a:prstGeom>
+        </p:spPr>
+        <p:style>
+          <a:lnRef idx="1">
+            <a:schemeClr val="dk1"/>
+          </a:lnRef>
+          <a:fillRef idx="0">
+            <a:schemeClr val="dk1"/>
+          </a:fillRef>
+          <a:effectRef idx="0">
+            <a:schemeClr val="dk1"/>
+          </a:effectRef>
+          <a:fontRef idx="minor">
+            <a:schemeClr val="tx1"/>
+          </a:fontRef>
+        </p:style>
+      </p:cxnSp>
+      <p:sp>
+        <p:nvSpPr>
+          <p:cNvPr id="49" name="文本框 48">
+            <a:extLst>
+              <a:ext uri="{FF2B5EF4-FFF2-40B4-BE49-F238E27FC236}">
+                <a16:creationId xmlns:a16="http://schemas.microsoft.com/office/drawing/2014/main" id="{8FDDD7F5-245B-4327-9CEE-FC53C7F3F4C2}"/>
+              </a:ext>
+            </a:extLst>
+          </p:cNvPr>
+          <p:cNvSpPr txBox="1"/>
+          <p:nvPr/>
+        </p:nvSpPr>
+        <p:spPr>
+          <a:xfrm>
+            <a:off x="8076403" y="1834542"/>
+            <a:ext cx="860399" cy="276999"/>
+          </a:xfrm>
+          <a:prstGeom prst="rect">
+            <a:avLst/>
+          </a:prstGeom>
+          <a:noFill/>
+        </p:spPr>
+        <p:txBody>
+          <a:bodyPr wrap="square" rtlCol="0">
+            <a:spAutoFit/>
+          </a:bodyPr>
+          <a:lstStyle/>
+          <a:p>
+            <a:pPr algn="ctr"/>
+            <a:r>
+              <a:rPr lang="en-US" altLang="zh-CN" sz="1200" dirty="0" err="1">
+                <a:latin typeface="Courier New" panose="02070309020205020404" pitchFamily="49" charset="0"/>
+                <a:cs typeface="Courier New" panose="02070309020205020404" pitchFamily="49" charset="0"/>
+              </a:rPr>
+              <a:t>buf</a:t>
+            </a:r>
+            <a:endParaRPr lang="zh-CN" altLang="en-US" sz="1200" dirty="0">
+              <a:latin typeface="Courier New" panose="02070309020205020404" pitchFamily="49" charset="0"/>
+              <a:cs typeface="Courier New" panose="02070309020205020404" pitchFamily="49" charset="0"/>
+            </a:endParaRPr>
+          </a:p>
+        </p:txBody>
+      </p:sp>
+      <p:cxnSp>
+        <p:nvCxnSpPr>
+          <p:cNvPr id="50" name="直接连接符 49">
+            <a:extLst>
+              <a:ext uri="{FF2B5EF4-FFF2-40B4-BE49-F238E27FC236}">
+                <a16:creationId xmlns:a16="http://schemas.microsoft.com/office/drawing/2014/main" id="{38715D90-B496-4DC6-AB86-21047F16F495}"/>
+              </a:ext>
+            </a:extLst>
+          </p:cNvPr>
+          <p:cNvCxnSpPr>
+            <a:cxnSpLocks/>
+          </p:cNvCxnSpPr>
+          <p:nvPr/>
+        </p:nvCxnSpPr>
+        <p:spPr>
+          <a:xfrm>
+            <a:off x="8197176" y="2088909"/>
+            <a:ext cx="0" cy="261655"/>
+          </a:xfrm>
+          <a:prstGeom prst="line">
+            <a:avLst/>
+          </a:prstGeom>
+        </p:spPr>
+        <p:style>
+          <a:lnRef idx="1">
+            <a:schemeClr val="dk1"/>
+          </a:lnRef>
+          <a:fillRef idx="0">
+            <a:schemeClr val="dk1"/>
+          </a:fillRef>
+          <a:effectRef idx="0">
+            <a:schemeClr val="dk1"/>
+          </a:effectRef>
+          <a:fontRef idx="minor">
+            <a:schemeClr val="tx1"/>
+          </a:fontRef>
+        </p:style>
+      </p:cxnSp>
+      <p:cxnSp>
+        <p:nvCxnSpPr>
+          <p:cNvPr id="52" name="直接连接符 51">
+            <a:extLst>
+              <a:ext uri="{FF2B5EF4-FFF2-40B4-BE49-F238E27FC236}">
+                <a16:creationId xmlns:a16="http://schemas.microsoft.com/office/drawing/2014/main" id="{AA181587-FCDD-4807-A7CF-19E0FD995BC5}"/>
+              </a:ext>
+            </a:extLst>
+          </p:cNvPr>
+          <p:cNvCxnSpPr>
+            <a:cxnSpLocks/>
+          </p:cNvCxnSpPr>
+          <p:nvPr/>
+        </p:nvCxnSpPr>
+        <p:spPr>
+          <a:xfrm>
+            <a:off x="8393965" y="2079313"/>
+            <a:ext cx="0" cy="271251"/>
+          </a:xfrm>
+          <a:prstGeom prst="line">
+            <a:avLst/>
+          </a:prstGeom>
+        </p:spPr>
+        <p:style>
+          <a:lnRef idx="1">
+            <a:schemeClr val="dk1"/>
+          </a:lnRef>
+          <a:fillRef idx="0">
+            <a:schemeClr val="dk1"/>
+          </a:fillRef>
+          <a:effectRef idx="0">
+            <a:schemeClr val="dk1"/>
+          </a:effectRef>
+          <a:fontRef idx="minor">
+            <a:schemeClr val="tx1"/>
+          </a:fontRef>
+        </p:style>
+      </p:cxnSp>
+      <p:cxnSp>
+        <p:nvCxnSpPr>
+          <p:cNvPr id="53" name="直接连接符 52">
+            <a:extLst>
+              <a:ext uri="{FF2B5EF4-FFF2-40B4-BE49-F238E27FC236}">
+                <a16:creationId xmlns:a16="http://schemas.microsoft.com/office/drawing/2014/main" id="{8E127EDE-812E-43C2-A7D7-AC8E5D9F0CA8}"/>
+              </a:ext>
+            </a:extLst>
+          </p:cNvPr>
+          <p:cNvCxnSpPr>
+            <a:cxnSpLocks/>
+          </p:cNvCxnSpPr>
+          <p:nvPr/>
+        </p:nvCxnSpPr>
+        <p:spPr>
+          <a:xfrm>
+            <a:off x="8608509" y="2079313"/>
+            <a:ext cx="0" cy="271251"/>
+          </a:xfrm>
+          <a:prstGeom prst="line">
+            <a:avLst/>
+          </a:prstGeom>
+        </p:spPr>
+        <p:style>
+          <a:lnRef idx="1">
+            <a:schemeClr val="dk1"/>
+          </a:lnRef>
+          <a:fillRef idx="0">
+            <a:schemeClr val="dk1"/>
+          </a:fillRef>
+          <a:effectRef idx="0">
+            <a:schemeClr val="dk1"/>
+          </a:effectRef>
+          <a:fontRef idx="minor">
+            <a:schemeClr val="tx1"/>
+          </a:fontRef>
+        </p:style>
+      </p:cxnSp>
+      <p:cxnSp>
+        <p:nvCxnSpPr>
+          <p:cNvPr id="54" name="直接连接符 53">
+            <a:extLst>
+              <a:ext uri="{FF2B5EF4-FFF2-40B4-BE49-F238E27FC236}">
+                <a16:creationId xmlns:a16="http://schemas.microsoft.com/office/drawing/2014/main" id="{3F930F9D-46C7-4112-86BF-78EC919EF66F}"/>
+              </a:ext>
+            </a:extLst>
+          </p:cNvPr>
+          <p:cNvCxnSpPr>
+            <a:cxnSpLocks/>
+          </p:cNvCxnSpPr>
+          <p:nvPr/>
+        </p:nvCxnSpPr>
+        <p:spPr>
+          <a:xfrm>
+            <a:off x="8814175" y="2088909"/>
+            <a:ext cx="0" cy="261655"/>
+          </a:xfrm>
+          <a:prstGeom prst="line">
+            <a:avLst/>
+          </a:prstGeom>
+        </p:spPr>
+        <p:style>
+          <a:lnRef idx="1">
+            <a:schemeClr val="dk1"/>
+          </a:lnRef>
+          <a:fillRef idx="0">
+            <a:schemeClr val="dk1"/>
+          </a:fillRef>
+          <a:effectRef idx="0">
+            <a:schemeClr val="dk1"/>
+          </a:effectRef>
+          <a:fontRef idx="minor">
+            <a:schemeClr val="tx1"/>
+          </a:fontRef>
+        </p:style>
+      </p:cxnSp>
+      <p:sp>
+        <p:nvSpPr>
+          <p:cNvPr id="60" name="文本框 59">
+            <a:extLst>
+              <a:ext uri="{FF2B5EF4-FFF2-40B4-BE49-F238E27FC236}">
+                <a16:creationId xmlns:a16="http://schemas.microsoft.com/office/drawing/2014/main" id="{821E4D8C-9562-458F-8E16-0CF7F397C32F}"/>
+              </a:ext>
+            </a:extLst>
+          </p:cNvPr>
+          <p:cNvSpPr txBox="1"/>
+          <p:nvPr/>
+        </p:nvSpPr>
+        <p:spPr>
+          <a:xfrm>
+            <a:off x="7903056" y="2063650"/>
+            <a:ext cx="419978" cy="276999"/>
+          </a:xfrm>
+          <a:prstGeom prst="rect">
+            <a:avLst/>
+          </a:prstGeom>
+          <a:noFill/>
+        </p:spPr>
+        <p:txBody>
+          <a:bodyPr wrap="square" rtlCol="0">
+            <a:spAutoFit/>
+          </a:bodyPr>
+          <a:lstStyle/>
+          <a:p>
+            <a:pPr algn="ctr"/>
+            <a:r>
+              <a:rPr lang="en-US" altLang="zh-CN" sz="1200" dirty="0">
+                <a:latin typeface="Courier New" panose="02070309020205020404" pitchFamily="49" charset="0"/>
+                <a:cs typeface="Courier New" panose="02070309020205020404" pitchFamily="49" charset="0"/>
+              </a:rPr>
+              <a:t>h</a:t>
+            </a:r>
+            <a:endParaRPr lang="zh-CN" altLang="en-US" sz="1200" dirty="0">
+              <a:latin typeface="Courier New" panose="02070309020205020404" pitchFamily="49" charset="0"/>
+              <a:cs typeface="Courier New" panose="02070309020205020404" pitchFamily="49" charset="0"/>
+            </a:endParaRPr>
+          </a:p>
+        </p:txBody>
+      </p:sp>
+      <p:sp>
+        <p:nvSpPr>
+          <p:cNvPr id="61" name="文本框 60">
+            <a:extLst>
+              <a:ext uri="{FF2B5EF4-FFF2-40B4-BE49-F238E27FC236}">
+                <a16:creationId xmlns:a16="http://schemas.microsoft.com/office/drawing/2014/main" id="{0FDCF18E-67B3-4B64-9551-7E4C61573F6E}"/>
+              </a:ext>
+            </a:extLst>
+          </p:cNvPr>
+          <p:cNvSpPr txBox="1"/>
+          <p:nvPr/>
+        </p:nvSpPr>
+        <p:spPr>
+          <a:xfrm>
+            <a:off x="8108423" y="2063649"/>
+            <a:ext cx="419978" cy="276999"/>
+          </a:xfrm>
+          <a:prstGeom prst="rect">
+            <a:avLst/>
+          </a:prstGeom>
+          <a:noFill/>
+        </p:spPr>
+        <p:txBody>
+          <a:bodyPr wrap="square" rtlCol="0">
+            <a:spAutoFit/>
+          </a:bodyPr>
+          <a:lstStyle/>
+          <a:p>
+            <a:pPr algn="ctr"/>
+            <a:r>
+              <a:rPr lang="en-US" altLang="zh-CN" sz="1200" dirty="0">
+                <a:latin typeface="Courier New" panose="02070309020205020404" pitchFamily="49" charset="0"/>
+                <a:cs typeface="Courier New" panose="02070309020205020404" pitchFamily="49" charset="0"/>
+              </a:rPr>
+              <a:t>e</a:t>
+            </a:r>
+            <a:endParaRPr lang="zh-CN" altLang="en-US" sz="1200" dirty="0">
+              <a:latin typeface="Courier New" panose="02070309020205020404" pitchFamily="49" charset="0"/>
+              <a:cs typeface="Courier New" panose="02070309020205020404" pitchFamily="49" charset="0"/>
+            </a:endParaRPr>
+          </a:p>
+        </p:txBody>
+      </p:sp>
+      <p:sp>
+        <p:nvSpPr>
+          <p:cNvPr id="63" name="文本框 62">
+            <a:extLst>
+              <a:ext uri="{FF2B5EF4-FFF2-40B4-BE49-F238E27FC236}">
+                <a16:creationId xmlns:a16="http://schemas.microsoft.com/office/drawing/2014/main" id="{F8DDA2A0-C22C-4444-8597-7551FF67BB8B}"/>
+              </a:ext>
+            </a:extLst>
+          </p:cNvPr>
+          <p:cNvSpPr txBox="1"/>
+          <p:nvPr/>
+        </p:nvSpPr>
+        <p:spPr>
+          <a:xfrm>
+            <a:off x="8509344" y="2066448"/>
+            <a:ext cx="419978" cy="276999"/>
+          </a:xfrm>
+          <a:prstGeom prst="rect">
+            <a:avLst/>
+          </a:prstGeom>
+          <a:noFill/>
+        </p:spPr>
+        <p:txBody>
+          <a:bodyPr wrap="square" rtlCol="0">
+            <a:spAutoFit/>
+          </a:bodyPr>
+          <a:lstStyle/>
+          <a:p>
+            <a:pPr algn="ctr"/>
+            <a:r>
+              <a:rPr lang="en-US" altLang="zh-CN" sz="1200" dirty="0">
+                <a:latin typeface="Courier New" panose="02070309020205020404" pitchFamily="49" charset="0"/>
+                <a:cs typeface="Courier New" panose="02070309020205020404" pitchFamily="49" charset="0"/>
+              </a:rPr>
+              <a:t>o</a:t>
+            </a:r>
+            <a:endParaRPr lang="zh-CN" altLang="en-US" sz="1200" dirty="0">
+              <a:latin typeface="Courier New" panose="02070309020205020404" pitchFamily="49" charset="0"/>
+              <a:cs typeface="Courier New" panose="02070309020205020404" pitchFamily="49" charset="0"/>
+            </a:endParaRPr>
+          </a:p>
+        </p:txBody>
+      </p:sp>
+      <p:sp>
+        <p:nvSpPr>
+          <p:cNvPr id="64" name="文本框 63">
+            <a:extLst>
+              <a:ext uri="{FF2B5EF4-FFF2-40B4-BE49-F238E27FC236}">
+                <a16:creationId xmlns:a16="http://schemas.microsoft.com/office/drawing/2014/main" id="{06C4A990-C2DF-418B-A512-68E38B20F2DB}"/>
+              </a:ext>
+            </a:extLst>
+          </p:cNvPr>
+          <p:cNvSpPr txBox="1"/>
+          <p:nvPr/>
+        </p:nvSpPr>
+        <p:spPr>
+          <a:xfrm>
+            <a:off x="8299876" y="2041803"/>
+            <a:ext cx="419978" cy="276999"/>
+          </a:xfrm>
+          <a:prstGeom prst="rect">
+            <a:avLst/>
+          </a:prstGeom>
+          <a:noFill/>
+        </p:spPr>
+        <p:txBody>
+          <a:bodyPr wrap="square" rtlCol="0">
+            <a:spAutoFit/>
+          </a:bodyPr>
+          <a:lstStyle/>
+          <a:p>
+            <a:pPr algn="ctr"/>
+            <a:r>
+              <a:rPr lang="en-US" altLang="zh-CN" sz="1200" dirty="0">
+                <a:latin typeface="Courier New" panose="02070309020205020404" pitchFamily="49" charset="0"/>
+                <a:cs typeface="Courier New" panose="02070309020205020404" pitchFamily="49" charset="0"/>
+              </a:rPr>
+              <a:t>…</a:t>
+            </a:r>
+            <a:endParaRPr lang="zh-CN" altLang="en-US" sz="1200" dirty="0">
+              <a:latin typeface="Courier New" panose="02070309020205020404" pitchFamily="49" charset="0"/>
+              <a:cs typeface="Courier New" panose="02070309020205020404" pitchFamily="49" charset="0"/>
+            </a:endParaRPr>
+          </a:p>
+        </p:txBody>
+      </p:sp>
+      <p:sp>
+        <p:nvSpPr>
+          <p:cNvPr id="65" name="文本框 64">
+            <a:extLst>
+              <a:ext uri="{FF2B5EF4-FFF2-40B4-BE49-F238E27FC236}">
+                <a16:creationId xmlns:a16="http://schemas.microsoft.com/office/drawing/2014/main" id="{6A2E38A0-725A-4889-BE89-7D4DADF7CEB8}"/>
+              </a:ext>
+            </a:extLst>
+          </p:cNvPr>
+          <p:cNvSpPr txBox="1"/>
+          <p:nvPr/>
+        </p:nvSpPr>
+        <p:spPr>
+          <a:xfrm>
+            <a:off x="8736661" y="2095435"/>
+            <a:ext cx="419978" cy="276999"/>
+          </a:xfrm>
+          <a:prstGeom prst="rect">
+            <a:avLst/>
+          </a:prstGeom>
+          <a:noFill/>
+        </p:spPr>
+        <p:txBody>
+          <a:bodyPr wrap="square" rtlCol="0">
+            <a:spAutoFit/>
+          </a:bodyPr>
+          <a:lstStyle/>
+          <a:p>
+            <a:pPr algn="ctr"/>
+            <a:r>
+              <a:rPr lang="en-US" altLang="zh-CN" sz="1200" dirty="0">
+                <a:latin typeface="Courier New" panose="02070309020205020404" pitchFamily="49" charset="0"/>
+                <a:cs typeface="Courier New" panose="02070309020205020404" pitchFamily="49" charset="0"/>
+              </a:rPr>
+              <a:t>\0</a:t>
+            </a:r>
+            <a:endParaRPr lang="zh-CN" altLang="en-US" sz="1200" dirty="0">
+              <a:latin typeface="Courier New" panose="02070309020205020404" pitchFamily="49" charset="0"/>
+              <a:cs typeface="Courier New" panose="02070309020205020404" pitchFamily="49" charset="0"/>
+            </a:endParaRPr>
+          </a:p>
+        </p:txBody>
+      </p:sp>
+      <p:cxnSp>
+        <p:nvCxnSpPr>
+          <p:cNvPr id="86" name="直接连接符 85">
+            <a:extLst>
+              <a:ext uri="{FF2B5EF4-FFF2-40B4-BE49-F238E27FC236}">
+                <a16:creationId xmlns:a16="http://schemas.microsoft.com/office/drawing/2014/main" id="{5534456C-03C4-4E0B-9996-C10D01440D99}"/>
+              </a:ext>
+            </a:extLst>
+          </p:cNvPr>
+          <p:cNvCxnSpPr/>
+          <p:nvPr/>
+        </p:nvCxnSpPr>
+        <p:spPr>
+          <a:xfrm>
+            <a:off x="7061233" y="2349526"/>
+            <a:ext cx="0" cy="304898"/>
+          </a:xfrm>
+          <a:prstGeom prst="line">
+            <a:avLst/>
+          </a:prstGeom>
+          <a:ln>
+            <a:solidFill>
+              <a:srgbClr val="FF0000"/>
+            </a:solidFill>
+          </a:ln>
+        </p:spPr>
+        <p:style>
+          <a:lnRef idx="1">
+            <a:schemeClr val="dk1"/>
+          </a:lnRef>
+          <a:fillRef idx="0">
+            <a:schemeClr val="dk1"/>
+          </a:fillRef>
+          <a:effectRef idx="0">
+            <a:schemeClr val="dk1"/>
+          </a:effectRef>
+          <a:fontRef idx="minor">
+            <a:schemeClr val="tx1"/>
+          </a:fontRef>
+        </p:style>
+      </p:cxnSp>
+      <p:cxnSp>
+        <p:nvCxnSpPr>
+          <p:cNvPr id="88" name="直接连接符 87">
+            <a:extLst>
+              <a:ext uri="{FF2B5EF4-FFF2-40B4-BE49-F238E27FC236}">
+                <a16:creationId xmlns:a16="http://schemas.microsoft.com/office/drawing/2014/main" id="{A368AC8F-6F11-4675-8447-5C903D432199}"/>
+              </a:ext>
+            </a:extLst>
+          </p:cNvPr>
+          <p:cNvCxnSpPr/>
+          <p:nvPr/>
+        </p:nvCxnSpPr>
+        <p:spPr>
+          <a:xfrm>
+            <a:off x="7061233" y="2654424"/>
+            <a:ext cx="1047190" cy="0"/>
+          </a:xfrm>
+          <a:prstGeom prst="line">
+            <a:avLst/>
+          </a:prstGeom>
+          <a:ln>
+            <a:solidFill>
+              <a:srgbClr val="FF0000"/>
+            </a:solidFill>
+          </a:ln>
+        </p:spPr>
+        <p:style>
+          <a:lnRef idx="1">
+            <a:schemeClr val="dk1"/>
+          </a:lnRef>
+          <a:fillRef idx="0">
+            <a:schemeClr val="dk1"/>
+          </a:fillRef>
+          <a:effectRef idx="0">
+            <a:schemeClr val="dk1"/>
+          </a:effectRef>
+          <a:fontRef idx="minor">
+            <a:schemeClr val="tx1"/>
+          </a:fontRef>
+        </p:style>
+      </p:cxnSp>
+      <p:cxnSp>
+        <p:nvCxnSpPr>
+          <p:cNvPr id="90" name="直接箭头连接符 89">
+            <a:extLst>
+              <a:ext uri="{FF2B5EF4-FFF2-40B4-BE49-F238E27FC236}">
+                <a16:creationId xmlns:a16="http://schemas.microsoft.com/office/drawing/2014/main" id="{42ADAEC1-6213-49D3-A733-03428D55FC83}"/>
+              </a:ext>
+            </a:extLst>
+          </p:cNvPr>
+          <p:cNvCxnSpPr/>
+          <p:nvPr/>
+        </p:nvCxnSpPr>
+        <p:spPr>
+          <a:xfrm flipV="1">
+            <a:off x="8108423" y="2349526"/>
+            <a:ext cx="0" cy="304898"/>
+          </a:xfrm>
+          <a:prstGeom prst="straightConnector1">
+            <a:avLst/>
+          </a:prstGeom>
+          <a:ln>
+            <a:solidFill>
+              <a:srgbClr val="FF0000"/>
+            </a:solidFill>
+            <a:tailEnd type="triangle"/>
+          </a:ln>
+        </p:spPr>
+        <p:style>
+          <a:lnRef idx="1">
+            <a:schemeClr val="dk1"/>
+          </a:lnRef>
+          <a:fillRef idx="0">
+            <a:schemeClr val="dk1"/>
+          </a:fillRef>
+          <a:effectRef idx="0">
+            <a:schemeClr val="dk1"/>
+          </a:effectRef>
+          <a:fontRef idx="minor">
+            <a:schemeClr val="tx1"/>
+          </a:fontRef>
+        </p:style>
+      </p:cxnSp>
+      <p:cxnSp>
+        <p:nvCxnSpPr>
+          <p:cNvPr id="91" name="直接连接符 90">
+            <a:extLst>
+              <a:ext uri="{FF2B5EF4-FFF2-40B4-BE49-F238E27FC236}">
+                <a16:creationId xmlns:a16="http://schemas.microsoft.com/office/drawing/2014/main" id="{BB4C0995-9A98-4666-B6DF-928822AEFF47}"/>
+              </a:ext>
+            </a:extLst>
+          </p:cNvPr>
+          <p:cNvCxnSpPr/>
+          <p:nvPr/>
+        </p:nvCxnSpPr>
+        <p:spPr>
+          <a:xfrm>
+            <a:off x="7682835" y="1871486"/>
+            <a:ext cx="1" cy="483590"/>
+          </a:xfrm>
+          <a:prstGeom prst="line">
+            <a:avLst/>
+          </a:prstGeom>
+        </p:spPr>
+        <p:style>
+          <a:lnRef idx="1">
+            <a:schemeClr val="dk1"/>
+          </a:lnRef>
+          <a:fillRef idx="0">
+            <a:schemeClr val="dk1"/>
+          </a:fillRef>
+          <a:effectRef idx="0">
+            <a:schemeClr val="dk1"/>
+          </a:effectRef>
+          <a:fontRef idx="minor">
+            <a:schemeClr val="tx1"/>
+          </a:fontRef>
+        </p:style>
+      </p:cxnSp>
+      <p:sp>
+        <p:nvSpPr>
+          <p:cNvPr id="93" name="文本框 92">
+            <a:extLst>
+              <a:ext uri="{FF2B5EF4-FFF2-40B4-BE49-F238E27FC236}">
+                <a16:creationId xmlns:a16="http://schemas.microsoft.com/office/drawing/2014/main" id="{7649FFC0-8E47-4E21-B576-4085FA3E2D88}"/>
+              </a:ext>
+            </a:extLst>
+          </p:cNvPr>
+          <p:cNvSpPr txBox="1"/>
+          <p:nvPr/>
+        </p:nvSpPr>
+        <p:spPr>
+          <a:xfrm>
+            <a:off x="7405415" y="1857137"/>
+            <a:ext cx="860399" cy="461665"/>
+          </a:xfrm>
+          <a:prstGeom prst="rect">
+            <a:avLst/>
+          </a:prstGeom>
+          <a:noFill/>
+        </p:spPr>
+        <p:txBody>
+          <a:bodyPr wrap="square" rtlCol="0">
+            <a:spAutoFit/>
+          </a:bodyPr>
+          <a:lstStyle/>
+          <a:p>
+            <a:pPr algn="ctr"/>
+            <a:r>
+              <a:rPr lang="en-US" altLang="zh-CN" sz="1200" dirty="0" err="1">
+                <a:latin typeface="Courier New" panose="02070309020205020404" pitchFamily="49" charset="0"/>
+                <a:cs typeface="Courier New" panose="02070309020205020404" pitchFamily="49" charset="0"/>
+              </a:rPr>
+              <a:t>len</a:t>
+            </a:r>
+            <a:endParaRPr lang="en-US" altLang="zh-CN" sz="1200" dirty="0">
+              <a:latin typeface="Courier New" panose="02070309020205020404" pitchFamily="49" charset="0"/>
+              <a:cs typeface="Courier New" panose="02070309020205020404" pitchFamily="49" charset="0"/>
+            </a:endParaRPr>
+          </a:p>
+          <a:p>
+            <a:pPr algn="ctr"/>
+            <a:r>
+              <a:rPr lang="en-US" altLang="zh-CN" sz="1200" dirty="0">
+                <a:latin typeface="Courier New" panose="02070309020205020404" pitchFamily="49" charset="0"/>
+                <a:cs typeface="Courier New" panose="02070309020205020404" pitchFamily="49" charset="0"/>
+              </a:rPr>
+              <a:t>44</a:t>
+            </a:r>
+            <a:endParaRPr lang="zh-CN" altLang="en-US" sz="1200" dirty="0">
+              <a:latin typeface="Courier New" panose="02070309020205020404" pitchFamily="49" charset="0"/>
+              <a:cs typeface="Courier New" panose="02070309020205020404" pitchFamily="49" charset="0"/>
+            </a:endParaRPr>
+          </a:p>
+        </p:txBody>
+      </p:sp>
+    </p:spTree>
+    <p:extLst>
+      <p:ext uri="{BB962C8B-B14F-4D97-AF65-F5344CB8AC3E}">
+        <p14:creationId xmlns:p14="http://schemas.microsoft.com/office/powerpoint/2010/main" val="3519268460"/>
+      </p:ext>
+    </p:extLst>
+  </p:cSld>
+  <p:clrMapOvr>
+    <a:masterClrMapping/>
+  </p:clrMapOvr>
+</p:sld>
+</file>
+
+<file path=ppt/slides/slide7.xml><?xml version="1.0" encoding="utf-8"?>
+<p:sld xmlns:a="http://schemas.openxmlformats.org/drawingml/2006/main" xmlns:r="http://schemas.openxmlformats.org/officeDocument/2006/relationships" xmlns:p="http://schemas.openxmlformats.org/presentationml/2006/main">
+  <p:cSld>
+    <p:spTree>
+      <p:nvGrpSpPr>
+        <p:cNvPr id="1" name=""/>
+        <p:cNvGrpSpPr/>
+        <p:nvPr/>
+      </p:nvGrpSpPr>
+      <p:grpSpPr>
+        <a:xfrm>
+          <a:off x="0" y="0"/>
+          <a:ext cx="0" cy="0"/>
+          <a:chOff x="0" y="0"/>
+          <a:chExt cx="0" cy="0"/>
+        </a:xfrm>
+      </p:grpSpPr>
+      <p:sp>
+        <p:nvSpPr>
+          <p:cNvPr id="4" name="矩形 3">
+            <a:extLst>
+              <a:ext uri="{FF2B5EF4-FFF2-40B4-BE49-F238E27FC236}">
+                <a16:creationId xmlns:a16="http://schemas.microsoft.com/office/drawing/2014/main" id="{5A63A200-8D0F-4818-BC9F-9D43BA28D939}"/>
+              </a:ext>
+            </a:extLst>
+          </p:cNvPr>
+          <p:cNvSpPr/>
+          <p:nvPr/>
+        </p:nvSpPr>
+        <p:spPr>
+          <a:xfrm rot="16200000">
+            <a:off x="4602428" y="1998543"/>
+            <a:ext cx="2183903" cy="1553775"/>
+          </a:xfrm>
+          <a:prstGeom prst="rect">
+            <a:avLst/>
+          </a:prstGeom>
+        </p:spPr>
+        <p:style>
+          <a:lnRef idx="2">
+            <a:schemeClr val="dk1"/>
+          </a:lnRef>
+          <a:fillRef idx="1">
+            <a:schemeClr val="lt1"/>
+          </a:fillRef>
+          <a:effectRef idx="0">
+            <a:schemeClr val="dk1"/>
+          </a:effectRef>
+          <a:fontRef idx="minor">
+            <a:schemeClr val="dk1"/>
+          </a:fontRef>
+        </p:style>
+        <p:txBody>
+          <a:bodyPr rtlCol="0" anchor="ctr"/>
+          <a:lstStyle/>
+          <a:p>
+            <a:pPr algn="ctr"/>
+            <a:endParaRPr lang="zh-CN" altLang="en-US" dirty="0"/>
+          </a:p>
+        </p:txBody>
+      </p:sp>
+      <p:cxnSp>
+        <p:nvCxnSpPr>
+          <p:cNvPr id="7" name="直接连接符 6">
+            <a:extLst>
+              <a:ext uri="{FF2B5EF4-FFF2-40B4-BE49-F238E27FC236}">
+                <a16:creationId xmlns:a16="http://schemas.microsoft.com/office/drawing/2014/main" id="{C1B25220-4793-442A-97B9-A68CF3E9A201}"/>
+              </a:ext>
+            </a:extLst>
+          </p:cNvPr>
+          <p:cNvCxnSpPr>
+            <a:cxnSpLocks/>
+          </p:cNvCxnSpPr>
+          <p:nvPr/>
+        </p:nvCxnSpPr>
+        <p:spPr>
+          <a:xfrm flipH="1">
+            <a:off x="4917493" y="2882622"/>
+            <a:ext cx="1544895" cy="0"/>
+          </a:xfrm>
+          <a:prstGeom prst="line">
+            <a:avLst/>
+          </a:prstGeom>
+        </p:spPr>
+        <p:style>
+          <a:lnRef idx="1">
+            <a:schemeClr val="dk1"/>
+          </a:lnRef>
+          <a:fillRef idx="0">
+            <a:schemeClr val="dk1"/>
+          </a:fillRef>
+          <a:effectRef idx="0">
+            <a:schemeClr val="dk1"/>
+          </a:effectRef>
+          <a:fontRef idx="minor">
+            <a:schemeClr val="tx1"/>
+          </a:fontRef>
+        </p:style>
+      </p:cxnSp>
+      <p:sp>
+        <p:nvSpPr>
+          <p:cNvPr id="14" name="文本框 13">
+            <a:extLst>
+              <a:ext uri="{FF2B5EF4-FFF2-40B4-BE49-F238E27FC236}">
+                <a16:creationId xmlns:a16="http://schemas.microsoft.com/office/drawing/2014/main" id="{12D3878E-5BA1-4B15-8640-5894C1A4D6B9}"/>
+              </a:ext>
+            </a:extLst>
+          </p:cNvPr>
+          <p:cNvSpPr txBox="1"/>
+          <p:nvPr/>
+        </p:nvSpPr>
+        <p:spPr>
+          <a:xfrm>
+            <a:off x="5255300" y="3468551"/>
+            <a:ext cx="860399" cy="276999"/>
+          </a:xfrm>
+          <a:prstGeom prst="rect">
+            <a:avLst/>
+          </a:prstGeom>
+          <a:noFill/>
+        </p:spPr>
+        <p:txBody>
+          <a:bodyPr wrap="square" rtlCol="0">
+            <a:spAutoFit/>
+          </a:bodyPr>
+          <a:lstStyle/>
+          <a:p>
+            <a:pPr algn="ctr"/>
+            <a:r>
+              <a:rPr lang="en-US" altLang="zh-CN" sz="1200" dirty="0" err="1">
+                <a:latin typeface="Courier New" panose="02070309020205020404" pitchFamily="49" charset="0"/>
+                <a:cs typeface="Courier New" panose="02070309020205020404" pitchFamily="49" charset="0"/>
+              </a:rPr>
+              <a:t>ptr</a:t>
+            </a:r>
+            <a:endParaRPr lang="zh-CN" altLang="en-US" sz="1200" dirty="0">
+              <a:latin typeface="Courier New" panose="02070309020205020404" pitchFamily="49" charset="0"/>
+              <a:cs typeface="Courier New" panose="02070309020205020404" pitchFamily="49" charset="0"/>
+            </a:endParaRPr>
+          </a:p>
+        </p:txBody>
+      </p:sp>
+      <p:cxnSp>
+        <p:nvCxnSpPr>
+          <p:cNvPr id="27" name="直接连接符 26">
+            <a:extLst>
+              <a:ext uri="{FF2B5EF4-FFF2-40B4-BE49-F238E27FC236}">
+                <a16:creationId xmlns:a16="http://schemas.microsoft.com/office/drawing/2014/main" id="{B11888DE-B1C6-4CDC-B972-7A1FCECE0EF1}"/>
+              </a:ext>
+            </a:extLst>
+          </p:cNvPr>
+          <p:cNvCxnSpPr>
+            <a:cxnSpLocks/>
+          </p:cNvCxnSpPr>
+          <p:nvPr/>
+        </p:nvCxnSpPr>
+        <p:spPr>
+          <a:xfrm flipH="1">
+            <a:off x="4917493" y="2266633"/>
+            <a:ext cx="1544895" cy="0"/>
+          </a:xfrm>
+          <a:prstGeom prst="line">
+            <a:avLst/>
+          </a:prstGeom>
+        </p:spPr>
+        <p:style>
+          <a:lnRef idx="1">
+            <a:schemeClr val="dk1"/>
+          </a:lnRef>
+          <a:fillRef idx="0">
+            <a:schemeClr val="dk1"/>
+          </a:fillRef>
+          <a:effectRef idx="0">
+            <a:schemeClr val="dk1"/>
+          </a:effectRef>
+          <a:fontRef idx="minor">
+            <a:schemeClr val="tx1"/>
+          </a:fontRef>
+        </p:style>
+      </p:cxnSp>
+      <p:sp>
+        <p:nvSpPr>
+          <p:cNvPr id="31" name="文本框 30">
+            <a:extLst>
+              <a:ext uri="{FF2B5EF4-FFF2-40B4-BE49-F238E27FC236}">
+                <a16:creationId xmlns:a16="http://schemas.microsoft.com/office/drawing/2014/main" id="{439A6F0D-BCEF-4017-904F-BCC04877FE86}"/>
+              </a:ext>
+            </a:extLst>
+          </p:cNvPr>
+          <p:cNvSpPr txBox="1"/>
+          <p:nvPr/>
+        </p:nvSpPr>
+        <p:spPr>
+          <a:xfrm>
+            <a:off x="5019905" y="1759705"/>
+            <a:ext cx="1348948" cy="461665"/>
+          </a:xfrm>
+          <a:prstGeom prst="rect">
+            <a:avLst/>
+          </a:prstGeom>
+          <a:noFill/>
+        </p:spPr>
+        <p:txBody>
+          <a:bodyPr wrap="square" rtlCol="0">
+            <a:spAutoFit/>
+          </a:bodyPr>
+          <a:lstStyle/>
+          <a:p>
+            <a:pPr algn="ctr"/>
+            <a:r>
+              <a:rPr lang="en-US" altLang="zh-CN" sz="1200" dirty="0">
+                <a:latin typeface="Courier New" panose="02070309020205020404" pitchFamily="49" charset="0"/>
+                <a:cs typeface="Courier New" panose="02070309020205020404" pitchFamily="49" charset="0"/>
+              </a:rPr>
+              <a:t>type</a:t>
+            </a:r>
+          </a:p>
+          <a:p>
+            <a:pPr algn="ctr"/>
+            <a:r>
+              <a:rPr lang="en-US" altLang="zh-CN" sz="1200" dirty="0">
+                <a:solidFill>
+                  <a:srgbClr val="FF0000"/>
+                </a:solidFill>
+                <a:latin typeface="Courier New" panose="02070309020205020404" pitchFamily="49" charset="0"/>
+                <a:cs typeface="Courier New" panose="02070309020205020404" pitchFamily="49" charset="0"/>
+              </a:rPr>
+              <a:t>OBJ_STRING</a:t>
+            </a:r>
+            <a:endParaRPr lang="zh-CN" altLang="en-US" sz="1200" dirty="0">
+              <a:solidFill>
+                <a:srgbClr val="FF0000"/>
+              </a:solidFill>
+              <a:latin typeface="Courier New" panose="02070309020205020404" pitchFamily="49" charset="0"/>
+              <a:cs typeface="Courier New" panose="02070309020205020404" pitchFamily="49" charset="0"/>
+            </a:endParaRPr>
+          </a:p>
+        </p:txBody>
+      </p:sp>
+      <p:sp>
+        <p:nvSpPr>
+          <p:cNvPr id="32" name="文本框 31">
+            <a:extLst>
+              <a:ext uri="{FF2B5EF4-FFF2-40B4-BE49-F238E27FC236}">
+                <a16:creationId xmlns:a16="http://schemas.microsoft.com/office/drawing/2014/main" id="{B06F2CBB-9C70-4880-899E-EF0E79B3CA0B}"/>
+              </a:ext>
+            </a:extLst>
+          </p:cNvPr>
+          <p:cNvSpPr txBox="1"/>
+          <p:nvPr/>
+        </p:nvSpPr>
+        <p:spPr>
+          <a:xfrm>
+            <a:off x="4851556" y="2343757"/>
+            <a:ext cx="1685646" cy="461665"/>
+          </a:xfrm>
+          <a:prstGeom prst="rect">
+            <a:avLst/>
+          </a:prstGeom>
+          <a:noFill/>
+        </p:spPr>
+        <p:txBody>
+          <a:bodyPr wrap="square" rtlCol="0">
+            <a:spAutoFit/>
+          </a:bodyPr>
+          <a:lstStyle/>
+          <a:p>
+            <a:pPr algn="ctr"/>
+            <a:r>
+              <a:rPr lang="en-US" altLang="zh-CN" sz="1200" dirty="0">
+                <a:latin typeface="Courier New" panose="02070309020205020404" pitchFamily="49" charset="0"/>
+                <a:cs typeface="Courier New" panose="02070309020205020404" pitchFamily="49" charset="0"/>
+              </a:rPr>
+              <a:t>encoding</a:t>
+            </a:r>
+          </a:p>
+          <a:p>
+            <a:pPr algn="ctr"/>
+            <a:r>
+              <a:rPr lang="en-US" altLang="zh-CN" sz="1200" dirty="0">
+                <a:solidFill>
+                  <a:srgbClr val="FF0000"/>
+                </a:solidFill>
+                <a:latin typeface="Courier New" panose="02070309020205020404" pitchFamily="49" charset="0"/>
+                <a:cs typeface="Courier New" panose="02070309020205020404" pitchFamily="49" charset="0"/>
+              </a:rPr>
+              <a:t>OBJ_ENCODING_RAW</a:t>
+            </a:r>
+            <a:endParaRPr lang="zh-CN" altLang="en-US" sz="1200" dirty="0">
+              <a:solidFill>
+                <a:srgbClr val="FF0000"/>
+              </a:solidFill>
+              <a:latin typeface="Courier New" panose="02070309020205020404" pitchFamily="49" charset="0"/>
+              <a:cs typeface="Courier New" panose="02070309020205020404" pitchFamily="49" charset="0"/>
+            </a:endParaRPr>
+          </a:p>
+        </p:txBody>
+      </p:sp>
+      <p:sp>
+        <p:nvSpPr>
+          <p:cNvPr id="33" name="文本框 32">
+            <a:extLst>
+              <a:ext uri="{FF2B5EF4-FFF2-40B4-BE49-F238E27FC236}">
+                <a16:creationId xmlns:a16="http://schemas.microsoft.com/office/drawing/2014/main" id="{7B5EF4CB-C9D7-4AD0-A1B8-D1D46C1115B0}"/>
+              </a:ext>
+            </a:extLst>
+          </p:cNvPr>
+          <p:cNvSpPr txBox="1"/>
+          <p:nvPr/>
+        </p:nvSpPr>
+        <p:spPr>
+          <a:xfrm>
+            <a:off x="5255299" y="2962527"/>
+            <a:ext cx="860399" cy="276999"/>
+          </a:xfrm>
+          <a:prstGeom prst="rect">
+            <a:avLst/>
+          </a:prstGeom>
+          <a:noFill/>
+        </p:spPr>
+        <p:txBody>
+          <a:bodyPr wrap="square" rtlCol="0">
+            <a:spAutoFit/>
+          </a:bodyPr>
+          <a:lstStyle/>
+          <a:p>
+            <a:pPr algn="ctr"/>
+            <a:r>
+              <a:rPr lang="en-US" altLang="zh-CN" sz="1200" dirty="0">
+                <a:latin typeface="Courier New" panose="02070309020205020404" pitchFamily="49" charset="0"/>
+                <a:cs typeface="Courier New" panose="02070309020205020404" pitchFamily="49" charset="0"/>
+              </a:rPr>
+              <a:t>……</a:t>
+            </a:r>
+            <a:endParaRPr lang="zh-CN" altLang="en-US" sz="1200" dirty="0">
+              <a:latin typeface="Courier New" panose="02070309020205020404" pitchFamily="49" charset="0"/>
+              <a:cs typeface="Courier New" panose="02070309020205020404" pitchFamily="49" charset="0"/>
+            </a:endParaRPr>
+          </a:p>
+        </p:txBody>
+      </p:sp>
+      <p:cxnSp>
+        <p:nvCxnSpPr>
+          <p:cNvPr id="9" name="直接连接符 8">
+            <a:extLst>
+              <a:ext uri="{FF2B5EF4-FFF2-40B4-BE49-F238E27FC236}">
+                <a16:creationId xmlns:a16="http://schemas.microsoft.com/office/drawing/2014/main" id="{7EF85B8C-89AD-491E-B077-1DCE8128CDDA}"/>
+              </a:ext>
+            </a:extLst>
+          </p:cNvPr>
+          <p:cNvCxnSpPr>
+            <a:cxnSpLocks/>
+          </p:cNvCxnSpPr>
+          <p:nvPr/>
+        </p:nvCxnSpPr>
+        <p:spPr>
+          <a:xfrm>
+            <a:off x="4917492" y="3364633"/>
+            <a:ext cx="1544896" cy="0"/>
+          </a:xfrm>
+          <a:prstGeom prst="line">
+            <a:avLst/>
+          </a:prstGeom>
+        </p:spPr>
+        <p:style>
+          <a:lnRef idx="1">
+            <a:schemeClr val="dk1"/>
+          </a:lnRef>
+          <a:fillRef idx="0">
+            <a:schemeClr val="dk1"/>
+          </a:fillRef>
+          <a:effectRef idx="0">
+            <a:schemeClr val="dk1"/>
+          </a:effectRef>
+          <a:fontRef idx="minor">
+            <a:schemeClr val="tx1"/>
+          </a:fontRef>
+        </p:style>
+      </p:cxnSp>
+      <p:sp>
+        <p:nvSpPr>
+          <p:cNvPr id="18" name="文本框 17">
+            <a:extLst>
+              <a:ext uri="{FF2B5EF4-FFF2-40B4-BE49-F238E27FC236}">
+                <a16:creationId xmlns:a16="http://schemas.microsoft.com/office/drawing/2014/main" id="{9618831F-61FA-4759-950A-04CBC6012494}"/>
+              </a:ext>
+            </a:extLst>
+          </p:cNvPr>
+          <p:cNvSpPr txBox="1"/>
+          <p:nvPr/>
+        </p:nvSpPr>
+        <p:spPr>
+          <a:xfrm>
+            <a:off x="4908613" y="1369269"/>
+            <a:ext cx="1685646" cy="338554"/>
+          </a:xfrm>
+          <a:prstGeom prst="rect">
+            <a:avLst/>
+          </a:prstGeom>
+          <a:noFill/>
+        </p:spPr>
+        <p:txBody>
+          <a:bodyPr wrap="square" rtlCol="0">
+            <a:spAutoFit/>
+          </a:bodyPr>
+          <a:lstStyle/>
+          <a:p>
+            <a:r>
+              <a:rPr lang="en-US" altLang="zh-CN" sz="1600" dirty="0" err="1">
+                <a:latin typeface="Courier New" panose="02070309020205020404" pitchFamily="49" charset="0"/>
+                <a:cs typeface="Courier New" panose="02070309020205020404" pitchFamily="49" charset="0"/>
+              </a:rPr>
+              <a:t>redisObject</a:t>
+            </a:r>
+            <a:endParaRPr lang="zh-CN" altLang="en-US" sz="1600" dirty="0">
+              <a:latin typeface="Courier New" panose="02070309020205020404" pitchFamily="49" charset="0"/>
+              <a:cs typeface="Courier New" panose="02070309020205020404" pitchFamily="49" charset="0"/>
+            </a:endParaRPr>
+          </a:p>
+        </p:txBody>
+      </p:sp>
+      <p:sp>
+        <p:nvSpPr>
+          <p:cNvPr id="13" name="矩形 12">
+            <a:extLst>
+              <a:ext uri="{FF2B5EF4-FFF2-40B4-BE49-F238E27FC236}">
+                <a16:creationId xmlns:a16="http://schemas.microsoft.com/office/drawing/2014/main" id="{F5ABD2E0-20BC-48D4-87C8-AA6CA150DB08}"/>
+              </a:ext>
+            </a:extLst>
+          </p:cNvPr>
+          <p:cNvSpPr/>
+          <p:nvPr/>
+        </p:nvSpPr>
+        <p:spPr>
+          <a:xfrm rot="16200000">
+            <a:off x="7253411" y="2013823"/>
+            <a:ext cx="1909665" cy="1553775"/>
+          </a:xfrm>
+          <a:prstGeom prst="rect">
+            <a:avLst/>
+          </a:prstGeom>
+        </p:spPr>
+        <p:style>
+          <a:lnRef idx="2">
+            <a:schemeClr val="dk1"/>
+          </a:lnRef>
+          <a:fillRef idx="1">
+            <a:schemeClr val="lt1"/>
+          </a:fillRef>
+          <a:effectRef idx="0">
+            <a:schemeClr val="dk1"/>
+          </a:effectRef>
+          <a:fontRef idx="minor">
+            <a:schemeClr val="dk1"/>
+          </a:fontRef>
+        </p:style>
+        <p:txBody>
+          <a:bodyPr rtlCol="0" anchor="ctr"/>
+          <a:lstStyle/>
+          <a:p>
+            <a:pPr algn="ctr"/>
+            <a:endParaRPr lang="zh-CN" altLang="en-US" dirty="0"/>
+          </a:p>
+        </p:txBody>
+      </p:sp>
+      <p:cxnSp>
+        <p:nvCxnSpPr>
+          <p:cNvPr id="17" name="直接连接符 16">
+            <a:extLst>
+              <a:ext uri="{FF2B5EF4-FFF2-40B4-BE49-F238E27FC236}">
+                <a16:creationId xmlns:a16="http://schemas.microsoft.com/office/drawing/2014/main" id="{7E2BBAEB-9F84-4578-8967-B54716DA3EC8}"/>
+              </a:ext>
+            </a:extLst>
+          </p:cNvPr>
+          <p:cNvCxnSpPr>
+            <a:cxnSpLocks/>
+          </p:cNvCxnSpPr>
+          <p:nvPr/>
+        </p:nvCxnSpPr>
+        <p:spPr>
+          <a:xfrm flipH="1">
+            <a:off x="7440235" y="2805422"/>
+            <a:ext cx="1544895" cy="0"/>
+          </a:xfrm>
+          <a:prstGeom prst="line">
+            <a:avLst/>
+          </a:prstGeom>
+        </p:spPr>
+        <p:style>
+          <a:lnRef idx="1">
+            <a:schemeClr val="dk1"/>
+          </a:lnRef>
+          <a:fillRef idx="0">
+            <a:schemeClr val="dk1"/>
+          </a:fillRef>
+          <a:effectRef idx="0">
+            <a:schemeClr val="dk1"/>
+          </a:effectRef>
+          <a:fontRef idx="minor">
+            <a:schemeClr val="tx1"/>
+          </a:fontRef>
+        </p:style>
+      </p:cxnSp>
+      <p:sp>
+        <p:nvSpPr>
+          <p:cNvPr id="19" name="文本框 18">
+            <a:extLst>
+              <a:ext uri="{FF2B5EF4-FFF2-40B4-BE49-F238E27FC236}">
+                <a16:creationId xmlns:a16="http://schemas.microsoft.com/office/drawing/2014/main" id="{F9ABA01C-A14B-46E5-AE6B-05CF50FD5073}"/>
+              </a:ext>
+            </a:extLst>
+          </p:cNvPr>
+          <p:cNvSpPr txBox="1"/>
+          <p:nvPr/>
+        </p:nvSpPr>
+        <p:spPr>
+          <a:xfrm>
+            <a:off x="7782482" y="3334817"/>
+            <a:ext cx="860399" cy="276999"/>
+          </a:xfrm>
+          <a:prstGeom prst="rect">
+            <a:avLst/>
+          </a:prstGeom>
+          <a:noFill/>
+        </p:spPr>
+        <p:txBody>
+          <a:bodyPr wrap="square" rtlCol="0">
+            <a:spAutoFit/>
+          </a:bodyPr>
+          <a:lstStyle/>
+          <a:p>
+            <a:pPr algn="ctr"/>
+            <a:r>
+              <a:rPr lang="en-US" altLang="zh-CN" sz="1200" dirty="0" err="1">
+                <a:latin typeface="Courier New" panose="02070309020205020404" pitchFamily="49" charset="0"/>
+                <a:cs typeface="Courier New" panose="02070309020205020404" pitchFamily="49" charset="0"/>
+              </a:rPr>
+              <a:t>buf</a:t>
+            </a:r>
+            <a:endParaRPr lang="zh-CN" altLang="en-US" sz="1200" dirty="0">
+              <a:latin typeface="Courier New" panose="02070309020205020404" pitchFamily="49" charset="0"/>
+              <a:cs typeface="Courier New" panose="02070309020205020404" pitchFamily="49" charset="0"/>
+            </a:endParaRPr>
+          </a:p>
+        </p:txBody>
+      </p:sp>
+      <p:cxnSp>
+        <p:nvCxnSpPr>
+          <p:cNvPr id="20" name="直接连接符 19">
+            <a:extLst>
+              <a:ext uri="{FF2B5EF4-FFF2-40B4-BE49-F238E27FC236}">
+                <a16:creationId xmlns:a16="http://schemas.microsoft.com/office/drawing/2014/main" id="{B9B98986-AB0B-4FBC-AF65-18341FC35280}"/>
+              </a:ext>
+            </a:extLst>
+          </p:cNvPr>
+          <p:cNvCxnSpPr>
+            <a:cxnSpLocks/>
+          </p:cNvCxnSpPr>
+          <p:nvPr/>
+        </p:nvCxnSpPr>
+        <p:spPr>
+          <a:xfrm flipH="1">
+            <a:off x="7431357" y="2419033"/>
+            <a:ext cx="1544895" cy="0"/>
+          </a:xfrm>
+          <a:prstGeom prst="line">
+            <a:avLst/>
+          </a:prstGeom>
+        </p:spPr>
+        <p:style>
+          <a:lnRef idx="1">
+            <a:schemeClr val="dk1"/>
+          </a:lnRef>
+          <a:fillRef idx="0">
+            <a:schemeClr val="dk1"/>
+          </a:fillRef>
+          <a:effectRef idx="0">
+            <a:schemeClr val="dk1"/>
+          </a:effectRef>
+          <a:fontRef idx="minor">
+            <a:schemeClr val="tx1"/>
+          </a:fontRef>
+        </p:style>
+      </p:cxnSp>
+      <p:sp>
+        <p:nvSpPr>
+          <p:cNvPr id="21" name="文本框 20">
+            <a:extLst>
+              <a:ext uri="{FF2B5EF4-FFF2-40B4-BE49-F238E27FC236}">
+                <a16:creationId xmlns:a16="http://schemas.microsoft.com/office/drawing/2014/main" id="{D02DD912-2F0A-4FD1-961A-0954B6C334D1}"/>
+              </a:ext>
+            </a:extLst>
+          </p:cNvPr>
+          <p:cNvSpPr txBox="1"/>
+          <p:nvPr/>
+        </p:nvSpPr>
+        <p:spPr>
+          <a:xfrm>
+            <a:off x="7533769" y="1912105"/>
+            <a:ext cx="1348948" cy="461665"/>
+          </a:xfrm>
+          <a:prstGeom prst="rect">
+            <a:avLst/>
+          </a:prstGeom>
+          <a:noFill/>
+        </p:spPr>
+        <p:txBody>
+          <a:bodyPr wrap="square" rtlCol="0">
+            <a:spAutoFit/>
+          </a:bodyPr>
+          <a:lstStyle/>
+          <a:p>
+            <a:pPr algn="ctr"/>
+            <a:r>
+              <a:rPr lang="en-US" altLang="zh-CN" sz="1200" dirty="0" err="1">
+                <a:latin typeface="Courier New" panose="02070309020205020404" pitchFamily="49" charset="0"/>
+                <a:cs typeface="Courier New" panose="02070309020205020404" pitchFamily="49" charset="0"/>
+              </a:rPr>
+              <a:t>len</a:t>
+            </a:r>
+            <a:endParaRPr lang="en-US" altLang="zh-CN" sz="1200" dirty="0">
+              <a:latin typeface="Courier New" panose="02070309020205020404" pitchFamily="49" charset="0"/>
+              <a:cs typeface="Courier New" panose="02070309020205020404" pitchFamily="49" charset="0"/>
+            </a:endParaRPr>
+          </a:p>
+          <a:p>
+            <a:pPr algn="ctr"/>
+            <a:r>
+              <a:rPr lang="en-US" altLang="zh-CN" sz="1200" dirty="0">
+                <a:solidFill>
+                  <a:srgbClr val="FF0000"/>
+                </a:solidFill>
+                <a:latin typeface="Courier New" panose="02070309020205020404" pitchFamily="49" charset="0"/>
+                <a:cs typeface="Courier New" panose="02070309020205020404" pitchFamily="49" charset="0"/>
+              </a:rPr>
+              <a:t>45</a:t>
+            </a:r>
+            <a:endParaRPr lang="zh-CN" altLang="en-US" sz="1200" dirty="0">
+              <a:solidFill>
+                <a:srgbClr val="FF0000"/>
+              </a:solidFill>
+              <a:latin typeface="Courier New" panose="02070309020205020404" pitchFamily="49" charset="0"/>
+              <a:cs typeface="Courier New" panose="02070309020205020404" pitchFamily="49" charset="0"/>
+            </a:endParaRPr>
+          </a:p>
+        </p:txBody>
+      </p:sp>
+      <p:sp>
+        <p:nvSpPr>
+          <p:cNvPr id="22" name="文本框 21">
+            <a:extLst>
+              <a:ext uri="{FF2B5EF4-FFF2-40B4-BE49-F238E27FC236}">
+                <a16:creationId xmlns:a16="http://schemas.microsoft.com/office/drawing/2014/main" id="{F042D403-AFE0-43EC-BE98-BFC875CF3552}"/>
+              </a:ext>
+            </a:extLst>
+          </p:cNvPr>
+          <p:cNvSpPr txBox="1"/>
+          <p:nvPr/>
+        </p:nvSpPr>
+        <p:spPr>
+          <a:xfrm>
+            <a:off x="7365420" y="2461053"/>
+            <a:ext cx="1685646" cy="276999"/>
+          </a:xfrm>
+          <a:prstGeom prst="rect">
+            <a:avLst/>
+          </a:prstGeom>
+          <a:noFill/>
+        </p:spPr>
+        <p:txBody>
+          <a:bodyPr wrap="square" rtlCol="0">
+            <a:spAutoFit/>
+          </a:bodyPr>
+          <a:lstStyle/>
+          <a:p>
+            <a:pPr algn="ctr"/>
+            <a:r>
+              <a:rPr lang="en-US" altLang="zh-CN" sz="1200" dirty="0" err="1">
+                <a:latin typeface="Courier New" panose="02070309020205020404" pitchFamily="49" charset="0"/>
+                <a:cs typeface="Courier New" panose="02070309020205020404" pitchFamily="49" charset="0"/>
+              </a:rPr>
+              <a:t>alloc</a:t>
+            </a:r>
+            <a:endParaRPr lang="en-US" altLang="zh-CN" sz="1200" dirty="0">
+              <a:latin typeface="Courier New" panose="02070309020205020404" pitchFamily="49" charset="0"/>
+              <a:cs typeface="Courier New" panose="02070309020205020404" pitchFamily="49" charset="0"/>
+            </a:endParaRPr>
+          </a:p>
+        </p:txBody>
+      </p:sp>
+      <p:sp>
+        <p:nvSpPr>
+          <p:cNvPr id="23" name="文本框 22">
+            <a:extLst>
+              <a:ext uri="{FF2B5EF4-FFF2-40B4-BE49-F238E27FC236}">
+                <a16:creationId xmlns:a16="http://schemas.microsoft.com/office/drawing/2014/main" id="{94EC098A-89B1-4930-B87E-B8A7CECC77FA}"/>
+              </a:ext>
+            </a:extLst>
+          </p:cNvPr>
+          <p:cNvSpPr txBox="1"/>
+          <p:nvPr/>
+        </p:nvSpPr>
+        <p:spPr>
+          <a:xfrm>
+            <a:off x="7778043" y="2884228"/>
+            <a:ext cx="860399" cy="276999"/>
+          </a:xfrm>
+          <a:prstGeom prst="rect">
+            <a:avLst/>
+          </a:prstGeom>
+          <a:noFill/>
+        </p:spPr>
+        <p:txBody>
+          <a:bodyPr wrap="square" rtlCol="0">
+            <a:spAutoFit/>
+          </a:bodyPr>
+          <a:lstStyle/>
+          <a:p>
+            <a:pPr algn="ctr"/>
+            <a:r>
+              <a:rPr lang="en-US" altLang="zh-CN" sz="1200" dirty="0">
+                <a:latin typeface="Courier New" panose="02070309020205020404" pitchFamily="49" charset="0"/>
+                <a:cs typeface="Courier New" panose="02070309020205020404" pitchFamily="49" charset="0"/>
+              </a:rPr>
+              <a:t>flag</a:t>
+            </a:r>
+            <a:endParaRPr lang="zh-CN" altLang="en-US" sz="1200" dirty="0">
+              <a:latin typeface="Courier New" panose="02070309020205020404" pitchFamily="49" charset="0"/>
+              <a:cs typeface="Courier New" panose="02070309020205020404" pitchFamily="49" charset="0"/>
+            </a:endParaRPr>
+          </a:p>
+        </p:txBody>
+      </p:sp>
+      <p:cxnSp>
+        <p:nvCxnSpPr>
+          <p:cNvPr id="24" name="直接连接符 23">
+            <a:extLst>
+              <a:ext uri="{FF2B5EF4-FFF2-40B4-BE49-F238E27FC236}">
+                <a16:creationId xmlns:a16="http://schemas.microsoft.com/office/drawing/2014/main" id="{F3D6DAD1-E4C4-424A-BB34-2187ED9785EA}"/>
+              </a:ext>
+            </a:extLst>
+          </p:cNvPr>
+          <p:cNvCxnSpPr>
+            <a:cxnSpLocks/>
+          </p:cNvCxnSpPr>
+          <p:nvPr/>
+        </p:nvCxnSpPr>
+        <p:spPr>
+          <a:xfrm>
+            <a:off x="7440235" y="3239526"/>
+            <a:ext cx="1544896" cy="0"/>
+          </a:xfrm>
+          <a:prstGeom prst="line">
+            <a:avLst/>
+          </a:prstGeom>
+        </p:spPr>
+        <p:style>
+          <a:lnRef idx="1">
+            <a:schemeClr val="dk1"/>
+          </a:lnRef>
+          <a:fillRef idx="0">
+            <a:schemeClr val="dk1"/>
+          </a:fillRef>
+          <a:effectRef idx="0">
+            <a:schemeClr val="dk1"/>
+          </a:effectRef>
+          <a:fontRef idx="minor">
+            <a:schemeClr val="tx1"/>
+          </a:fontRef>
+        </p:style>
+      </p:cxnSp>
+      <p:cxnSp>
+        <p:nvCxnSpPr>
+          <p:cNvPr id="25" name="直接箭头连接符 24">
+            <a:extLst>
+              <a:ext uri="{FF2B5EF4-FFF2-40B4-BE49-F238E27FC236}">
+                <a16:creationId xmlns:a16="http://schemas.microsoft.com/office/drawing/2014/main" id="{6C054702-E751-4CD9-99E1-E5117B5D1697}"/>
+              </a:ext>
+            </a:extLst>
+          </p:cNvPr>
+          <p:cNvCxnSpPr>
+            <a:cxnSpLocks/>
+            <a:endCxn id="26" idx="1"/>
+          </p:cNvCxnSpPr>
+          <p:nvPr/>
+        </p:nvCxnSpPr>
+        <p:spPr>
+          <a:xfrm>
+            <a:off x="8985130" y="3449096"/>
+            <a:ext cx="727966" cy="0"/>
+          </a:xfrm>
+          <a:prstGeom prst="straightConnector1">
+            <a:avLst/>
+          </a:prstGeom>
+          <a:ln>
+            <a:solidFill>
+              <a:srgbClr val="FF0000"/>
+            </a:solidFill>
+            <a:tailEnd type="triangle"/>
+          </a:ln>
+        </p:spPr>
+        <p:style>
+          <a:lnRef idx="3">
+            <a:schemeClr val="accent2"/>
+          </a:lnRef>
+          <a:fillRef idx="0">
+            <a:schemeClr val="accent2"/>
+          </a:fillRef>
+          <a:effectRef idx="2">
+            <a:schemeClr val="accent2"/>
+          </a:effectRef>
+          <a:fontRef idx="minor">
+            <a:schemeClr val="tx1"/>
+          </a:fontRef>
+        </p:style>
+      </p:cxnSp>
+      <p:sp>
+        <p:nvSpPr>
+          <p:cNvPr id="26" name="矩形 25">
+            <a:extLst>
+              <a:ext uri="{FF2B5EF4-FFF2-40B4-BE49-F238E27FC236}">
+                <a16:creationId xmlns:a16="http://schemas.microsoft.com/office/drawing/2014/main" id="{543FBD0F-A156-4BC7-95B3-B7826DEB3F20}"/>
+              </a:ext>
+            </a:extLst>
+          </p:cNvPr>
+          <p:cNvSpPr/>
+          <p:nvPr/>
+        </p:nvSpPr>
+        <p:spPr>
+          <a:xfrm>
+            <a:off x="9713096" y="3173522"/>
+            <a:ext cx="2245125" cy="551148"/>
+          </a:xfrm>
+          <a:prstGeom prst="rect">
+            <a:avLst/>
+          </a:prstGeom>
+        </p:spPr>
+        <p:style>
+          <a:lnRef idx="2">
+            <a:schemeClr val="dk1"/>
+          </a:lnRef>
+          <a:fillRef idx="1">
+            <a:schemeClr val="lt1"/>
+          </a:fillRef>
+          <a:effectRef idx="0">
+            <a:schemeClr val="dk1"/>
+          </a:effectRef>
+          <a:fontRef idx="minor">
+            <a:schemeClr val="dk1"/>
+          </a:fontRef>
+        </p:style>
+        <p:txBody>
+          <a:bodyPr rtlCol="0" anchor="ctr"/>
+          <a:lstStyle/>
+          <a:p>
+            <a:pPr algn="ctr"/>
+            <a:endParaRPr lang="zh-CN" altLang="en-US" dirty="0">
+              <a:latin typeface="Courier New" panose="02070309020205020404" pitchFamily="49" charset="0"/>
+              <a:cs typeface="Courier New" panose="02070309020205020404" pitchFamily="49" charset="0"/>
+            </a:endParaRPr>
+          </a:p>
+        </p:txBody>
+      </p:sp>
+      <p:sp>
+        <p:nvSpPr>
+          <p:cNvPr id="28" name="文本框 27">
+            <a:extLst>
+              <a:ext uri="{FF2B5EF4-FFF2-40B4-BE49-F238E27FC236}">
+                <a16:creationId xmlns:a16="http://schemas.microsoft.com/office/drawing/2014/main" id="{C3B2720F-FB9A-441B-B9D3-1BE96FDE6143}"/>
+              </a:ext>
+            </a:extLst>
+          </p:cNvPr>
+          <p:cNvSpPr txBox="1"/>
+          <p:nvPr/>
+        </p:nvSpPr>
+        <p:spPr>
+          <a:xfrm>
+            <a:off x="7422477" y="1521669"/>
+            <a:ext cx="1685646" cy="338554"/>
+          </a:xfrm>
+          <a:prstGeom prst="rect">
+            <a:avLst/>
+          </a:prstGeom>
+          <a:noFill/>
+        </p:spPr>
+        <p:txBody>
+          <a:bodyPr wrap="square" rtlCol="0">
+            <a:spAutoFit/>
+          </a:bodyPr>
+          <a:lstStyle/>
+          <a:p>
+            <a:pPr algn="ctr"/>
+            <a:r>
+              <a:rPr lang="en-US" altLang="zh-CN" sz="1600" dirty="0" err="1">
+                <a:latin typeface="Courier New" panose="02070309020205020404" pitchFamily="49" charset="0"/>
+                <a:cs typeface="Courier New" panose="02070309020205020404" pitchFamily="49" charset="0"/>
+              </a:rPr>
+              <a:t>sdshdr</a:t>
+            </a:r>
+            <a:endParaRPr lang="zh-CN" altLang="en-US" sz="1600" dirty="0">
+              <a:latin typeface="Courier New" panose="02070309020205020404" pitchFamily="49" charset="0"/>
+              <a:cs typeface="Courier New" panose="02070309020205020404" pitchFamily="49" charset="0"/>
+            </a:endParaRPr>
+          </a:p>
+        </p:txBody>
+      </p:sp>
+      <p:cxnSp>
+        <p:nvCxnSpPr>
+          <p:cNvPr id="3" name="连接符: 曲线 2">
+            <a:extLst>
+              <a:ext uri="{FF2B5EF4-FFF2-40B4-BE49-F238E27FC236}">
+                <a16:creationId xmlns:a16="http://schemas.microsoft.com/office/drawing/2014/main" id="{E862DBF2-F6EA-42B4-883F-20450EE3B085}"/>
+              </a:ext>
+            </a:extLst>
+          </p:cNvPr>
+          <p:cNvCxnSpPr>
+            <a:cxnSpLocks/>
+          </p:cNvCxnSpPr>
+          <p:nvPr/>
+        </p:nvCxnSpPr>
+        <p:spPr>
+          <a:xfrm flipV="1">
+            <a:off x="5977212" y="2266634"/>
+            <a:ext cx="1454142" cy="1340416"/>
+          </a:xfrm>
+          <a:prstGeom prst="curvedConnector3">
+            <a:avLst>
+              <a:gd name="adj1" fmla="val 50000"/>
+            </a:avLst>
+          </a:prstGeom>
+          <a:ln>
+            <a:solidFill>
+              <a:srgbClr val="FF0000"/>
+            </a:solidFill>
+            <a:tailEnd type="triangle"/>
+          </a:ln>
+        </p:spPr>
+        <p:style>
+          <a:lnRef idx="1">
+            <a:schemeClr val="accent1"/>
+          </a:lnRef>
+          <a:fillRef idx="0">
+            <a:schemeClr val="accent1"/>
+          </a:fillRef>
+          <a:effectRef idx="0">
+            <a:schemeClr val="accent1"/>
+          </a:effectRef>
+          <a:fontRef idx="minor">
+            <a:schemeClr val="tx1"/>
+          </a:fontRef>
+        </p:style>
+      </p:cxnSp>
+      <p:cxnSp>
+        <p:nvCxnSpPr>
+          <p:cNvPr id="39" name="直接连接符 38">
+            <a:extLst>
+              <a:ext uri="{FF2B5EF4-FFF2-40B4-BE49-F238E27FC236}">
+                <a16:creationId xmlns:a16="http://schemas.microsoft.com/office/drawing/2014/main" id="{852E3838-F995-42E7-BED6-BF40E8C3F8B9}"/>
+              </a:ext>
+            </a:extLst>
+          </p:cNvPr>
+          <p:cNvCxnSpPr>
+            <a:cxnSpLocks/>
+          </p:cNvCxnSpPr>
+          <p:nvPr/>
+        </p:nvCxnSpPr>
+        <p:spPr>
+          <a:xfrm>
+            <a:off x="10093911" y="3178204"/>
+            <a:ext cx="0" cy="551148"/>
+          </a:xfrm>
+          <a:prstGeom prst="line">
+            <a:avLst/>
+          </a:prstGeom>
+        </p:spPr>
+        <p:style>
+          <a:lnRef idx="1">
+            <a:schemeClr val="dk1"/>
+          </a:lnRef>
+          <a:fillRef idx="0">
+            <a:schemeClr val="dk1"/>
+          </a:fillRef>
+          <a:effectRef idx="0">
+            <a:schemeClr val="dk1"/>
+          </a:effectRef>
+          <a:fontRef idx="minor">
+            <a:schemeClr val="tx1"/>
+          </a:fontRef>
+        </p:style>
+      </p:cxnSp>
+      <p:cxnSp>
+        <p:nvCxnSpPr>
+          <p:cNvPr id="41" name="直接连接符 40">
+            <a:extLst>
+              <a:ext uri="{FF2B5EF4-FFF2-40B4-BE49-F238E27FC236}">
+                <a16:creationId xmlns:a16="http://schemas.microsoft.com/office/drawing/2014/main" id="{C165809C-8FB8-4F78-BB41-71E354370678}"/>
+              </a:ext>
+            </a:extLst>
+          </p:cNvPr>
+          <p:cNvCxnSpPr>
+            <a:cxnSpLocks/>
+          </p:cNvCxnSpPr>
+          <p:nvPr/>
+        </p:nvCxnSpPr>
+        <p:spPr>
+          <a:xfrm>
+            <a:off x="10459375" y="3173522"/>
+            <a:ext cx="0" cy="551148"/>
+          </a:xfrm>
+          <a:prstGeom prst="line">
+            <a:avLst/>
+          </a:prstGeom>
+        </p:spPr>
+        <p:style>
+          <a:lnRef idx="1">
+            <a:schemeClr val="dk1"/>
+          </a:lnRef>
+          <a:fillRef idx="0">
+            <a:schemeClr val="dk1"/>
+          </a:fillRef>
+          <a:effectRef idx="0">
+            <a:schemeClr val="dk1"/>
+          </a:effectRef>
+          <a:fontRef idx="minor">
+            <a:schemeClr val="tx1"/>
+          </a:fontRef>
+        </p:style>
+      </p:cxnSp>
+      <p:cxnSp>
+        <p:nvCxnSpPr>
+          <p:cNvPr id="42" name="直接连接符 41">
+            <a:extLst>
+              <a:ext uri="{FF2B5EF4-FFF2-40B4-BE49-F238E27FC236}">
+                <a16:creationId xmlns:a16="http://schemas.microsoft.com/office/drawing/2014/main" id="{952D6F89-2AD5-4EA5-84E6-98FEC19649F1}"/>
+              </a:ext>
+            </a:extLst>
+          </p:cNvPr>
+          <p:cNvCxnSpPr>
+            <a:cxnSpLocks/>
+          </p:cNvCxnSpPr>
+          <p:nvPr/>
+        </p:nvCxnSpPr>
+        <p:spPr>
+          <a:xfrm>
+            <a:off x="10869227" y="3173522"/>
+            <a:ext cx="0" cy="551148"/>
+          </a:xfrm>
+          <a:prstGeom prst="line">
+            <a:avLst/>
+          </a:prstGeom>
+        </p:spPr>
+        <p:style>
+          <a:lnRef idx="1">
+            <a:schemeClr val="dk1"/>
+          </a:lnRef>
+          <a:fillRef idx="0">
+            <a:schemeClr val="dk1"/>
+          </a:fillRef>
+          <a:effectRef idx="0">
+            <a:schemeClr val="dk1"/>
+          </a:effectRef>
+          <a:fontRef idx="minor">
+            <a:schemeClr val="tx1"/>
+          </a:fontRef>
+        </p:style>
+      </p:cxnSp>
+      <p:cxnSp>
+        <p:nvCxnSpPr>
+          <p:cNvPr id="43" name="直接连接符 42">
+            <a:extLst>
+              <a:ext uri="{FF2B5EF4-FFF2-40B4-BE49-F238E27FC236}">
+                <a16:creationId xmlns:a16="http://schemas.microsoft.com/office/drawing/2014/main" id="{FFD02AF2-968A-49BE-B7CD-1289953554B1}"/>
+              </a:ext>
+            </a:extLst>
+          </p:cNvPr>
+          <p:cNvCxnSpPr>
+            <a:cxnSpLocks/>
+          </p:cNvCxnSpPr>
+          <p:nvPr/>
+        </p:nvCxnSpPr>
+        <p:spPr>
+          <a:xfrm>
+            <a:off x="11277600" y="3173522"/>
+            <a:ext cx="0" cy="551148"/>
+          </a:xfrm>
+          <a:prstGeom prst="line">
+            <a:avLst/>
+          </a:prstGeom>
+        </p:spPr>
+        <p:style>
+          <a:lnRef idx="1">
+            <a:schemeClr val="dk1"/>
+          </a:lnRef>
+          <a:fillRef idx="0">
+            <a:schemeClr val="dk1"/>
+          </a:fillRef>
+          <a:effectRef idx="0">
+            <a:schemeClr val="dk1"/>
+          </a:effectRef>
+          <a:fontRef idx="minor">
+            <a:schemeClr val="tx1"/>
+          </a:fontRef>
+        </p:style>
+      </p:cxnSp>
+      <p:cxnSp>
+        <p:nvCxnSpPr>
+          <p:cNvPr id="44" name="直接连接符 43">
+            <a:extLst>
+              <a:ext uri="{FF2B5EF4-FFF2-40B4-BE49-F238E27FC236}">
+                <a16:creationId xmlns:a16="http://schemas.microsoft.com/office/drawing/2014/main" id="{817A45A9-4F32-4FDB-A241-7B18E820726B}"/>
+              </a:ext>
+            </a:extLst>
+          </p:cNvPr>
+          <p:cNvCxnSpPr>
+            <a:cxnSpLocks/>
+          </p:cNvCxnSpPr>
+          <p:nvPr/>
+        </p:nvCxnSpPr>
+        <p:spPr>
+          <a:xfrm>
+            <a:off x="11623829" y="3173522"/>
+            <a:ext cx="0" cy="551148"/>
+          </a:xfrm>
+          <a:prstGeom prst="line">
+            <a:avLst/>
+          </a:prstGeom>
+        </p:spPr>
+        <p:style>
+          <a:lnRef idx="1">
+            <a:schemeClr val="dk1"/>
+          </a:lnRef>
+          <a:fillRef idx="0">
+            <a:schemeClr val="dk1"/>
+          </a:fillRef>
+          <a:effectRef idx="0">
+            <a:schemeClr val="dk1"/>
+          </a:effectRef>
+          <a:fontRef idx="minor">
+            <a:schemeClr val="tx1"/>
+          </a:fontRef>
+        </p:style>
+      </p:cxnSp>
+      <p:sp>
+        <p:nvSpPr>
+          <p:cNvPr id="45" name="文本框 44">
+            <a:extLst>
+              <a:ext uri="{FF2B5EF4-FFF2-40B4-BE49-F238E27FC236}">
+                <a16:creationId xmlns:a16="http://schemas.microsoft.com/office/drawing/2014/main" id="{A9007455-64B1-4EF4-846C-7FB21143B2B4}"/>
+              </a:ext>
+            </a:extLst>
+          </p:cNvPr>
+          <p:cNvSpPr txBox="1"/>
+          <p:nvPr/>
+        </p:nvSpPr>
+        <p:spPr>
+          <a:xfrm>
+            <a:off x="9747683" y="3282122"/>
+            <a:ext cx="277611" cy="369332"/>
+          </a:xfrm>
+          <a:prstGeom prst="rect">
+            <a:avLst/>
+          </a:prstGeom>
+          <a:noFill/>
+        </p:spPr>
+        <p:txBody>
+          <a:bodyPr wrap="square" rtlCol="0">
+            <a:spAutoFit/>
+          </a:bodyPr>
+          <a:lstStyle/>
+          <a:p>
+            <a:r>
+              <a:rPr lang="en-US" altLang="zh-CN" dirty="0">
+                <a:latin typeface="Courier New" panose="02070309020205020404" pitchFamily="49" charset="0"/>
+                <a:cs typeface="Courier New" panose="02070309020205020404" pitchFamily="49" charset="0"/>
+              </a:rPr>
+              <a:t>h</a:t>
+            </a:r>
+            <a:endParaRPr lang="zh-CN" altLang="en-US" dirty="0">
+              <a:latin typeface="Courier New" panose="02070309020205020404" pitchFamily="49" charset="0"/>
+              <a:cs typeface="Courier New" panose="02070309020205020404" pitchFamily="49" charset="0"/>
+            </a:endParaRPr>
+          </a:p>
+        </p:txBody>
+      </p:sp>
+      <p:sp>
+        <p:nvSpPr>
+          <p:cNvPr id="46" name="文本框 45">
+            <a:extLst>
+              <a:ext uri="{FF2B5EF4-FFF2-40B4-BE49-F238E27FC236}">
+                <a16:creationId xmlns:a16="http://schemas.microsoft.com/office/drawing/2014/main" id="{EE0543E1-D740-457D-B4E7-572D5F5CB526}"/>
+              </a:ext>
+            </a:extLst>
+          </p:cNvPr>
+          <p:cNvSpPr txBox="1"/>
+          <p:nvPr/>
+        </p:nvSpPr>
+        <p:spPr>
+          <a:xfrm>
+            <a:off x="10099923" y="3282122"/>
+            <a:ext cx="277611" cy="369332"/>
+          </a:xfrm>
+          <a:prstGeom prst="rect">
+            <a:avLst/>
+          </a:prstGeom>
+          <a:noFill/>
+        </p:spPr>
+        <p:txBody>
+          <a:bodyPr wrap="square" rtlCol="0">
+            <a:spAutoFit/>
+          </a:bodyPr>
+          <a:lstStyle/>
+          <a:p>
+            <a:r>
+              <a:rPr lang="en-US" altLang="zh-CN" dirty="0">
+                <a:latin typeface="Courier New" panose="02070309020205020404" pitchFamily="49" charset="0"/>
+                <a:cs typeface="Courier New" panose="02070309020205020404" pitchFamily="49" charset="0"/>
+              </a:rPr>
+              <a:t>e</a:t>
+            </a:r>
+            <a:endParaRPr lang="zh-CN" altLang="en-US" dirty="0">
+              <a:latin typeface="Courier New" panose="02070309020205020404" pitchFamily="49" charset="0"/>
+              <a:cs typeface="Courier New" panose="02070309020205020404" pitchFamily="49" charset="0"/>
+            </a:endParaRPr>
+          </a:p>
+        </p:txBody>
+      </p:sp>
+      <p:sp>
+        <p:nvSpPr>
+          <p:cNvPr id="48" name="文本框 47">
+            <a:extLst>
+              <a:ext uri="{FF2B5EF4-FFF2-40B4-BE49-F238E27FC236}">
+                <a16:creationId xmlns:a16="http://schemas.microsoft.com/office/drawing/2014/main" id="{F2C8DD45-087F-4ACA-93EB-0D930DBC1FD4}"/>
+              </a:ext>
+            </a:extLst>
+          </p:cNvPr>
+          <p:cNvSpPr txBox="1"/>
+          <p:nvPr/>
+        </p:nvSpPr>
+        <p:spPr>
+          <a:xfrm>
+            <a:off x="10500712" y="3282122"/>
+            <a:ext cx="277611" cy="369332"/>
+          </a:xfrm>
+          <a:prstGeom prst="rect">
+            <a:avLst/>
+          </a:prstGeom>
+          <a:noFill/>
+        </p:spPr>
+        <p:txBody>
+          <a:bodyPr wrap="square" rtlCol="0">
+            <a:spAutoFit/>
+          </a:bodyPr>
+          <a:lstStyle/>
+          <a:p>
+            <a:r>
+              <a:rPr lang="en-US" altLang="zh-CN" dirty="0">
+                <a:latin typeface="Courier New" panose="02070309020205020404" pitchFamily="49" charset="0"/>
+                <a:cs typeface="Courier New" panose="02070309020205020404" pitchFamily="49" charset="0"/>
+              </a:rPr>
+              <a:t>l</a:t>
+            </a:r>
+            <a:endParaRPr lang="zh-CN" altLang="en-US" dirty="0">
+              <a:latin typeface="Courier New" panose="02070309020205020404" pitchFamily="49" charset="0"/>
+              <a:cs typeface="Courier New" panose="02070309020205020404" pitchFamily="49" charset="0"/>
+            </a:endParaRPr>
+          </a:p>
+        </p:txBody>
+      </p:sp>
+      <p:sp>
+        <p:nvSpPr>
+          <p:cNvPr id="49" name="文本框 48">
+            <a:extLst>
+              <a:ext uri="{FF2B5EF4-FFF2-40B4-BE49-F238E27FC236}">
+                <a16:creationId xmlns:a16="http://schemas.microsoft.com/office/drawing/2014/main" id="{2F2CA2F4-4B0E-4E51-955C-EA86B97356C1}"/>
+              </a:ext>
+            </a:extLst>
+          </p:cNvPr>
+          <p:cNvSpPr txBox="1"/>
+          <p:nvPr/>
+        </p:nvSpPr>
+        <p:spPr>
+          <a:xfrm>
+            <a:off x="10909084" y="3282122"/>
+            <a:ext cx="277611" cy="369332"/>
+          </a:xfrm>
+          <a:prstGeom prst="rect">
+            <a:avLst/>
+          </a:prstGeom>
+          <a:noFill/>
+        </p:spPr>
+        <p:txBody>
+          <a:bodyPr wrap="square" rtlCol="0">
+            <a:spAutoFit/>
+          </a:bodyPr>
+          <a:lstStyle/>
+          <a:p>
+            <a:r>
+              <a:rPr lang="en-US" altLang="zh-CN" dirty="0">
+                <a:latin typeface="Courier New" panose="02070309020205020404" pitchFamily="49" charset="0"/>
+                <a:cs typeface="Courier New" panose="02070309020205020404" pitchFamily="49" charset="0"/>
+              </a:rPr>
+              <a:t>l</a:t>
+            </a:r>
+            <a:endParaRPr lang="zh-CN" altLang="en-US" dirty="0">
+              <a:latin typeface="Courier New" panose="02070309020205020404" pitchFamily="49" charset="0"/>
+              <a:cs typeface="Courier New" panose="02070309020205020404" pitchFamily="49" charset="0"/>
+            </a:endParaRPr>
+          </a:p>
+        </p:txBody>
+      </p:sp>
+      <p:sp>
+        <p:nvSpPr>
+          <p:cNvPr id="50" name="文本框 49">
+            <a:extLst>
+              <a:ext uri="{FF2B5EF4-FFF2-40B4-BE49-F238E27FC236}">
+                <a16:creationId xmlns:a16="http://schemas.microsoft.com/office/drawing/2014/main" id="{E0F03F59-8EAC-44B2-8CAB-121F6C863246}"/>
+              </a:ext>
+            </a:extLst>
+          </p:cNvPr>
+          <p:cNvSpPr txBox="1"/>
+          <p:nvPr/>
+        </p:nvSpPr>
+        <p:spPr>
+          <a:xfrm>
+            <a:off x="11290269" y="3282122"/>
+            <a:ext cx="277611" cy="369332"/>
+          </a:xfrm>
+          <a:prstGeom prst="rect">
+            <a:avLst/>
+          </a:prstGeom>
+          <a:noFill/>
+        </p:spPr>
+        <p:txBody>
+          <a:bodyPr wrap="square" rtlCol="0">
+            <a:spAutoFit/>
+          </a:bodyPr>
+          <a:lstStyle/>
+          <a:p>
+            <a:r>
+              <a:rPr lang="en-US" altLang="zh-CN" dirty="0">
+                <a:latin typeface="Courier New" panose="02070309020205020404" pitchFamily="49" charset="0"/>
+                <a:cs typeface="Courier New" panose="02070309020205020404" pitchFamily="49" charset="0"/>
+              </a:rPr>
+              <a:t>…</a:t>
+            </a:r>
+            <a:endParaRPr lang="zh-CN" altLang="en-US" dirty="0">
+              <a:latin typeface="Courier New" panose="02070309020205020404" pitchFamily="49" charset="0"/>
+              <a:cs typeface="Courier New" panose="02070309020205020404" pitchFamily="49" charset="0"/>
+            </a:endParaRPr>
+          </a:p>
+        </p:txBody>
+      </p:sp>
+      <p:sp>
+        <p:nvSpPr>
+          <p:cNvPr id="51" name="文本框 50">
+            <a:extLst>
+              <a:ext uri="{FF2B5EF4-FFF2-40B4-BE49-F238E27FC236}">
+                <a16:creationId xmlns:a16="http://schemas.microsoft.com/office/drawing/2014/main" id="{01AAE31E-A5AA-4169-8E58-E3D393F90C7F}"/>
+              </a:ext>
+            </a:extLst>
+          </p:cNvPr>
+          <p:cNvSpPr txBox="1"/>
+          <p:nvPr/>
+        </p:nvSpPr>
+        <p:spPr>
+          <a:xfrm>
+            <a:off x="11559460" y="3318730"/>
+            <a:ext cx="571875" cy="369332"/>
+          </a:xfrm>
+          <a:prstGeom prst="rect">
+            <a:avLst/>
+          </a:prstGeom>
+          <a:noFill/>
+        </p:spPr>
+        <p:txBody>
+          <a:bodyPr wrap="square" rtlCol="0">
+            <a:spAutoFit/>
+          </a:bodyPr>
+          <a:lstStyle/>
+          <a:p>
+            <a:r>
+              <a:rPr lang="en-US" altLang="zh-CN" dirty="0">
+                <a:latin typeface="Courier New" panose="02070309020205020404" pitchFamily="49" charset="0"/>
+                <a:cs typeface="Courier New" panose="02070309020205020404" pitchFamily="49" charset="0"/>
+              </a:rPr>
+              <a:t>\0</a:t>
+            </a:r>
+            <a:endParaRPr lang="zh-CN" altLang="en-US" dirty="0">
+              <a:latin typeface="Courier New" panose="02070309020205020404" pitchFamily="49" charset="0"/>
+              <a:cs typeface="Courier New" panose="02070309020205020404" pitchFamily="49" charset="0"/>
+            </a:endParaRPr>
+          </a:p>
+        </p:txBody>
+      </p:sp>
+    </p:spTree>
+    <p:extLst>
+      <p:ext uri="{BB962C8B-B14F-4D97-AF65-F5344CB8AC3E}">
+        <p14:creationId xmlns:p14="http://schemas.microsoft.com/office/powerpoint/2010/main" val="312474015"/>
+      </p:ext>
+    </p:extLst>
+  </p:cSld>
+  <p:clrMapOvr>
+    <a:masterClrMapping/>
+  </p:clrMapOvr>
+</p:sld>
+</file>
+
 <file path=ppt/theme/theme1.xml><?xml version="1.0" encoding="utf-8"?>
 <a:theme xmlns:a="http://schemas.openxmlformats.org/drawingml/2006/main" name="Office 主题​​">
   <a:themeElements>

--- a/Redis/pics/pics.pptx
+++ b/Redis/pics/pics.pptx
@@ -12,6 +12,11 @@
     <p:sldId id="261" r:id="rId6"/>
     <p:sldId id="260" r:id="rId7"/>
     <p:sldId id="262" r:id="rId8"/>
+    <p:sldId id="263" r:id="rId9"/>
+    <p:sldId id="264" r:id="rId10"/>
+    <p:sldId id="265" r:id="rId11"/>
+    <p:sldId id="266" r:id="rId12"/>
+    <p:sldId id="267" r:id="rId13"/>
   </p:sldIdLst>
   <p:sldSz cx="12192000" cy="6858000"/>
   <p:notesSz cx="6858000" cy="9144000"/>
@@ -265,7 +270,7 @@
           <a:p>
             <a:fld id="{C37C3152-9AA4-4DE5-82FF-C271ABB9E57C}" type="datetimeFigureOut">
               <a:rPr lang="zh-CN" altLang="en-US" smtClean="0"/>
-              <a:t>2021/10/17</a:t>
+              <a:t>2021/10/22</a:t>
             </a:fld>
             <a:endParaRPr lang="zh-CN" altLang="en-US"/>
           </a:p>
@@ -463,7 +468,7 @@
           <a:p>
             <a:fld id="{C37C3152-9AA4-4DE5-82FF-C271ABB9E57C}" type="datetimeFigureOut">
               <a:rPr lang="zh-CN" altLang="en-US" smtClean="0"/>
-              <a:t>2021/10/17</a:t>
+              <a:t>2021/10/22</a:t>
             </a:fld>
             <a:endParaRPr lang="zh-CN" altLang="en-US"/>
           </a:p>
@@ -671,7 +676,7 @@
           <a:p>
             <a:fld id="{C37C3152-9AA4-4DE5-82FF-C271ABB9E57C}" type="datetimeFigureOut">
               <a:rPr lang="zh-CN" altLang="en-US" smtClean="0"/>
-              <a:t>2021/10/17</a:t>
+              <a:t>2021/10/22</a:t>
             </a:fld>
             <a:endParaRPr lang="zh-CN" altLang="en-US"/>
           </a:p>
@@ -869,7 +874,7 @@
           <a:p>
             <a:fld id="{C37C3152-9AA4-4DE5-82FF-C271ABB9E57C}" type="datetimeFigureOut">
               <a:rPr lang="zh-CN" altLang="en-US" smtClean="0"/>
-              <a:t>2021/10/17</a:t>
+              <a:t>2021/10/22</a:t>
             </a:fld>
             <a:endParaRPr lang="zh-CN" altLang="en-US"/>
           </a:p>
@@ -1144,7 +1149,7 @@
           <a:p>
             <a:fld id="{C37C3152-9AA4-4DE5-82FF-C271ABB9E57C}" type="datetimeFigureOut">
               <a:rPr lang="zh-CN" altLang="en-US" smtClean="0"/>
-              <a:t>2021/10/17</a:t>
+              <a:t>2021/10/22</a:t>
             </a:fld>
             <a:endParaRPr lang="zh-CN" altLang="en-US"/>
           </a:p>
@@ -1409,7 +1414,7 @@
           <a:p>
             <a:fld id="{C37C3152-9AA4-4DE5-82FF-C271ABB9E57C}" type="datetimeFigureOut">
               <a:rPr lang="zh-CN" altLang="en-US" smtClean="0"/>
-              <a:t>2021/10/17</a:t>
+              <a:t>2021/10/22</a:t>
             </a:fld>
             <a:endParaRPr lang="zh-CN" altLang="en-US"/>
           </a:p>
@@ -1821,7 +1826,7 @@
           <a:p>
             <a:fld id="{C37C3152-9AA4-4DE5-82FF-C271ABB9E57C}" type="datetimeFigureOut">
               <a:rPr lang="zh-CN" altLang="en-US" smtClean="0"/>
-              <a:t>2021/10/17</a:t>
+              <a:t>2021/10/22</a:t>
             </a:fld>
             <a:endParaRPr lang="zh-CN" altLang="en-US"/>
           </a:p>
@@ -1962,7 +1967,7 @@
           <a:p>
             <a:fld id="{C37C3152-9AA4-4DE5-82FF-C271ABB9E57C}" type="datetimeFigureOut">
               <a:rPr lang="zh-CN" altLang="en-US" smtClean="0"/>
-              <a:t>2021/10/17</a:t>
+              <a:t>2021/10/22</a:t>
             </a:fld>
             <a:endParaRPr lang="zh-CN" altLang="en-US"/>
           </a:p>
@@ -2075,7 +2080,7 @@
           <a:p>
             <a:fld id="{C37C3152-9AA4-4DE5-82FF-C271ABB9E57C}" type="datetimeFigureOut">
               <a:rPr lang="zh-CN" altLang="en-US" smtClean="0"/>
-              <a:t>2021/10/17</a:t>
+              <a:t>2021/10/22</a:t>
             </a:fld>
             <a:endParaRPr lang="zh-CN" altLang="en-US"/>
           </a:p>
@@ -2386,7 +2391,7 @@
           <a:p>
             <a:fld id="{C37C3152-9AA4-4DE5-82FF-C271ABB9E57C}" type="datetimeFigureOut">
               <a:rPr lang="zh-CN" altLang="en-US" smtClean="0"/>
-              <a:t>2021/10/17</a:t>
+              <a:t>2021/10/22</a:t>
             </a:fld>
             <a:endParaRPr lang="zh-CN" altLang="en-US"/>
           </a:p>
@@ -2674,7 +2679,7 @@
           <a:p>
             <a:fld id="{C37C3152-9AA4-4DE5-82FF-C271ABB9E57C}" type="datetimeFigureOut">
               <a:rPr lang="zh-CN" altLang="en-US" smtClean="0"/>
-              <a:t>2021/10/17</a:t>
+              <a:t>2021/10/22</a:t>
             </a:fld>
             <a:endParaRPr lang="zh-CN" altLang="en-US"/>
           </a:p>
@@ -2915,7 +2920,7 @@
           <a:p>
             <a:fld id="{C37C3152-9AA4-4DE5-82FF-C271ABB9E57C}" type="datetimeFigureOut">
               <a:rPr lang="zh-CN" altLang="en-US" smtClean="0"/>
-              <a:t>2021/10/17</a:t>
+              <a:t>2021/10/22</a:t>
             </a:fld>
             <a:endParaRPr lang="zh-CN" altLang="en-US"/>
           </a:p>
@@ -3599,6 +3604,2434 @@
 </p:sld>
 </file>
 
+<file path=ppt/slides/slide10.xml><?xml version="1.0" encoding="utf-8"?>
+<p:sld xmlns:a="http://schemas.openxmlformats.org/drawingml/2006/main" xmlns:r="http://schemas.openxmlformats.org/officeDocument/2006/relationships" xmlns:p="http://schemas.openxmlformats.org/presentationml/2006/main">
+  <p:cSld>
+    <p:spTree>
+      <p:nvGrpSpPr>
+        <p:cNvPr id="1" name=""/>
+        <p:cNvGrpSpPr/>
+        <p:nvPr/>
+      </p:nvGrpSpPr>
+      <p:grpSpPr>
+        <a:xfrm>
+          <a:off x="0" y="0"/>
+          <a:ext cx="0" cy="0"/>
+          <a:chOff x="0" y="0"/>
+          <a:chExt cx="0" cy="0"/>
+        </a:xfrm>
+      </p:grpSpPr>
+      <p:sp>
+        <p:nvSpPr>
+          <p:cNvPr id="4" name="矩形 3">
+            <a:extLst>
+              <a:ext uri="{FF2B5EF4-FFF2-40B4-BE49-F238E27FC236}">
+                <a16:creationId xmlns:a16="http://schemas.microsoft.com/office/drawing/2014/main" id="{5A63A200-8D0F-4818-BC9F-9D43BA28D939}"/>
+              </a:ext>
+            </a:extLst>
+          </p:cNvPr>
+          <p:cNvSpPr/>
+          <p:nvPr/>
+        </p:nvSpPr>
+        <p:spPr>
+          <a:xfrm rot="16200000">
+            <a:off x="4862335" y="1746508"/>
+            <a:ext cx="2001523" cy="1891684"/>
+          </a:xfrm>
+          <a:prstGeom prst="rect">
+            <a:avLst/>
+          </a:prstGeom>
+        </p:spPr>
+        <p:style>
+          <a:lnRef idx="2">
+            <a:schemeClr val="dk1"/>
+          </a:lnRef>
+          <a:fillRef idx="1">
+            <a:schemeClr val="lt1"/>
+          </a:fillRef>
+          <a:effectRef idx="0">
+            <a:schemeClr val="dk1"/>
+          </a:effectRef>
+          <a:fontRef idx="minor">
+            <a:schemeClr val="dk1"/>
+          </a:fontRef>
+        </p:style>
+        <p:txBody>
+          <a:bodyPr rtlCol="0" anchor="ctr"/>
+          <a:lstStyle/>
+          <a:p>
+            <a:pPr algn="ctr"/>
+            <a:endParaRPr lang="zh-CN" altLang="en-US" dirty="0"/>
+          </a:p>
+        </p:txBody>
+      </p:sp>
+      <p:cxnSp>
+        <p:nvCxnSpPr>
+          <p:cNvPr id="7" name="直接连接符 6">
+            <a:extLst>
+              <a:ext uri="{FF2B5EF4-FFF2-40B4-BE49-F238E27FC236}">
+                <a16:creationId xmlns:a16="http://schemas.microsoft.com/office/drawing/2014/main" id="{C1B25220-4793-442A-97B9-A68CF3E9A201}"/>
+              </a:ext>
+            </a:extLst>
+          </p:cNvPr>
+          <p:cNvCxnSpPr>
+            <a:cxnSpLocks/>
+          </p:cNvCxnSpPr>
+          <p:nvPr/>
+        </p:nvCxnSpPr>
+        <p:spPr>
+          <a:xfrm flipH="1">
+            <a:off x="4917494" y="2718984"/>
+            <a:ext cx="1891682" cy="0"/>
+          </a:xfrm>
+          <a:prstGeom prst="line">
+            <a:avLst/>
+          </a:prstGeom>
+        </p:spPr>
+        <p:style>
+          <a:lnRef idx="1">
+            <a:schemeClr val="dk1"/>
+          </a:lnRef>
+          <a:fillRef idx="0">
+            <a:schemeClr val="dk1"/>
+          </a:fillRef>
+          <a:effectRef idx="0">
+            <a:schemeClr val="dk1"/>
+          </a:effectRef>
+          <a:fontRef idx="minor">
+            <a:schemeClr val="tx1"/>
+          </a:fontRef>
+        </p:style>
+      </p:cxnSp>
+      <p:sp>
+        <p:nvSpPr>
+          <p:cNvPr id="14" name="文本框 13">
+            <a:extLst>
+              <a:ext uri="{FF2B5EF4-FFF2-40B4-BE49-F238E27FC236}">
+                <a16:creationId xmlns:a16="http://schemas.microsoft.com/office/drawing/2014/main" id="{12D3878E-5BA1-4B15-8640-5894C1A4D6B9}"/>
+              </a:ext>
+            </a:extLst>
+          </p:cNvPr>
+          <p:cNvSpPr txBox="1"/>
+          <p:nvPr/>
+        </p:nvSpPr>
+        <p:spPr>
+          <a:xfrm>
+            <a:off x="5418337" y="3285405"/>
+            <a:ext cx="860399" cy="276999"/>
+          </a:xfrm>
+          <a:prstGeom prst="rect">
+            <a:avLst/>
+          </a:prstGeom>
+          <a:noFill/>
+        </p:spPr>
+        <p:txBody>
+          <a:bodyPr wrap="square" rtlCol="0">
+            <a:spAutoFit/>
+          </a:bodyPr>
+          <a:lstStyle/>
+          <a:p>
+            <a:pPr algn="ctr"/>
+            <a:r>
+              <a:rPr lang="en-US" altLang="zh-CN" sz="1200" dirty="0" err="1">
+                <a:latin typeface="Courier New" panose="02070309020205020404" pitchFamily="49" charset="0"/>
+                <a:cs typeface="Courier New" panose="02070309020205020404" pitchFamily="49" charset="0"/>
+              </a:rPr>
+              <a:t>ptr</a:t>
+            </a:r>
+            <a:endParaRPr lang="zh-CN" altLang="en-US" sz="1200" dirty="0">
+              <a:latin typeface="Courier New" panose="02070309020205020404" pitchFamily="49" charset="0"/>
+              <a:cs typeface="Courier New" panose="02070309020205020404" pitchFamily="49" charset="0"/>
+            </a:endParaRPr>
+          </a:p>
+        </p:txBody>
+      </p:sp>
+      <p:cxnSp>
+        <p:nvCxnSpPr>
+          <p:cNvPr id="27" name="直接连接符 26">
+            <a:extLst>
+              <a:ext uri="{FF2B5EF4-FFF2-40B4-BE49-F238E27FC236}">
+                <a16:creationId xmlns:a16="http://schemas.microsoft.com/office/drawing/2014/main" id="{B11888DE-B1C6-4CDC-B972-7A1FCECE0EF1}"/>
+              </a:ext>
+            </a:extLst>
+          </p:cNvPr>
+          <p:cNvCxnSpPr>
+            <a:cxnSpLocks/>
+          </p:cNvCxnSpPr>
+          <p:nvPr/>
+        </p:nvCxnSpPr>
+        <p:spPr>
+          <a:xfrm flipH="1">
+            <a:off x="4917494" y="2185206"/>
+            <a:ext cx="1891682" cy="0"/>
+          </a:xfrm>
+          <a:prstGeom prst="line">
+            <a:avLst/>
+          </a:prstGeom>
+        </p:spPr>
+        <p:style>
+          <a:lnRef idx="1">
+            <a:schemeClr val="dk1"/>
+          </a:lnRef>
+          <a:fillRef idx="0">
+            <a:schemeClr val="dk1"/>
+          </a:fillRef>
+          <a:effectRef idx="0">
+            <a:schemeClr val="dk1"/>
+          </a:effectRef>
+          <a:fontRef idx="minor">
+            <a:schemeClr val="tx1"/>
+          </a:fontRef>
+        </p:style>
+      </p:cxnSp>
+      <p:sp>
+        <p:nvSpPr>
+          <p:cNvPr id="31" name="文本框 30">
+            <a:extLst>
+              <a:ext uri="{FF2B5EF4-FFF2-40B4-BE49-F238E27FC236}">
+                <a16:creationId xmlns:a16="http://schemas.microsoft.com/office/drawing/2014/main" id="{439A6F0D-BCEF-4017-904F-BCC04877FE86}"/>
+              </a:ext>
+            </a:extLst>
+          </p:cNvPr>
+          <p:cNvSpPr txBox="1"/>
+          <p:nvPr/>
+        </p:nvSpPr>
+        <p:spPr>
+          <a:xfrm>
+            <a:off x="5188858" y="1691588"/>
+            <a:ext cx="1348948" cy="461665"/>
+          </a:xfrm>
+          <a:prstGeom prst="rect">
+            <a:avLst/>
+          </a:prstGeom>
+          <a:noFill/>
+        </p:spPr>
+        <p:txBody>
+          <a:bodyPr wrap="square" rtlCol="0">
+            <a:spAutoFit/>
+          </a:bodyPr>
+          <a:lstStyle/>
+          <a:p>
+            <a:pPr algn="ctr"/>
+            <a:r>
+              <a:rPr lang="en-US" altLang="zh-CN" sz="1200" dirty="0">
+                <a:latin typeface="Courier New" panose="02070309020205020404" pitchFamily="49" charset="0"/>
+                <a:cs typeface="Courier New" panose="02070309020205020404" pitchFamily="49" charset="0"/>
+              </a:rPr>
+              <a:t>type</a:t>
+            </a:r>
+          </a:p>
+          <a:p>
+            <a:pPr algn="ctr"/>
+            <a:r>
+              <a:rPr lang="en-US" altLang="zh-CN" sz="1200" dirty="0">
+                <a:solidFill>
+                  <a:srgbClr val="FF0000"/>
+                </a:solidFill>
+                <a:latin typeface="Courier New" panose="02070309020205020404" pitchFamily="49" charset="0"/>
+                <a:cs typeface="Courier New" panose="02070309020205020404" pitchFamily="49" charset="0"/>
+              </a:rPr>
+              <a:t>OBJ_ZSET</a:t>
+            </a:r>
+            <a:endParaRPr lang="zh-CN" altLang="en-US" sz="1200" dirty="0">
+              <a:solidFill>
+                <a:srgbClr val="FF0000"/>
+              </a:solidFill>
+              <a:latin typeface="Courier New" panose="02070309020205020404" pitchFamily="49" charset="0"/>
+              <a:cs typeface="Courier New" panose="02070309020205020404" pitchFamily="49" charset="0"/>
+            </a:endParaRPr>
+          </a:p>
+        </p:txBody>
+      </p:sp>
+      <p:sp>
+        <p:nvSpPr>
+          <p:cNvPr id="32" name="文本框 31">
+            <a:extLst>
+              <a:ext uri="{FF2B5EF4-FFF2-40B4-BE49-F238E27FC236}">
+                <a16:creationId xmlns:a16="http://schemas.microsoft.com/office/drawing/2014/main" id="{B06F2CBB-9C70-4880-899E-EF0E79B3CA0B}"/>
+              </a:ext>
+            </a:extLst>
+          </p:cNvPr>
+          <p:cNvSpPr txBox="1"/>
+          <p:nvPr/>
+        </p:nvSpPr>
+        <p:spPr>
+          <a:xfrm>
+            <a:off x="4846054" y="2219809"/>
+            <a:ext cx="2028638" cy="461665"/>
+          </a:xfrm>
+          <a:prstGeom prst="rect">
+            <a:avLst/>
+          </a:prstGeom>
+          <a:noFill/>
+        </p:spPr>
+        <p:txBody>
+          <a:bodyPr wrap="square" rtlCol="0">
+            <a:spAutoFit/>
+          </a:bodyPr>
+          <a:lstStyle/>
+          <a:p>
+            <a:pPr algn="ctr"/>
+            <a:r>
+              <a:rPr lang="en-US" altLang="zh-CN" sz="1200" dirty="0">
+                <a:latin typeface="Courier New" panose="02070309020205020404" pitchFamily="49" charset="0"/>
+                <a:cs typeface="Courier New" panose="02070309020205020404" pitchFamily="49" charset="0"/>
+              </a:rPr>
+              <a:t>encoding</a:t>
+            </a:r>
+          </a:p>
+          <a:p>
+            <a:pPr algn="ctr"/>
+            <a:r>
+              <a:rPr lang="en-US" altLang="zh-CN" sz="1200" dirty="0">
+                <a:solidFill>
+                  <a:srgbClr val="FF0000"/>
+                </a:solidFill>
+                <a:latin typeface="Courier New" panose="02070309020205020404" pitchFamily="49" charset="0"/>
+                <a:cs typeface="Courier New" panose="02070309020205020404" pitchFamily="49" charset="0"/>
+              </a:rPr>
+              <a:t>OBJ_ENCODING_ZIPLIST</a:t>
+            </a:r>
+            <a:endParaRPr lang="zh-CN" altLang="en-US" sz="1200" dirty="0">
+              <a:solidFill>
+                <a:srgbClr val="FF0000"/>
+              </a:solidFill>
+              <a:latin typeface="Courier New" panose="02070309020205020404" pitchFamily="49" charset="0"/>
+              <a:cs typeface="Courier New" panose="02070309020205020404" pitchFamily="49" charset="0"/>
+            </a:endParaRPr>
+          </a:p>
+        </p:txBody>
+      </p:sp>
+      <p:sp>
+        <p:nvSpPr>
+          <p:cNvPr id="33" name="文本框 32">
+            <a:extLst>
+              <a:ext uri="{FF2B5EF4-FFF2-40B4-BE49-F238E27FC236}">
+                <a16:creationId xmlns:a16="http://schemas.microsoft.com/office/drawing/2014/main" id="{7B5EF4CB-C9D7-4AD0-A1B8-D1D46C1115B0}"/>
+              </a:ext>
+            </a:extLst>
+          </p:cNvPr>
+          <p:cNvSpPr txBox="1"/>
+          <p:nvPr/>
+        </p:nvSpPr>
+        <p:spPr>
+          <a:xfrm>
+            <a:off x="5430172" y="2766132"/>
+            <a:ext cx="860399" cy="276999"/>
+          </a:xfrm>
+          <a:prstGeom prst="rect">
+            <a:avLst/>
+          </a:prstGeom>
+          <a:noFill/>
+        </p:spPr>
+        <p:txBody>
+          <a:bodyPr wrap="square" rtlCol="0">
+            <a:spAutoFit/>
+          </a:bodyPr>
+          <a:lstStyle/>
+          <a:p>
+            <a:pPr algn="ctr"/>
+            <a:r>
+              <a:rPr lang="en-US" altLang="zh-CN" sz="1200" dirty="0">
+                <a:latin typeface="Courier New" panose="02070309020205020404" pitchFamily="49" charset="0"/>
+                <a:cs typeface="Courier New" panose="02070309020205020404" pitchFamily="49" charset="0"/>
+              </a:rPr>
+              <a:t>……</a:t>
+            </a:r>
+            <a:endParaRPr lang="zh-CN" altLang="en-US" sz="1200" dirty="0">
+              <a:latin typeface="Courier New" panose="02070309020205020404" pitchFamily="49" charset="0"/>
+              <a:cs typeface="Courier New" panose="02070309020205020404" pitchFamily="49" charset="0"/>
+            </a:endParaRPr>
+          </a:p>
+        </p:txBody>
+      </p:sp>
+      <p:cxnSp>
+        <p:nvCxnSpPr>
+          <p:cNvPr id="9" name="直接连接符 8">
+            <a:extLst>
+              <a:ext uri="{FF2B5EF4-FFF2-40B4-BE49-F238E27FC236}">
+                <a16:creationId xmlns:a16="http://schemas.microsoft.com/office/drawing/2014/main" id="{7EF85B8C-89AD-491E-B077-1DCE8128CDDA}"/>
+              </a:ext>
+            </a:extLst>
+          </p:cNvPr>
+          <p:cNvCxnSpPr>
+            <a:cxnSpLocks/>
+          </p:cNvCxnSpPr>
+          <p:nvPr/>
+        </p:nvCxnSpPr>
+        <p:spPr>
+          <a:xfrm>
+            <a:off x="4914530" y="3201185"/>
+            <a:ext cx="1891684" cy="0"/>
+          </a:xfrm>
+          <a:prstGeom prst="line">
+            <a:avLst/>
+          </a:prstGeom>
+        </p:spPr>
+        <p:style>
+          <a:lnRef idx="1">
+            <a:schemeClr val="dk1"/>
+          </a:lnRef>
+          <a:fillRef idx="0">
+            <a:schemeClr val="dk1"/>
+          </a:fillRef>
+          <a:effectRef idx="0">
+            <a:schemeClr val="dk1"/>
+          </a:effectRef>
+          <a:fontRef idx="minor">
+            <a:schemeClr val="tx1"/>
+          </a:fontRef>
+        </p:style>
+      </p:cxnSp>
+      <p:sp>
+        <p:nvSpPr>
+          <p:cNvPr id="18" name="文本框 17">
+            <a:extLst>
+              <a:ext uri="{FF2B5EF4-FFF2-40B4-BE49-F238E27FC236}">
+                <a16:creationId xmlns:a16="http://schemas.microsoft.com/office/drawing/2014/main" id="{9618831F-61FA-4759-950A-04CBC6012494}"/>
+              </a:ext>
+            </a:extLst>
+          </p:cNvPr>
+          <p:cNvSpPr txBox="1"/>
+          <p:nvPr/>
+        </p:nvSpPr>
+        <p:spPr>
+          <a:xfrm>
+            <a:off x="5105774" y="1385265"/>
+            <a:ext cx="1685646" cy="338554"/>
+          </a:xfrm>
+          <a:prstGeom prst="rect">
+            <a:avLst/>
+          </a:prstGeom>
+          <a:noFill/>
+        </p:spPr>
+        <p:txBody>
+          <a:bodyPr wrap="square" rtlCol="0">
+            <a:spAutoFit/>
+          </a:bodyPr>
+          <a:lstStyle/>
+          <a:p>
+            <a:r>
+              <a:rPr lang="en-US" altLang="zh-CN" sz="1600" dirty="0" err="1">
+                <a:latin typeface="Courier New" panose="02070309020205020404" pitchFamily="49" charset="0"/>
+                <a:cs typeface="Courier New" panose="02070309020205020404" pitchFamily="49" charset="0"/>
+              </a:rPr>
+              <a:t>redisObject</a:t>
+            </a:r>
+            <a:endParaRPr lang="zh-CN" altLang="en-US" sz="1600" dirty="0">
+              <a:latin typeface="Courier New" panose="02070309020205020404" pitchFamily="49" charset="0"/>
+              <a:cs typeface="Courier New" panose="02070309020205020404" pitchFamily="49" charset="0"/>
+            </a:endParaRPr>
+          </a:p>
+        </p:txBody>
+      </p:sp>
+      <p:cxnSp>
+        <p:nvCxnSpPr>
+          <p:cNvPr id="25" name="直接箭头连接符 24">
+            <a:extLst>
+              <a:ext uri="{FF2B5EF4-FFF2-40B4-BE49-F238E27FC236}">
+                <a16:creationId xmlns:a16="http://schemas.microsoft.com/office/drawing/2014/main" id="{6C054702-E751-4CD9-99E1-E5117B5D1697}"/>
+              </a:ext>
+            </a:extLst>
+          </p:cNvPr>
+          <p:cNvCxnSpPr>
+            <a:cxnSpLocks/>
+          </p:cNvCxnSpPr>
+          <p:nvPr/>
+        </p:nvCxnSpPr>
+        <p:spPr>
+          <a:xfrm>
+            <a:off x="6809176" y="3442300"/>
+            <a:ext cx="727966" cy="0"/>
+          </a:xfrm>
+          <a:prstGeom prst="straightConnector1">
+            <a:avLst/>
+          </a:prstGeom>
+          <a:ln>
+            <a:solidFill>
+              <a:srgbClr val="FF0000"/>
+            </a:solidFill>
+            <a:tailEnd type="triangle"/>
+          </a:ln>
+        </p:spPr>
+        <p:style>
+          <a:lnRef idx="3">
+            <a:schemeClr val="accent2"/>
+          </a:lnRef>
+          <a:fillRef idx="0">
+            <a:schemeClr val="accent2"/>
+          </a:fillRef>
+          <a:effectRef idx="2">
+            <a:schemeClr val="accent2"/>
+          </a:effectRef>
+          <a:fontRef idx="minor">
+            <a:schemeClr val="tx1"/>
+          </a:fontRef>
+        </p:style>
+      </p:cxnSp>
+      <p:sp>
+        <p:nvSpPr>
+          <p:cNvPr id="26" name="矩形 25">
+            <a:extLst>
+              <a:ext uri="{FF2B5EF4-FFF2-40B4-BE49-F238E27FC236}">
+                <a16:creationId xmlns:a16="http://schemas.microsoft.com/office/drawing/2014/main" id="{543FBD0F-A156-4BC7-95B3-B7826DEB3F20}"/>
+              </a:ext>
+            </a:extLst>
+          </p:cNvPr>
+          <p:cNvSpPr/>
+          <p:nvPr/>
+        </p:nvSpPr>
+        <p:spPr>
+          <a:xfrm>
+            <a:off x="7537140" y="3201185"/>
+            <a:ext cx="1286011" cy="454398"/>
+          </a:xfrm>
+          <a:prstGeom prst="rect">
+            <a:avLst/>
+          </a:prstGeom>
+        </p:spPr>
+        <p:style>
+          <a:lnRef idx="2">
+            <a:schemeClr val="dk1"/>
+          </a:lnRef>
+          <a:fillRef idx="1">
+            <a:schemeClr val="lt1"/>
+          </a:fillRef>
+          <a:effectRef idx="0">
+            <a:schemeClr val="dk1"/>
+          </a:effectRef>
+          <a:fontRef idx="minor">
+            <a:schemeClr val="dk1"/>
+          </a:fontRef>
+        </p:style>
+        <p:txBody>
+          <a:bodyPr rtlCol="0" anchor="ctr"/>
+          <a:lstStyle/>
+          <a:p>
+            <a:pPr algn="ctr"/>
+            <a:r>
+              <a:rPr lang="en-US" altLang="zh-CN" sz="1600" dirty="0">
+                <a:latin typeface="Courier New" panose="02070309020205020404" pitchFamily="49" charset="0"/>
+                <a:cs typeface="Courier New" panose="02070309020205020404" pitchFamily="49" charset="0"/>
+              </a:rPr>
+              <a:t>ZIPLIST</a:t>
+            </a:r>
+            <a:endParaRPr lang="zh-CN" altLang="en-US" sz="1600" dirty="0">
+              <a:latin typeface="Courier New" panose="02070309020205020404" pitchFamily="49" charset="0"/>
+              <a:cs typeface="Courier New" panose="02070309020205020404" pitchFamily="49" charset="0"/>
+            </a:endParaRPr>
+          </a:p>
+        </p:txBody>
+      </p:sp>
+    </p:spTree>
+    <p:extLst>
+      <p:ext uri="{BB962C8B-B14F-4D97-AF65-F5344CB8AC3E}">
+        <p14:creationId xmlns:p14="http://schemas.microsoft.com/office/powerpoint/2010/main" val="2603742739"/>
+      </p:ext>
+    </p:extLst>
+  </p:cSld>
+  <p:clrMapOvr>
+    <a:masterClrMapping/>
+  </p:clrMapOvr>
+</p:sld>
+</file>
+
+<file path=ppt/slides/slide11.xml><?xml version="1.0" encoding="utf-8"?>
+<p:sld xmlns:a="http://schemas.openxmlformats.org/drawingml/2006/main" xmlns:r="http://schemas.openxmlformats.org/officeDocument/2006/relationships" xmlns:p="http://schemas.openxmlformats.org/presentationml/2006/main">
+  <p:cSld>
+    <p:spTree>
+      <p:nvGrpSpPr>
+        <p:cNvPr id="1" name=""/>
+        <p:cNvGrpSpPr/>
+        <p:nvPr/>
+      </p:nvGrpSpPr>
+      <p:grpSpPr>
+        <a:xfrm>
+          <a:off x="0" y="0"/>
+          <a:ext cx="0" cy="0"/>
+          <a:chOff x="0" y="0"/>
+          <a:chExt cx="0" cy="0"/>
+        </a:xfrm>
+      </p:grpSpPr>
+      <p:sp>
+        <p:nvSpPr>
+          <p:cNvPr id="4" name="矩形 3">
+            <a:extLst>
+              <a:ext uri="{FF2B5EF4-FFF2-40B4-BE49-F238E27FC236}">
+                <a16:creationId xmlns:a16="http://schemas.microsoft.com/office/drawing/2014/main" id="{5A63A200-8D0F-4818-BC9F-9D43BA28D939}"/>
+              </a:ext>
+            </a:extLst>
+          </p:cNvPr>
+          <p:cNvSpPr/>
+          <p:nvPr/>
+        </p:nvSpPr>
+        <p:spPr>
+          <a:xfrm>
+            <a:off x="2334828" y="1717816"/>
+            <a:ext cx="5848296" cy="468287"/>
+          </a:xfrm>
+          <a:prstGeom prst="rect">
+            <a:avLst/>
+          </a:prstGeom>
+        </p:spPr>
+        <p:style>
+          <a:lnRef idx="2">
+            <a:schemeClr val="dk1"/>
+          </a:lnRef>
+          <a:fillRef idx="1">
+            <a:schemeClr val="lt1"/>
+          </a:fillRef>
+          <a:effectRef idx="0">
+            <a:schemeClr val="dk1"/>
+          </a:effectRef>
+          <a:fontRef idx="minor">
+            <a:schemeClr val="dk1"/>
+          </a:fontRef>
+        </p:style>
+        <p:txBody>
+          <a:bodyPr rtlCol="0" anchor="ctr"/>
+          <a:lstStyle/>
+          <a:p>
+            <a:pPr algn="ctr"/>
+            <a:endParaRPr lang="zh-CN" altLang="en-US" dirty="0"/>
+          </a:p>
+        </p:txBody>
+      </p:sp>
+      <p:cxnSp>
+        <p:nvCxnSpPr>
+          <p:cNvPr id="6" name="直接连接符 5">
+            <a:extLst>
+              <a:ext uri="{FF2B5EF4-FFF2-40B4-BE49-F238E27FC236}">
+                <a16:creationId xmlns:a16="http://schemas.microsoft.com/office/drawing/2014/main" id="{EC27701C-B326-44A8-9A2B-099E41F1A394}"/>
+              </a:ext>
+            </a:extLst>
+          </p:cNvPr>
+          <p:cNvCxnSpPr>
+            <a:cxnSpLocks/>
+          </p:cNvCxnSpPr>
+          <p:nvPr/>
+        </p:nvCxnSpPr>
+        <p:spPr>
+          <a:xfrm flipH="1">
+            <a:off x="3080554" y="1717816"/>
+            <a:ext cx="1" cy="461665"/>
+          </a:xfrm>
+          <a:prstGeom prst="line">
+            <a:avLst/>
+          </a:prstGeom>
+        </p:spPr>
+        <p:style>
+          <a:lnRef idx="1">
+            <a:schemeClr val="dk1"/>
+          </a:lnRef>
+          <a:fillRef idx="0">
+            <a:schemeClr val="dk1"/>
+          </a:fillRef>
+          <a:effectRef idx="0">
+            <a:schemeClr val="dk1"/>
+          </a:effectRef>
+          <a:fontRef idx="minor">
+            <a:schemeClr val="tx1"/>
+          </a:fontRef>
+        </p:style>
+      </p:cxnSp>
+      <p:cxnSp>
+        <p:nvCxnSpPr>
+          <p:cNvPr id="7" name="直接连接符 6">
+            <a:extLst>
+              <a:ext uri="{FF2B5EF4-FFF2-40B4-BE49-F238E27FC236}">
+                <a16:creationId xmlns:a16="http://schemas.microsoft.com/office/drawing/2014/main" id="{C1B25220-4793-442A-97B9-A68CF3E9A201}"/>
+              </a:ext>
+            </a:extLst>
+          </p:cNvPr>
+          <p:cNvCxnSpPr>
+            <a:cxnSpLocks/>
+          </p:cNvCxnSpPr>
+          <p:nvPr/>
+        </p:nvCxnSpPr>
+        <p:spPr>
+          <a:xfrm>
+            <a:off x="3758960" y="1717816"/>
+            <a:ext cx="0" cy="461665"/>
+          </a:xfrm>
+          <a:prstGeom prst="line">
+            <a:avLst/>
+          </a:prstGeom>
+        </p:spPr>
+        <p:style>
+          <a:lnRef idx="1">
+            <a:schemeClr val="dk1"/>
+          </a:lnRef>
+          <a:fillRef idx="0">
+            <a:schemeClr val="dk1"/>
+          </a:fillRef>
+          <a:effectRef idx="0">
+            <a:schemeClr val="dk1"/>
+          </a:effectRef>
+          <a:fontRef idx="minor">
+            <a:schemeClr val="tx1"/>
+          </a:fontRef>
+        </p:style>
+      </p:cxnSp>
+      <p:sp>
+        <p:nvSpPr>
+          <p:cNvPr id="8" name="文本框 7">
+            <a:extLst>
+              <a:ext uri="{FF2B5EF4-FFF2-40B4-BE49-F238E27FC236}">
+                <a16:creationId xmlns:a16="http://schemas.microsoft.com/office/drawing/2014/main" id="{BD4C0811-7AF7-494F-AC54-B8EA873696C9}"/>
+              </a:ext>
+            </a:extLst>
+          </p:cNvPr>
+          <p:cNvSpPr txBox="1"/>
+          <p:nvPr/>
+        </p:nvSpPr>
+        <p:spPr>
+          <a:xfrm>
+            <a:off x="2264544" y="1812816"/>
+            <a:ext cx="869122" cy="276999"/>
+          </a:xfrm>
+          <a:prstGeom prst="rect">
+            <a:avLst/>
+          </a:prstGeom>
+          <a:noFill/>
+        </p:spPr>
+        <p:txBody>
+          <a:bodyPr wrap="square" rtlCol="0">
+            <a:spAutoFit/>
+          </a:bodyPr>
+          <a:lstStyle/>
+          <a:p>
+            <a:pPr algn="ctr"/>
+            <a:r>
+              <a:rPr lang="en-US" altLang="zh-CN" sz="1200" dirty="0" err="1">
+                <a:latin typeface="Courier New" panose="02070309020205020404" pitchFamily="49" charset="0"/>
+                <a:cs typeface="Courier New" panose="02070309020205020404" pitchFamily="49" charset="0"/>
+              </a:rPr>
+              <a:t>zlbytes</a:t>
+            </a:r>
+            <a:endParaRPr lang="en-US" altLang="zh-CN" sz="1200" dirty="0">
+              <a:latin typeface="Courier New" panose="02070309020205020404" pitchFamily="49" charset="0"/>
+              <a:cs typeface="Courier New" panose="02070309020205020404" pitchFamily="49" charset="0"/>
+            </a:endParaRPr>
+          </a:p>
+        </p:txBody>
+      </p:sp>
+      <p:sp>
+        <p:nvSpPr>
+          <p:cNvPr id="9" name="文本框 8">
+            <a:extLst>
+              <a:ext uri="{FF2B5EF4-FFF2-40B4-BE49-F238E27FC236}">
+                <a16:creationId xmlns:a16="http://schemas.microsoft.com/office/drawing/2014/main" id="{1F9F3DE6-FB1D-4C43-84CE-6679A180BCA0}"/>
+              </a:ext>
+            </a:extLst>
+          </p:cNvPr>
+          <p:cNvSpPr txBox="1"/>
+          <p:nvPr/>
+        </p:nvSpPr>
+        <p:spPr>
+          <a:xfrm>
+            <a:off x="3045982" y="1808816"/>
+            <a:ext cx="755505" cy="276999"/>
+          </a:xfrm>
+          <a:prstGeom prst="rect">
+            <a:avLst/>
+          </a:prstGeom>
+          <a:noFill/>
+        </p:spPr>
+        <p:txBody>
+          <a:bodyPr wrap="square" rtlCol="0">
+            <a:spAutoFit/>
+          </a:bodyPr>
+          <a:lstStyle/>
+          <a:p>
+            <a:pPr algn="ctr"/>
+            <a:r>
+              <a:rPr lang="en-US" altLang="zh-CN" sz="1200" dirty="0" err="1">
+                <a:latin typeface="Courier New" panose="02070309020205020404" pitchFamily="49" charset="0"/>
+                <a:cs typeface="Courier New" panose="02070309020205020404" pitchFamily="49" charset="0"/>
+              </a:rPr>
+              <a:t>zltail</a:t>
+            </a:r>
+            <a:endParaRPr lang="en-US" altLang="zh-CN" sz="1200" dirty="0">
+              <a:latin typeface="Courier New" panose="02070309020205020404" pitchFamily="49" charset="0"/>
+              <a:cs typeface="Courier New" panose="02070309020205020404" pitchFamily="49" charset="0"/>
+            </a:endParaRPr>
+          </a:p>
+        </p:txBody>
+      </p:sp>
+      <p:sp>
+        <p:nvSpPr>
+          <p:cNvPr id="10" name="文本框 9">
+            <a:extLst>
+              <a:ext uri="{FF2B5EF4-FFF2-40B4-BE49-F238E27FC236}">
+                <a16:creationId xmlns:a16="http://schemas.microsoft.com/office/drawing/2014/main" id="{5156FACB-DA75-4EF8-9D09-6FF43872ED6F}"/>
+              </a:ext>
+            </a:extLst>
+          </p:cNvPr>
+          <p:cNvSpPr txBox="1"/>
+          <p:nvPr/>
+        </p:nvSpPr>
+        <p:spPr>
+          <a:xfrm>
+            <a:off x="4426781" y="1810148"/>
+            <a:ext cx="892295" cy="276999"/>
+          </a:xfrm>
+          <a:prstGeom prst="rect">
+            <a:avLst/>
+          </a:prstGeom>
+          <a:noFill/>
+        </p:spPr>
+        <p:txBody>
+          <a:bodyPr wrap="square" rtlCol="0">
+            <a:spAutoFit/>
+          </a:bodyPr>
+          <a:lstStyle/>
+          <a:p>
+            <a:pPr algn="ctr"/>
+            <a:r>
+              <a:rPr lang="en-US" altLang="zh-CN" sz="1200" dirty="0">
+                <a:latin typeface="Courier New" panose="02070309020205020404" pitchFamily="49" charset="0"/>
+                <a:cs typeface="Courier New" panose="02070309020205020404" pitchFamily="49" charset="0"/>
+              </a:rPr>
+              <a:t>“banana”</a:t>
+            </a:r>
+          </a:p>
+        </p:txBody>
+      </p:sp>
+      <p:cxnSp>
+        <p:nvCxnSpPr>
+          <p:cNvPr id="14" name="直接连接符 13">
+            <a:extLst>
+              <a:ext uri="{FF2B5EF4-FFF2-40B4-BE49-F238E27FC236}">
+                <a16:creationId xmlns:a16="http://schemas.microsoft.com/office/drawing/2014/main" id="{B0A17D1E-C7D6-4911-8F81-B0A9BFAAA9EC}"/>
+              </a:ext>
+            </a:extLst>
+          </p:cNvPr>
+          <p:cNvCxnSpPr>
+            <a:cxnSpLocks/>
+          </p:cNvCxnSpPr>
+          <p:nvPr/>
+        </p:nvCxnSpPr>
+        <p:spPr>
+          <a:xfrm flipH="1">
+            <a:off x="4428489" y="1718643"/>
+            <a:ext cx="1" cy="461665"/>
+          </a:xfrm>
+          <a:prstGeom prst="line">
+            <a:avLst/>
+          </a:prstGeom>
+        </p:spPr>
+        <p:style>
+          <a:lnRef idx="1">
+            <a:schemeClr val="dk1"/>
+          </a:lnRef>
+          <a:fillRef idx="0">
+            <a:schemeClr val="dk1"/>
+          </a:fillRef>
+          <a:effectRef idx="0">
+            <a:schemeClr val="dk1"/>
+          </a:effectRef>
+          <a:fontRef idx="minor">
+            <a:schemeClr val="tx1"/>
+          </a:fontRef>
+        </p:style>
+      </p:cxnSp>
+      <p:sp>
+        <p:nvSpPr>
+          <p:cNvPr id="15" name="文本框 14">
+            <a:extLst>
+              <a:ext uri="{FF2B5EF4-FFF2-40B4-BE49-F238E27FC236}">
+                <a16:creationId xmlns:a16="http://schemas.microsoft.com/office/drawing/2014/main" id="{1F317162-974E-4B39-AF09-B1C0254CF8C3}"/>
+              </a:ext>
+            </a:extLst>
+          </p:cNvPr>
+          <p:cNvSpPr txBox="1"/>
+          <p:nvPr/>
+        </p:nvSpPr>
+        <p:spPr>
+          <a:xfrm>
+            <a:off x="3721621" y="1812533"/>
+            <a:ext cx="735631" cy="276999"/>
+          </a:xfrm>
+          <a:prstGeom prst="rect">
+            <a:avLst/>
+          </a:prstGeom>
+          <a:noFill/>
+        </p:spPr>
+        <p:txBody>
+          <a:bodyPr wrap="square" rtlCol="0">
+            <a:spAutoFit/>
+          </a:bodyPr>
+          <a:lstStyle/>
+          <a:p>
+            <a:pPr algn="ctr"/>
+            <a:r>
+              <a:rPr lang="en-US" altLang="zh-CN" sz="1200" dirty="0" err="1">
+                <a:latin typeface="Courier New" panose="02070309020205020404" pitchFamily="49" charset="0"/>
+                <a:cs typeface="Courier New" panose="02070309020205020404" pitchFamily="49" charset="0"/>
+              </a:rPr>
+              <a:t>zllen</a:t>
+            </a:r>
+            <a:endParaRPr lang="en-US" altLang="zh-CN" sz="1200" dirty="0">
+              <a:latin typeface="Courier New" panose="02070309020205020404" pitchFamily="49" charset="0"/>
+              <a:cs typeface="Courier New" panose="02070309020205020404" pitchFamily="49" charset="0"/>
+            </a:endParaRPr>
+          </a:p>
+        </p:txBody>
+      </p:sp>
+      <p:cxnSp>
+        <p:nvCxnSpPr>
+          <p:cNvPr id="16" name="直接连接符 15">
+            <a:extLst>
+              <a:ext uri="{FF2B5EF4-FFF2-40B4-BE49-F238E27FC236}">
+                <a16:creationId xmlns:a16="http://schemas.microsoft.com/office/drawing/2014/main" id="{3ED33E51-00C9-4E89-84C0-02CE0A3AA8B3}"/>
+              </a:ext>
+            </a:extLst>
+          </p:cNvPr>
+          <p:cNvCxnSpPr>
+            <a:cxnSpLocks/>
+          </p:cNvCxnSpPr>
+          <p:nvPr/>
+        </p:nvCxnSpPr>
+        <p:spPr>
+          <a:xfrm flipH="1">
+            <a:off x="5311088" y="1711193"/>
+            <a:ext cx="1" cy="461665"/>
+          </a:xfrm>
+          <a:prstGeom prst="line">
+            <a:avLst/>
+          </a:prstGeom>
+        </p:spPr>
+        <p:style>
+          <a:lnRef idx="1">
+            <a:schemeClr val="dk1"/>
+          </a:lnRef>
+          <a:fillRef idx="0">
+            <a:schemeClr val="dk1"/>
+          </a:fillRef>
+          <a:effectRef idx="0">
+            <a:schemeClr val="dk1"/>
+          </a:effectRef>
+          <a:fontRef idx="minor">
+            <a:schemeClr val="tx1"/>
+          </a:fontRef>
+        </p:style>
+      </p:cxnSp>
+      <p:cxnSp>
+        <p:nvCxnSpPr>
+          <p:cNvPr id="17" name="直接连接符 16">
+            <a:extLst>
+              <a:ext uri="{FF2B5EF4-FFF2-40B4-BE49-F238E27FC236}">
+                <a16:creationId xmlns:a16="http://schemas.microsoft.com/office/drawing/2014/main" id="{7CAC98B0-DD8A-430A-8A2E-A52432FF73D6}"/>
+              </a:ext>
+            </a:extLst>
+          </p:cNvPr>
+          <p:cNvCxnSpPr>
+            <a:cxnSpLocks/>
+          </p:cNvCxnSpPr>
+          <p:nvPr/>
+        </p:nvCxnSpPr>
+        <p:spPr>
+          <a:xfrm flipH="1">
+            <a:off x="5823423" y="1711192"/>
+            <a:ext cx="1" cy="461665"/>
+          </a:xfrm>
+          <a:prstGeom prst="line">
+            <a:avLst/>
+          </a:prstGeom>
+        </p:spPr>
+        <p:style>
+          <a:lnRef idx="1">
+            <a:schemeClr val="dk1"/>
+          </a:lnRef>
+          <a:fillRef idx="0">
+            <a:schemeClr val="dk1"/>
+          </a:fillRef>
+          <a:effectRef idx="0">
+            <a:schemeClr val="dk1"/>
+          </a:effectRef>
+          <a:fontRef idx="minor">
+            <a:schemeClr val="tx1"/>
+          </a:fontRef>
+        </p:style>
+      </p:cxnSp>
+      <p:cxnSp>
+        <p:nvCxnSpPr>
+          <p:cNvPr id="18" name="直接连接符 17">
+            <a:extLst>
+              <a:ext uri="{FF2B5EF4-FFF2-40B4-BE49-F238E27FC236}">
+                <a16:creationId xmlns:a16="http://schemas.microsoft.com/office/drawing/2014/main" id="{94F7E325-FBAB-4673-8CE7-830AE2944A9C}"/>
+              </a:ext>
+            </a:extLst>
+          </p:cNvPr>
+          <p:cNvCxnSpPr>
+            <a:cxnSpLocks/>
+          </p:cNvCxnSpPr>
+          <p:nvPr/>
+        </p:nvCxnSpPr>
+        <p:spPr>
+          <a:xfrm flipH="1">
+            <a:off x="6649255" y="1715561"/>
+            <a:ext cx="1" cy="461665"/>
+          </a:xfrm>
+          <a:prstGeom prst="line">
+            <a:avLst/>
+          </a:prstGeom>
+        </p:spPr>
+        <p:style>
+          <a:lnRef idx="1">
+            <a:schemeClr val="dk1"/>
+          </a:lnRef>
+          <a:fillRef idx="0">
+            <a:schemeClr val="dk1"/>
+          </a:fillRef>
+          <a:effectRef idx="0">
+            <a:schemeClr val="dk1"/>
+          </a:effectRef>
+          <a:fontRef idx="minor">
+            <a:schemeClr val="tx1"/>
+          </a:fontRef>
+        </p:style>
+      </p:cxnSp>
+      <p:cxnSp>
+        <p:nvCxnSpPr>
+          <p:cNvPr id="19" name="直接连接符 18">
+            <a:extLst>
+              <a:ext uri="{FF2B5EF4-FFF2-40B4-BE49-F238E27FC236}">
+                <a16:creationId xmlns:a16="http://schemas.microsoft.com/office/drawing/2014/main" id="{35AF6011-5999-4CB6-83AE-7D3BFD5AF15A}"/>
+              </a:ext>
+            </a:extLst>
+          </p:cNvPr>
+          <p:cNvCxnSpPr>
+            <a:cxnSpLocks/>
+          </p:cNvCxnSpPr>
+          <p:nvPr/>
+        </p:nvCxnSpPr>
+        <p:spPr>
+          <a:xfrm flipH="1">
+            <a:off x="7117200" y="1724439"/>
+            <a:ext cx="1" cy="461665"/>
+          </a:xfrm>
+          <a:prstGeom prst="line">
+            <a:avLst/>
+          </a:prstGeom>
+        </p:spPr>
+        <p:style>
+          <a:lnRef idx="1">
+            <a:schemeClr val="dk1"/>
+          </a:lnRef>
+          <a:fillRef idx="0">
+            <a:schemeClr val="dk1"/>
+          </a:fillRef>
+          <a:effectRef idx="0">
+            <a:schemeClr val="dk1"/>
+          </a:effectRef>
+          <a:fontRef idx="minor">
+            <a:schemeClr val="tx1"/>
+          </a:fontRef>
+        </p:style>
+      </p:cxnSp>
+      <p:cxnSp>
+        <p:nvCxnSpPr>
+          <p:cNvPr id="21" name="直接连接符 20">
+            <a:extLst>
+              <a:ext uri="{FF2B5EF4-FFF2-40B4-BE49-F238E27FC236}">
+                <a16:creationId xmlns:a16="http://schemas.microsoft.com/office/drawing/2014/main" id="{E6AD281F-8DF4-4C60-B11A-7DBA622035C0}"/>
+              </a:ext>
+            </a:extLst>
+          </p:cNvPr>
+          <p:cNvCxnSpPr>
+            <a:cxnSpLocks/>
+          </p:cNvCxnSpPr>
+          <p:nvPr/>
+        </p:nvCxnSpPr>
+        <p:spPr>
+          <a:xfrm flipH="1">
+            <a:off x="7524083" y="1724438"/>
+            <a:ext cx="1" cy="461665"/>
+          </a:xfrm>
+          <a:prstGeom prst="line">
+            <a:avLst/>
+          </a:prstGeom>
+        </p:spPr>
+        <p:style>
+          <a:lnRef idx="1">
+            <a:schemeClr val="dk1"/>
+          </a:lnRef>
+          <a:fillRef idx="0">
+            <a:schemeClr val="dk1"/>
+          </a:fillRef>
+          <a:effectRef idx="0">
+            <a:schemeClr val="dk1"/>
+          </a:effectRef>
+          <a:fontRef idx="minor">
+            <a:schemeClr val="tx1"/>
+          </a:fontRef>
+        </p:style>
+      </p:cxnSp>
+      <p:sp>
+        <p:nvSpPr>
+          <p:cNvPr id="23" name="文本框 22">
+            <a:extLst>
+              <a:ext uri="{FF2B5EF4-FFF2-40B4-BE49-F238E27FC236}">
+                <a16:creationId xmlns:a16="http://schemas.microsoft.com/office/drawing/2014/main" id="{10025CCA-39FD-4282-9976-8E6AD4280CCE}"/>
+              </a:ext>
+            </a:extLst>
+          </p:cNvPr>
+          <p:cNvSpPr txBox="1"/>
+          <p:nvPr/>
+        </p:nvSpPr>
+        <p:spPr>
+          <a:xfrm>
+            <a:off x="5310040" y="1822997"/>
+            <a:ext cx="531139" cy="276999"/>
+          </a:xfrm>
+          <a:prstGeom prst="rect">
+            <a:avLst/>
+          </a:prstGeom>
+          <a:noFill/>
+        </p:spPr>
+        <p:txBody>
+          <a:bodyPr wrap="square" rtlCol="0">
+            <a:spAutoFit/>
+          </a:bodyPr>
+          <a:lstStyle/>
+          <a:p>
+            <a:pPr algn="ctr"/>
+            <a:r>
+              <a:rPr lang="en-US" altLang="zh-CN" sz="1200" dirty="0">
+                <a:latin typeface="Courier New" panose="02070309020205020404" pitchFamily="49" charset="0"/>
+                <a:cs typeface="Courier New" panose="02070309020205020404" pitchFamily="49" charset="0"/>
+              </a:rPr>
+              <a:t>5.0</a:t>
+            </a:r>
+          </a:p>
+        </p:txBody>
+      </p:sp>
+      <p:sp>
+        <p:nvSpPr>
+          <p:cNvPr id="24" name="文本框 23">
+            <a:extLst>
+              <a:ext uri="{FF2B5EF4-FFF2-40B4-BE49-F238E27FC236}">
+                <a16:creationId xmlns:a16="http://schemas.microsoft.com/office/drawing/2014/main" id="{46955B29-68CB-4FD1-8D12-5E76A652E464}"/>
+              </a:ext>
+            </a:extLst>
+          </p:cNvPr>
+          <p:cNvSpPr txBox="1"/>
+          <p:nvPr/>
+        </p:nvSpPr>
+        <p:spPr>
+          <a:xfrm>
+            <a:off x="5810874" y="1808816"/>
+            <a:ext cx="861170" cy="276999"/>
+          </a:xfrm>
+          <a:prstGeom prst="rect">
+            <a:avLst/>
+          </a:prstGeom>
+          <a:noFill/>
+        </p:spPr>
+        <p:txBody>
+          <a:bodyPr wrap="square" rtlCol="0">
+            <a:spAutoFit/>
+          </a:bodyPr>
+          <a:lstStyle/>
+          <a:p>
+            <a:pPr algn="ctr"/>
+            <a:r>
+              <a:rPr lang="en-US" altLang="zh-CN" sz="1200" dirty="0">
+                <a:latin typeface="Courier New" panose="02070309020205020404" pitchFamily="49" charset="0"/>
+                <a:cs typeface="Courier New" panose="02070309020205020404" pitchFamily="49" charset="0"/>
+              </a:rPr>
+              <a:t>“cherry”</a:t>
+            </a:r>
+          </a:p>
+        </p:txBody>
+      </p:sp>
+      <p:sp>
+        <p:nvSpPr>
+          <p:cNvPr id="25" name="文本框 24">
+            <a:extLst>
+              <a:ext uri="{FF2B5EF4-FFF2-40B4-BE49-F238E27FC236}">
+                <a16:creationId xmlns:a16="http://schemas.microsoft.com/office/drawing/2014/main" id="{51866B9C-9189-4350-BDB3-1054D946DDBA}"/>
+              </a:ext>
+            </a:extLst>
+          </p:cNvPr>
+          <p:cNvSpPr txBox="1"/>
+          <p:nvPr/>
+        </p:nvSpPr>
+        <p:spPr>
+          <a:xfrm>
+            <a:off x="6638059" y="1810147"/>
+            <a:ext cx="466288" cy="276999"/>
+          </a:xfrm>
+          <a:prstGeom prst="rect">
+            <a:avLst/>
+          </a:prstGeom>
+          <a:noFill/>
+        </p:spPr>
+        <p:txBody>
+          <a:bodyPr wrap="square" rtlCol="0">
+            <a:spAutoFit/>
+          </a:bodyPr>
+          <a:lstStyle/>
+          <a:p>
+            <a:pPr algn="ctr"/>
+            <a:r>
+              <a:rPr lang="en-US" altLang="zh-CN" sz="1200" dirty="0">
+                <a:latin typeface="Courier New" panose="02070309020205020404" pitchFamily="49" charset="0"/>
+                <a:cs typeface="Courier New" panose="02070309020205020404" pitchFamily="49" charset="0"/>
+              </a:rPr>
+              <a:t>6.0</a:t>
+            </a:r>
+          </a:p>
+        </p:txBody>
+      </p:sp>
+      <p:sp>
+        <p:nvSpPr>
+          <p:cNvPr id="28" name="文本框 27">
+            <a:extLst>
+              <a:ext uri="{FF2B5EF4-FFF2-40B4-BE49-F238E27FC236}">
+                <a16:creationId xmlns:a16="http://schemas.microsoft.com/office/drawing/2014/main" id="{E4CF8E79-F887-42CE-8D44-3FE30946C5A1}"/>
+              </a:ext>
+            </a:extLst>
+          </p:cNvPr>
+          <p:cNvSpPr txBox="1"/>
+          <p:nvPr/>
+        </p:nvSpPr>
+        <p:spPr>
+          <a:xfrm>
+            <a:off x="7519759" y="1803524"/>
+            <a:ext cx="645608" cy="276999"/>
+          </a:xfrm>
+          <a:prstGeom prst="rect">
+            <a:avLst/>
+          </a:prstGeom>
+          <a:noFill/>
+        </p:spPr>
+        <p:txBody>
+          <a:bodyPr wrap="square" rtlCol="0">
+            <a:spAutoFit/>
+          </a:bodyPr>
+          <a:lstStyle/>
+          <a:p>
+            <a:pPr algn="ctr"/>
+            <a:r>
+              <a:rPr lang="en-US" altLang="zh-CN" sz="1200" dirty="0" err="1">
+                <a:latin typeface="Courier New" panose="02070309020205020404" pitchFamily="49" charset="0"/>
+                <a:cs typeface="Courier New" panose="02070309020205020404" pitchFamily="49" charset="0"/>
+              </a:rPr>
+              <a:t>zlend</a:t>
+            </a:r>
+            <a:endParaRPr lang="en-US" altLang="zh-CN" sz="1200" dirty="0">
+              <a:latin typeface="Courier New" panose="02070309020205020404" pitchFamily="49" charset="0"/>
+              <a:cs typeface="Courier New" panose="02070309020205020404" pitchFamily="49" charset="0"/>
+            </a:endParaRPr>
+          </a:p>
+        </p:txBody>
+      </p:sp>
+      <p:sp>
+        <p:nvSpPr>
+          <p:cNvPr id="22" name="文本框 21">
+            <a:extLst>
+              <a:ext uri="{FF2B5EF4-FFF2-40B4-BE49-F238E27FC236}">
+                <a16:creationId xmlns:a16="http://schemas.microsoft.com/office/drawing/2014/main" id="{E8268AC8-197A-437C-99EC-8F40EC321D9D}"/>
+              </a:ext>
+            </a:extLst>
+          </p:cNvPr>
+          <p:cNvSpPr txBox="1"/>
+          <p:nvPr/>
+        </p:nvSpPr>
+        <p:spPr>
+          <a:xfrm>
+            <a:off x="7134955" y="1775407"/>
+            <a:ext cx="384806" cy="276999"/>
+          </a:xfrm>
+          <a:prstGeom prst="rect">
+            <a:avLst/>
+          </a:prstGeom>
+          <a:noFill/>
+        </p:spPr>
+        <p:txBody>
+          <a:bodyPr wrap="square" rtlCol="0">
+            <a:spAutoFit/>
+          </a:bodyPr>
+          <a:lstStyle/>
+          <a:p>
+            <a:pPr algn="ctr"/>
+            <a:r>
+              <a:rPr lang="en-US" altLang="zh-CN" sz="1200" dirty="0">
+                <a:latin typeface="Courier New" panose="02070309020205020404" pitchFamily="49" charset="0"/>
+                <a:cs typeface="Courier New" panose="02070309020205020404" pitchFamily="49" charset="0"/>
+              </a:rPr>
+              <a:t>…</a:t>
+            </a:r>
+          </a:p>
+        </p:txBody>
+      </p:sp>
+      <p:sp>
+        <p:nvSpPr>
+          <p:cNvPr id="2" name="文本框 1">
+            <a:extLst>
+              <a:ext uri="{FF2B5EF4-FFF2-40B4-BE49-F238E27FC236}">
+                <a16:creationId xmlns:a16="http://schemas.microsoft.com/office/drawing/2014/main" id="{B4A8A41F-EFEC-4C65-B969-F51C212A5F3A}"/>
+              </a:ext>
+            </a:extLst>
+          </p:cNvPr>
+          <p:cNvSpPr txBox="1"/>
+          <p:nvPr/>
+        </p:nvSpPr>
+        <p:spPr>
+          <a:xfrm>
+            <a:off x="3998629" y="935237"/>
+            <a:ext cx="1824794" cy="369332"/>
+          </a:xfrm>
+          <a:prstGeom prst="rect">
+            <a:avLst/>
+          </a:prstGeom>
+          <a:noFill/>
+        </p:spPr>
+        <p:txBody>
+          <a:bodyPr wrap="square" rtlCol="0">
+            <a:spAutoFit/>
+          </a:bodyPr>
+          <a:lstStyle/>
+          <a:p>
+            <a:r>
+              <a:rPr lang="zh-CN" altLang="en-US" dirty="0">
+                <a:latin typeface="仿宋" panose="02010609060101010101" pitchFamily="49" charset="-122"/>
+                <a:ea typeface="仿宋" panose="02010609060101010101" pitchFamily="49" charset="-122"/>
+              </a:rPr>
+              <a:t>分值最小的元素</a:t>
+            </a:r>
+          </a:p>
+        </p:txBody>
+      </p:sp>
+      <p:cxnSp>
+        <p:nvCxnSpPr>
+          <p:cNvPr id="5" name="直接箭头连接符 4">
+            <a:extLst>
+              <a:ext uri="{FF2B5EF4-FFF2-40B4-BE49-F238E27FC236}">
+                <a16:creationId xmlns:a16="http://schemas.microsoft.com/office/drawing/2014/main" id="{972817F5-8911-49A5-B98E-A93E0D0BC25F}"/>
+              </a:ext>
+            </a:extLst>
+          </p:cNvPr>
+          <p:cNvCxnSpPr>
+            <a:cxnSpLocks/>
+          </p:cNvCxnSpPr>
+          <p:nvPr/>
+        </p:nvCxnSpPr>
+        <p:spPr>
+          <a:xfrm>
+            <a:off x="4872928" y="1237502"/>
+            <a:ext cx="0" cy="471818"/>
+          </a:xfrm>
+          <a:prstGeom prst="straightConnector1">
+            <a:avLst/>
+          </a:prstGeom>
+          <a:ln>
+            <a:tailEnd type="triangle"/>
+          </a:ln>
+        </p:spPr>
+        <p:style>
+          <a:lnRef idx="1">
+            <a:schemeClr val="dk1"/>
+          </a:lnRef>
+          <a:fillRef idx="0">
+            <a:schemeClr val="dk1"/>
+          </a:fillRef>
+          <a:effectRef idx="0">
+            <a:schemeClr val="dk1"/>
+          </a:effectRef>
+          <a:fontRef idx="minor">
+            <a:schemeClr val="tx1"/>
+          </a:fontRef>
+        </p:style>
+      </p:cxnSp>
+      <p:cxnSp>
+        <p:nvCxnSpPr>
+          <p:cNvPr id="26" name="直接箭头连接符 25">
+            <a:extLst>
+              <a:ext uri="{FF2B5EF4-FFF2-40B4-BE49-F238E27FC236}">
+                <a16:creationId xmlns:a16="http://schemas.microsoft.com/office/drawing/2014/main" id="{6C9AC3C7-58F7-4652-906D-10223F9EC280}"/>
+              </a:ext>
+            </a:extLst>
+          </p:cNvPr>
+          <p:cNvCxnSpPr>
+            <a:cxnSpLocks/>
+          </p:cNvCxnSpPr>
+          <p:nvPr/>
+        </p:nvCxnSpPr>
+        <p:spPr>
+          <a:xfrm>
+            <a:off x="5011182" y="1250318"/>
+            <a:ext cx="555549" cy="434240"/>
+          </a:xfrm>
+          <a:prstGeom prst="straightConnector1">
+            <a:avLst/>
+          </a:prstGeom>
+          <a:ln>
+            <a:tailEnd type="triangle"/>
+          </a:ln>
+        </p:spPr>
+        <p:style>
+          <a:lnRef idx="1">
+            <a:schemeClr val="dk1"/>
+          </a:lnRef>
+          <a:fillRef idx="0">
+            <a:schemeClr val="dk1"/>
+          </a:fillRef>
+          <a:effectRef idx="0">
+            <a:schemeClr val="dk1"/>
+          </a:effectRef>
+          <a:fontRef idx="minor">
+            <a:schemeClr val="tx1"/>
+          </a:fontRef>
+        </p:style>
+      </p:cxnSp>
+      <p:sp>
+        <p:nvSpPr>
+          <p:cNvPr id="27" name="文本框 26">
+            <a:extLst>
+              <a:ext uri="{FF2B5EF4-FFF2-40B4-BE49-F238E27FC236}">
+                <a16:creationId xmlns:a16="http://schemas.microsoft.com/office/drawing/2014/main" id="{637E733F-B4A1-4868-986E-C96B91C46C50}"/>
+              </a:ext>
+            </a:extLst>
+          </p:cNvPr>
+          <p:cNvSpPr txBox="1"/>
+          <p:nvPr/>
+        </p:nvSpPr>
+        <p:spPr>
+          <a:xfrm>
+            <a:off x="5285322" y="1237502"/>
+            <a:ext cx="675565" cy="338554"/>
+          </a:xfrm>
+          <a:prstGeom prst="rect">
+            <a:avLst/>
+          </a:prstGeom>
+          <a:noFill/>
+        </p:spPr>
+        <p:txBody>
+          <a:bodyPr wrap="square" rtlCol="0">
+            <a:spAutoFit/>
+          </a:bodyPr>
+          <a:lstStyle/>
+          <a:p>
+            <a:r>
+              <a:rPr lang="zh-CN" altLang="en-US" sz="1600" dirty="0">
+                <a:latin typeface="仿宋" panose="02010609060101010101" pitchFamily="49" charset="-122"/>
+                <a:ea typeface="仿宋" panose="02010609060101010101" pitchFamily="49" charset="-122"/>
+              </a:rPr>
+              <a:t>分值</a:t>
+            </a:r>
+          </a:p>
+        </p:txBody>
+      </p:sp>
+      <p:sp>
+        <p:nvSpPr>
+          <p:cNvPr id="29" name="文本框 28">
+            <a:extLst>
+              <a:ext uri="{FF2B5EF4-FFF2-40B4-BE49-F238E27FC236}">
+                <a16:creationId xmlns:a16="http://schemas.microsoft.com/office/drawing/2014/main" id="{6CD59AAE-EF3A-4178-B78F-4503A9D00384}"/>
+              </a:ext>
+            </a:extLst>
+          </p:cNvPr>
+          <p:cNvSpPr txBox="1"/>
+          <p:nvPr/>
+        </p:nvSpPr>
+        <p:spPr>
+          <a:xfrm>
+            <a:off x="4335617" y="1237502"/>
+            <a:ext cx="675565" cy="338554"/>
+          </a:xfrm>
+          <a:prstGeom prst="rect">
+            <a:avLst/>
+          </a:prstGeom>
+          <a:noFill/>
+        </p:spPr>
+        <p:txBody>
+          <a:bodyPr wrap="square" rtlCol="0">
+            <a:spAutoFit/>
+          </a:bodyPr>
+          <a:lstStyle/>
+          <a:p>
+            <a:r>
+              <a:rPr lang="zh-CN" altLang="en-US" sz="1600" dirty="0">
+                <a:latin typeface="仿宋" panose="02010609060101010101" pitchFamily="49" charset="-122"/>
+                <a:ea typeface="仿宋" panose="02010609060101010101" pitchFamily="49" charset="-122"/>
+              </a:rPr>
+              <a:t>成员</a:t>
+            </a:r>
+          </a:p>
+        </p:txBody>
+      </p:sp>
+      <p:sp>
+        <p:nvSpPr>
+          <p:cNvPr id="34" name="文本框 33">
+            <a:extLst>
+              <a:ext uri="{FF2B5EF4-FFF2-40B4-BE49-F238E27FC236}">
+                <a16:creationId xmlns:a16="http://schemas.microsoft.com/office/drawing/2014/main" id="{D31B8637-0650-4488-AC94-CC79579DBCCD}"/>
+              </a:ext>
+            </a:extLst>
+          </p:cNvPr>
+          <p:cNvSpPr txBox="1"/>
+          <p:nvPr/>
+        </p:nvSpPr>
+        <p:spPr>
+          <a:xfrm>
+            <a:off x="5694964" y="917700"/>
+            <a:ext cx="2019721" cy="369332"/>
+          </a:xfrm>
+          <a:prstGeom prst="rect">
+            <a:avLst/>
+          </a:prstGeom>
+          <a:noFill/>
+        </p:spPr>
+        <p:txBody>
+          <a:bodyPr wrap="square" rtlCol="0">
+            <a:spAutoFit/>
+          </a:bodyPr>
+          <a:lstStyle/>
+          <a:p>
+            <a:r>
+              <a:rPr lang="zh-CN" altLang="en-US" dirty="0">
+                <a:latin typeface="仿宋" panose="02010609060101010101" pitchFamily="49" charset="-122"/>
+                <a:ea typeface="仿宋" panose="02010609060101010101" pitchFamily="49" charset="-122"/>
+              </a:rPr>
+              <a:t>分值排第二的元素</a:t>
+            </a:r>
+          </a:p>
+        </p:txBody>
+      </p:sp>
+      <p:cxnSp>
+        <p:nvCxnSpPr>
+          <p:cNvPr id="36" name="直接箭头连接符 35">
+            <a:extLst>
+              <a:ext uri="{FF2B5EF4-FFF2-40B4-BE49-F238E27FC236}">
+                <a16:creationId xmlns:a16="http://schemas.microsoft.com/office/drawing/2014/main" id="{D16983C6-B486-4015-88AD-FB9EF2F94DF4}"/>
+              </a:ext>
+            </a:extLst>
+          </p:cNvPr>
+          <p:cNvCxnSpPr/>
+          <p:nvPr/>
+        </p:nvCxnSpPr>
+        <p:spPr>
+          <a:xfrm>
+            <a:off x="6231115" y="1206724"/>
+            <a:ext cx="0" cy="499065"/>
+          </a:xfrm>
+          <a:prstGeom prst="straightConnector1">
+            <a:avLst/>
+          </a:prstGeom>
+          <a:ln>
+            <a:tailEnd type="triangle"/>
+          </a:ln>
+        </p:spPr>
+        <p:style>
+          <a:lnRef idx="1">
+            <a:schemeClr val="dk1"/>
+          </a:lnRef>
+          <a:fillRef idx="0">
+            <a:schemeClr val="dk1"/>
+          </a:fillRef>
+          <a:effectRef idx="0">
+            <a:schemeClr val="dk1"/>
+          </a:effectRef>
+          <a:fontRef idx="minor">
+            <a:schemeClr val="tx1"/>
+          </a:fontRef>
+        </p:style>
+      </p:cxnSp>
+      <p:cxnSp>
+        <p:nvCxnSpPr>
+          <p:cNvPr id="38" name="直接箭头连接符 37">
+            <a:extLst>
+              <a:ext uri="{FF2B5EF4-FFF2-40B4-BE49-F238E27FC236}">
+                <a16:creationId xmlns:a16="http://schemas.microsoft.com/office/drawing/2014/main" id="{C4DD4CAE-0F0C-481D-A7E5-E5ED57765613}"/>
+              </a:ext>
+            </a:extLst>
+          </p:cNvPr>
+          <p:cNvCxnSpPr>
+            <a:cxnSpLocks/>
+          </p:cNvCxnSpPr>
+          <p:nvPr/>
+        </p:nvCxnSpPr>
+        <p:spPr>
+          <a:xfrm>
+            <a:off x="6625271" y="1206724"/>
+            <a:ext cx="228290" cy="502596"/>
+          </a:xfrm>
+          <a:prstGeom prst="straightConnector1">
+            <a:avLst/>
+          </a:prstGeom>
+          <a:ln>
+            <a:tailEnd type="triangle"/>
+          </a:ln>
+        </p:spPr>
+        <p:style>
+          <a:lnRef idx="1">
+            <a:schemeClr val="dk1"/>
+          </a:lnRef>
+          <a:fillRef idx="0">
+            <a:schemeClr val="dk1"/>
+          </a:fillRef>
+          <a:effectRef idx="0">
+            <a:schemeClr val="dk1"/>
+          </a:effectRef>
+          <a:fontRef idx="minor">
+            <a:schemeClr val="tx1"/>
+          </a:fontRef>
+        </p:style>
+      </p:cxnSp>
+    </p:spTree>
+    <p:extLst>
+      <p:ext uri="{BB962C8B-B14F-4D97-AF65-F5344CB8AC3E}">
+        <p14:creationId xmlns:p14="http://schemas.microsoft.com/office/powerpoint/2010/main" val="1897616843"/>
+      </p:ext>
+    </p:extLst>
+  </p:cSld>
+  <p:clrMapOvr>
+    <a:masterClrMapping/>
+  </p:clrMapOvr>
+</p:sld>
+</file>
+
+<file path=ppt/slides/slide12.xml><?xml version="1.0" encoding="utf-8"?>
+<p:sld xmlns:a="http://schemas.openxmlformats.org/drawingml/2006/main" xmlns:r="http://schemas.openxmlformats.org/officeDocument/2006/relationships" xmlns:p="http://schemas.openxmlformats.org/presentationml/2006/main">
+  <p:cSld>
+    <p:spTree>
+      <p:nvGrpSpPr>
+        <p:cNvPr id="1" name=""/>
+        <p:cNvGrpSpPr/>
+        <p:nvPr/>
+      </p:nvGrpSpPr>
+      <p:grpSpPr>
+        <a:xfrm>
+          <a:off x="0" y="0"/>
+          <a:ext cx="0" cy="0"/>
+          <a:chOff x="0" y="0"/>
+          <a:chExt cx="0" cy="0"/>
+        </a:xfrm>
+      </p:grpSpPr>
+      <p:sp>
+        <p:nvSpPr>
+          <p:cNvPr id="4" name="矩形 3">
+            <a:extLst>
+              <a:ext uri="{FF2B5EF4-FFF2-40B4-BE49-F238E27FC236}">
+                <a16:creationId xmlns:a16="http://schemas.microsoft.com/office/drawing/2014/main" id="{5A63A200-8D0F-4818-BC9F-9D43BA28D939}"/>
+              </a:ext>
+            </a:extLst>
+          </p:cNvPr>
+          <p:cNvSpPr/>
+          <p:nvPr/>
+        </p:nvSpPr>
+        <p:spPr>
+          <a:xfrm rot="16200000">
+            <a:off x="4930812" y="1678030"/>
+            <a:ext cx="2001523" cy="2028639"/>
+          </a:xfrm>
+          <a:prstGeom prst="rect">
+            <a:avLst/>
+          </a:prstGeom>
+        </p:spPr>
+        <p:style>
+          <a:lnRef idx="2">
+            <a:schemeClr val="dk1"/>
+          </a:lnRef>
+          <a:fillRef idx="1">
+            <a:schemeClr val="lt1"/>
+          </a:fillRef>
+          <a:effectRef idx="0">
+            <a:schemeClr val="dk1"/>
+          </a:effectRef>
+          <a:fontRef idx="minor">
+            <a:schemeClr val="dk1"/>
+          </a:fontRef>
+        </p:style>
+        <p:txBody>
+          <a:bodyPr rtlCol="0" anchor="ctr"/>
+          <a:lstStyle/>
+          <a:p>
+            <a:pPr algn="ctr"/>
+            <a:endParaRPr lang="zh-CN" altLang="en-US" dirty="0"/>
+          </a:p>
+        </p:txBody>
+      </p:sp>
+      <p:cxnSp>
+        <p:nvCxnSpPr>
+          <p:cNvPr id="7" name="直接连接符 6">
+            <a:extLst>
+              <a:ext uri="{FF2B5EF4-FFF2-40B4-BE49-F238E27FC236}">
+                <a16:creationId xmlns:a16="http://schemas.microsoft.com/office/drawing/2014/main" id="{C1B25220-4793-442A-97B9-A68CF3E9A201}"/>
+              </a:ext>
+            </a:extLst>
+          </p:cNvPr>
+          <p:cNvCxnSpPr>
+            <a:cxnSpLocks/>
+          </p:cNvCxnSpPr>
+          <p:nvPr/>
+        </p:nvCxnSpPr>
+        <p:spPr>
+          <a:xfrm flipH="1">
+            <a:off x="4917494" y="2718984"/>
+            <a:ext cx="2028399" cy="0"/>
+          </a:xfrm>
+          <a:prstGeom prst="line">
+            <a:avLst/>
+          </a:prstGeom>
+        </p:spPr>
+        <p:style>
+          <a:lnRef idx="1">
+            <a:schemeClr val="dk1"/>
+          </a:lnRef>
+          <a:fillRef idx="0">
+            <a:schemeClr val="dk1"/>
+          </a:fillRef>
+          <a:effectRef idx="0">
+            <a:schemeClr val="dk1"/>
+          </a:effectRef>
+          <a:fontRef idx="minor">
+            <a:schemeClr val="tx1"/>
+          </a:fontRef>
+        </p:style>
+      </p:cxnSp>
+      <p:sp>
+        <p:nvSpPr>
+          <p:cNvPr id="14" name="文本框 13">
+            <a:extLst>
+              <a:ext uri="{FF2B5EF4-FFF2-40B4-BE49-F238E27FC236}">
+                <a16:creationId xmlns:a16="http://schemas.microsoft.com/office/drawing/2014/main" id="{12D3878E-5BA1-4B15-8640-5894C1A4D6B9}"/>
+              </a:ext>
+            </a:extLst>
+          </p:cNvPr>
+          <p:cNvSpPr txBox="1"/>
+          <p:nvPr/>
+        </p:nvSpPr>
+        <p:spPr>
+          <a:xfrm>
+            <a:off x="5496933" y="3297142"/>
+            <a:ext cx="860399" cy="276999"/>
+          </a:xfrm>
+          <a:prstGeom prst="rect">
+            <a:avLst/>
+          </a:prstGeom>
+          <a:noFill/>
+        </p:spPr>
+        <p:txBody>
+          <a:bodyPr wrap="square" rtlCol="0">
+            <a:spAutoFit/>
+          </a:bodyPr>
+          <a:lstStyle/>
+          <a:p>
+            <a:pPr algn="ctr"/>
+            <a:r>
+              <a:rPr lang="en-US" altLang="zh-CN" sz="1200" dirty="0" err="1">
+                <a:latin typeface="Courier New" panose="02070309020205020404" pitchFamily="49" charset="0"/>
+                <a:cs typeface="Courier New" panose="02070309020205020404" pitchFamily="49" charset="0"/>
+              </a:rPr>
+              <a:t>ptr</a:t>
+            </a:r>
+            <a:endParaRPr lang="zh-CN" altLang="en-US" sz="1200" dirty="0">
+              <a:latin typeface="Courier New" panose="02070309020205020404" pitchFamily="49" charset="0"/>
+              <a:cs typeface="Courier New" panose="02070309020205020404" pitchFamily="49" charset="0"/>
+            </a:endParaRPr>
+          </a:p>
+        </p:txBody>
+      </p:sp>
+      <p:cxnSp>
+        <p:nvCxnSpPr>
+          <p:cNvPr id="27" name="直接连接符 26">
+            <a:extLst>
+              <a:ext uri="{FF2B5EF4-FFF2-40B4-BE49-F238E27FC236}">
+                <a16:creationId xmlns:a16="http://schemas.microsoft.com/office/drawing/2014/main" id="{B11888DE-B1C6-4CDC-B972-7A1FCECE0EF1}"/>
+              </a:ext>
+            </a:extLst>
+          </p:cNvPr>
+          <p:cNvCxnSpPr>
+            <a:cxnSpLocks/>
+          </p:cNvCxnSpPr>
+          <p:nvPr/>
+        </p:nvCxnSpPr>
+        <p:spPr>
+          <a:xfrm flipH="1">
+            <a:off x="4917494" y="2185206"/>
+            <a:ext cx="2028399" cy="0"/>
+          </a:xfrm>
+          <a:prstGeom prst="line">
+            <a:avLst/>
+          </a:prstGeom>
+        </p:spPr>
+        <p:style>
+          <a:lnRef idx="1">
+            <a:schemeClr val="dk1"/>
+          </a:lnRef>
+          <a:fillRef idx="0">
+            <a:schemeClr val="dk1"/>
+          </a:fillRef>
+          <a:effectRef idx="0">
+            <a:schemeClr val="dk1"/>
+          </a:effectRef>
+          <a:fontRef idx="minor">
+            <a:schemeClr val="tx1"/>
+          </a:fontRef>
+        </p:style>
+      </p:cxnSp>
+      <p:sp>
+        <p:nvSpPr>
+          <p:cNvPr id="31" name="文本框 30">
+            <a:extLst>
+              <a:ext uri="{FF2B5EF4-FFF2-40B4-BE49-F238E27FC236}">
+                <a16:creationId xmlns:a16="http://schemas.microsoft.com/office/drawing/2014/main" id="{439A6F0D-BCEF-4017-904F-BCC04877FE86}"/>
+              </a:ext>
+            </a:extLst>
+          </p:cNvPr>
+          <p:cNvSpPr txBox="1"/>
+          <p:nvPr/>
+        </p:nvSpPr>
+        <p:spPr>
+          <a:xfrm>
+            <a:off x="5188858" y="1691588"/>
+            <a:ext cx="1348948" cy="461665"/>
+          </a:xfrm>
+          <a:prstGeom prst="rect">
+            <a:avLst/>
+          </a:prstGeom>
+          <a:noFill/>
+        </p:spPr>
+        <p:txBody>
+          <a:bodyPr wrap="square" rtlCol="0">
+            <a:spAutoFit/>
+          </a:bodyPr>
+          <a:lstStyle/>
+          <a:p>
+            <a:pPr algn="ctr"/>
+            <a:r>
+              <a:rPr lang="en-US" altLang="zh-CN" sz="1200" dirty="0">
+                <a:latin typeface="Courier New" panose="02070309020205020404" pitchFamily="49" charset="0"/>
+                <a:cs typeface="Courier New" panose="02070309020205020404" pitchFamily="49" charset="0"/>
+              </a:rPr>
+              <a:t>type</a:t>
+            </a:r>
+          </a:p>
+          <a:p>
+            <a:pPr algn="ctr"/>
+            <a:r>
+              <a:rPr lang="en-US" altLang="zh-CN" sz="1200" dirty="0">
+                <a:solidFill>
+                  <a:srgbClr val="FF0000"/>
+                </a:solidFill>
+                <a:latin typeface="Courier New" panose="02070309020205020404" pitchFamily="49" charset="0"/>
+                <a:cs typeface="Courier New" panose="02070309020205020404" pitchFamily="49" charset="0"/>
+              </a:rPr>
+              <a:t>OBJ_ZSET</a:t>
+            </a:r>
+            <a:endParaRPr lang="zh-CN" altLang="en-US" sz="1200" dirty="0">
+              <a:solidFill>
+                <a:srgbClr val="FF0000"/>
+              </a:solidFill>
+              <a:latin typeface="Courier New" panose="02070309020205020404" pitchFamily="49" charset="0"/>
+              <a:cs typeface="Courier New" panose="02070309020205020404" pitchFamily="49" charset="0"/>
+            </a:endParaRPr>
+          </a:p>
+        </p:txBody>
+      </p:sp>
+      <p:sp>
+        <p:nvSpPr>
+          <p:cNvPr id="32" name="文本框 31">
+            <a:extLst>
+              <a:ext uri="{FF2B5EF4-FFF2-40B4-BE49-F238E27FC236}">
+                <a16:creationId xmlns:a16="http://schemas.microsoft.com/office/drawing/2014/main" id="{B06F2CBB-9C70-4880-899E-EF0E79B3CA0B}"/>
+              </a:ext>
+            </a:extLst>
+          </p:cNvPr>
+          <p:cNvSpPr txBox="1"/>
+          <p:nvPr/>
+        </p:nvSpPr>
+        <p:spPr>
+          <a:xfrm>
+            <a:off x="4846053" y="2219809"/>
+            <a:ext cx="2167305" cy="461665"/>
+          </a:xfrm>
+          <a:prstGeom prst="rect">
+            <a:avLst/>
+          </a:prstGeom>
+          <a:noFill/>
+        </p:spPr>
+        <p:txBody>
+          <a:bodyPr wrap="square" rtlCol="0">
+            <a:spAutoFit/>
+          </a:bodyPr>
+          <a:lstStyle/>
+          <a:p>
+            <a:pPr algn="ctr"/>
+            <a:r>
+              <a:rPr lang="en-US" altLang="zh-CN" sz="1200" dirty="0">
+                <a:latin typeface="Courier New" panose="02070309020205020404" pitchFamily="49" charset="0"/>
+                <a:cs typeface="Courier New" panose="02070309020205020404" pitchFamily="49" charset="0"/>
+              </a:rPr>
+              <a:t>encoding</a:t>
+            </a:r>
+          </a:p>
+          <a:p>
+            <a:pPr algn="ctr"/>
+            <a:r>
+              <a:rPr lang="en-US" altLang="zh-CN" sz="1200" dirty="0">
+                <a:solidFill>
+                  <a:srgbClr val="FF0000"/>
+                </a:solidFill>
+                <a:latin typeface="Courier New" panose="02070309020205020404" pitchFamily="49" charset="0"/>
+                <a:cs typeface="Courier New" panose="02070309020205020404" pitchFamily="49" charset="0"/>
+              </a:rPr>
+              <a:t>OBJ_ENCODING_SKIPLIST</a:t>
+            </a:r>
+            <a:endParaRPr lang="zh-CN" altLang="en-US" sz="1200" dirty="0">
+              <a:solidFill>
+                <a:srgbClr val="FF0000"/>
+              </a:solidFill>
+              <a:latin typeface="Courier New" panose="02070309020205020404" pitchFamily="49" charset="0"/>
+              <a:cs typeface="Courier New" panose="02070309020205020404" pitchFamily="49" charset="0"/>
+            </a:endParaRPr>
+          </a:p>
+        </p:txBody>
+      </p:sp>
+      <p:sp>
+        <p:nvSpPr>
+          <p:cNvPr id="33" name="文本框 32">
+            <a:extLst>
+              <a:ext uri="{FF2B5EF4-FFF2-40B4-BE49-F238E27FC236}">
+                <a16:creationId xmlns:a16="http://schemas.microsoft.com/office/drawing/2014/main" id="{7B5EF4CB-C9D7-4AD0-A1B8-D1D46C1115B0}"/>
+              </a:ext>
+            </a:extLst>
+          </p:cNvPr>
+          <p:cNvSpPr txBox="1"/>
+          <p:nvPr/>
+        </p:nvSpPr>
+        <p:spPr>
+          <a:xfrm>
+            <a:off x="5496934" y="2811760"/>
+            <a:ext cx="860399" cy="276999"/>
+          </a:xfrm>
+          <a:prstGeom prst="rect">
+            <a:avLst/>
+          </a:prstGeom>
+          <a:noFill/>
+        </p:spPr>
+        <p:txBody>
+          <a:bodyPr wrap="square" rtlCol="0">
+            <a:spAutoFit/>
+          </a:bodyPr>
+          <a:lstStyle/>
+          <a:p>
+            <a:pPr algn="ctr"/>
+            <a:r>
+              <a:rPr lang="en-US" altLang="zh-CN" sz="1200" dirty="0">
+                <a:latin typeface="Courier New" panose="02070309020205020404" pitchFamily="49" charset="0"/>
+                <a:cs typeface="Courier New" panose="02070309020205020404" pitchFamily="49" charset="0"/>
+              </a:rPr>
+              <a:t>……</a:t>
+            </a:r>
+            <a:endParaRPr lang="zh-CN" altLang="en-US" sz="1200" dirty="0">
+              <a:latin typeface="Courier New" panose="02070309020205020404" pitchFamily="49" charset="0"/>
+              <a:cs typeface="Courier New" panose="02070309020205020404" pitchFamily="49" charset="0"/>
+            </a:endParaRPr>
+          </a:p>
+        </p:txBody>
+      </p:sp>
+      <p:cxnSp>
+        <p:nvCxnSpPr>
+          <p:cNvPr id="9" name="直接连接符 8">
+            <a:extLst>
+              <a:ext uri="{FF2B5EF4-FFF2-40B4-BE49-F238E27FC236}">
+                <a16:creationId xmlns:a16="http://schemas.microsoft.com/office/drawing/2014/main" id="{7EF85B8C-89AD-491E-B077-1DCE8128CDDA}"/>
+              </a:ext>
+            </a:extLst>
+          </p:cNvPr>
+          <p:cNvCxnSpPr>
+            <a:cxnSpLocks/>
+          </p:cNvCxnSpPr>
+          <p:nvPr/>
+        </p:nvCxnSpPr>
+        <p:spPr>
+          <a:xfrm>
+            <a:off x="4917254" y="3241920"/>
+            <a:ext cx="2019761" cy="0"/>
+          </a:xfrm>
+          <a:prstGeom prst="line">
+            <a:avLst/>
+          </a:prstGeom>
+        </p:spPr>
+        <p:style>
+          <a:lnRef idx="1">
+            <a:schemeClr val="dk1"/>
+          </a:lnRef>
+          <a:fillRef idx="0">
+            <a:schemeClr val="dk1"/>
+          </a:fillRef>
+          <a:effectRef idx="0">
+            <a:schemeClr val="dk1"/>
+          </a:effectRef>
+          <a:fontRef idx="minor">
+            <a:schemeClr val="tx1"/>
+          </a:fontRef>
+        </p:style>
+      </p:cxnSp>
+      <p:sp>
+        <p:nvSpPr>
+          <p:cNvPr id="18" name="文本框 17">
+            <a:extLst>
+              <a:ext uri="{FF2B5EF4-FFF2-40B4-BE49-F238E27FC236}">
+                <a16:creationId xmlns:a16="http://schemas.microsoft.com/office/drawing/2014/main" id="{9618831F-61FA-4759-950A-04CBC6012494}"/>
+              </a:ext>
+            </a:extLst>
+          </p:cNvPr>
+          <p:cNvSpPr txBox="1"/>
+          <p:nvPr/>
+        </p:nvSpPr>
+        <p:spPr>
+          <a:xfrm>
+            <a:off x="5105774" y="1385265"/>
+            <a:ext cx="1685646" cy="338554"/>
+          </a:xfrm>
+          <a:prstGeom prst="rect">
+            <a:avLst/>
+          </a:prstGeom>
+          <a:noFill/>
+        </p:spPr>
+        <p:txBody>
+          <a:bodyPr wrap="square" rtlCol="0">
+            <a:spAutoFit/>
+          </a:bodyPr>
+          <a:lstStyle/>
+          <a:p>
+            <a:r>
+              <a:rPr lang="en-US" altLang="zh-CN" sz="1600" dirty="0" err="1">
+                <a:latin typeface="Courier New" panose="02070309020205020404" pitchFamily="49" charset="0"/>
+                <a:cs typeface="Courier New" panose="02070309020205020404" pitchFamily="49" charset="0"/>
+              </a:rPr>
+              <a:t>redisObject</a:t>
+            </a:r>
+            <a:endParaRPr lang="zh-CN" altLang="en-US" sz="1600" dirty="0">
+              <a:latin typeface="Courier New" panose="02070309020205020404" pitchFamily="49" charset="0"/>
+              <a:cs typeface="Courier New" panose="02070309020205020404" pitchFamily="49" charset="0"/>
+            </a:endParaRPr>
+          </a:p>
+        </p:txBody>
+      </p:sp>
+      <p:cxnSp>
+        <p:nvCxnSpPr>
+          <p:cNvPr id="25" name="直接箭头连接符 24">
+            <a:extLst>
+              <a:ext uri="{FF2B5EF4-FFF2-40B4-BE49-F238E27FC236}">
+                <a16:creationId xmlns:a16="http://schemas.microsoft.com/office/drawing/2014/main" id="{6C054702-E751-4CD9-99E1-E5117B5D1697}"/>
+              </a:ext>
+            </a:extLst>
+          </p:cNvPr>
+          <p:cNvCxnSpPr>
+            <a:cxnSpLocks/>
+          </p:cNvCxnSpPr>
+          <p:nvPr/>
+        </p:nvCxnSpPr>
+        <p:spPr>
+          <a:xfrm>
+            <a:off x="6945893" y="3435642"/>
+            <a:ext cx="1052889" cy="1"/>
+          </a:xfrm>
+          <a:prstGeom prst="straightConnector1">
+            <a:avLst/>
+          </a:prstGeom>
+          <a:ln>
+            <a:solidFill>
+              <a:srgbClr val="FF0000"/>
+            </a:solidFill>
+            <a:tailEnd type="triangle"/>
+          </a:ln>
+        </p:spPr>
+        <p:style>
+          <a:lnRef idx="3">
+            <a:schemeClr val="accent2"/>
+          </a:lnRef>
+          <a:fillRef idx="0">
+            <a:schemeClr val="accent2"/>
+          </a:fillRef>
+          <a:effectRef idx="2">
+            <a:schemeClr val="accent2"/>
+          </a:effectRef>
+          <a:fontRef idx="minor">
+            <a:schemeClr val="tx1"/>
+          </a:fontRef>
+        </p:style>
+      </p:cxnSp>
+      <p:sp>
+        <p:nvSpPr>
+          <p:cNvPr id="26" name="矩形 25">
+            <a:extLst>
+              <a:ext uri="{FF2B5EF4-FFF2-40B4-BE49-F238E27FC236}">
+                <a16:creationId xmlns:a16="http://schemas.microsoft.com/office/drawing/2014/main" id="{543FBD0F-A156-4BC7-95B3-B7826DEB3F20}"/>
+              </a:ext>
+            </a:extLst>
+          </p:cNvPr>
+          <p:cNvSpPr/>
+          <p:nvPr/>
+        </p:nvSpPr>
+        <p:spPr>
+          <a:xfrm>
+            <a:off x="7986837" y="3201802"/>
+            <a:ext cx="1006244" cy="840964"/>
+          </a:xfrm>
+          <a:prstGeom prst="rect">
+            <a:avLst/>
+          </a:prstGeom>
+        </p:spPr>
+        <p:style>
+          <a:lnRef idx="2">
+            <a:schemeClr val="dk1"/>
+          </a:lnRef>
+          <a:fillRef idx="1">
+            <a:schemeClr val="lt1"/>
+          </a:fillRef>
+          <a:effectRef idx="0">
+            <a:schemeClr val="dk1"/>
+          </a:effectRef>
+          <a:fontRef idx="minor">
+            <a:schemeClr val="dk1"/>
+          </a:fontRef>
+        </p:style>
+        <p:txBody>
+          <a:bodyPr rtlCol="0" anchor="ctr"/>
+          <a:lstStyle/>
+          <a:p>
+            <a:pPr algn="ctr"/>
+            <a:endParaRPr lang="zh-CN" altLang="en-US" sz="1600" dirty="0">
+              <a:latin typeface="Courier New" panose="02070309020205020404" pitchFamily="49" charset="0"/>
+              <a:cs typeface="Courier New" panose="02070309020205020404" pitchFamily="49" charset="0"/>
+            </a:endParaRPr>
+          </a:p>
+        </p:txBody>
+      </p:sp>
+      <p:cxnSp>
+        <p:nvCxnSpPr>
+          <p:cNvPr id="24" name="直接连接符 23">
+            <a:extLst>
+              <a:ext uri="{FF2B5EF4-FFF2-40B4-BE49-F238E27FC236}">
+                <a16:creationId xmlns:a16="http://schemas.microsoft.com/office/drawing/2014/main" id="{8AC8CB5D-6002-4036-BA8B-71335BE0E186}"/>
+              </a:ext>
+            </a:extLst>
+          </p:cNvPr>
+          <p:cNvCxnSpPr/>
+          <p:nvPr/>
+        </p:nvCxnSpPr>
+        <p:spPr>
+          <a:xfrm>
+            <a:off x="7998782" y="3630967"/>
+            <a:ext cx="994299" cy="0"/>
+          </a:xfrm>
+          <a:prstGeom prst="line">
+            <a:avLst/>
+          </a:prstGeom>
+        </p:spPr>
+        <p:style>
+          <a:lnRef idx="1">
+            <a:schemeClr val="dk1"/>
+          </a:lnRef>
+          <a:fillRef idx="0">
+            <a:schemeClr val="dk1"/>
+          </a:fillRef>
+          <a:effectRef idx="0">
+            <a:schemeClr val="dk1"/>
+          </a:effectRef>
+          <a:fontRef idx="minor">
+            <a:schemeClr val="tx1"/>
+          </a:fontRef>
+        </p:style>
+      </p:cxnSp>
+      <p:sp>
+        <p:nvSpPr>
+          <p:cNvPr id="35" name="文本框 34">
+            <a:extLst>
+              <a:ext uri="{FF2B5EF4-FFF2-40B4-BE49-F238E27FC236}">
+                <a16:creationId xmlns:a16="http://schemas.microsoft.com/office/drawing/2014/main" id="{B0E8C125-9DD7-4C75-A42F-E37AAA67D977}"/>
+              </a:ext>
+            </a:extLst>
+          </p:cNvPr>
+          <p:cNvSpPr txBox="1"/>
+          <p:nvPr/>
+        </p:nvSpPr>
+        <p:spPr>
+          <a:xfrm>
+            <a:off x="8112658" y="2871071"/>
+            <a:ext cx="754602" cy="369332"/>
+          </a:xfrm>
+          <a:prstGeom prst="rect">
+            <a:avLst/>
+          </a:prstGeom>
+          <a:noFill/>
+        </p:spPr>
+        <p:txBody>
+          <a:bodyPr wrap="square" rtlCol="0">
+            <a:spAutoFit/>
+          </a:bodyPr>
+          <a:lstStyle/>
+          <a:p>
+            <a:r>
+              <a:rPr lang="en-US" altLang="zh-CN" dirty="0" err="1">
+                <a:latin typeface="Courier New" panose="02070309020205020404" pitchFamily="49" charset="0"/>
+                <a:cs typeface="Courier New" panose="02070309020205020404" pitchFamily="49" charset="0"/>
+              </a:rPr>
+              <a:t>zset</a:t>
+            </a:r>
+            <a:endParaRPr lang="zh-CN" altLang="en-US" dirty="0">
+              <a:latin typeface="Courier New" panose="02070309020205020404" pitchFamily="49" charset="0"/>
+              <a:cs typeface="Courier New" panose="02070309020205020404" pitchFamily="49" charset="0"/>
+            </a:endParaRPr>
+          </a:p>
+        </p:txBody>
+      </p:sp>
+      <p:sp>
+        <p:nvSpPr>
+          <p:cNvPr id="37" name="文本框 36">
+            <a:extLst>
+              <a:ext uri="{FF2B5EF4-FFF2-40B4-BE49-F238E27FC236}">
+                <a16:creationId xmlns:a16="http://schemas.microsoft.com/office/drawing/2014/main" id="{0DC68A57-9524-4B1E-AF39-5ACD543B024A}"/>
+              </a:ext>
+            </a:extLst>
+          </p:cNvPr>
+          <p:cNvSpPr txBox="1"/>
+          <p:nvPr/>
+        </p:nvSpPr>
+        <p:spPr>
+          <a:xfrm>
+            <a:off x="8112658" y="3240207"/>
+            <a:ext cx="754602" cy="369332"/>
+          </a:xfrm>
+          <a:prstGeom prst="rect">
+            <a:avLst/>
+          </a:prstGeom>
+          <a:noFill/>
+        </p:spPr>
+        <p:txBody>
+          <a:bodyPr wrap="square" rtlCol="0">
+            <a:spAutoFit/>
+          </a:bodyPr>
+          <a:lstStyle/>
+          <a:p>
+            <a:r>
+              <a:rPr lang="en-US" altLang="zh-CN" dirty="0" err="1">
+                <a:latin typeface="Courier New" panose="02070309020205020404" pitchFamily="49" charset="0"/>
+                <a:cs typeface="Courier New" panose="02070309020205020404" pitchFamily="49" charset="0"/>
+              </a:rPr>
+              <a:t>dict</a:t>
+            </a:r>
+            <a:endParaRPr lang="zh-CN" altLang="en-US" dirty="0">
+              <a:latin typeface="Courier New" panose="02070309020205020404" pitchFamily="49" charset="0"/>
+              <a:cs typeface="Courier New" panose="02070309020205020404" pitchFamily="49" charset="0"/>
+            </a:endParaRPr>
+          </a:p>
+        </p:txBody>
+      </p:sp>
+      <p:sp>
+        <p:nvSpPr>
+          <p:cNvPr id="38" name="文本框 37">
+            <a:extLst>
+              <a:ext uri="{FF2B5EF4-FFF2-40B4-BE49-F238E27FC236}">
+                <a16:creationId xmlns:a16="http://schemas.microsoft.com/office/drawing/2014/main" id="{0F0335DF-A549-4D86-8028-40B3EE27767A}"/>
+              </a:ext>
+            </a:extLst>
+          </p:cNvPr>
+          <p:cNvSpPr txBox="1"/>
+          <p:nvPr/>
+        </p:nvSpPr>
+        <p:spPr>
+          <a:xfrm>
+            <a:off x="8211845" y="3617793"/>
+            <a:ext cx="754602" cy="369332"/>
+          </a:xfrm>
+          <a:prstGeom prst="rect">
+            <a:avLst/>
+          </a:prstGeom>
+          <a:noFill/>
+        </p:spPr>
+        <p:txBody>
+          <a:bodyPr wrap="square" rtlCol="0">
+            <a:spAutoFit/>
+          </a:bodyPr>
+          <a:lstStyle/>
+          <a:p>
+            <a:r>
+              <a:rPr lang="en-US" altLang="zh-CN" dirty="0" err="1">
+                <a:latin typeface="Courier New" panose="02070309020205020404" pitchFamily="49" charset="0"/>
+                <a:cs typeface="Courier New" panose="02070309020205020404" pitchFamily="49" charset="0"/>
+              </a:rPr>
+              <a:t>zsl</a:t>
+            </a:r>
+            <a:endParaRPr lang="zh-CN" altLang="en-US" dirty="0">
+              <a:latin typeface="Courier New" panose="02070309020205020404" pitchFamily="49" charset="0"/>
+              <a:cs typeface="Courier New" panose="02070309020205020404" pitchFamily="49" charset="0"/>
+            </a:endParaRPr>
+          </a:p>
+        </p:txBody>
+      </p:sp>
+      <p:cxnSp>
+        <p:nvCxnSpPr>
+          <p:cNvPr id="40" name="直接箭头连接符 39">
+            <a:extLst>
+              <a:ext uri="{FF2B5EF4-FFF2-40B4-BE49-F238E27FC236}">
+                <a16:creationId xmlns:a16="http://schemas.microsoft.com/office/drawing/2014/main" id="{E2EEA263-E914-4E9D-BC91-4736124A6D37}"/>
+              </a:ext>
+            </a:extLst>
+          </p:cNvPr>
+          <p:cNvCxnSpPr/>
+          <p:nvPr/>
+        </p:nvCxnSpPr>
+        <p:spPr>
+          <a:xfrm>
+            <a:off x="8993081" y="3424873"/>
+            <a:ext cx="452760" cy="0"/>
+          </a:xfrm>
+          <a:prstGeom prst="straightConnector1">
+            <a:avLst/>
+          </a:prstGeom>
+          <a:ln>
+            <a:tailEnd type="triangle"/>
+          </a:ln>
+        </p:spPr>
+        <p:style>
+          <a:lnRef idx="1">
+            <a:schemeClr val="dk1"/>
+          </a:lnRef>
+          <a:fillRef idx="0">
+            <a:schemeClr val="dk1"/>
+          </a:fillRef>
+          <a:effectRef idx="0">
+            <a:schemeClr val="dk1"/>
+          </a:effectRef>
+          <a:fontRef idx="minor">
+            <a:schemeClr val="tx1"/>
+          </a:fontRef>
+        </p:style>
+      </p:cxnSp>
+      <p:cxnSp>
+        <p:nvCxnSpPr>
+          <p:cNvPr id="41" name="直接箭头连接符 40">
+            <a:extLst>
+              <a:ext uri="{FF2B5EF4-FFF2-40B4-BE49-F238E27FC236}">
+                <a16:creationId xmlns:a16="http://schemas.microsoft.com/office/drawing/2014/main" id="{D2F6FFCC-D2E9-4D6D-B5F3-0BBB48E22A7F}"/>
+              </a:ext>
+            </a:extLst>
+          </p:cNvPr>
+          <p:cNvCxnSpPr/>
+          <p:nvPr/>
+        </p:nvCxnSpPr>
+        <p:spPr>
+          <a:xfrm>
+            <a:off x="8993081" y="3879114"/>
+            <a:ext cx="452760" cy="0"/>
+          </a:xfrm>
+          <a:prstGeom prst="straightConnector1">
+            <a:avLst/>
+          </a:prstGeom>
+          <a:ln>
+            <a:tailEnd type="triangle"/>
+          </a:ln>
+        </p:spPr>
+        <p:style>
+          <a:lnRef idx="1">
+            <a:schemeClr val="dk1"/>
+          </a:lnRef>
+          <a:fillRef idx="0">
+            <a:schemeClr val="dk1"/>
+          </a:fillRef>
+          <a:effectRef idx="0">
+            <a:schemeClr val="dk1"/>
+          </a:effectRef>
+          <a:fontRef idx="minor">
+            <a:schemeClr val="tx1"/>
+          </a:fontRef>
+        </p:style>
+      </p:cxnSp>
+      <p:sp>
+        <p:nvSpPr>
+          <p:cNvPr id="42" name="文本框 41">
+            <a:extLst>
+              <a:ext uri="{FF2B5EF4-FFF2-40B4-BE49-F238E27FC236}">
+                <a16:creationId xmlns:a16="http://schemas.microsoft.com/office/drawing/2014/main" id="{480D0F8A-7F6B-472C-ADFE-A456AFD119C8}"/>
+              </a:ext>
+            </a:extLst>
+          </p:cNvPr>
+          <p:cNvSpPr txBox="1"/>
+          <p:nvPr/>
+        </p:nvSpPr>
+        <p:spPr>
+          <a:xfrm>
+            <a:off x="9445841" y="3248461"/>
+            <a:ext cx="452760" cy="369332"/>
+          </a:xfrm>
+          <a:prstGeom prst="rect">
+            <a:avLst/>
+          </a:prstGeom>
+          <a:noFill/>
+        </p:spPr>
+        <p:txBody>
+          <a:bodyPr wrap="square" rtlCol="0">
+            <a:spAutoFit/>
+          </a:bodyPr>
+          <a:lstStyle/>
+          <a:p>
+            <a:r>
+              <a:rPr lang="en-US" altLang="zh-CN" dirty="0"/>
+              <a:t>…</a:t>
+            </a:r>
+            <a:endParaRPr lang="zh-CN" altLang="en-US" dirty="0"/>
+          </a:p>
+        </p:txBody>
+      </p:sp>
+      <p:sp>
+        <p:nvSpPr>
+          <p:cNvPr id="43" name="文本框 42">
+            <a:extLst>
+              <a:ext uri="{FF2B5EF4-FFF2-40B4-BE49-F238E27FC236}">
+                <a16:creationId xmlns:a16="http://schemas.microsoft.com/office/drawing/2014/main" id="{C9239867-CF16-4112-9BBE-F03CCAC73D8E}"/>
+              </a:ext>
+            </a:extLst>
+          </p:cNvPr>
+          <p:cNvSpPr txBox="1"/>
+          <p:nvPr/>
+        </p:nvSpPr>
+        <p:spPr>
+          <a:xfrm>
+            <a:off x="9445841" y="3700081"/>
+            <a:ext cx="452760" cy="369332"/>
+          </a:xfrm>
+          <a:prstGeom prst="rect">
+            <a:avLst/>
+          </a:prstGeom>
+          <a:noFill/>
+        </p:spPr>
+        <p:txBody>
+          <a:bodyPr wrap="square" rtlCol="0">
+            <a:spAutoFit/>
+          </a:bodyPr>
+          <a:lstStyle/>
+          <a:p>
+            <a:r>
+              <a:rPr lang="en-US" altLang="zh-CN" dirty="0"/>
+              <a:t>…</a:t>
+            </a:r>
+            <a:endParaRPr lang="zh-CN" altLang="en-US" dirty="0"/>
+          </a:p>
+        </p:txBody>
+      </p:sp>
+    </p:spTree>
+    <p:extLst>
+      <p:ext uri="{BB962C8B-B14F-4D97-AF65-F5344CB8AC3E}">
+        <p14:creationId xmlns:p14="http://schemas.microsoft.com/office/powerpoint/2010/main" val="1418984616"/>
+      </p:ext>
+    </p:extLst>
+  </p:cSld>
+  <p:clrMapOvr>
+    <a:masterClrMapping/>
+  </p:clrMapOvr>
+</p:sld>
+</file>
+
 <file path=ppt/slides/slide2.xml><?xml version="1.0" encoding="utf-8"?>
 <p:sld xmlns:a="http://schemas.openxmlformats.org/drawingml/2006/main" xmlns:r="http://schemas.openxmlformats.org/officeDocument/2006/relationships" xmlns:p="http://schemas.openxmlformats.org/presentationml/2006/main">
   <p:cSld>
@@ -4440,7 +6873,7 @@
                 <a:latin typeface="Courier New" panose="02070309020205020404" pitchFamily="49" charset="0"/>
                 <a:cs typeface="Courier New" panose="02070309020205020404" pitchFamily="49" charset="0"/>
               </a:rPr>
-              <a:t>level[2]</a:t>
+              <a:t>level[0]</a:t>
             </a:r>
             <a:endParaRPr lang="zh-CN" altLang="en-US" sz="1200" dirty="0">
               <a:latin typeface="Courier New" panose="02070309020205020404" pitchFamily="49" charset="0"/>
@@ -4524,7 +6957,7 @@
                 <a:latin typeface="Courier New" panose="02070309020205020404" pitchFamily="49" charset="0"/>
                 <a:cs typeface="Courier New" panose="02070309020205020404" pitchFamily="49" charset="0"/>
               </a:rPr>
-              <a:t>level[0]</a:t>
+              <a:t>level[2]</a:t>
             </a:r>
             <a:endParaRPr lang="zh-CN" altLang="en-US" sz="1200" dirty="0">
               <a:latin typeface="Courier New" panose="02070309020205020404" pitchFamily="49" charset="0"/>
@@ -7939,6 +10372,1283 @@
     <p:extLst>
       <p:ext uri="{BB962C8B-B14F-4D97-AF65-F5344CB8AC3E}">
         <p14:creationId xmlns:p14="http://schemas.microsoft.com/office/powerpoint/2010/main" val="312474015"/>
+      </p:ext>
+    </p:extLst>
+  </p:cSld>
+  <p:clrMapOvr>
+    <a:masterClrMapping/>
+  </p:clrMapOvr>
+</p:sld>
+</file>
+
+<file path=ppt/slides/slide8.xml><?xml version="1.0" encoding="utf-8"?>
+<p:sld xmlns:a="http://schemas.openxmlformats.org/drawingml/2006/main" xmlns:r="http://schemas.openxmlformats.org/officeDocument/2006/relationships" xmlns:p="http://schemas.openxmlformats.org/presentationml/2006/main">
+  <p:cSld>
+    <p:spTree>
+      <p:nvGrpSpPr>
+        <p:cNvPr id="1" name=""/>
+        <p:cNvGrpSpPr/>
+        <p:nvPr/>
+      </p:nvGrpSpPr>
+      <p:grpSpPr>
+        <a:xfrm>
+          <a:off x="0" y="0"/>
+          <a:ext cx="0" cy="0"/>
+          <a:chOff x="0" y="0"/>
+          <a:chExt cx="0" cy="0"/>
+        </a:xfrm>
+      </p:grpSpPr>
+      <p:sp>
+        <p:nvSpPr>
+          <p:cNvPr id="4" name="矩形 3">
+            <a:extLst>
+              <a:ext uri="{FF2B5EF4-FFF2-40B4-BE49-F238E27FC236}">
+                <a16:creationId xmlns:a16="http://schemas.microsoft.com/office/drawing/2014/main" id="{5A63A200-8D0F-4818-BC9F-9D43BA28D939}"/>
+              </a:ext>
+            </a:extLst>
+          </p:cNvPr>
+          <p:cNvSpPr/>
+          <p:nvPr/>
+        </p:nvSpPr>
+        <p:spPr>
+          <a:xfrm rot="16200000">
+            <a:off x="4862335" y="1746508"/>
+            <a:ext cx="2001523" cy="1891684"/>
+          </a:xfrm>
+          <a:prstGeom prst="rect">
+            <a:avLst/>
+          </a:prstGeom>
+        </p:spPr>
+        <p:style>
+          <a:lnRef idx="2">
+            <a:schemeClr val="dk1"/>
+          </a:lnRef>
+          <a:fillRef idx="1">
+            <a:schemeClr val="lt1"/>
+          </a:fillRef>
+          <a:effectRef idx="0">
+            <a:schemeClr val="dk1"/>
+          </a:effectRef>
+          <a:fontRef idx="minor">
+            <a:schemeClr val="dk1"/>
+          </a:fontRef>
+        </p:style>
+        <p:txBody>
+          <a:bodyPr rtlCol="0" anchor="ctr"/>
+          <a:lstStyle/>
+          <a:p>
+            <a:pPr algn="ctr"/>
+            <a:endParaRPr lang="zh-CN" altLang="en-US" dirty="0"/>
+          </a:p>
+        </p:txBody>
+      </p:sp>
+      <p:cxnSp>
+        <p:nvCxnSpPr>
+          <p:cNvPr id="7" name="直接连接符 6">
+            <a:extLst>
+              <a:ext uri="{FF2B5EF4-FFF2-40B4-BE49-F238E27FC236}">
+                <a16:creationId xmlns:a16="http://schemas.microsoft.com/office/drawing/2014/main" id="{C1B25220-4793-442A-97B9-A68CF3E9A201}"/>
+              </a:ext>
+            </a:extLst>
+          </p:cNvPr>
+          <p:cNvCxnSpPr>
+            <a:cxnSpLocks/>
+          </p:cNvCxnSpPr>
+          <p:nvPr/>
+        </p:nvCxnSpPr>
+        <p:spPr>
+          <a:xfrm flipH="1">
+            <a:off x="4917494" y="2776086"/>
+            <a:ext cx="1891682" cy="0"/>
+          </a:xfrm>
+          <a:prstGeom prst="line">
+            <a:avLst/>
+          </a:prstGeom>
+        </p:spPr>
+        <p:style>
+          <a:lnRef idx="1">
+            <a:schemeClr val="dk1"/>
+          </a:lnRef>
+          <a:fillRef idx="0">
+            <a:schemeClr val="dk1"/>
+          </a:fillRef>
+          <a:effectRef idx="0">
+            <a:schemeClr val="dk1"/>
+          </a:effectRef>
+          <a:fontRef idx="minor">
+            <a:schemeClr val="tx1"/>
+          </a:fontRef>
+        </p:style>
+      </p:cxnSp>
+      <p:sp>
+        <p:nvSpPr>
+          <p:cNvPr id="14" name="文本框 13">
+            <a:extLst>
+              <a:ext uri="{FF2B5EF4-FFF2-40B4-BE49-F238E27FC236}">
+                <a16:creationId xmlns:a16="http://schemas.microsoft.com/office/drawing/2014/main" id="{12D3878E-5BA1-4B15-8640-5894C1A4D6B9}"/>
+              </a:ext>
+            </a:extLst>
+          </p:cNvPr>
+          <p:cNvSpPr txBox="1"/>
+          <p:nvPr/>
+        </p:nvSpPr>
+        <p:spPr>
+          <a:xfrm>
+            <a:off x="5418337" y="3285405"/>
+            <a:ext cx="860399" cy="276999"/>
+          </a:xfrm>
+          <a:prstGeom prst="rect">
+            <a:avLst/>
+          </a:prstGeom>
+          <a:noFill/>
+        </p:spPr>
+        <p:txBody>
+          <a:bodyPr wrap="square" rtlCol="0">
+            <a:spAutoFit/>
+          </a:bodyPr>
+          <a:lstStyle/>
+          <a:p>
+            <a:pPr algn="ctr"/>
+            <a:r>
+              <a:rPr lang="en-US" altLang="zh-CN" sz="1200" dirty="0" err="1">
+                <a:latin typeface="Courier New" panose="02070309020205020404" pitchFamily="49" charset="0"/>
+                <a:cs typeface="Courier New" panose="02070309020205020404" pitchFamily="49" charset="0"/>
+              </a:rPr>
+              <a:t>ptr</a:t>
+            </a:r>
+            <a:endParaRPr lang="zh-CN" altLang="en-US" sz="1200" dirty="0">
+              <a:latin typeface="Courier New" panose="02070309020205020404" pitchFamily="49" charset="0"/>
+              <a:cs typeface="Courier New" panose="02070309020205020404" pitchFamily="49" charset="0"/>
+            </a:endParaRPr>
+          </a:p>
+        </p:txBody>
+      </p:sp>
+      <p:cxnSp>
+        <p:nvCxnSpPr>
+          <p:cNvPr id="27" name="直接连接符 26">
+            <a:extLst>
+              <a:ext uri="{FF2B5EF4-FFF2-40B4-BE49-F238E27FC236}">
+                <a16:creationId xmlns:a16="http://schemas.microsoft.com/office/drawing/2014/main" id="{B11888DE-B1C6-4CDC-B972-7A1FCECE0EF1}"/>
+              </a:ext>
+            </a:extLst>
+          </p:cNvPr>
+          <p:cNvCxnSpPr>
+            <a:cxnSpLocks/>
+          </p:cNvCxnSpPr>
+          <p:nvPr/>
+        </p:nvCxnSpPr>
+        <p:spPr>
+          <a:xfrm flipH="1">
+            <a:off x="4917494" y="2185206"/>
+            <a:ext cx="1891682" cy="0"/>
+          </a:xfrm>
+          <a:prstGeom prst="line">
+            <a:avLst/>
+          </a:prstGeom>
+        </p:spPr>
+        <p:style>
+          <a:lnRef idx="1">
+            <a:schemeClr val="dk1"/>
+          </a:lnRef>
+          <a:fillRef idx="0">
+            <a:schemeClr val="dk1"/>
+          </a:fillRef>
+          <a:effectRef idx="0">
+            <a:schemeClr val="dk1"/>
+          </a:effectRef>
+          <a:fontRef idx="minor">
+            <a:schemeClr val="tx1"/>
+          </a:fontRef>
+        </p:style>
+      </p:cxnSp>
+      <p:sp>
+        <p:nvSpPr>
+          <p:cNvPr id="31" name="文本框 30">
+            <a:extLst>
+              <a:ext uri="{FF2B5EF4-FFF2-40B4-BE49-F238E27FC236}">
+                <a16:creationId xmlns:a16="http://schemas.microsoft.com/office/drawing/2014/main" id="{439A6F0D-BCEF-4017-904F-BCC04877FE86}"/>
+              </a:ext>
+            </a:extLst>
+          </p:cNvPr>
+          <p:cNvSpPr txBox="1"/>
+          <p:nvPr/>
+        </p:nvSpPr>
+        <p:spPr>
+          <a:xfrm>
+            <a:off x="5188858" y="1691588"/>
+            <a:ext cx="1348948" cy="461665"/>
+          </a:xfrm>
+          <a:prstGeom prst="rect">
+            <a:avLst/>
+          </a:prstGeom>
+          <a:noFill/>
+        </p:spPr>
+        <p:txBody>
+          <a:bodyPr wrap="square" rtlCol="0">
+            <a:spAutoFit/>
+          </a:bodyPr>
+          <a:lstStyle/>
+          <a:p>
+            <a:pPr algn="ctr"/>
+            <a:r>
+              <a:rPr lang="en-US" altLang="zh-CN" sz="1200" dirty="0">
+                <a:latin typeface="Courier New" panose="02070309020205020404" pitchFamily="49" charset="0"/>
+                <a:cs typeface="Courier New" panose="02070309020205020404" pitchFamily="49" charset="0"/>
+              </a:rPr>
+              <a:t>type</a:t>
+            </a:r>
+          </a:p>
+          <a:p>
+            <a:pPr algn="ctr"/>
+            <a:r>
+              <a:rPr lang="en-US" altLang="zh-CN" sz="1200" dirty="0">
+                <a:solidFill>
+                  <a:srgbClr val="FF0000"/>
+                </a:solidFill>
+                <a:latin typeface="Courier New" panose="02070309020205020404" pitchFamily="49" charset="0"/>
+                <a:cs typeface="Courier New" panose="02070309020205020404" pitchFamily="49" charset="0"/>
+              </a:rPr>
+              <a:t>OBJ_HASH</a:t>
+            </a:r>
+            <a:endParaRPr lang="zh-CN" altLang="en-US" sz="1200" dirty="0">
+              <a:solidFill>
+                <a:srgbClr val="FF0000"/>
+              </a:solidFill>
+              <a:latin typeface="Courier New" panose="02070309020205020404" pitchFamily="49" charset="0"/>
+              <a:cs typeface="Courier New" panose="02070309020205020404" pitchFamily="49" charset="0"/>
+            </a:endParaRPr>
+          </a:p>
+        </p:txBody>
+      </p:sp>
+      <p:sp>
+        <p:nvSpPr>
+          <p:cNvPr id="32" name="文本框 31">
+            <a:extLst>
+              <a:ext uri="{FF2B5EF4-FFF2-40B4-BE49-F238E27FC236}">
+                <a16:creationId xmlns:a16="http://schemas.microsoft.com/office/drawing/2014/main" id="{B06F2CBB-9C70-4880-899E-EF0E79B3CA0B}"/>
+              </a:ext>
+            </a:extLst>
+          </p:cNvPr>
+          <p:cNvSpPr txBox="1"/>
+          <p:nvPr/>
+        </p:nvSpPr>
+        <p:spPr>
+          <a:xfrm>
+            <a:off x="4849013" y="2211485"/>
+            <a:ext cx="2028638" cy="461665"/>
+          </a:xfrm>
+          <a:prstGeom prst="rect">
+            <a:avLst/>
+          </a:prstGeom>
+          <a:noFill/>
+        </p:spPr>
+        <p:txBody>
+          <a:bodyPr wrap="square" rtlCol="0">
+            <a:spAutoFit/>
+          </a:bodyPr>
+          <a:lstStyle/>
+          <a:p>
+            <a:pPr algn="ctr"/>
+            <a:r>
+              <a:rPr lang="en-US" altLang="zh-CN" sz="1200" dirty="0">
+                <a:latin typeface="Courier New" panose="02070309020205020404" pitchFamily="49" charset="0"/>
+                <a:cs typeface="Courier New" panose="02070309020205020404" pitchFamily="49" charset="0"/>
+              </a:rPr>
+              <a:t>encoding</a:t>
+            </a:r>
+          </a:p>
+          <a:p>
+            <a:pPr algn="ctr"/>
+            <a:r>
+              <a:rPr lang="en-US" altLang="zh-CN" sz="1200" dirty="0">
+                <a:solidFill>
+                  <a:srgbClr val="FF0000"/>
+                </a:solidFill>
+                <a:latin typeface="Courier New" panose="02070309020205020404" pitchFamily="49" charset="0"/>
+                <a:cs typeface="Courier New" panose="02070309020205020404" pitchFamily="49" charset="0"/>
+              </a:rPr>
+              <a:t>OBJ_ENCODING_ZIPLIST</a:t>
+            </a:r>
+            <a:endParaRPr lang="zh-CN" altLang="en-US" sz="1200" dirty="0">
+              <a:solidFill>
+                <a:srgbClr val="FF0000"/>
+              </a:solidFill>
+              <a:latin typeface="Courier New" panose="02070309020205020404" pitchFamily="49" charset="0"/>
+              <a:cs typeface="Courier New" panose="02070309020205020404" pitchFamily="49" charset="0"/>
+            </a:endParaRPr>
+          </a:p>
+        </p:txBody>
+      </p:sp>
+      <p:sp>
+        <p:nvSpPr>
+          <p:cNvPr id="33" name="文本框 32">
+            <a:extLst>
+              <a:ext uri="{FF2B5EF4-FFF2-40B4-BE49-F238E27FC236}">
+                <a16:creationId xmlns:a16="http://schemas.microsoft.com/office/drawing/2014/main" id="{7B5EF4CB-C9D7-4AD0-A1B8-D1D46C1115B0}"/>
+              </a:ext>
+            </a:extLst>
+          </p:cNvPr>
+          <p:cNvSpPr txBox="1"/>
+          <p:nvPr/>
+        </p:nvSpPr>
+        <p:spPr>
+          <a:xfrm>
+            <a:off x="5430174" y="2810689"/>
+            <a:ext cx="860399" cy="276999"/>
+          </a:xfrm>
+          <a:prstGeom prst="rect">
+            <a:avLst/>
+          </a:prstGeom>
+          <a:noFill/>
+        </p:spPr>
+        <p:txBody>
+          <a:bodyPr wrap="square" rtlCol="0">
+            <a:spAutoFit/>
+          </a:bodyPr>
+          <a:lstStyle/>
+          <a:p>
+            <a:pPr algn="ctr"/>
+            <a:r>
+              <a:rPr lang="en-US" altLang="zh-CN" sz="1200" dirty="0">
+                <a:latin typeface="Courier New" panose="02070309020205020404" pitchFamily="49" charset="0"/>
+                <a:cs typeface="Courier New" panose="02070309020205020404" pitchFamily="49" charset="0"/>
+              </a:rPr>
+              <a:t>……</a:t>
+            </a:r>
+            <a:endParaRPr lang="zh-CN" altLang="en-US" sz="1200" dirty="0">
+              <a:latin typeface="Courier New" panose="02070309020205020404" pitchFamily="49" charset="0"/>
+              <a:cs typeface="Courier New" panose="02070309020205020404" pitchFamily="49" charset="0"/>
+            </a:endParaRPr>
+          </a:p>
+        </p:txBody>
+      </p:sp>
+      <p:cxnSp>
+        <p:nvCxnSpPr>
+          <p:cNvPr id="9" name="直接连接符 8">
+            <a:extLst>
+              <a:ext uri="{FF2B5EF4-FFF2-40B4-BE49-F238E27FC236}">
+                <a16:creationId xmlns:a16="http://schemas.microsoft.com/office/drawing/2014/main" id="{7EF85B8C-89AD-491E-B077-1DCE8128CDDA}"/>
+              </a:ext>
+            </a:extLst>
+          </p:cNvPr>
+          <p:cNvCxnSpPr>
+            <a:cxnSpLocks/>
+          </p:cNvCxnSpPr>
+          <p:nvPr/>
+        </p:nvCxnSpPr>
+        <p:spPr>
+          <a:xfrm>
+            <a:off x="4917255" y="3210063"/>
+            <a:ext cx="1891684" cy="0"/>
+          </a:xfrm>
+          <a:prstGeom prst="line">
+            <a:avLst/>
+          </a:prstGeom>
+        </p:spPr>
+        <p:style>
+          <a:lnRef idx="1">
+            <a:schemeClr val="dk1"/>
+          </a:lnRef>
+          <a:fillRef idx="0">
+            <a:schemeClr val="dk1"/>
+          </a:fillRef>
+          <a:effectRef idx="0">
+            <a:schemeClr val="dk1"/>
+          </a:effectRef>
+          <a:fontRef idx="minor">
+            <a:schemeClr val="tx1"/>
+          </a:fontRef>
+        </p:style>
+      </p:cxnSp>
+      <p:sp>
+        <p:nvSpPr>
+          <p:cNvPr id="18" name="文本框 17">
+            <a:extLst>
+              <a:ext uri="{FF2B5EF4-FFF2-40B4-BE49-F238E27FC236}">
+                <a16:creationId xmlns:a16="http://schemas.microsoft.com/office/drawing/2014/main" id="{9618831F-61FA-4759-950A-04CBC6012494}"/>
+              </a:ext>
+            </a:extLst>
+          </p:cNvPr>
+          <p:cNvSpPr txBox="1"/>
+          <p:nvPr/>
+        </p:nvSpPr>
+        <p:spPr>
+          <a:xfrm>
+            <a:off x="5105774" y="1385265"/>
+            <a:ext cx="1685646" cy="338554"/>
+          </a:xfrm>
+          <a:prstGeom prst="rect">
+            <a:avLst/>
+          </a:prstGeom>
+          <a:noFill/>
+        </p:spPr>
+        <p:txBody>
+          <a:bodyPr wrap="square" rtlCol="0">
+            <a:spAutoFit/>
+          </a:bodyPr>
+          <a:lstStyle/>
+          <a:p>
+            <a:r>
+              <a:rPr lang="en-US" altLang="zh-CN" sz="1600" dirty="0" err="1">
+                <a:latin typeface="Courier New" panose="02070309020205020404" pitchFamily="49" charset="0"/>
+                <a:cs typeface="Courier New" panose="02070309020205020404" pitchFamily="49" charset="0"/>
+              </a:rPr>
+              <a:t>redisObject</a:t>
+            </a:r>
+            <a:endParaRPr lang="zh-CN" altLang="en-US" sz="1600" dirty="0">
+              <a:latin typeface="Courier New" panose="02070309020205020404" pitchFamily="49" charset="0"/>
+              <a:cs typeface="Courier New" panose="02070309020205020404" pitchFamily="49" charset="0"/>
+            </a:endParaRPr>
+          </a:p>
+        </p:txBody>
+      </p:sp>
+      <p:cxnSp>
+        <p:nvCxnSpPr>
+          <p:cNvPr id="25" name="直接箭头连接符 24">
+            <a:extLst>
+              <a:ext uri="{FF2B5EF4-FFF2-40B4-BE49-F238E27FC236}">
+                <a16:creationId xmlns:a16="http://schemas.microsoft.com/office/drawing/2014/main" id="{6C054702-E751-4CD9-99E1-E5117B5D1697}"/>
+              </a:ext>
+            </a:extLst>
+          </p:cNvPr>
+          <p:cNvCxnSpPr>
+            <a:cxnSpLocks/>
+          </p:cNvCxnSpPr>
+          <p:nvPr/>
+        </p:nvCxnSpPr>
+        <p:spPr>
+          <a:xfrm>
+            <a:off x="6809176" y="3442300"/>
+            <a:ext cx="727966" cy="0"/>
+          </a:xfrm>
+          <a:prstGeom prst="straightConnector1">
+            <a:avLst/>
+          </a:prstGeom>
+          <a:ln>
+            <a:solidFill>
+              <a:srgbClr val="FF0000"/>
+            </a:solidFill>
+            <a:tailEnd type="triangle"/>
+          </a:ln>
+        </p:spPr>
+        <p:style>
+          <a:lnRef idx="3">
+            <a:schemeClr val="accent2"/>
+          </a:lnRef>
+          <a:fillRef idx="0">
+            <a:schemeClr val="accent2"/>
+          </a:fillRef>
+          <a:effectRef idx="2">
+            <a:schemeClr val="accent2"/>
+          </a:effectRef>
+          <a:fontRef idx="minor">
+            <a:schemeClr val="tx1"/>
+          </a:fontRef>
+        </p:style>
+      </p:cxnSp>
+      <p:sp>
+        <p:nvSpPr>
+          <p:cNvPr id="26" name="矩形 25">
+            <a:extLst>
+              <a:ext uri="{FF2B5EF4-FFF2-40B4-BE49-F238E27FC236}">
+                <a16:creationId xmlns:a16="http://schemas.microsoft.com/office/drawing/2014/main" id="{543FBD0F-A156-4BC7-95B3-B7826DEB3F20}"/>
+              </a:ext>
+            </a:extLst>
+          </p:cNvPr>
+          <p:cNvSpPr/>
+          <p:nvPr/>
+        </p:nvSpPr>
+        <p:spPr>
+          <a:xfrm>
+            <a:off x="7537140" y="3201185"/>
+            <a:ext cx="1286011" cy="454398"/>
+          </a:xfrm>
+          <a:prstGeom prst="rect">
+            <a:avLst/>
+          </a:prstGeom>
+        </p:spPr>
+        <p:style>
+          <a:lnRef idx="2">
+            <a:schemeClr val="dk1"/>
+          </a:lnRef>
+          <a:fillRef idx="1">
+            <a:schemeClr val="lt1"/>
+          </a:fillRef>
+          <a:effectRef idx="0">
+            <a:schemeClr val="dk1"/>
+          </a:effectRef>
+          <a:fontRef idx="minor">
+            <a:schemeClr val="dk1"/>
+          </a:fontRef>
+        </p:style>
+        <p:txBody>
+          <a:bodyPr rtlCol="0" anchor="ctr"/>
+          <a:lstStyle/>
+          <a:p>
+            <a:pPr algn="ctr"/>
+            <a:r>
+              <a:rPr lang="en-US" altLang="zh-CN" dirty="0">
+                <a:latin typeface="Courier New" panose="02070309020205020404" pitchFamily="49" charset="0"/>
+                <a:cs typeface="Courier New" panose="02070309020205020404" pitchFamily="49" charset="0"/>
+              </a:rPr>
+              <a:t>ZIPLIST</a:t>
+            </a:r>
+            <a:endParaRPr lang="zh-CN" altLang="en-US" dirty="0">
+              <a:latin typeface="Courier New" panose="02070309020205020404" pitchFamily="49" charset="0"/>
+              <a:cs typeface="Courier New" panose="02070309020205020404" pitchFamily="49" charset="0"/>
+            </a:endParaRPr>
+          </a:p>
+        </p:txBody>
+      </p:sp>
+    </p:spTree>
+    <p:extLst>
+      <p:ext uri="{BB962C8B-B14F-4D97-AF65-F5344CB8AC3E}">
+        <p14:creationId xmlns:p14="http://schemas.microsoft.com/office/powerpoint/2010/main" val="3450699184"/>
+      </p:ext>
+    </p:extLst>
+  </p:cSld>
+  <p:clrMapOvr>
+    <a:masterClrMapping/>
+  </p:clrMapOvr>
+</p:sld>
+</file>
+
+<file path=ppt/slides/slide9.xml><?xml version="1.0" encoding="utf-8"?>
+<p:sld xmlns:a="http://schemas.openxmlformats.org/drawingml/2006/main" xmlns:r="http://schemas.openxmlformats.org/officeDocument/2006/relationships" xmlns:p="http://schemas.openxmlformats.org/presentationml/2006/main">
+  <p:cSld>
+    <p:spTree>
+      <p:nvGrpSpPr>
+        <p:cNvPr id="1" name=""/>
+        <p:cNvGrpSpPr/>
+        <p:nvPr/>
+      </p:nvGrpSpPr>
+      <p:grpSpPr>
+        <a:xfrm>
+          <a:off x="0" y="0"/>
+          <a:ext cx="0" cy="0"/>
+          <a:chOff x="0" y="0"/>
+          <a:chExt cx="0" cy="0"/>
+        </a:xfrm>
+      </p:grpSpPr>
+      <p:sp>
+        <p:nvSpPr>
+          <p:cNvPr id="4" name="矩形 3">
+            <a:extLst>
+              <a:ext uri="{FF2B5EF4-FFF2-40B4-BE49-F238E27FC236}">
+                <a16:creationId xmlns:a16="http://schemas.microsoft.com/office/drawing/2014/main" id="{5A63A200-8D0F-4818-BC9F-9D43BA28D939}"/>
+              </a:ext>
+            </a:extLst>
+          </p:cNvPr>
+          <p:cNvSpPr/>
+          <p:nvPr/>
+        </p:nvSpPr>
+        <p:spPr>
+          <a:xfrm>
+            <a:off x="2244578" y="1717816"/>
+            <a:ext cx="6577806" cy="468287"/>
+          </a:xfrm>
+          <a:prstGeom prst="rect">
+            <a:avLst/>
+          </a:prstGeom>
+        </p:spPr>
+        <p:style>
+          <a:lnRef idx="2">
+            <a:schemeClr val="dk1"/>
+          </a:lnRef>
+          <a:fillRef idx="1">
+            <a:schemeClr val="lt1"/>
+          </a:fillRef>
+          <a:effectRef idx="0">
+            <a:schemeClr val="dk1"/>
+          </a:effectRef>
+          <a:fontRef idx="minor">
+            <a:schemeClr val="dk1"/>
+          </a:fontRef>
+        </p:style>
+        <p:txBody>
+          <a:bodyPr rtlCol="0" anchor="ctr"/>
+          <a:lstStyle/>
+          <a:p>
+            <a:pPr algn="ctr"/>
+            <a:endParaRPr lang="zh-CN" altLang="en-US" dirty="0"/>
+          </a:p>
+        </p:txBody>
+      </p:sp>
+      <p:cxnSp>
+        <p:nvCxnSpPr>
+          <p:cNvPr id="6" name="直接连接符 5">
+            <a:extLst>
+              <a:ext uri="{FF2B5EF4-FFF2-40B4-BE49-F238E27FC236}">
+                <a16:creationId xmlns:a16="http://schemas.microsoft.com/office/drawing/2014/main" id="{EC27701C-B326-44A8-9A2B-099E41F1A394}"/>
+              </a:ext>
+            </a:extLst>
+          </p:cNvPr>
+          <p:cNvCxnSpPr>
+            <a:cxnSpLocks/>
+          </p:cNvCxnSpPr>
+          <p:nvPr/>
+        </p:nvCxnSpPr>
+        <p:spPr>
+          <a:xfrm flipH="1">
+            <a:off x="3080554" y="1717816"/>
+            <a:ext cx="1" cy="461665"/>
+          </a:xfrm>
+          <a:prstGeom prst="line">
+            <a:avLst/>
+          </a:prstGeom>
+        </p:spPr>
+        <p:style>
+          <a:lnRef idx="1">
+            <a:schemeClr val="dk1"/>
+          </a:lnRef>
+          <a:fillRef idx="0">
+            <a:schemeClr val="dk1"/>
+          </a:fillRef>
+          <a:effectRef idx="0">
+            <a:schemeClr val="dk1"/>
+          </a:effectRef>
+          <a:fontRef idx="minor">
+            <a:schemeClr val="tx1"/>
+          </a:fontRef>
+        </p:style>
+      </p:cxnSp>
+      <p:cxnSp>
+        <p:nvCxnSpPr>
+          <p:cNvPr id="7" name="直接连接符 6">
+            <a:extLst>
+              <a:ext uri="{FF2B5EF4-FFF2-40B4-BE49-F238E27FC236}">
+                <a16:creationId xmlns:a16="http://schemas.microsoft.com/office/drawing/2014/main" id="{C1B25220-4793-442A-97B9-A68CF3E9A201}"/>
+              </a:ext>
+            </a:extLst>
+          </p:cNvPr>
+          <p:cNvCxnSpPr>
+            <a:cxnSpLocks/>
+          </p:cNvCxnSpPr>
+          <p:nvPr/>
+        </p:nvCxnSpPr>
+        <p:spPr>
+          <a:xfrm>
+            <a:off x="3838862" y="1717816"/>
+            <a:ext cx="0" cy="461665"/>
+          </a:xfrm>
+          <a:prstGeom prst="line">
+            <a:avLst/>
+          </a:prstGeom>
+        </p:spPr>
+        <p:style>
+          <a:lnRef idx="1">
+            <a:schemeClr val="dk1"/>
+          </a:lnRef>
+          <a:fillRef idx="0">
+            <a:schemeClr val="dk1"/>
+          </a:fillRef>
+          <a:effectRef idx="0">
+            <a:schemeClr val="dk1"/>
+          </a:effectRef>
+          <a:fontRef idx="minor">
+            <a:schemeClr val="tx1"/>
+          </a:fontRef>
+        </p:style>
+      </p:cxnSp>
+      <p:sp>
+        <p:nvSpPr>
+          <p:cNvPr id="8" name="文本框 7">
+            <a:extLst>
+              <a:ext uri="{FF2B5EF4-FFF2-40B4-BE49-F238E27FC236}">
+                <a16:creationId xmlns:a16="http://schemas.microsoft.com/office/drawing/2014/main" id="{BD4C0811-7AF7-494F-AC54-B8EA873696C9}"/>
+              </a:ext>
+            </a:extLst>
+          </p:cNvPr>
+          <p:cNvSpPr txBox="1"/>
+          <p:nvPr/>
+        </p:nvSpPr>
+        <p:spPr>
+          <a:xfrm>
+            <a:off x="1980471" y="1812816"/>
+            <a:ext cx="1376038" cy="276999"/>
+          </a:xfrm>
+          <a:prstGeom prst="rect">
+            <a:avLst/>
+          </a:prstGeom>
+          <a:noFill/>
+        </p:spPr>
+        <p:txBody>
+          <a:bodyPr wrap="square" rtlCol="0">
+            <a:spAutoFit/>
+          </a:bodyPr>
+          <a:lstStyle/>
+          <a:p>
+            <a:pPr algn="ctr"/>
+            <a:r>
+              <a:rPr lang="en-US" altLang="zh-CN" sz="1200" dirty="0" err="1">
+                <a:latin typeface="Courier New" panose="02070309020205020404" pitchFamily="49" charset="0"/>
+                <a:cs typeface="Courier New" panose="02070309020205020404" pitchFamily="49" charset="0"/>
+              </a:rPr>
+              <a:t>zlbytes</a:t>
+            </a:r>
+            <a:endParaRPr lang="en-US" altLang="zh-CN" sz="1200" dirty="0">
+              <a:latin typeface="Courier New" panose="02070309020205020404" pitchFamily="49" charset="0"/>
+              <a:cs typeface="Courier New" panose="02070309020205020404" pitchFamily="49" charset="0"/>
+            </a:endParaRPr>
+          </a:p>
+        </p:txBody>
+      </p:sp>
+      <p:sp>
+        <p:nvSpPr>
+          <p:cNvPr id="9" name="文本框 8">
+            <a:extLst>
+              <a:ext uri="{FF2B5EF4-FFF2-40B4-BE49-F238E27FC236}">
+                <a16:creationId xmlns:a16="http://schemas.microsoft.com/office/drawing/2014/main" id="{1F9F3DE6-FB1D-4C43-84CE-6679A180BCA0}"/>
+              </a:ext>
+            </a:extLst>
+          </p:cNvPr>
+          <p:cNvSpPr txBox="1"/>
+          <p:nvPr/>
+        </p:nvSpPr>
+        <p:spPr>
+          <a:xfrm>
+            <a:off x="2934091" y="1808816"/>
+            <a:ext cx="1052735" cy="276999"/>
+          </a:xfrm>
+          <a:prstGeom prst="rect">
+            <a:avLst/>
+          </a:prstGeom>
+          <a:noFill/>
+        </p:spPr>
+        <p:txBody>
+          <a:bodyPr wrap="square" rtlCol="0">
+            <a:spAutoFit/>
+          </a:bodyPr>
+          <a:lstStyle/>
+          <a:p>
+            <a:pPr algn="ctr"/>
+            <a:r>
+              <a:rPr lang="en-US" altLang="zh-CN" sz="1200" dirty="0" err="1">
+                <a:latin typeface="Courier New" panose="02070309020205020404" pitchFamily="49" charset="0"/>
+                <a:cs typeface="Courier New" panose="02070309020205020404" pitchFamily="49" charset="0"/>
+              </a:rPr>
+              <a:t>zltail</a:t>
+            </a:r>
+            <a:endParaRPr lang="en-US" altLang="zh-CN" sz="1200" dirty="0">
+              <a:latin typeface="Courier New" panose="02070309020205020404" pitchFamily="49" charset="0"/>
+              <a:cs typeface="Courier New" panose="02070309020205020404" pitchFamily="49" charset="0"/>
+            </a:endParaRPr>
+          </a:p>
+        </p:txBody>
+      </p:sp>
+      <p:sp>
+        <p:nvSpPr>
+          <p:cNvPr id="10" name="文本框 9">
+            <a:extLst>
+              <a:ext uri="{FF2B5EF4-FFF2-40B4-BE49-F238E27FC236}">
+                <a16:creationId xmlns:a16="http://schemas.microsoft.com/office/drawing/2014/main" id="{5156FACB-DA75-4EF8-9D09-6FF43872ED6F}"/>
+              </a:ext>
+            </a:extLst>
+          </p:cNvPr>
+          <p:cNvSpPr txBox="1"/>
+          <p:nvPr/>
+        </p:nvSpPr>
+        <p:spPr>
+          <a:xfrm>
+            <a:off x="4446991" y="1819453"/>
+            <a:ext cx="1052735" cy="276999"/>
+          </a:xfrm>
+          <a:prstGeom prst="rect">
+            <a:avLst/>
+          </a:prstGeom>
+          <a:noFill/>
+        </p:spPr>
+        <p:txBody>
+          <a:bodyPr wrap="square" rtlCol="0">
+            <a:spAutoFit/>
+          </a:bodyPr>
+          <a:lstStyle/>
+          <a:p>
+            <a:pPr algn="ctr"/>
+            <a:r>
+              <a:rPr lang="en-US" altLang="zh-CN" sz="1200" dirty="0">
+                <a:latin typeface="Courier New" panose="02070309020205020404" pitchFamily="49" charset="0"/>
+                <a:cs typeface="Courier New" panose="02070309020205020404" pitchFamily="49" charset="0"/>
+              </a:rPr>
+              <a:t>“name”</a:t>
+            </a:r>
+          </a:p>
+        </p:txBody>
+      </p:sp>
+      <p:cxnSp>
+        <p:nvCxnSpPr>
+          <p:cNvPr id="14" name="直接连接符 13">
+            <a:extLst>
+              <a:ext uri="{FF2B5EF4-FFF2-40B4-BE49-F238E27FC236}">
+                <a16:creationId xmlns:a16="http://schemas.microsoft.com/office/drawing/2014/main" id="{B0A17D1E-C7D6-4911-8F81-B0A9BFAAA9EC}"/>
+              </a:ext>
+            </a:extLst>
+          </p:cNvPr>
+          <p:cNvCxnSpPr>
+            <a:cxnSpLocks/>
+          </p:cNvCxnSpPr>
+          <p:nvPr/>
+        </p:nvCxnSpPr>
+        <p:spPr>
+          <a:xfrm flipH="1">
+            <a:off x="4597170" y="1718643"/>
+            <a:ext cx="1" cy="461665"/>
+          </a:xfrm>
+          <a:prstGeom prst="line">
+            <a:avLst/>
+          </a:prstGeom>
+        </p:spPr>
+        <p:style>
+          <a:lnRef idx="1">
+            <a:schemeClr val="dk1"/>
+          </a:lnRef>
+          <a:fillRef idx="0">
+            <a:schemeClr val="dk1"/>
+          </a:fillRef>
+          <a:effectRef idx="0">
+            <a:schemeClr val="dk1"/>
+          </a:effectRef>
+          <a:fontRef idx="minor">
+            <a:schemeClr val="tx1"/>
+          </a:fontRef>
+        </p:style>
+      </p:cxnSp>
+      <p:sp>
+        <p:nvSpPr>
+          <p:cNvPr id="15" name="文本框 14">
+            <a:extLst>
+              <a:ext uri="{FF2B5EF4-FFF2-40B4-BE49-F238E27FC236}">
+                <a16:creationId xmlns:a16="http://schemas.microsoft.com/office/drawing/2014/main" id="{1F317162-974E-4B39-AF09-B1C0254CF8C3}"/>
+              </a:ext>
+            </a:extLst>
+          </p:cNvPr>
+          <p:cNvSpPr txBox="1"/>
+          <p:nvPr/>
+        </p:nvSpPr>
+        <p:spPr>
+          <a:xfrm>
+            <a:off x="3666117" y="1808816"/>
+            <a:ext cx="1052735" cy="276999"/>
+          </a:xfrm>
+          <a:prstGeom prst="rect">
+            <a:avLst/>
+          </a:prstGeom>
+          <a:noFill/>
+        </p:spPr>
+        <p:txBody>
+          <a:bodyPr wrap="square" rtlCol="0">
+            <a:spAutoFit/>
+          </a:bodyPr>
+          <a:lstStyle/>
+          <a:p>
+            <a:pPr algn="ctr"/>
+            <a:r>
+              <a:rPr lang="en-US" altLang="zh-CN" sz="1200" dirty="0" err="1">
+                <a:latin typeface="Courier New" panose="02070309020205020404" pitchFamily="49" charset="0"/>
+                <a:cs typeface="Courier New" panose="02070309020205020404" pitchFamily="49" charset="0"/>
+              </a:rPr>
+              <a:t>zllen</a:t>
+            </a:r>
+            <a:endParaRPr lang="en-US" altLang="zh-CN" sz="1200" dirty="0">
+              <a:latin typeface="Courier New" panose="02070309020205020404" pitchFamily="49" charset="0"/>
+              <a:cs typeface="Courier New" panose="02070309020205020404" pitchFamily="49" charset="0"/>
+            </a:endParaRPr>
+          </a:p>
+        </p:txBody>
+      </p:sp>
+      <p:cxnSp>
+        <p:nvCxnSpPr>
+          <p:cNvPr id="16" name="直接连接符 15">
+            <a:extLst>
+              <a:ext uri="{FF2B5EF4-FFF2-40B4-BE49-F238E27FC236}">
+                <a16:creationId xmlns:a16="http://schemas.microsoft.com/office/drawing/2014/main" id="{3ED33E51-00C9-4E89-84C0-02CE0A3AA8B3}"/>
+              </a:ext>
+            </a:extLst>
+          </p:cNvPr>
+          <p:cNvCxnSpPr>
+            <a:cxnSpLocks/>
+          </p:cNvCxnSpPr>
+          <p:nvPr/>
+        </p:nvCxnSpPr>
+        <p:spPr>
+          <a:xfrm flipH="1">
+            <a:off x="5355478" y="1711193"/>
+            <a:ext cx="1" cy="461665"/>
+          </a:xfrm>
+          <a:prstGeom prst="line">
+            <a:avLst/>
+          </a:prstGeom>
+        </p:spPr>
+        <p:style>
+          <a:lnRef idx="1">
+            <a:schemeClr val="dk1"/>
+          </a:lnRef>
+          <a:fillRef idx="0">
+            <a:schemeClr val="dk1"/>
+          </a:fillRef>
+          <a:effectRef idx="0">
+            <a:schemeClr val="dk1"/>
+          </a:effectRef>
+          <a:fontRef idx="minor">
+            <a:schemeClr val="tx1"/>
+          </a:fontRef>
+        </p:style>
+      </p:cxnSp>
+      <p:cxnSp>
+        <p:nvCxnSpPr>
+          <p:cNvPr id="17" name="直接连接符 16">
+            <a:extLst>
+              <a:ext uri="{FF2B5EF4-FFF2-40B4-BE49-F238E27FC236}">
+                <a16:creationId xmlns:a16="http://schemas.microsoft.com/office/drawing/2014/main" id="{7CAC98B0-DD8A-430A-8A2E-A52432FF73D6}"/>
+              </a:ext>
+            </a:extLst>
+          </p:cNvPr>
+          <p:cNvCxnSpPr>
+            <a:cxnSpLocks/>
+          </p:cNvCxnSpPr>
+          <p:nvPr/>
+        </p:nvCxnSpPr>
+        <p:spPr>
+          <a:xfrm flipH="1">
+            <a:off x="5992105" y="1711192"/>
+            <a:ext cx="1" cy="461665"/>
+          </a:xfrm>
+          <a:prstGeom prst="line">
+            <a:avLst/>
+          </a:prstGeom>
+        </p:spPr>
+        <p:style>
+          <a:lnRef idx="1">
+            <a:schemeClr val="dk1"/>
+          </a:lnRef>
+          <a:fillRef idx="0">
+            <a:schemeClr val="dk1"/>
+          </a:fillRef>
+          <a:effectRef idx="0">
+            <a:schemeClr val="dk1"/>
+          </a:effectRef>
+          <a:fontRef idx="minor">
+            <a:schemeClr val="tx1"/>
+          </a:fontRef>
+        </p:style>
+      </p:cxnSp>
+      <p:cxnSp>
+        <p:nvCxnSpPr>
+          <p:cNvPr id="18" name="直接连接符 17">
+            <a:extLst>
+              <a:ext uri="{FF2B5EF4-FFF2-40B4-BE49-F238E27FC236}">
+                <a16:creationId xmlns:a16="http://schemas.microsoft.com/office/drawing/2014/main" id="{94F7E325-FBAB-4673-8CE7-830AE2944A9C}"/>
+              </a:ext>
+            </a:extLst>
+          </p:cNvPr>
+          <p:cNvCxnSpPr>
+            <a:cxnSpLocks/>
+          </p:cNvCxnSpPr>
+          <p:nvPr/>
+        </p:nvCxnSpPr>
+        <p:spPr>
+          <a:xfrm flipH="1">
+            <a:off x="6631499" y="1715561"/>
+            <a:ext cx="1" cy="461665"/>
+          </a:xfrm>
+          <a:prstGeom prst="line">
+            <a:avLst/>
+          </a:prstGeom>
+        </p:spPr>
+        <p:style>
+          <a:lnRef idx="1">
+            <a:schemeClr val="dk1"/>
+          </a:lnRef>
+          <a:fillRef idx="0">
+            <a:schemeClr val="dk1"/>
+          </a:fillRef>
+          <a:effectRef idx="0">
+            <a:schemeClr val="dk1"/>
+          </a:effectRef>
+          <a:fontRef idx="minor">
+            <a:schemeClr val="tx1"/>
+          </a:fontRef>
+        </p:style>
+      </p:cxnSp>
+      <p:cxnSp>
+        <p:nvCxnSpPr>
+          <p:cNvPr id="19" name="直接连接符 18">
+            <a:extLst>
+              <a:ext uri="{FF2B5EF4-FFF2-40B4-BE49-F238E27FC236}">
+                <a16:creationId xmlns:a16="http://schemas.microsoft.com/office/drawing/2014/main" id="{35AF6011-5999-4CB6-83AE-7D3BFD5AF15A}"/>
+              </a:ext>
+            </a:extLst>
+          </p:cNvPr>
+          <p:cNvCxnSpPr>
+            <a:cxnSpLocks/>
+          </p:cNvCxnSpPr>
+          <p:nvPr/>
+        </p:nvCxnSpPr>
+        <p:spPr>
+          <a:xfrm flipH="1">
+            <a:off x="7268126" y="1724439"/>
+            <a:ext cx="1" cy="461665"/>
+          </a:xfrm>
+          <a:prstGeom prst="line">
+            <a:avLst/>
+          </a:prstGeom>
+        </p:spPr>
+        <p:style>
+          <a:lnRef idx="1">
+            <a:schemeClr val="dk1"/>
+          </a:lnRef>
+          <a:fillRef idx="0">
+            <a:schemeClr val="dk1"/>
+          </a:fillRef>
+          <a:effectRef idx="0">
+            <a:schemeClr val="dk1"/>
+          </a:effectRef>
+          <a:fontRef idx="minor">
+            <a:schemeClr val="tx1"/>
+          </a:fontRef>
+        </p:style>
+      </p:cxnSp>
+      <p:cxnSp>
+        <p:nvCxnSpPr>
+          <p:cNvPr id="21" name="直接连接符 20">
+            <a:extLst>
+              <a:ext uri="{FF2B5EF4-FFF2-40B4-BE49-F238E27FC236}">
+                <a16:creationId xmlns:a16="http://schemas.microsoft.com/office/drawing/2014/main" id="{E6AD281F-8DF4-4C60-B11A-7DBA622035C0}"/>
+              </a:ext>
+            </a:extLst>
+          </p:cNvPr>
+          <p:cNvCxnSpPr>
+            <a:cxnSpLocks/>
+          </p:cNvCxnSpPr>
+          <p:nvPr/>
+        </p:nvCxnSpPr>
+        <p:spPr>
+          <a:xfrm flipH="1">
+            <a:off x="7959093" y="1724438"/>
+            <a:ext cx="1" cy="461665"/>
+          </a:xfrm>
+          <a:prstGeom prst="line">
+            <a:avLst/>
+          </a:prstGeom>
+        </p:spPr>
+        <p:style>
+          <a:lnRef idx="1">
+            <a:schemeClr val="dk1"/>
+          </a:lnRef>
+          <a:fillRef idx="0">
+            <a:schemeClr val="dk1"/>
+          </a:fillRef>
+          <a:effectRef idx="0">
+            <a:schemeClr val="dk1"/>
+          </a:effectRef>
+          <a:fontRef idx="minor">
+            <a:schemeClr val="tx1"/>
+          </a:fontRef>
+        </p:style>
+      </p:cxnSp>
+      <p:sp>
+        <p:nvSpPr>
+          <p:cNvPr id="23" name="文本框 22">
+            <a:extLst>
+              <a:ext uri="{FF2B5EF4-FFF2-40B4-BE49-F238E27FC236}">
+                <a16:creationId xmlns:a16="http://schemas.microsoft.com/office/drawing/2014/main" id="{10025CCA-39FD-4282-9976-8E6AD4280CCE}"/>
+              </a:ext>
+            </a:extLst>
+          </p:cNvPr>
+          <p:cNvSpPr txBox="1"/>
+          <p:nvPr/>
+        </p:nvSpPr>
+        <p:spPr>
+          <a:xfrm>
+            <a:off x="5177495" y="1831875"/>
+            <a:ext cx="1052735" cy="276999"/>
+          </a:xfrm>
+          <a:prstGeom prst="rect">
+            <a:avLst/>
+          </a:prstGeom>
+          <a:noFill/>
+        </p:spPr>
+        <p:txBody>
+          <a:bodyPr wrap="square" rtlCol="0">
+            <a:spAutoFit/>
+          </a:bodyPr>
+          <a:lstStyle/>
+          <a:p>
+            <a:pPr algn="ctr"/>
+            <a:r>
+              <a:rPr lang="en-US" altLang="zh-CN" sz="1200" dirty="0">
+                <a:latin typeface="Courier New" panose="02070309020205020404" pitchFamily="49" charset="0"/>
+                <a:cs typeface="Courier New" panose="02070309020205020404" pitchFamily="49" charset="0"/>
+              </a:rPr>
+              <a:t>“Tom”</a:t>
+            </a:r>
+          </a:p>
+        </p:txBody>
+      </p:sp>
+      <p:sp>
+        <p:nvSpPr>
+          <p:cNvPr id="24" name="文本框 23">
+            <a:extLst>
+              <a:ext uri="{FF2B5EF4-FFF2-40B4-BE49-F238E27FC236}">
+                <a16:creationId xmlns:a16="http://schemas.microsoft.com/office/drawing/2014/main" id="{46955B29-68CB-4FD1-8D12-5E76A652E464}"/>
+              </a:ext>
+            </a:extLst>
+          </p:cNvPr>
+          <p:cNvSpPr txBox="1"/>
+          <p:nvPr/>
+        </p:nvSpPr>
+        <p:spPr>
+          <a:xfrm>
+            <a:off x="5780533" y="1808816"/>
+            <a:ext cx="1052735" cy="276999"/>
+          </a:xfrm>
+          <a:prstGeom prst="rect">
+            <a:avLst/>
+          </a:prstGeom>
+          <a:noFill/>
+        </p:spPr>
+        <p:txBody>
+          <a:bodyPr wrap="square" rtlCol="0">
+            <a:spAutoFit/>
+          </a:bodyPr>
+          <a:lstStyle/>
+          <a:p>
+            <a:pPr algn="ctr"/>
+            <a:r>
+              <a:rPr lang="en-US" altLang="zh-CN" sz="1200" dirty="0">
+                <a:latin typeface="Courier New" panose="02070309020205020404" pitchFamily="49" charset="0"/>
+                <a:cs typeface="Courier New" panose="02070309020205020404" pitchFamily="49" charset="0"/>
+              </a:rPr>
+              <a:t>“age”</a:t>
+            </a:r>
+          </a:p>
+        </p:txBody>
+      </p:sp>
+      <p:sp>
+        <p:nvSpPr>
+          <p:cNvPr id="25" name="文本框 24">
+            <a:extLst>
+              <a:ext uri="{FF2B5EF4-FFF2-40B4-BE49-F238E27FC236}">
+                <a16:creationId xmlns:a16="http://schemas.microsoft.com/office/drawing/2014/main" id="{51866B9C-9189-4350-BDB3-1054D946DDBA}"/>
+              </a:ext>
+            </a:extLst>
+          </p:cNvPr>
+          <p:cNvSpPr txBox="1"/>
+          <p:nvPr/>
+        </p:nvSpPr>
+        <p:spPr>
+          <a:xfrm>
+            <a:off x="6424638" y="1831874"/>
+            <a:ext cx="1052735" cy="276999"/>
+          </a:xfrm>
+          <a:prstGeom prst="rect">
+            <a:avLst/>
+          </a:prstGeom>
+          <a:noFill/>
+        </p:spPr>
+        <p:txBody>
+          <a:bodyPr wrap="square" rtlCol="0">
+            <a:spAutoFit/>
+          </a:bodyPr>
+          <a:lstStyle/>
+          <a:p>
+            <a:pPr algn="ctr"/>
+            <a:r>
+              <a:rPr lang="en-US" altLang="zh-CN" sz="1200" dirty="0">
+                <a:latin typeface="Courier New" panose="02070309020205020404" pitchFamily="49" charset="0"/>
+                <a:cs typeface="Courier New" panose="02070309020205020404" pitchFamily="49" charset="0"/>
+              </a:rPr>
+              <a:t>25</a:t>
+            </a:r>
+          </a:p>
+        </p:txBody>
+      </p:sp>
+      <p:sp>
+        <p:nvSpPr>
+          <p:cNvPr id="28" name="文本框 27">
+            <a:extLst>
+              <a:ext uri="{FF2B5EF4-FFF2-40B4-BE49-F238E27FC236}">
+                <a16:creationId xmlns:a16="http://schemas.microsoft.com/office/drawing/2014/main" id="{E4CF8E79-F887-42CE-8D44-3FE30946C5A1}"/>
+              </a:ext>
+            </a:extLst>
+          </p:cNvPr>
+          <p:cNvSpPr txBox="1"/>
+          <p:nvPr/>
+        </p:nvSpPr>
+        <p:spPr>
+          <a:xfrm>
+            <a:off x="7937726" y="1803524"/>
+            <a:ext cx="884661" cy="276999"/>
+          </a:xfrm>
+          <a:prstGeom prst="rect">
+            <a:avLst/>
+          </a:prstGeom>
+          <a:noFill/>
+        </p:spPr>
+        <p:txBody>
+          <a:bodyPr wrap="square" rtlCol="0">
+            <a:spAutoFit/>
+          </a:bodyPr>
+          <a:lstStyle/>
+          <a:p>
+            <a:pPr algn="ctr"/>
+            <a:r>
+              <a:rPr lang="en-US" altLang="zh-CN" sz="1200" dirty="0" err="1">
+                <a:latin typeface="Courier New" panose="02070309020205020404" pitchFamily="49" charset="0"/>
+                <a:cs typeface="Courier New" panose="02070309020205020404" pitchFamily="49" charset="0"/>
+              </a:rPr>
+              <a:t>zlend</a:t>
+            </a:r>
+            <a:endParaRPr lang="en-US" altLang="zh-CN" sz="1200" dirty="0">
+              <a:latin typeface="Courier New" panose="02070309020205020404" pitchFamily="49" charset="0"/>
+              <a:cs typeface="Courier New" panose="02070309020205020404" pitchFamily="49" charset="0"/>
+            </a:endParaRPr>
+          </a:p>
+        </p:txBody>
+      </p:sp>
+      <p:sp>
+        <p:nvSpPr>
+          <p:cNvPr id="22" name="文本框 21">
+            <a:extLst>
+              <a:ext uri="{FF2B5EF4-FFF2-40B4-BE49-F238E27FC236}">
+                <a16:creationId xmlns:a16="http://schemas.microsoft.com/office/drawing/2014/main" id="{E8268AC8-197A-437C-99EC-8F40EC321D9D}"/>
+              </a:ext>
+            </a:extLst>
+          </p:cNvPr>
+          <p:cNvSpPr txBox="1"/>
+          <p:nvPr/>
+        </p:nvSpPr>
+        <p:spPr>
+          <a:xfrm>
+            <a:off x="7160938" y="1803523"/>
+            <a:ext cx="884661" cy="276999"/>
+          </a:xfrm>
+          <a:prstGeom prst="rect">
+            <a:avLst/>
+          </a:prstGeom>
+          <a:noFill/>
+        </p:spPr>
+        <p:txBody>
+          <a:bodyPr wrap="square" rtlCol="0">
+            <a:spAutoFit/>
+          </a:bodyPr>
+          <a:lstStyle/>
+          <a:p>
+            <a:pPr algn="ctr"/>
+            <a:r>
+              <a:rPr lang="en-US" altLang="zh-CN" sz="1200" dirty="0">
+                <a:latin typeface="Courier New" panose="02070309020205020404" pitchFamily="49" charset="0"/>
+                <a:cs typeface="Courier New" panose="02070309020205020404" pitchFamily="49" charset="0"/>
+              </a:rPr>
+              <a:t>…</a:t>
+            </a:r>
+          </a:p>
+        </p:txBody>
+      </p:sp>
+    </p:spTree>
+    <p:extLst>
+      <p:ext uri="{BB962C8B-B14F-4D97-AF65-F5344CB8AC3E}">
+        <p14:creationId xmlns:p14="http://schemas.microsoft.com/office/powerpoint/2010/main" val="3088568819"/>
       </p:ext>
     </p:extLst>
   </p:cSld>

--- a/Redis/pics/pics.pptx
+++ b/Redis/pics/pics.pptx
@@ -17,6 +17,8 @@
     <p:sldId id="265" r:id="rId11"/>
     <p:sldId id="266" r:id="rId12"/>
     <p:sldId id="267" r:id="rId13"/>
+    <p:sldId id="268" r:id="rId14"/>
+    <p:sldId id="269" r:id="rId15"/>
   </p:sldIdLst>
   <p:sldSz cx="12192000" cy="6858000"/>
   <p:notesSz cx="6858000" cy="9144000"/>
@@ -270,7 +272,7 @@
           <a:p>
             <a:fld id="{C37C3152-9AA4-4DE5-82FF-C271ABB9E57C}" type="datetimeFigureOut">
               <a:rPr lang="zh-CN" altLang="en-US" smtClean="0"/>
-              <a:t>2021/10/22</a:t>
+              <a:t>2021/10/26</a:t>
             </a:fld>
             <a:endParaRPr lang="zh-CN" altLang="en-US"/>
           </a:p>
@@ -468,7 +470,7 @@
           <a:p>
             <a:fld id="{C37C3152-9AA4-4DE5-82FF-C271ABB9E57C}" type="datetimeFigureOut">
               <a:rPr lang="zh-CN" altLang="en-US" smtClean="0"/>
-              <a:t>2021/10/22</a:t>
+              <a:t>2021/10/26</a:t>
             </a:fld>
             <a:endParaRPr lang="zh-CN" altLang="en-US"/>
           </a:p>
@@ -676,7 +678,7 @@
           <a:p>
             <a:fld id="{C37C3152-9AA4-4DE5-82FF-C271ABB9E57C}" type="datetimeFigureOut">
               <a:rPr lang="zh-CN" altLang="en-US" smtClean="0"/>
-              <a:t>2021/10/22</a:t>
+              <a:t>2021/10/26</a:t>
             </a:fld>
             <a:endParaRPr lang="zh-CN" altLang="en-US"/>
           </a:p>
@@ -874,7 +876,7 @@
           <a:p>
             <a:fld id="{C37C3152-9AA4-4DE5-82FF-C271ABB9E57C}" type="datetimeFigureOut">
               <a:rPr lang="zh-CN" altLang="en-US" smtClean="0"/>
-              <a:t>2021/10/22</a:t>
+              <a:t>2021/10/26</a:t>
             </a:fld>
             <a:endParaRPr lang="zh-CN" altLang="en-US"/>
           </a:p>
@@ -1149,7 +1151,7 @@
           <a:p>
             <a:fld id="{C37C3152-9AA4-4DE5-82FF-C271ABB9E57C}" type="datetimeFigureOut">
               <a:rPr lang="zh-CN" altLang="en-US" smtClean="0"/>
-              <a:t>2021/10/22</a:t>
+              <a:t>2021/10/26</a:t>
             </a:fld>
             <a:endParaRPr lang="zh-CN" altLang="en-US"/>
           </a:p>
@@ -1414,7 +1416,7 @@
           <a:p>
             <a:fld id="{C37C3152-9AA4-4DE5-82FF-C271ABB9E57C}" type="datetimeFigureOut">
               <a:rPr lang="zh-CN" altLang="en-US" smtClean="0"/>
-              <a:t>2021/10/22</a:t>
+              <a:t>2021/10/26</a:t>
             </a:fld>
             <a:endParaRPr lang="zh-CN" altLang="en-US"/>
           </a:p>
@@ -1826,7 +1828,7 @@
           <a:p>
             <a:fld id="{C37C3152-9AA4-4DE5-82FF-C271ABB9E57C}" type="datetimeFigureOut">
               <a:rPr lang="zh-CN" altLang="en-US" smtClean="0"/>
-              <a:t>2021/10/22</a:t>
+              <a:t>2021/10/26</a:t>
             </a:fld>
             <a:endParaRPr lang="zh-CN" altLang="en-US"/>
           </a:p>
@@ -1967,7 +1969,7 @@
           <a:p>
             <a:fld id="{C37C3152-9AA4-4DE5-82FF-C271ABB9E57C}" type="datetimeFigureOut">
               <a:rPr lang="zh-CN" altLang="en-US" smtClean="0"/>
-              <a:t>2021/10/22</a:t>
+              <a:t>2021/10/26</a:t>
             </a:fld>
             <a:endParaRPr lang="zh-CN" altLang="en-US"/>
           </a:p>
@@ -2080,7 +2082,7 @@
           <a:p>
             <a:fld id="{C37C3152-9AA4-4DE5-82FF-C271ABB9E57C}" type="datetimeFigureOut">
               <a:rPr lang="zh-CN" altLang="en-US" smtClean="0"/>
-              <a:t>2021/10/22</a:t>
+              <a:t>2021/10/26</a:t>
             </a:fld>
             <a:endParaRPr lang="zh-CN" altLang="en-US"/>
           </a:p>
@@ -2391,7 +2393,7 @@
           <a:p>
             <a:fld id="{C37C3152-9AA4-4DE5-82FF-C271ABB9E57C}" type="datetimeFigureOut">
               <a:rPr lang="zh-CN" altLang="en-US" smtClean="0"/>
-              <a:t>2021/10/22</a:t>
+              <a:t>2021/10/26</a:t>
             </a:fld>
             <a:endParaRPr lang="zh-CN" altLang="en-US"/>
           </a:p>
@@ -2679,7 +2681,7 @@
           <a:p>
             <a:fld id="{C37C3152-9AA4-4DE5-82FF-C271ABB9E57C}" type="datetimeFigureOut">
               <a:rPr lang="zh-CN" altLang="en-US" smtClean="0"/>
-              <a:t>2021/10/22</a:t>
+              <a:t>2021/10/26</a:t>
             </a:fld>
             <a:endParaRPr lang="zh-CN" altLang="en-US"/>
           </a:p>
@@ -2920,7 +2922,7 @@
           <a:p>
             <a:fld id="{C37C3152-9AA4-4DE5-82FF-C271ABB9E57C}" type="datetimeFigureOut">
               <a:rPr lang="zh-CN" altLang="en-US" smtClean="0"/>
-              <a:t>2021/10/22</a:t>
+              <a:t>2021/10/26</a:t>
             </a:fld>
             <a:endParaRPr lang="zh-CN" altLang="en-US"/>
           </a:p>
@@ -3527,7 +3529,7 @@
         </p:nvSpPr>
         <p:spPr>
           <a:xfrm>
-            <a:off x="4838333" y="1815470"/>
+            <a:off x="4826868" y="1876731"/>
             <a:ext cx="1052735" cy="276999"/>
           </a:xfrm>
           <a:prstGeom prst="rect">
@@ -3566,7 +3568,7 @@
         </p:nvSpPr>
         <p:spPr>
           <a:xfrm>
-            <a:off x="5996136" y="1819895"/>
+            <a:off x="5958396" y="1876731"/>
             <a:ext cx="1052735" cy="276999"/>
           </a:xfrm>
           <a:prstGeom prst="rect">
@@ -6023,6 +6025,1068 @@
     <p:extLst>
       <p:ext uri="{BB962C8B-B14F-4D97-AF65-F5344CB8AC3E}">
         <p14:creationId xmlns:p14="http://schemas.microsoft.com/office/powerpoint/2010/main" val="1418984616"/>
+      </p:ext>
+    </p:extLst>
+  </p:cSld>
+  <p:clrMapOvr>
+    <a:masterClrMapping/>
+  </p:clrMapOvr>
+</p:sld>
+</file>
+
+<file path=ppt/slides/slide13.xml><?xml version="1.0" encoding="utf-8"?>
+<p:sld xmlns:a="http://schemas.openxmlformats.org/drawingml/2006/main" xmlns:r="http://schemas.openxmlformats.org/officeDocument/2006/relationships" xmlns:p="http://schemas.openxmlformats.org/presentationml/2006/main">
+  <p:cSld>
+    <p:spTree>
+      <p:nvGrpSpPr>
+        <p:cNvPr id="1" name=""/>
+        <p:cNvGrpSpPr/>
+        <p:nvPr/>
+      </p:nvGrpSpPr>
+      <p:grpSpPr>
+        <a:xfrm>
+          <a:off x="0" y="0"/>
+          <a:ext cx="0" cy="0"/>
+          <a:chOff x="0" y="0"/>
+          <a:chExt cx="0" cy="0"/>
+        </a:xfrm>
+      </p:grpSpPr>
+      <p:sp>
+        <p:nvSpPr>
+          <p:cNvPr id="18" name="文本框 17">
+            <a:extLst>
+              <a:ext uri="{FF2B5EF4-FFF2-40B4-BE49-F238E27FC236}">
+                <a16:creationId xmlns:a16="http://schemas.microsoft.com/office/drawing/2014/main" id="{9618831F-61FA-4759-950A-04CBC6012494}"/>
+              </a:ext>
+            </a:extLst>
+          </p:cNvPr>
+          <p:cNvSpPr txBox="1"/>
+          <p:nvPr/>
+        </p:nvSpPr>
+        <p:spPr>
+          <a:xfrm>
+            <a:off x="4295351" y="1236105"/>
+            <a:ext cx="734695" cy="338554"/>
+          </a:xfrm>
+          <a:prstGeom prst="rect">
+            <a:avLst/>
+          </a:prstGeom>
+          <a:noFill/>
+        </p:spPr>
+        <p:txBody>
+          <a:bodyPr wrap="square" rtlCol="0">
+            <a:spAutoFit/>
+          </a:bodyPr>
+          <a:lstStyle/>
+          <a:p>
+            <a:r>
+              <a:rPr lang="en-US" altLang="zh-CN" sz="1600" dirty="0">
+                <a:solidFill>
+                  <a:srgbClr val="FF0000"/>
+                </a:solidFill>
+                <a:latin typeface="Courier New" panose="02070309020205020404" pitchFamily="49" charset="0"/>
+                <a:cs typeface="Courier New" panose="02070309020205020404" pitchFamily="49" charset="0"/>
+              </a:rPr>
+              <a:t>SAVE</a:t>
+            </a:r>
+            <a:endParaRPr lang="zh-CN" altLang="en-US" sz="1600" dirty="0">
+              <a:solidFill>
+                <a:srgbClr val="FF0000"/>
+              </a:solidFill>
+              <a:latin typeface="Courier New" panose="02070309020205020404" pitchFamily="49" charset="0"/>
+              <a:cs typeface="Courier New" panose="02070309020205020404" pitchFamily="49" charset="0"/>
+            </a:endParaRPr>
+          </a:p>
+        </p:txBody>
+      </p:sp>
+      <p:sp>
+        <p:nvSpPr>
+          <p:cNvPr id="23" name="文本框 22">
+            <a:extLst>
+              <a:ext uri="{FF2B5EF4-FFF2-40B4-BE49-F238E27FC236}">
+                <a16:creationId xmlns:a16="http://schemas.microsoft.com/office/drawing/2014/main" id="{C4919AF9-5881-4650-B056-271AD5B0302F}"/>
+              </a:ext>
+            </a:extLst>
+          </p:cNvPr>
+          <p:cNvSpPr txBox="1"/>
+          <p:nvPr/>
+        </p:nvSpPr>
+        <p:spPr>
+          <a:xfrm>
+            <a:off x="6205097" y="1236105"/>
+            <a:ext cx="1009973" cy="338554"/>
+          </a:xfrm>
+          <a:prstGeom prst="rect">
+            <a:avLst/>
+          </a:prstGeom>
+          <a:noFill/>
+        </p:spPr>
+        <p:txBody>
+          <a:bodyPr wrap="square" rtlCol="0">
+            <a:spAutoFit/>
+          </a:bodyPr>
+          <a:lstStyle/>
+          <a:p>
+            <a:r>
+              <a:rPr lang="en-US" altLang="zh-CN" sz="1600" dirty="0">
+                <a:solidFill>
+                  <a:srgbClr val="FF0000"/>
+                </a:solidFill>
+                <a:latin typeface="Courier New" panose="02070309020205020404" pitchFamily="49" charset="0"/>
+                <a:cs typeface="Courier New" panose="02070309020205020404" pitchFamily="49" charset="0"/>
+              </a:rPr>
+              <a:t>BGSAVE</a:t>
+            </a:r>
+            <a:endParaRPr lang="zh-CN" altLang="en-US" sz="1600" dirty="0">
+              <a:solidFill>
+                <a:srgbClr val="FF0000"/>
+              </a:solidFill>
+              <a:latin typeface="Courier New" panose="02070309020205020404" pitchFamily="49" charset="0"/>
+              <a:cs typeface="Courier New" panose="02070309020205020404" pitchFamily="49" charset="0"/>
+            </a:endParaRPr>
+          </a:p>
+        </p:txBody>
+      </p:sp>
+      <p:cxnSp>
+        <p:nvCxnSpPr>
+          <p:cNvPr id="3" name="直接箭头连接符 2">
+            <a:extLst>
+              <a:ext uri="{FF2B5EF4-FFF2-40B4-BE49-F238E27FC236}">
+                <a16:creationId xmlns:a16="http://schemas.microsoft.com/office/drawing/2014/main" id="{BBF96D12-D645-451E-90FD-516B5C14608C}"/>
+              </a:ext>
+            </a:extLst>
+          </p:cNvPr>
+          <p:cNvCxnSpPr>
+            <a:cxnSpLocks/>
+          </p:cNvCxnSpPr>
+          <p:nvPr/>
+        </p:nvCxnSpPr>
+        <p:spPr>
+          <a:xfrm>
+            <a:off x="4662699" y="1456338"/>
+            <a:ext cx="0" cy="381223"/>
+          </a:xfrm>
+          <a:prstGeom prst="straightConnector1">
+            <a:avLst/>
+          </a:prstGeom>
+          <a:ln>
+            <a:tailEnd type="triangle"/>
+          </a:ln>
+        </p:spPr>
+        <p:style>
+          <a:lnRef idx="1">
+            <a:schemeClr val="dk1"/>
+          </a:lnRef>
+          <a:fillRef idx="0">
+            <a:schemeClr val="dk1"/>
+          </a:fillRef>
+          <a:effectRef idx="0">
+            <a:schemeClr val="dk1"/>
+          </a:effectRef>
+          <a:fontRef idx="minor">
+            <a:schemeClr val="tx1"/>
+          </a:fontRef>
+        </p:style>
+      </p:cxnSp>
+      <p:cxnSp>
+        <p:nvCxnSpPr>
+          <p:cNvPr id="28" name="直接箭头连接符 27">
+            <a:extLst>
+              <a:ext uri="{FF2B5EF4-FFF2-40B4-BE49-F238E27FC236}">
+                <a16:creationId xmlns:a16="http://schemas.microsoft.com/office/drawing/2014/main" id="{1B86ED26-BA0C-4CE5-AEE8-61620AF8C1FD}"/>
+              </a:ext>
+            </a:extLst>
+          </p:cNvPr>
+          <p:cNvCxnSpPr>
+            <a:cxnSpLocks/>
+          </p:cNvCxnSpPr>
+          <p:nvPr/>
+        </p:nvCxnSpPr>
+        <p:spPr>
+          <a:xfrm>
+            <a:off x="6710084" y="1456338"/>
+            <a:ext cx="0" cy="381223"/>
+          </a:xfrm>
+          <a:prstGeom prst="straightConnector1">
+            <a:avLst/>
+          </a:prstGeom>
+          <a:ln>
+            <a:tailEnd type="triangle"/>
+          </a:ln>
+        </p:spPr>
+        <p:style>
+          <a:lnRef idx="1">
+            <a:schemeClr val="dk1"/>
+          </a:lnRef>
+          <a:fillRef idx="0">
+            <a:schemeClr val="dk1"/>
+          </a:fillRef>
+          <a:effectRef idx="0">
+            <a:schemeClr val="dk1"/>
+          </a:effectRef>
+          <a:fontRef idx="minor">
+            <a:schemeClr val="tx1"/>
+          </a:fontRef>
+        </p:style>
+      </p:cxnSp>
+      <p:sp>
+        <p:nvSpPr>
+          <p:cNvPr id="8" name="矩形 7">
+            <a:extLst>
+              <a:ext uri="{FF2B5EF4-FFF2-40B4-BE49-F238E27FC236}">
+                <a16:creationId xmlns:a16="http://schemas.microsoft.com/office/drawing/2014/main" id="{9A4DE110-3978-4EC9-B420-F07179C7B864}"/>
+              </a:ext>
+            </a:extLst>
+          </p:cNvPr>
+          <p:cNvSpPr/>
+          <p:nvPr/>
+        </p:nvSpPr>
+        <p:spPr>
+          <a:xfrm>
+            <a:off x="5237430" y="3429000"/>
+            <a:ext cx="967667" cy="461661"/>
+          </a:xfrm>
+          <a:prstGeom prst="rect">
+            <a:avLst/>
+          </a:prstGeom>
+        </p:spPr>
+        <p:style>
+          <a:lnRef idx="2">
+            <a:schemeClr val="accent6">
+              <a:shade val="50000"/>
+            </a:schemeClr>
+          </a:lnRef>
+          <a:fillRef idx="1">
+            <a:schemeClr val="accent6"/>
+          </a:fillRef>
+          <a:effectRef idx="0">
+            <a:schemeClr val="accent6"/>
+          </a:effectRef>
+          <a:fontRef idx="minor">
+            <a:schemeClr val="lt1"/>
+          </a:fontRef>
+        </p:style>
+        <p:txBody>
+          <a:bodyPr rtlCol="0" anchor="ctr"/>
+          <a:lstStyle/>
+          <a:p>
+            <a:pPr algn="ctr"/>
+            <a:r>
+              <a:rPr lang="en-US" altLang="zh-CN" sz="1200" b="1" dirty="0" err="1">
+                <a:solidFill>
+                  <a:schemeClr val="tx1"/>
+                </a:solidFill>
+                <a:latin typeface="Courier New" panose="02070309020205020404" pitchFamily="49" charset="0"/>
+                <a:cs typeface="Courier New" panose="02070309020205020404" pitchFamily="49" charset="0"/>
+              </a:rPr>
+              <a:t>rdbSave</a:t>
+            </a:r>
+            <a:endParaRPr lang="zh-CN" altLang="en-US" sz="1200" b="1" dirty="0">
+              <a:solidFill>
+                <a:schemeClr val="tx1"/>
+              </a:solidFill>
+              <a:latin typeface="Courier New" panose="02070309020205020404" pitchFamily="49" charset="0"/>
+              <a:cs typeface="Courier New" panose="02070309020205020404" pitchFamily="49" charset="0"/>
+            </a:endParaRPr>
+          </a:p>
+        </p:txBody>
+      </p:sp>
+      <p:sp>
+        <p:nvSpPr>
+          <p:cNvPr id="34" name="矩形 33">
+            <a:extLst>
+              <a:ext uri="{FF2B5EF4-FFF2-40B4-BE49-F238E27FC236}">
+                <a16:creationId xmlns:a16="http://schemas.microsoft.com/office/drawing/2014/main" id="{F9FDAFB8-F111-48A2-96EA-0ED3A88C0528}"/>
+              </a:ext>
+            </a:extLst>
+          </p:cNvPr>
+          <p:cNvSpPr/>
+          <p:nvPr/>
+        </p:nvSpPr>
+        <p:spPr>
+          <a:xfrm>
+            <a:off x="4136992" y="1837562"/>
+            <a:ext cx="1216233" cy="461661"/>
+          </a:xfrm>
+          <a:prstGeom prst="rect">
+            <a:avLst/>
+          </a:prstGeom>
+        </p:spPr>
+        <p:style>
+          <a:lnRef idx="2">
+            <a:schemeClr val="accent6">
+              <a:shade val="50000"/>
+            </a:schemeClr>
+          </a:lnRef>
+          <a:fillRef idx="1">
+            <a:schemeClr val="accent6"/>
+          </a:fillRef>
+          <a:effectRef idx="0">
+            <a:schemeClr val="accent6"/>
+          </a:effectRef>
+          <a:fontRef idx="minor">
+            <a:schemeClr val="lt1"/>
+          </a:fontRef>
+        </p:style>
+        <p:txBody>
+          <a:bodyPr rtlCol="0" anchor="ctr"/>
+          <a:lstStyle/>
+          <a:p>
+            <a:pPr algn="ctr"/>
+            <a:r>
+              <a:rPr lang="en-US" altLang="zh-CN" sz="1200" b="1" dirty="0">
+                <a:solidFill>
+                  <a:schemeClr val="tx1"/>
+                </a:solidFill>
+                <a:latin typeface="Courier New" panose="02070309020205020404" pitchFamily="49" charset="0"/>
+                <a:cs typeface="Courier New" panose="02070309020205020404" pitchFamily="49" charset="0"/>
+              </a:rPr>
+              <a:t>saveCommand</a:t>
+            </a:r>
+            <a:endParaRPr lang="zh-CN" altLang="en-US" sz="1200" b="1" dirty="0">
+              <a:solidFill>
+                <a:schemeClr val="tx1"/>
+              </a:solidFill>
+              <a:latin typeface="Courier New" panose="02070309020205020404" pitchFamily="49" charset="0"/>
+              <a:cs typeface="Courier New" panose="02070309020205020404" pitchFamily="49" charset="0"/>
+            </a:endParaRPr>
+          </a:p>
+        </p:txBody>
+      </p:sp>
+      <p:sp>
+        <p:nvSpPr>
+          <p:cNvPr id="36" name="矩形 35">
+            <a:extLst>
+              <a:ext uri="{FF2B5EF4-FFF2-40B4-BE49-F238E27FC236}">
+                <a16:creationId xmlns:a16="http://schemas.microsoft.com/office/drawing/2014/main" id="{C9AD93E8-E937-46BF-93A9-607BD4A1E0F0}"/>
+              </a:ext>
+            </a:extLst>
+          </p:cNvPr>
+          <p:cNvSpPr/>
+          <p:nvPr/>
+        </p:nvSpPr>
+        <p:spPr>
+          <a:xfrm>
+            <a:off x="6043215" y="1837561"/>
+            <a:ext cx="1405146" cy="461661"/>
+          </a:xfrm>
+          <a:prstGeom prst="rect">
+            <a:avLst/>
+          </a:prstGeom>
+        </p:spPr>
+        <p:style>
+          <a:lnRef idx="2">
+            <a:schemeClr val="accent6">
+              <a:shade val="50000"/>
+            </a:schemeClr>
+          </a:lnRef>
+          <a:fillRef idx="1">
+            <a:schemeClr val="accent6"/>
+          </a:fillRef>
+          <a:effectRef idx="0">
+            <a:schemeClr val="accent6"/>
+          </a:effectRef>
+          <a:fontRef idx="minor">
+            <a:schemeClr val="lt1"/>
+          </a:fontRef>
+        </p:style>
+        <p:txBody>
+          <a:bodyPr rtlCol="0" anchor="ctr"/>
+          <a:lstStyle/>
+          <a:p>
+            <a:pPr algn="ctr"/>
+            <a:r>
+              <a:rPr lang="en-US" altLang="zh-CN" sz="1200" b="1" dirty="0">
+                <a:solidFill>
+                  <a:schemeClr val="tx1"/>
+                </a:solidFill>
+                <a:latin typeface="Courier New" panose="02070309020205020404" pitchFamily="49" charset="0"/>
+                <a:cs typeface="Courier New" panose="02070309020205020404" pitchFamily="49" charset="0"/>
+              </a:rPr>
+              <a:t>bgsaveCommand</a:t>
+            </a:r>
+            <a:endParaRPr lang="zh-CN" altLang="en-US" sz="1200" b="1" dirty="0">
+              <a:solidFill>
+                <a:schemeClr val="tx1"/>
+              </a:solidFill>
+              <a:latin typeface="Courier New" panose="02070309020205020404" pitchFamily="49" charset="0"/>
+              <a:cs typeface="Courier New" panose="02070309020205020404" pitchFamily="49" charset="0"/>
+            </a:endParaRPr>
+          </a:p>
+        </p:txBody>
+      </p:sp>
+      <p:sp>
+        <p:nvSpPr>
+          <p:cNvPr id="44" name="矩形 43">
+            <a:extLst>
+              <a:ext uri="{FF2B5EF4-FFF2-40B4-BE49-F238E27FC236}">
+                <a16:creationId xmlns:a16="http://schemas.microsoft.com/office/drawing/2014/main" id="{C390E515-088C-42A9-8DCA-100A6B18DD1D}"/>
+              </a:ext>
+            </a:extLst>
+          </p:cNvPr>
+          <p:cNvSpPr/>
+          <p:nvPr/>
+        </p:nvSpPr>
+        <p:spPr>
+          <a:xfrm>
+            <a:off x="5865659" y="2645511"/>
+            <a:ext cx="1760257" cy="461661"/>
+          </a:xfrm>
+          <a:prstGeom prst="rect">
+            <a:avLst/>
+          </a:prstGeom>
+        </p:spPr>
+        <p:style>
+          <a:lnRef idx="2">
+            <a:schemeClr val="accent6">
+              <a:shade val="50000"/>
+            </a:schemeClr>
+          </a:lnRef>
+          <a:fillRef idx="1">
+            <a:schemeClr val="accent6"/>
+          </a:fillRef>
+          <a:effectRef idx="0">
+            <a:schemeClr val="accent6"/>
+          </a:effectRef>
+          <a:fontRef idx="minor">
+            <a:schemeClr val="lt1"/>
+          </a:fontRef>
+        </p:style>
+        <p:txBody>
+          <a:bodyPr rtlCol="0" anchor="ctr"/>
+          <a:lstStyle/>
+          <a:p>
+            <a:pPr algn="ctr"/>
+            <a:r>
+              <a:rPr lang="en-US" altLang="zh-CN" sz="1200" b="1" dirty="0" err="1">
+                <a:solidFill>
+                  <a:schemeClr val="tx1"/>
+                </a:solidFill>
+                <a:latin typeface="Courier New" panose="02070309020205020404" pitchFamily="49" charset="0"/>
+                <a:cs typeface="Courier New" panose="02070309020205020404" pitchFamily="49" charset="0"/>
+              </a:rPr>
+              <a:t>rdbSaveBackground</a:t>
+            </a:r>
+            <a:endParaRPr lang="zh-CN" altLang="en-US" sz="1200" b="1" dirty="0">
+              <a:solidFill>
+                <a:schemeClr val="tx1"/>
+              </a:solidFill>
+              <a:latin typeface="Courier New" panose="02070309020205020404" pitchFamily="49" charset="0"/>
+              <a:cs typeface="Courier New" panose="02070309020205020404" pitchFamily="49" charset="0"/>
+            </a:endParaRPr>
+          </a:p>
+        </p:txBody>
+      </p:sp>
+      <p:cxnSp>
+        <p:nvCxnSpPr>
+          <p:cNvPr id="45" name="直接箭头连接符 44">
+            <a:extLst>
+              <a:ext uri="{FF2B5EF4-FFF2-40B4-BE49-F238E27FC236}">
+                <a16:creationId xmlns:a16="http://schemas.microsoft.com/office/drawing/2014/main" id="{B15D44F2-E1FB-4B95-B8B9-09B7E13A8511}"/>
+              </a:ext>
+            </a:extLst>
+          </p:cNvPr>
+          <p:cNvCxnSpPr>
+            <a:cxnSpLocks/>
+            <a:stCxn id="36" idx="2"/>
+          </p:cNvCxnSpPr>
+          <p:nvPr/>
+        </p:nvCxnSpPr>
+        <p:spPr>
+          <a:xfrm>
+            <a:off x="6745788" y="2299222"/>
+            <a:ext cx="0" cy="346289"/>
+          </a:xfrm>
+          <a:prstGeom prst="straightConnector1">
+            <a:avLst/>
+          </a:prstGeom>
+          <a:ln>
+            <a:tailEnd type="triangle"/>
+          </a:ln>
+        </p:spPr>
+        <p:style>
+          <a:lnRef idx="1">
+            <a:schemeClr val="dk1"/>
+          </a:lnRef>
+          <a:fillRef idx="0">
+            <a:schemeClr val="dk1"/>
+          </a:fillRef>
+          <a:effectRef idx="0">
+            <a:schemeClr val="dk1"/>
+          </a:effectRef>
+          <a:fontRef idx="minor">
+            <a:schemeClr val="tx1"/>
+          </a:fontRef>
+        </p:style>
+      </p:cxnSp>
+      <p:cxnSp>
+        <p:nvCxnSpPr>
+          <p:cNvPr id="39" name="直接箭头连接符 38">
+            <a:extLst>
+              <a:ext uri="{FF2B5EF4-FFF2-40B4-BE49-F238E27FC236}">
+                <a16:creationId xmlns:a16="http://schemas.microsoft.com/office/drawing/2014/main" id="{8C8B0F65-3B24-4BB9-B559-7F213619DAB9}"/>
+              </a:ext>
+            </a:extLst>
+          </p:cNvPr>
+          <p:cNvCxnSpPr>
+            <a:cxnSpLocks/>
+            <a:stCxn id="34" idx="2"/>
+            <a:endCxn id="8" idx="0"/>
+          </p:cNvCxnSpPr>
+          <p:nvPr/>
+        </p:nvCxnSpPr>
+        <p:spPr>
+          <a:xfrm>
+            <a:off x="4745109" y="2299223"/>
+            <a:ext cx="976155" cy="1129777"/>
+          </a:xfrm>
+          <a:prstGeom prst="straightConnector1">
+            <a:avLst/>
+          </a:prstGeom>
+          <a:ln>
+            <a:tailEnd type="triangle"/>
+          </a:ln>
+        </p:spPr>
+        <p:style>
+          <a:lnRef idx="1">
+            <a:schemeClr val="dk1"/>
+          </a:lnRef>
+          <a:fillRef idx="0">
+            <a:schemeClr val="dk1"/>
+          </a:fillRef>
+          <a:effectRef idx="0">
+            <a:schemeClr val="dk1"/>
+          </a:effectRef>
+          <a:fontRef idx="minor">
+            <a:schemeClr val="tx1"/>
+          </a:fontRef>
+        </p:style>
+      </p:cxnSp>
+      <p:cxnSp>
+        <p:nvCxnSpPr>
+          <p:cNvPr id="48" name="直接箭头连接符 47">
+            <a:extLst>
+              <a:ext uri="{FF2B5EF4-FFF2-40B4-BE49-F238E27FC236}">
+                <a16:creationId xmlns:a16="http://schemas.microsoft.com/office/drawing/2014/main" id="{1FE7AD08-EE84-4EE7-B9AC-32A5D8E6D615}"/>
+              </a:ext>
+            </a:extLst>
+          </p:cNvPr>
+          <p:cNvCxnSpPr>
+            <a:cxnSpLocks/>
+            <a:endCxn id="8" idx="0"/>
+          </p:cNvCxnSpPr>
+          <p:nvPr/>
+        </p:nvCxnSpPr>
+        <p:spPr>
+          <a:xfrm flipH="1">
+            <a:off x="5721264" y="3107172"/>
+            <a:ext cx="976154" cy="321828"/>
+          </a:xfrm>
+          <a:prstGeom prst="straightConnector1">
+            <a:avLst/>
+          </a:prstGeom>
+          <a:ln>
+            <a:tailEnd type="triangle"/>
+          </a:ln>
+        </p:spPr>
+        <p:style>
+          <a:lnRef idx="1">
+            <a:schemeClr val="dk1"/>
+          </a:lnRef>
+          <a:fillRef idx="0">
+            <a:schemeClr val="dk1"/>
+          </a:fillRef>
+          <a:effectRef idx="0">
+            <a:schemeClr val="dk1"/>
+          </a:effectRef>
+          <a:fontRef idx="minor">
+            <a:schemeClr val="tx1"/>
+          </a:fontRef>
+        </p:style>
+      </p:cxnSp>
+      <p:sp>
+        <p:nvSpPr>
+          <p:cNvPr id="52" name="文本框 51">
+            <a:extLst>
+              <a:ext uri="{FF2B5EF4-FFF2-40B4-BE49-F238E27FC236}">
+                <a16:creationId xmlns:a16="http://schemas.microsoft.com/office/drawing/2014/main" id="{ACC5640D-04B0-4126-9A72-7E3EFA4DF0B8}"/>
+              </a:ext>
+            </a:extLst>
+          </p:cNvPr>
+          <p:cNvSpPr txBox="1"/>
+          <p:nvPr/>
+        </p:nvSpPr>
+        <p:spPr>
+          <a:xfrm>
+            <a:off x="6213585" y="3151999"/>
+            <a:ext cx="1249402" cy="338554"/>
+          </a:xfrm>
+          <a:prstGeom prst="rect">
+            <a:avLst/>
+          </a:prstGeom>
+          <a:noFill/>
+        </p:spPr>
+        <p:txBody>
+          <a:bodyPr wrap="square" rtlCol="0">
+            <a:spAutoFit/>
+          </a:bodyPr>
+          <a:lstStyle/>
+          <a:p>
+            <a:r>
+              <a:rPr lang="zh-CN" altLang="en-US" sz="1600" dirty="0">
+                <a:solidFill>
+                  <a:srgbClr val="FF0000"/>
+                </a:solidFill>
+                <a:latin typeface="仿宋" panose="02010609060101010101" pitchFamily="49" charset="-122"/>
+                <a:ea typeface="仿宋" panose="02010609060101010101" pitchFamily="49" charset="-122"/>
+                <a:cs typeface="Courier New" panose="02070309020205020404" pitchFamily="49" charset="0"/>
+              </a:rPr>
+              <a:t>创建子进程</a:t>
+            </a:r>
+          </a:p>
+        </p:txBody>
+      </p:sp>
+    </p:spTree>
+    <p:extLst>
+      <p:ext uri="{BB962C8B-B14F-4D97-AF65-F5344CB8AC3E}">
+        <p14:creationId xmlns:p14="http://schemas.microsoft.com/office/powerpoint/2010/main" val="3463137547"/>
+      </p:ext>
+    </p:extLst>
+  </p:cSld>
+  <p:clrMapOvr>
+    <a:masterClrMapping/>
+  </p:clrMapOvr>
+</p:sld>
+</file>
+
+<file path=ppt/slides/slide14.xml><?xml version="1.0" encoding="utf-8"?>
+<p:sld xmlns:a="http://schemas.openxmlformats.org/drawingml/2006/main" xmlns:r="http://schemas.openxmlformats.org/officeDocument/2006/relationships" xmlns:p="http://schemas.openxmlformats.org/presentationml/2006/main">
+  <p:cSld>
+    <p:spTree>
+      <p:nvGrpSpPr>
+        <p:cNvPr id="1" name=""/>
+        <p:cNvGrpSpPr/>
+        <p:nvPr/>
+      </p:nvGrpSpPr>
+      <p:grpSpPr>
+        <a:xfrm>
+          <a:off x="0" y="0"/>
+          <a:ext cx="0" cy="0"/>
+          <a:chOff x="0" y="0"/>
+          <a:chExt cx="0" cy="0"/>
+        </a:xfrm>
+      </p:grpSpPr>
+      <p:sp>
+        <p:nvSpPr>
+          <p:cNvPr id="4" name="矩形 3">
+            <a:extLst>
+              <a:ext uri="{FF2B5EF4-FFF2-40B4-BE49-F238E27FC236}">
+                <a16:creationId xmlns:a16="http://schemas.microsoft.com/office/drawing/2014/main" id="{5A63A200-8D0F-4818-BC9F-9D43BA28D939}"/>
+              </a:ext>
+            </a:extLst>
+          </p:cNvPr>
+          <p:cNvSpPr/>
+          <p:nvPr/>
+        </p:nvSpPr>
+        <p:spPr>
+          <a:xfrm>
+            <a:off x="3657601" y="1686757"/>
+            <a:ext cx="4802818" cy="590378"/>
+          </a:xfrm>
+          <a:prstGeom prst="rect">
+            <a:avLst/>
+          </a:prstGeom>
+          <a:solidFill>
+            <a:schemeClr val="accent6"/>
+          </a:solidFill>
+        </p:spPr>
+        <p:style>
+          <a:lnRef idx="2">
+            <a:schemeClr val="dk1"/>
+          </a:lnRef>
+          <a:fillRef idx="1">
+            <a:schemeClr val="lt1"/>
+          </a:fillRef>
+          <a:effectRef idx="0">
+            <a:schemeClr val="dk1"/>
+          </a:effectRef>
+          <a:fontRef idx="minor">
+            <a:schemeClr val="dk1"/>
+          </a:fontRef>
+        </p:style>
+        <p:txBody>
+          <a:bodyPr rtlCol="0" anchor="ctr"/>
+          <a:lstStyle/>
+          <a:p>
+            <a:pPr algn="ctr"/>
+            <a:endParaRPr lang="zh-CN" altLang="en-US" dirty="0"/>
+          </a:p>
+        </p:txBody>
+      </p:sp>
+      <p:cxnSp>
+        <p:nvCxnSpPr>
+          <p:cNvPr id="6" name="直接连接符 5">
+            <a:extLst>
+              <a:ext uri="{FF2B5EF4-FFF2-40B4-BE49-F238E27FC236}">
+                <a16:creationId xmlns:a16="http://schemas.microsoft.com/office/drawing/2014/main" id="{EC27701C-B326-44A8-9A2B-099E41F1A394}"/>
+              </a:ext>
+            </a:extLst>
+          </p:cNvPr>
+          <p:cNvCxnSpPr>
+            <a:cxnSpLocks/>
+          </p:cNvCxnSpPr>
+          <p:nvPr/>
+        </p:nvCxnSpPr>
+        <p:spPr>
+          <a:xfrm>
+            <a:off x="4323426" y="1686757"/>
+            <a:ext cx="0" cy="590378"/>
+          </a:xfrm>
+          <a:prstGeom prst="line">
+            <a:avLst/>
+          </a:prstGeom>
+        </p:spPr>
+        <p:style>
+          <a:lnRef idx="1">
+            <a:schemeClr val="dk1"/>
+          </a:lnRef>
+          <a:fillRef idx="0">
+            <a:schemeClr val="dk1"/>
+          </a:fillRef>
+          <a:effectRef idx="0">
+            <a:schemeClr val="dk1"/>
+          </a:effectRef>
+          <a:fontRef idx="minor">
+            <a:schemeClr val="tx1"/>
+          </a:fontRef>
+        </p:style>
+      </p:cxnSp>
+      <p:cxnSp>
+        <p:nvCxnSpPr>
+          <p:cNvPr id="7" name="直接连接符 6">
+            <a:extLst>
+              <a:ext uri="{FF2B5EF4-FFF2-40B4-BE49-F238E27FC236}">
+                <a16:creationId xmlns:a16="http://schemas.microsoft.com/office/drawing/2014/main" id="{C1B25220-4793-442A-97B9-A68CF3E9A201}"/>
+              </a:ext>
+            </a:extLst>
+          </p:cNvPr>
+          <p:cNvCxnSpPr>
+            <a:cxnSpLocks/>
+          </p:cNvCxnSpPr>
+          <p:nvPr/>
+        </p:nvCxnSpPr>
+        <p:spPr>
+          <a:xfrm>
+            <a:off x="5508228" y="1686757"/>
+            <a:ext cx="0" cy="590378"/>
+          </a:xfrm>
+          <a:prstGeom prst="line">
+            <a:avLst/>
+          </a:prstGeom>
+        </p:spPr>
+        <p:style>
+          <a:lnRef idx="1">
+            <a:schemeClr val="dk1"/>
+          </a:lnRef>
+          <a:fillRef idx="0">
+            <a:schemeClr val="dk1"/>
+          </a:fillRef>
+          <a:effectRef idx="0">
+            <a:schemeClr val="dk1"/>
+          </a:effectRef>
+          <a:fontRef idx="minor">
+            <a:schemeClr val="tx1"/>
+          </a:fontRef>
+        </p:style>
+      </p:cxnSp>
+      <p:sp>
+        <p:nvSpPr>
+          <p:cNvPr id="8" name="文本框 7">
+            <a:extLst>
+              <a:ext uri="{FF2B5EF4-FFF2-40B4-BE49-F238E27FC236}">
+                <a16:creationId xmlns:a16="http://schemas.microsoft.com/office/drawing/2014/main" id="{BD4C0811-7AF7-494F-AC54-B8EA873696C9}"/>
+              </a:ext>
+            </a:extLst>
+          </p:cNvPr>
+          <p:cNvSpPr txBox="1"/>
+          <p:nvPr/>
+        </p:nvSpPr>
+        <p:spPr>
+          <a:xfrm>
+            <a:off x="3629682" y="1876730"/>
+            <a:ext cx="743127" cy="276999"/>
+          </a:xfrm>
+          <a:prstGeom prst="rect">
+            <a:avLst/>
+          </a:prstGeom>
+          <a:noFill/>
+        </p:spPr>
+        <p:txBody>
+          <a:bodyPr wrap="square" rtlCol="0">
+            <a:spAutoFit/>
+          </a:bodyPr>
+          <a:lstStyle/>
+          <a:p>
+            <a:pPr algn="ctr"/>
+            <a:r>
+              <a:rPr lang="en-US" altLang="zh-CN" sz="1200" dirty="0">
+                <a:ln w="0"/>
+                <a:latin typeface="Courier New" panose="02070309020205020404" pitchFamily="49" charset="0"/>
+                <a:cs typeface="Courier New" panose="02070309020205020404" pitchFamily="49" charset="0"/>
+              </a:rPr>
+              <a:t>REDIS</a:t>
+            </a:r>
+            <a:endParaRPr lang="zh-CN" altLang="en-US" sz="1200" dirty="0">
+              <a:latin typeface="Courier New" panose="02070309020205020404" pitchFamily="49" charset="0"/>
+              <a:cs typeface="Courier New" panose="02070309020205020404" pitchFamily="49" charset="0"/>
+            </a:endParaRPr>
+          </a:p>
+        </p:txBody>
+      </p:sp>
+      <p:sp>
+        <p:nvSpPr>
+          <p:cNvPr id="9" name="文本框 8">
+            <a:extLst>
+              <a:ext uri="{FF2B5EF4-FFF2-40B4-BE49-F238E27FC236}">
+                <a16:creationId xmlns:a16="http://schemas.microsoft.com/office/drawing/2014/main" id="{1F9F3DE6-FB1D-4C43-84CE-6679A180BCA0}"/>
+              </a:ext>
+            </a:extLst>
+          </p:cNvPr>
+          <p:cNvSpPr txBox="1"/>
+          <p:nvPr/>
+        </p:nvSpPr>
+        <p:spPr>
+          <a:xfrm>
+            <a:off x="4323425" y="1876729"/>
+            <a:ext cx="1192201" cy="276999"/>
+          </a:xfrm>
+          <a:prstGeom prst="rect">
+            <a:avLst/>
+          </a:prstGeom>
+          <a:noFill/>
+        </p:spPr>
+        <p:txBody>
+          <a:bodyPr wrap="square" rtlCol="0">
+            <a:spAutoFit/>
+          </a:bodyPr>
+          <a:lstStyle/>
+          <a:p>
+            <a:pPr algn="ctr"/>
+            <a:r>
+              <a:rPr lang="en-US" altLang="zh-CN" sz="1200" dirty="0" err="1">
+                <a:latin typeface="Courier New" panose="02070309020205020404" pitchFamily="49" charset="0"/>
+                <a:cs typeface="Courier New" panose="02070309020205020404" pitchFamily="49" charset="0"/>
+              </a:rPr>
+              <a:t>db_version</a:t>
+            </a:r>
+            <a:endParaRPr lang="en-US" altLang="zh-CN" sz="1200" dirty="0">
+              <a:latin typeface="Courier New" panose="02070309020205020404" pitchFamily="49" charset="0"/>
+              <a:cs typeface="Courier New" panose="02070309020205020404" pitchFamily="49" charset="0"/>
+            </a:endParaRPr>
+          </a:p>
+        </p:txBody>
+      </p:sp>
+      <p:sp>
+        <p:nvSpPr>
+          <p:cNvPr id="10" name="文本框 9">
+            <a:extLst>
+              <a:ext uri="{FF2B5EF4-FFF2-40B4-BE49-F238E27FC236}">
+                <a16:creationId xmlns:a16="http://schemas.microsoft.com/office/drawing/2014/main" id="{5156FACB-DA75-4EF8-9D09-6FF43872ED6F}"/>
+              </a:ext>
+            </a:extLst>
+          </p:cNvPr>
+          <p:cNvSpPr txBox="1"/>
+          <p:nvPr/>
+        </p:nvSpPr>
+        <p:spPr>
+          <a:xfrm>
+            <a:off x="5515626" y="1876729"/>
+            <a:ext cx="1192200" cy="276999"/>
+          </a:xfrm>
+          <a:prstGeom prst="rect">
+            <a:avLst/>
+          </a:prstGeom>
+          <a:noFill/>
+        </p:spPr>
+        <p:txBody>
+          <a:bodyPr wrap="square" rtlCol="0">
+            <a:spAutoFit/>
+          </a:bodyPr>
+          <a:lstStyle/>
+          <a:p>
+            <a:pPr algn="ctr"/>
+            <a:r>
+              <a:rPr lang="en-US" altLang="zh-CN" sz="1200" dirty="0">
+                <a:latin typeface="Courier New" panose="02070309020205020404" pitchFamily="49" charset="0"/>
+                <a:cs typeface="Courier New" panose="02070309020205020404" pitchFamily="49" charset="0"/>
+              </a:rPr>
+              <a:t>databases</a:t>
+            </a:r>
+          </a:p>
+        </p:txBody>
+      </p:sp>
+      <p:cxnSp>
+        <p:nvCxnSpPr>
+          <p:cNvPr id="11" name="直接连接符 10">
+            <a:extLst>
+              <a:ext uri="{FF2B5EF4-FFF2-40B4-BE49-F238E27FC236}">
+                <a16:creationId xmlns:a16="http://schemas.microsoft.com/office/drawing/2014/main" id="{13652E7E-4AE3-4B41-9A66-769A41EB743E}"/>
+              </a:ext>
+            </a:extLst>
+          </p:cNvPr>
+          <p:cNvCxnSpPr>
+            <a:cxnSpLocks/>
+          </p:cNvCxnSpPr>
+          <p:nvPr/>
+        </p:nvCxnSpPr>
+        <p:spPr>
+          <a:xfrm>
+            <a:off x="6707826" y="1686757"/>
+            <a:ext cx="0" cy="590378"/>
+          </a:xfrm>
+          <a:prstGeom prst="line">
+            <a:avLst/>
+          </a:prstGeom>
+        </p:spPr>
+        <p:style>
+          <a:lnRef idx="1">
+            <a:schemeClr val="dk1"/>
+          </a:lnRef>
+          <a:fillRef idx="0">
+            <a:schemeClr val="dk1"/>
+          </a:fillRef>
+          <a:effectRef idx="0">
+            <a:schemeClr val="dk1"/>
+          </a:effectRef>
+          <a:fontRef idx="minor">
+            <a:schemeClr val="tx1"/>
+          </a:fontRef>
+        </p:style>
+      </p:cxnSp>
+      <p:cxnSp>
+        <p:nvCxnSpPr>
+          <p:cNvPr id="12" name="直接连接符 11">
+            <a:extLst>
+              <a:ext uri="{FF2B5EF4-FFF2-40B4-BE49-F238E27FC236}">
+                <a16:creationId xmlns:a16="http://schemas.microsoft.com/office/drawing/2014/main" id="{F5B9DAB8-0B7E-4B86-A32A-1808EBD9FCF7}"/>
+              </a:ext>
+            </a:extLst>
+          </p:cNvPr>
+          <p:cNvCxnSpPr>
+            <a:cxnSpLocks/>
+          </p:cNvCxnSpPr>
+          <p:nvPr/>
+        </p:nvCxnSpPr>
+        <p:spPr>
+          <a:xfrm>
+            <a:off x="7254535" y="1686757"/>
+            <a:ext cx="0" cy="590378"/>
+          </a:xfrm>
+          <a:prstGeom prst="line">
+            <a:avLst/>
+          </a:prstGeom>
+        </p:spPr>
+        <p:style>
+          <a:lnRef idx="1">
+            <a:schemeClr val="dk1"/>
+          </a:lnRef>
+          <a:fillRef idx="0">
+            <a:schemeClr val="dk1"/>
+          </a:fillRef>
+          <a:effectRef idx="0">
+            <a:schemeClr val="dk1"/>
+          </a:effectRef>
+          <a:fontRef idx="minor">
+            <a:schemeClr val="tx1"/>
+          </a:fontRef>
+        </p:style>
+      </p:cxnSp>
+      <p:sp>
+        <p:nvSpPr>
+          <p:cNvPr id="13" name="文本框 12">
+            <a:extLst>
+              <a:ext uri="{FF2B5EF4-FFF2-40B4-BE49-F238E27FC236}">
+                <a16:creationId xmlns:a16="http://schemas.microsoft.com/office/drawing/2014/main" id="{6798B3C9-C111-404F-AE34-CCD8F59AB2D4}"/>
+              </a:ext>
+            </a:extLst>
+          </p:cNvPr>
+          <p:cNvSpPr txBox="1"/>
+          <p:nvPr/>
+        </p:nvSpPr>
+        <p:spPr>
+          <a:xfrm>
+            <a:off x="6683773" y="1876728"/>
+            <a:ext cx="609594" cy="276999"/>
+          </a:xfrm>
+          <a:prstGeom prst="rect">
+            <a:avLst/>
+          </a:prstGeom>
+          <a:noFill/>
+        </p:spPr>
+        <p:txBody>
+          <a:bodyPr wrap="square" rtlCol="0">
+            <a:spAutoFit/>
+          </a:bodyPr>
+          <a:lstStyle/>
+          <a:p>
+            <a:pPr algn="ctr"/>
+            <a:r>
+              <a:rPr lang="en-US" altLang="zh-CN" sz="1200" dirty="0">
+                <a:latin typeface="Courier New" panose="02070309020205020404" pitchFamily="49" charset="0"/>
+                <a:cs typeface="Courier New" panose="02070309020205020404" pitchFamily="49" charset="0"/>
+              </a:rPr>
+              <a:t>EOF</a:t>
+            </a:r>
+          </a:p>
+        </p:txBody>
+      </p:sp>
+      <p:sp>
+        <p:nvSpPr>
+          <p:cNvPr id="14" name="文本框 13">
+            <a:extLst>
+              <a:ext uri="{FF2B5EF4-FFF2-40B4-BE49-F238E27FC236}">
+                <a16:creationId xmlns:a16="http://schemas.microsoft.com/office/drawing/2014/main" id="{3FF9A898-AFEE-445E-9EEF-2E2A45E62452}"/>
+              </a:ext>
+            </a:extLst>
+          </p:cNvPr>
+          <p:cNvSpPr txBox="1"/>
+          <p:nvPr/>
+        </p:nvSpPr>
+        <p:spPr>
+          <a:xfrm>
+            <a:off x="7282455" y="1874054"/>
+            <a:ext cx="1075284" cy="276999"/>
+          </a:xfrm>
+          <a:prstGeom prst="rect">
+            <a:avLst/>
+          </a:prstGeom>
+          <a:noFill/>
+        </p:spPr>
+        <p:txBody>
+          <a:bodyPr wrap="square" rtlCol="0">
+            <a:spAutoFit/>
+          </a:bodyPr>
+          <a:lstStyle/>
+          <a:p>
+            <a:pPr algn="ctr"/>
+            <a:r>
+              <a:rPr lang="en-US" altLang="zh-CN" sz="1200" dirty="0" err="1">
+                <a:latin typeface="Courier New" panose="02070309020205020404" pitchFamily="49" charset="0"/>
+                <a:cs typeface="Courier New" panose="02070309020205020404" pitchFamily="49" charset="0"/>
+              </a:rPr>
+              <a:t>check_sum</a:t>
+            </a:r>
+            <a:endParaRPr lang="en-US" altLang="zh-CN" sz="1200" dirty="0">
+              <a:latin typeface="Courier New" panose="02070309020205020404" pitchFamily="49" charset="0"/>
+              <a:cs typeface="Courier New" panose="02070309020205020404" pitchFamily="49" charset="0"/>
+            </a:endParaRPr>
+          </a:p>
+        </p:txBody>
+      </p:sp>
+    </p:spTree>
+    <p:extLst>
+      <p:ext uri="{BB962C8B-B14F-4D97-AF65-F5344CB8AC3E}">
+        <p14:creationId xmlns:p14="http://schemas.microsoft.com/office/powerpoint/2010/main" val="1073741372"/>
       </p:ext>
     </p:extLst>
   </p:cSld>

--- a/Redis/pics/pics.pptx
+++ b/Redis/pics/pics.pptx
@@ -19,6 +19,7 @@
     <p:sldId id="267" r:id="rId13"/>
     <p:sldId id="268" r:id="rId14"/>
     <p:sldId id="269" r:id="rId15"/>
+    <p:sldId id="270" r:id="rId16"/>
   </p:sldIdLst>
   <p:sldSz cx="12192000" cy="6858000"/>
   <p:notesSz cx="6858000" cy="9144000"/>
@@ -272,7 +273,7 @@
           <a:p>
             <a:fld id="{C37C3152-9AA4-4DE5-82FF-C271ABB9E57C}" type="datetimeFigureOut">
               <a:rPr lang="zh-CN" altLang="en-US" smtClean="0"/>
-              <a:t>2021/10/26</a:t>
+              <a:t>2021/10/29</a:t>
             </a:fld>
             <a:endParaRPr lang="zh-CN" altLang="en-US"/>
           </a:p>
@@ -470,7 +471,7 @@
           <a:p>
             <a:fld id="{C37C3152-9AA4-4DE5-82FF-C271ABB9E57C}" type="datetimeFigureOut">
               <a:rPr lang="zh-CN" altLang="en-US" smtClean="0"/>
-              <a:t>2021/10/26</a:t>
+              <a:t>2021/10/29</a:t>
             </a:fld>
             <a:endParaRPr lang="zh-CN" altLang="en-US"/>
           </a:p>
@@ -678,7 +679,7 @@
           <a:p>
             <a:fld id="{C37C3152-9AA4-4DE5-82FF-C271ABB9E57C}" type="datetimeFigureOut">
               <a:rPr lang="zh-CN" altLang="en-US" smtClean="0"/>
-              <a:t>2021/10/26</a:t>
+              <a:t>2021/10/29</a:t>
             </a:fld>
             <a:endParaRPr lang="zh-CN" altLang="en-US"/>
           </a:p>
@@ -876,7 +877,7 @@
           <a:p>
             <a:fld id="{C37C3152-9AA4-4DE5-82FF-C271ABB9E57C}" type="datetimeFigureOut">
               <a:rPr lang="zh-CN" altLang="en-US" smtClean="0"/>
-              <a:t>2021/10/26</a:t>
+              <a:t>2021/10/29</a:t>
             </a:fld>
             <a:endParaRPr lang="zh-CN" altLang="en-US"/>
           </a:p>
@@ -1151,7 +1152,7 @@
           <a:p>
             <a:fld id="{C37C3152-9AA4-4DE5-82FF-C271ABB9E57C}" type="datetimeFigureOut">
               <a:rPr lang="zh-CN" altLang="en-US" smtClean="0"/>
-              <a:t>2021/10/26</a:t>
+              <a:t>2021/10/29</a:t>
             </a:fld>
             <a:endParaRPr lang="zh-CN" altLang="en-US"/>
           </a:p>
@@ -1416,7 +1417,7 @@
           <a:p>
             <a:fld id="{C37C3152-9AA4-4DE5-82FF-C271ABB9E57C}" type="datetimeFigureOut">
               <a:rPr lang="zh-CN" altLang="en-US" smtClean="0"/>
-              <a:t>2021/10/26</a:t>
+              <a:t>2021/10/29</a:t>
             </a:fld>
             <a:endParaRPr lang="zh-CN" altLang="en-US"/>
           </a:p>
@@ -1828,7 +1829,7 @@
           <a:p>
             <a:fld id="{C37C3152-9AA4-4DE5-82FF-C271ABB9E57C}" type="datetimeFigureOut">
               <a:rPr lang="zh-CN" altLang="en-US" smtClean="0"/>
-              <a:t>2021/10/26</a:t>
+              <a:t>2021/10/29</a:t>
             </a:fld>
             <a:endParaRPr lang="zh-CN" altLang="en-US"/>
           </a:p>
@@ -1969,7 +1970,7 @@
           <a:p>
             <a:fld id="{C37C3152-9AA4-4DE5-82FF-C271ABB9E57C}" type="datetimeFigureOut">
               <a:rPr lang="zh-CN" altLang="en-US" smtClean="0"/>
-              <a:t>2021/10/26</a:t>
+              <a:t>2021/10/29</a:t>
             </a:fld>
             <a:endParaRPr lang="zh-CN" altLang="en-US"/>
           </a:p>
@@ -2082,7 +2083,7 @@
           <a:p>
             <a:fld id="{C37C3152-9AA4-4DE5-82FF-C271ABB9E57C}" type="datetimeFigureOut">
               <a:rPr lang="zh-CN" altLang="en-US" smtClean="0"/>
-              <a:t>2021/10/26</a:t>
+              <a:t>2021/10/29</a:t>
             </a:fld>
             <a:endParaRPr lang="zh-CN" altLang="en-US"/>
           </a:p>
@@ -2393,7 +2394,7 @@
           <a:p>
             <a:fld id="{C37C3152-9AA4-4DE5-82FF-C271ABB9E57C}" type="datetimeFigureOut">
               <a:rPr lang="zh-CN" altLang="en-US" smtClean="0"/>
-              <a:t>2021/10/26</a:t>
+              <a:t>2021/10/29</a:t>
             </a:fld>
             <a:endParaRPr lang="zh-CN" altLang="en-US"/>
           </a:p>
@@ -2681,7 +2682,7 @@
           <a:p>
             <a:fld id="{C37C3152-9AA4-4DE5-82FF-C271ABB9E57C}" type="datetimeFigureOut">
               <a:rPr lang="zh-CN" altLang="en-US" smtClean="0"/>
-              <a:t>2021/10/26</a:t>
+              <a:t>2021/10/29</a:t>
             </a:fld>
             <a:endParaRPr lang="zh-CN" altLang="en-US"/>
           </a:p>
@@ -2922,7 +2923,7 @@
           <a:p>
             <a:fld id="{C37C3152-9AA4-4DE5-82FF-C271ABB9E57C}" type="datetimeFigureOut">
               <a:rPr lang="zh-CN" altLang="en-US" smtClean="0"/>
-              <a:t>2021/10/26</a:t>
+              <a:t>2021/10/29</a:t>
             </a:fld>
             <a:endParaRPr lang="zh-CN" altLang="en-US"/>
           </a:p>
@@ -7096,6 +7097,633 @@
 </p:sld>
 </file>
 
+<file path=ppt/slides/slide15.xml><?xml version="1.0" encoding="utf-8"?>
+<p:sld xmlns:a="http://schemas.openxmlformats.org/drawingml/2006/main" xmlns:r="http://schemas.openxmlformats.org/officeDocument/2006/relationships" xmlns:p="http://schemas.openxmlformats.org/presentationml/2006/main">
+  <p:cSld>
+    <p:spTree>
+      <p:nvGrpSpPr>
+        <p:cNvPr id="1" name=""/>
+        <p:cNvGrpSpPr/>
+        <p:nvPr/>
+      </p:nvGrpSpPr>
+      <p:grpSpPr>
+        <a:xfrm>
+          <a:off x="0" y="0"/>
+          <a:ext cx="0" cy="0"/>
+          <a:chOff x="0" y="0"/>
+          <a:chExt cx="0" cy="0"/>
+        </a:xfrm>
+      </p:grpSpPr>
+      <p:sp>
+        <p:nvSpPr>
+          <p:cNvPr id="2" name="矩形 1">
+            <a:extLst>
+              <a:ext uri="{FF2B5EF4-FFF2-40B4-BE49-F238E27FC236}">
+                <a16:creationId xmlns:a16="http://schemas.microsoft.com/office/drawing/2014/main" id="{A9FA40EB-9BA1-4EC7-877C-671D61716EA4}"/>
+              </a:ext>
+            </a:extLst>
+          </p:cNvPr>
+          <p:cNvSpPr/>
+          <p:nvPr/>
+        </p:nvSpPr>
+        <p:spPr>
+          <a:xfrm>
+            <a:off x="3151573" y="1340528"/>
+            <a:ext cx="727969" cy="1970843"/>
+          </a:xfrm>
+          <a:prstGeom prst="rect">
+            <a:avLst/>
+          </a:prstGeom>
+          <a:noFill/>
+          <a:ln>
+            <a:solidFill>
+              <a:schemeClr val="tx1"/>
+            </a:solidFill>
+          </a:ln>
+        </p:spPr>
+        <p:style>
+          <a:lnRef idx="2">
+            <a:schemeClr val="accent1">
+              <a:shade val="50000"/>
+            </a:schemeClr>
+          </a:lnRef>
+          <a:fillRef idx="1">
+            <a:schemeClr val="accent1"/>
+          </a:fillRef>
+          <a:effectRef idx="0">
+            <a:schemeClr val="accent1"/>
+          </a:effectRef>
+          <a:fontRef idx="minor">
+            <a:schemeClr val="lt1"/>
+          </a:fontRef>
+        </p:style>
+        <p:txBody>
+          <a:bodyPr rtlCol="0" anchor="ctr"/>
+          <a:lstStyle/>
+          <a:p>
+            <a:pPr algn="ctr"/>
+            <a:r>
+              <a:rPr lang="zh-CN" altLang="en-US" sz="2400" dirty="0">
+                <a:solidFill>
+                  <a:schemeClr val="tx1"/>
+                </a:solidFill>
+                <a:latin typeface="仿宋" panose="02010609060101010101" pitchFamily="49" charset="-122"/>
+                <a:ea typeface="仿宋" panose="02010609060101010101" pitchFamily="49" charset="-122"/>
+                <a:cs typeface="Courier New" panose="02070309020205020404" pitchFamily="49" charset="0"/>
+              </a:rPr>
+              <a:t>客</a:t>
+            </a:r>
+            <a:endParaRPr lang="en-US" altLang="zh-CN" sz="2400" dirty="0">
+              <a:solidFill>
+                <a:schemeClr val="tx1"/>
+              </a:solidFill>
+              <a:latin typeface="仿宋" panose="02010609060101010101" pitchFamily="49" charset="-122"/>
+              <a:ea typeface="仿宋" panose="02010609060101010101" pitchFamily="49" charset="-122"/>
+              <a:cs typeface="Courier New" panose="02070309020205020404" pitchFamily="49" charset="0"/>
+            </a:endParaRPr>
+          </a:p>
+          <a:p>
+            <a:pPr algn="ctr"/>
+            <a:r>
+              <a:rPr lang="zh-CN" altLang="en-US" sz="2400" dirty="0">
+                <a:solidFill>
+                  <a:schemeClr val="tx1"/>
+                </a:solidFill>
+                <a:latin typeface="仿宋" panose="02010609060101010101" pitchFamily="49" charset="-122"/>
+                <a:ea typeface="仿宋" panose="02010609060101010101" pitchFamily="49" charset="-122"/>
+                <a:cs typeface="Courier New" panose="02070309020205020404" pitchFamily="49" charset="0"/>
+              </a:rPr>
+              <a:t>户</a:t>
+            </a:r>
+            <a:endParaRPr lang="en-US" altLang="zh-CN" sz="2400" dirty="0">
+              <a:solidFill>
+                <a:schemeClr val="tx1"/>
+              </a:solidFill>
+              <a:latin typeface="仿宋" panose="02010609060101010101" pitchFamily="49" charset="-122"/>
+              <a:ea typeface="仿宋" panose="02010609060101010101" pitchFamily="49" charset="-122"/>
+              <a:cs typeface="Courier New" panose="02070309020205020404" pitchFamily="49" charset="0"/>
+            </a:endParaRPr>
+          </a:p>
+          <a:p>
+            <a:pPr algn="ctr"/>
+            <a:r>
+              <a:rPr lang="zh-CN" altLang="en-US" sz="2400" dirty="0">
+                <a:solidFill>
+                  <a:schemeClr val="tx1"/>
+                </a:solidFill>
+                <a:latin typeface="仿宋" panose="02010609060101010101" pitchFamily="49" charset="-122"/>
+                <a:ea typeface="仿宋" panose="02010609060101010101" pitchFamily="49" charset="-122"/>
+                <a:cs typeface="Courier New" panose="02070309020205020404" pitchFamily="49" charset="0"/>
+              </a:rPr>
+              <a:t>端</a:t>
+            </a:r>
+          </a:p>
+        </p:txBody>
+      </p:sp>
+      <p:sp>
+        <p:nvSpPr>
+          <p:cNvPr id="11" name="矩形 10">
+            <a:extLst>
+              <a:ext uri="{FF2B5EF4-FFF2-40B4-BE49-F238E27FC236}">
+                <a16:creationId xmlns:a16="http://schemas.microsoft.com/office/drawing/2014/main" id="{F78EF42E-D26B-4163-A72E-3EBA99FA7239}"/>
+              </a:ext>
+            </a:extLst>
+          </p:cNvPr>
+          <p:cNvSpPr/>
+          <p:nvPr/>
+        </p:nvSpPr>
+        <p:spPr>
+          <a:xfrm>
+            <a:off x="6096000" y="1342007"/>
+            <a:ext cx="727969" cy="1970843"/>
+          </a:xfrm>
+          <a:prstGeom prst="rect">
+            <a:avLst/>
+          </a:prstGeom>
+          <a:noFill/>
+          <a:ln>
+            <a:solidFill>
+              <a:schemeClr val="tx1"/>
+            </a:solidFill>
+          </a:ln>
+        </p:spPr>
+        <p:style>
+          <a:lnRef idx="2">
+            <a:schemeClr val="accent1">
+              <a:shade val="50000"/>
+            </a:schemeClr>
+          </a:lnRef>
+          <a:fillRef idx="1">
+            <a:schemeClr val="accent1"/>
+          </a:fillRef>
+          <a:effectRef idx="0">
+            <a:schemeClr val="accent1"/>
+          </a:effectRef>
+          <a:fontRef idx="minor">
+            <a:schemeClr val="lt1"/>
+          </a:fontRef>
+        </p:style>
+        <p:txBody>
+          <a:bodyPr rtlCol="0" anchor="ctr"/>
+          <a:lstStyle/>
+          <a:p>
+            <a:pPr algn="ctr"/>
+            <a:r>
+              <a:rPr lang="zh-CN" altLang="en-US" sz="2400" dirty="0">
+                <a:solidFill>
+                  <a:schemeClr val="tx1"/>
+                </a:solidFill>
+                <a:latin typeface="仿宋" panose="02010609060101010101" pitchFamily="49" charset="-122"/>
+                <a:ea typeface="仿宋" panose="02010609060101010101" pitchFamily="49" charset="-122"/>
+                <a:cs typeface="Courier New" panose="02070309020205020404" pitchFamily="49" charset="0"/>
+              </a:rPr>
+              <a:t>服务器</a:t>
+            </a:r>
+          </a:p>
+        </p:txBody>
+      </p:sp>
+      <p:cxnSp>
+        <p:nvCxnSpPr>
+          <p:cNvPr id="5" name="直接连接符 4">
+            <a:extLst>
+              <a:ext uri="{FF2B5EF4-FFF2-40B4-BE49-F238E27FC236}">
+                <a16:creationId xmlns:a16="http://schemas.microsoft.com/office/drawing/2014/main" id="{C5F3A32B-D0DE-43D9-84BF-5F4C7C6B2103}"/>
+              </a:ext>
+            </a:extLst>
+          </p:cNvPr>
+          <p:cNvCxnSpPr>
+            <a:cxnSpLocks/>
+          </p:cNvCxnSpPr>
+          <p:nvPr/>
+        </p:nvCxnSpPr>
+        <p:spPr>
+          <a:xfrm flipV="1">
+            <a:off x="3879542" y="1597981"/>
+            <a:ext cx="399495" cy="284087"/>
+          </a:xfrm>
+          <a:prstGeom prst="line">
+            <a:avLst/>
+          </a:prstGeom>
+          <a:ln w="9525"/>
+        </p:spPr>
+        <p:style>
+          <a:lnRef idx="1">
+            <a:schemeClr val="dk1"/>
+          </a:lnRef>
+          <a:fillRef idx="0">
+            <a:schemeClr val="dk1"/>
+          </a:fillRef>
+          <a:effectRef idx="0">
+            <a:schemeClr val="dk1"/>
+          </a:effectRef>
+          <a:fontRef idx="minor">
+            <a:schemeClr val="tx1"/>
+          </a:fontRef>
+        </p:style>
+      </p:cxnSp>
+      <p:cxnSp>
+        <p:nvCxnSpPr>
+          <p:cNvPr id="14" name="直接连接符 13">
+            <a:extLst>
+              <a:ext uri="{FF2B5EF4-FFF2-40B4-BE49-F238E27FC236}">
+                <a16:creationId xmlns:a16="http://schemas.microsoft.com/office/drawing/2014/main" id="{60304D44-8EBE-44E3-B5ED-BE598C5A6A2D}"/>
+              </a:ext>
+            </a:extLst>
+          </p:cNvPr>
+          <p:cNvCxnSpPr>
+            <a:cxnSpLocks/>
+          </p:cNvCxnSpPr>
+          <p:nvPr/>
+        </p:nvCxnSpPr>
+        <p:spPr>
+          <a:xfrm>
+            <a:off x="4279037" y="1597981"/>
+            <a:ext cx="1358283" cy="0"/>
+          </a:xfrm>
+          <a:prstGeom prst="line">
+            <a:avLst/>
+          </a:prstGeom>
+        </p:spPr>
+        <p:style>
+          <a:lnRef idx="1">
+            <a:schemeClr val="dk1"/>
+          </a:lnRef>
+          <a:fillRef idx="0">
+            <a:schemeClr val="dk1"/>
+          </a:fillRef>
+          <a:effectRef idx="0">
+            <a:schemeClr val="dk1"/>
+          </a:effectRef>
+          <a:fontRef idx="minor">
+            <a:schemeClr val="tx1"/>
+          </a:fontRef>
+        </p:style>
+      </p:cxnSp>
+      <p:sp>
+        <p:nvSpPr>
+          <p:cNvPr id="22" name="文本框 21">
+            <a:extLst>
+              <a:ext uri="{FF2B5EF4-FFF2-40B4-BE49-F238E27FC236}">
+                <a16:creationId xmlns:a16="http://schemas.microsoft.com/office/drawing/2014/main" id="{2EC4D1E3-49F1-430D-974A-FF3CE0A6D5B6}"/>
+              </a:ext>
+            </a:extLst>
+          </p:cNvPr>
+          <p:cNvSpPr txBox="1"/>
+          <p:nvPr/>
+        </p:nvSpPr>
+        <p:spPr>
+          <a:xfrm>
+            <a:off x="3901736" y="1136315"/>
+            <a:ext cx="2210540" cy="461665"/>
+          </a:xfrm>
+          <a:prstGeom prst="rect">
+            <a:avLst/>
+          </a:prstGeom>
+          <a:noFill/>
+        </p:spPr>
+        <p:txBody>
+          <a:bodyPr wrap="square" rtlCol="0">
+            <a:spAutoFit/>
+          </a:bodyPr>
+          <a:lstStyle/>
+          <a:p>
+            <a:r>
+              <a:rPr lang="zh-CN" altLang="en-US" sz="1200" dirty="0">
+                <a:latin typeface="仿宋" panose="02010609060101010101" pitchFamily="49" charset="-122"/>
+                <a:ea typeface="仿宋" panose="02010609060101010101" pitchFamily="49" charset="-122"/>
+              </a:rPr>
+              <a:t>客户端向服务器发起连接请求</a:t>
+            </a:r>
+            <a:endParaRPr lang="en-US" altLang="zh-CN" sz="1200" dirty="0">
+              <a:latin typeface="仿宋" panose="02010609060101010101" pitchFamily="49" charset="-122"/>
+              <a:ea typeface="仿宋" panose="02010609060101010101" pitchFamily="49" charset="-122"/>
+            </a:endParaRPr>
+          </a:p>
+          <a:p>
+            <a:r>
+              <a:rPr lang="zh-CN" altLang="en-US" sz="1200" dirty="0">
+                <a:latin typeface="仿宋" panose="02010609060101010101" pitchFamily="49" charset="-122"/>
+                <a:ea typeface="仿宋" panose="02010609060101010101" pitchFamily="49" charset="-122"/>
+              </a:rPr>
+              <a:t>服务器执行连接应答处理器</a:t>
+            </a:r>
+          </a:p>
+        </p:txBody>
+      </p:sp>
+      <p:cxnSp>
+        <p:nvCxnSpPr>
+          <p:cNvPr id="24" name="直接箭头连接符 23">
+            <a:extLst>
+              <a:ext uri="{FF2B5EF4-FFF2-40B4-BE49-F238E27FC236}">
+                <a16:creationId xmlns:a16="http://schemas.microsoft.com/office/drawing/2014/main" id="{043FA117-490D-4154-8A6D-114F686CDE5F}"/>
+              </a:ext>
+            </a:extLst>
+          </p:cNvPr>
+          <p:cNvCxnSpPr>
+            <a:cxnSpLocks/>
+          </p:cNvCxnSpPr>
+          <p:nvPr/>
+        </p:nvCxnSpPr>
+        <p:spPr>
+          <a:xfrm>
+            <a:off x="5637320" y="1597980"/>
+            <a:ext cx="436486" cy="284088"/>
+          </a:xfrm>
+          <a:prstGeom prst="straightConnector1">
+            <a:avLst/>
+          </a:prstGeom>
+          <a:ln>
+            <a:tailEnd type="triangle"/>
+          </a:ln>
+        </p:spPr>
+        <p:style>
+          <a:lnRef idx="1">
+            <a:schemeClr val="dk1"/>
+          </a:lnRef>
+          <a:fillRef idx="0">
+            <a:schemeClr val="dk1"/>
+          </a:fillRef>
+          <a:effectRef idx="0">
+            <a:schemeClr val="dk1"/>
+          </a:effectRef>
+          <a:fontRef idx="minor">
+            <a:schemeClr val="tx1"/>
+          </a:fontRef>
+        </p:style>
+      </p:cxnSp>
+      <p:cxnSp>
+        <p:nvCxnSpPr>
+          <p:cNvPr id="28" name="直接箭头连接符 27">
+            <a:extLst>
+              <a:ext uri="{FF2B5EF4-FFF2-40B4-BE49-F238E27FC236}">
+                <a16:creationId xmlns:a16="http://schemas.microsoft.com/office/drawing/2014/main" id="{96BA9F97-7D58-4D79-BB35-ED6A31991381}"/>
+              </a:ext>
+            </a:extLst>
+          </p:cNvPr>
+          <p:cNvCxnSpPr>
+            <a:cxnSpLocks/>
+          </p:cNvCxnSpPr>
+          <p:nvPr/>
+        </p:nvCxnSpPr>
+        <p:spPr>
+          <a:xfrm>
+            <a:off x="3877323" y="2365761"/>
+            <a:ext cx="2216458" cy="1479"/>
+          </a:xfrm>
+          <a:prstGeom prst="straightConnector1">
+            <a:avLst/>
+          </a:prstGeom>
+          <a:ln>
+            <a:tailEnd type="triangle"/>
+          </a:ln>
+        </p:spPr>
+        <p:style>
+          <a:lnRef idx="1">
+            <a:schemeClr val="dk1"/>
+          </a:lnRef>
+          <a:fillRef idx="0">
+            <a:schemeClr val="dk1"/>
+          </a:fillRef>
+          <a:effectRef idx="0">
+            <a:schemeClr val="dk1"/>
+          </a:effectRef>
+          <a:fontRef idx="minor">
+            <a:schemeClr val="tx1"/>
+          </a:fontRef>
+        </p:style>
+      </p:cxnSp>
+      <p:sp>
+        <p:nvSpPr>
+          <p:cNvPr id="29" name="文本框 28">
+            <a:extLst>
+              <a:ext uri="{FF2B5EF4-FFF2-40B4-BE49-F238E27FC236}">
+                <a16:creationId xmlns:a16="http://schemas.microsoft.com/office/drawing/2014/main" id="{856793B7-4D32-4B09-9943-B4DAF498764D}"/>
+              </a:ext>
+            </a:extLst>
+          </p:cNvPr>
+          <p:cNvSpPr txBox="1"/>
+          <p:nvPr/>
+        </p:nvSpPr>
+        <p:spPr>
+          <a:xfrm>
+            <a:off x="3929849" y="1868185"/>
+            <a:ext cx="2210540" cy="461665"/>
+          </a:xfrm>
+          <a:prstGeom prst="rect">
+            <a:avLst/>
+          </a:prstGeom>
+          <a:noFill/>
+        </p:spPr>
+        <p:txBody>
+          <a:bodyPr wrap="square" rtlCol="0">
+            <a:spAutoFit/>
+          </a:bodyPr>
+          <a:lstStyle/>
+          <a:p>
+            <a:r>
+              <a:rPr lang="zh-CN" altLang="en-US" sz="1200" dirty="0">
+                <a:latin typeface="仿宋" panose="02010609060101010101" pitchFamily="49" charset="-122"/>
+                <a:ea typeface="仿宋" panose="02010609060101010101" pitchFamily="49" charset="-122"/>
+              </a:rPr>
+              <a:t>客户端向服务器发起命令请求</a:t>
+            </a:r>
+            <a:endParaRPr lang="en-US" altLang="zh-CN" sz="1200" dirty="0">
+              <a:latin typeface="仿宋" panose="02010609060101010101" pitchFamily="49" charset="-122"/>
+              <a:ea typeface="仿宋" panose="02010609060101010101" pitchFamily="49" charset="-122"/>
+            </a:endParaRPr>
+          </a:p>
+          <a:p>
+            <a:r>
+              <a:rPr lang="zh-CN" altLang="en-US" sz="1200" dirty="0">
+                <a:latin typeface="仿宋" panose="02010609060101010101" pitchFamily="49" charset="-122"/>
+                <a:ea typeface="仿宋" panose="02010609060101010101" pitchFamily="49" charset="-122"/>
+              </a:rPr>
+              <a:t>服务器执行命令请求处理器</a:t>
+            </a:r>
+          </a:p>
+        </p:txBody>
+      </p:sp>
+      <p:cxnSp>
+        <p:nvCxnSpPr>
+          <p:cNvPr id="31" name="直接连接符 30">
+            <a:extLst>
+              <a:ext uri="{FF2B5EF4-FFF2-40B4-BE49-F238E27FC236}">
+                <a16:creationId xmlns:a16="http://schemas.microsoft.com/office/drawing/2014/main" id="{48D35BDB-961F-4FA5-9AD4-133180217276}"/>
+              </a:ext>
+            </a:extLst>
+          </p:cNvPr>
+          <p:cNvCxnSpPr>
+            <a:cxnSpLocks/>
+          </p:cNvCxnSpPr>
+          <p:nvPr/>
+        </p:nvCxnSpPr>
+        <p:spPr>
+          <a:xfrm flipH="1">
+            <a:off x="5747551" y="2911876"/>
+            <a:ext cx="346230" cy="302018"/>
+          </a:xfrm>
+          <a:prstGeom prst="line">
+            <a:avLst/>
+          </a:prstGeom>
+        </p:spPr>
+        <p:style>
+          <a:lnRef idx="1">
+            <a:schemeClr val="dk1"/>
+          </a:lnRef>
+          <a:fillRef idx="0">
+            <a:schemeClr val="dk1"/>
+          </a:fillRef>
+          <a:effectRef idx="0">
+            <a:schemeClr val="dk1"/>
+          </a:effectRef>
+          <a:fontRef idx="minor">
+            <a:schemeClr val="tx1"/>
+          </a:fontRef>
+        </p:style>
+      </p:cxnSp>
+      <p:cxnSp>
+        <p:nvCxnSpPr>
+          <p:cNvPr id="33" name="直接连接符 32">
+            <a:extLst>
+              <a:ext uri="{FF2B5EF4-FFF2-40B4-BE49-F238E27FC236}">
+                <a16:creationId xmlns:a16="http://schemas.microsoft.com/office/drawing/2014/main" id="{8C4CC235-9C77-4046-AD0F-80CEB28253E1}"/>
+              </a:ext>
+            </a:extLst>
+          </p:cNvPr>
+          <p:cNvCxnSpPr>
+            <a:cxnSpLocks/>
+          </p:cNvCxnSpPr>
+          <p:nvPr/>
+        </p:nvCxnSpPr>
+        <p:spPr>
+          <a:xfrm>
+            <a:off x="4279037" y="3221469"/>
+            <a:ext cx="1468514" cy="0"/>
+          </a:xfrm>
+          <a:prstGeom prst="line">
+            <a:avLst/>
+          </a:prstGeom>
+        </p:spPr>
+        <p:style>
+          <a:lnRef idx="1">
+            <a:schemeClr val="dk1"/>
+          </a:lnRef>
+          <a:fillRef idx="0">
+            <a:schemeClr val="dk1"/>
+          </a:fillRef>
+          <a:effectRef idx="0">
+            <a:schemeClr val="dk1"/>
+          </a:effectRef>
+          <a:fontRef idx="minor">
+            <a:schemeClr val="tx1"/>
+          </a:fontRef>
+        </p:style>
+      </p:cxnSp>
+      <p:cxnSp>
+        <p:nvCxnSpPr>
+          <p:cNvPr id="35" name="直接箭头连接符 34">
+            <a:extLst>
+              <a:ext uri="{FF2B5EF4-FFF2-40B4-BE49-F238E27FC236}">
+                <a16:creationId xmlns:a16="http://schemas.microsoft.com/office/drawing/2014/main" id="{D66BBE42-BD58-4DC7-A695-E16F475F26C7}"/>
+              </a:ext>
+            </a:extLst>
+          </p:cNvPr>
+          <p:cNvCxnSpPr>
+            <a:cxnSpLocks/>
+          </p:cNvCxnSpPr>
+          <p:nvPr/>
+        </p:nvCxnSpPr>
+        <p:spPr>
+          <a:xfrm flipH="1" flipV="1">
+            <a:off x="3877324" y="2982899"/>
+            <a:ext cx="401713" cy="238570"/>
+          </a:xfrm>
+          <a:prstGeom prst="straightConnector1">
+            <a:avLst/>
+          </a:prstGeom>
+          <a:ln>
+            <a:tailEnd type="triangle"/>
+          </a:ln>
+        </p:spPr>
+        <p:style>
+          <a:lnRef idx="1">
+            <a:schemeClr val="dk1"/>
+          </a:lnRef>
+          <a:fillRef idx="0">
+            <a:schemeClr val="dk1"/>
+          </a:fillRef>
+          <a:effectRef idx="0">
+            <a:schemeClr val="dk1"/>
+          </a:effectRef>
+          <a:fontRef idx="minor">
+            <a:schemeClr val="tx1"/>
+          </a:fontRef>
+        </p:style>
+      </p:cxnSp>
+      <p:sp>
+        <p:nvSpPr>
+          <p:cNvPr id="43" name="文本框 42">
+            <a:extLst>
+              <a:ext uri="{FF2B5EF4-FFF2-40B4-BE49-F238E27FC236}">
+                <a16:creationId xmlns:a16="http://schemas.microsoft.com/office/drawing/2014/main" id="{DE243052-AD15-4EF5-A285-E2F9BA9EE703}"/>
+              </a:ext>
+            </a:extLst>
+          </p:cNvPr>
+          <p:cNvSpPr txBox="1"/>
+          <p:nvPr/>
+        </p:nvSpPr>
+        <p:spPr>
+          <a:xfrm>
+            <a:off x="3974237" y="2631644"/>
+            <a:ext cx="2210540" cy="461665"/>
+          </a:xfrm>
+          <a:prstGeom prst="rect">
+            <a:avLst/>
+          </a:prstGeom>
+          <a:noFill/>
+        </p:spPr>
+        <p:txBody>
+          <a:bodyPr wrap="square" rtlCol="0">
+            <a:spAutoFit/>
+          </a:bodyPr>
+          <a:lstStyle/>
+          <a:p>
+            <a:r>
+              <a:rPr lang="zh-CN" altLang="en-US" sz="1200" dirty="0">
+                <a:latin typeface="仿宋" panose="02010609060101010101" pitchFamily="49" charset="-122"/>
+                <a:ea typeface="仿宋" panose="02010609060101010101" pitchFamily="49" charset="-122"/>
+              </a:rPr>
+              <a:t>服务器向客户端发起命令回复</a:t>
+            </a:r>
+            <a:endParaRPr lang="en-US" altLang="zh-CN" sz="1200" dirty="0">
+              <a:latin typeface="仿宋" panose="02010609060101010101" pitchFamily="49" charset="-122"/>
+              <a:ea typeface="仿宋" panose="02010609060101010101" pitchFamily="49" charset="-122"/>
+            </a:endParaRPr>
+          </a:p>
+          <a:p>
+            <a:r>
+              <a:rPr lang="zh-CN" altLang="en-US" sz="1200" dirty="0">
+                <a:latin typeface="仿宋" panose="02010609060101010101" pitchFamily="49" charset="-122"/>
+                <a:ea typeface="仿宋" panose="02010609060101010101" pitchFamily="49" charset="-122"/>
+              </a:rPr>
+              <a:t>服务器执行命令回复处理器</a:t>
+            </a:r>
+          </a:p>
+        </p:txBody>
+      </p:sp>
+    </p:spTree>
+    <p:extLst>
+      <p:ext uri="{BB962C8B-B14F-4D97-AF65-F5344CB8AC3E}">
+        <p14:creationId xmlns:p14="http://schemas.microsoft.com/office/powerpoint/2010/main" val="1013146419"/>
+      </p:ext>
+    </p:extLst>
+  </p:cSld>
+  <p:clrMapOvr>
+    <a:masterClrMapping/>
+  </p:clrMapOvr>
+</p:sld>
+</file>
+
 <file path=ppt/slides/slide2.xml><?xml version="1.0" encoding="utf-8"?>
 <p:sld xmlns:a="http://schemas.openxmlformats.org/drawingml/2006/main" xmlns:r="http://schemas.openxmlformats.org/officeDocument/2006/relationships" xmlns:p="http://schemas.openxmlformats.org/presentationml/2006/main">
   <p:cSld>

--- a/Redis/pics/pics.pptx
+++ b/Redis/pics/pics.pptx
@@ -20,6 +20,7 @@
     <p:sldId id="268" r:id="rId14"/>
     <p:sldId id="269" r:id="rId15"/>
     <p:sldId id="270" r:id="rId16"/>
+    <p:sldId id="271" r:id="rId17"/>
   </p:sldIdLst>
   <p:sldSz cx="12192000" cy="6858000"/>
   <p:notesSz cx="6858000" cy="9144000"/>
@@ -273,7 +274,7 @@
           <a:p>
             <a:fld id="{C37C3152-9AA4-4DE5-82FF-C271ABB9E57C}" type="datetimeFigureOut">
               <a:rPr lang="zh-CN" altLang="en-US" smtClean="0"/>
-              <a:t>2021/10/29</a:t>
+              <a:t>2021/11/09</a:t>
             </a:fld>
             <a:endParaRPr lang="zh-CN" altLang="en-US"/>
           </a:p>
@@ -471,7 +472,7 @@
           <a:p>
             <a:fld id="{C37C3152-9AA4-4DE5-82FF-C271ABB9E57C}" type="datetimeFigureOut">
               <a:rPr lang="zh-CN" altLang="en-US" smtClean="0"/>
-              <a:t>2021/10/29</a:t>
+              <a:t>2021/11/09</a:t>
             </a:fld>
             <a:endParaRPr lang="zh-CN" altLang="en-US"/>
           </a:p>
@@ -679,7 +680,7 @@
           <a:p>
             <a:fld id="{C37C3152-9AA4-4DE5-82FF-C271ABB9E57C}" type="datetimeFigureOut">
               <a:rPr lang="zh-CN" altLang="en-US" smtClean="0"/>
-              <a:t>2021/10/29</a:t>
+              <a:t>2021/11/09</a:t>
             </a:fld>
             <a:endParaRPr lang="zh-CN" altLang="en-US"/>
           </a:p>
@@ -877,7 +878,7 @@
           <a:p>
             <a:fld id="{C37C3152-9AA4-4DE5-82FF-C271ABB9E57C}" type="datetimeFigureOut">
               <a:rPr lang="zh-CN" altLang="en-US" smtClean="0"/>
-              <a:t>2021/10/29</a:t>
+              <a:t>2021/11/09</a:t>
             </a:fld>
             <a:endParaRPr lang="zh-CN" altLang="en-US"/>
           </a:p>
@@ -1152,7 +1153,7 @@
           <a:p>
             <a:fld id="{C37C3152-9AA4-4DE5-82FF-C271ABB9E57C}" type="datetimeFigureOut">
               <a:rPr lang="zh-CN" altLang="en-US" smtClean="0"/>
-              <a:t>2021/10/29</a:t>
+              <a:t>2021/11/09</a:t>
             </a:fld>
             <a:endParaRPr lang="zh-CN" altLang="en-US"/>
           </a:p>
@@ -1417,7 +1418,7 @@
           <a:p>
             <a:fld id="{C37C3152-9AA4-4DE5-82FF-C271ABB9E57C}" type="datetimeFigureOut">
               <a:rPr lang="zh-CN" altLang="en-US" smtClean="0"/>
-              <a:t>2021/10/29</a:t>
+              <a:t>2021/11/09</a:t>
             </a:fld>
             <a:endParaRPr lang="zh-CN" altLang="en-US"/>
           </a:p>
@@ -1829,7 +1830,7 @@
           <a:p>
             <a:fld id="{C37C3152-9AA4-4DE5-82FF-C271ABB9E57C}" type="datetimeFigureOut">
               <a:rPr lang="zh-CN" altLang="en-US" smtClean="0"/>
-              <a:t>2021/10/29</a:t>
+              <a:t>2021/11/09</a:t>
             </a:fld>
             <a:endParaRPr lang="zh-CN" altLang="en-US"/>
           </a:p>
@@ -1970,7 +1971,7 @@
           <a:p>
             <a:fld id="{C37C3152-9AA4-4DE5-82FF-C271ABB9E57C}" type="datetimeFigureOut">
               <a:rPr lang="zh-CN" altLang="en-US" smtClean="0"/>
-              <a:t>2021/10/29</a:t>
+              <a:t>2021/11/09</a:t>
             </a:fld>
             <a:endParaRPr lang="zh-CN" altLang="en-US"/>
           </a:p>
@@ -2083,7 +2084,7 @@
           <a:p>
             <a:fld id="{C37C3152-9AA4-4DE5-82FF-C271ABB9E57C}" type="datetimeFigureOut">
               <a:rPr lang="zh-CN" altLang="en-US" smtClean="0"/>
-              <a:t>2021/10/29</a:t>
+              <a:t>2021/11/09</a:t>
             </a:fld>
             <a:endParaRPr lang="zh-CN" altLang="en-US"/>
           </a:p>
@@ -2394,7 +2395,7 @@
           <a:p>
             <a:fld id="{C37C3152-9AA4-4DE5-82FF-C271ABB9E57C}" type="datetimeFigureOut">
               <a:rPr lang="zh-CN" altLang="en-US" smtClean="0"/>
-              <a:t>2021/10/29</a:t>
+              <a:t>2021/11/09</a:t>
             </a:fld>
             <a:endParaRPr lang="zh-CN" altLang="en-US"/>
           </a:p>
@@ -2682,7 +2683,7 @@
           <a:p>
             <a:fld id="{C37C3152-9AA4-4DE5-82FF-C271ABB9E57C}" type="datetimeFigureOut">
               <a:rPr lang="zh-CN" altLang="en-US" smtClean="0"/>
-              <a:t>2021/10/29</a:t>
+              <a:t>2021/11/09</a:t>
             </a:fld>
             <a:endParaRPr lang="zh-CN" altLang="en-US"/>
           </a:p>
@@ -2923,7 +2924,7 @@
           <a:p>
             <a:fld id="{C37C3152-9AA4-4DE5-82FF-C271ABB9E57C}" type="datetimeFigureOut">
               <a:rPr lang="zh-CN" altLang="en-US" smtClean="0"/>
-              <a:t>2021/10/29</a:t>
+              <a:t>2021/11/09</a:t>
             </a:fld>
             <a:endParaRPr lang="zh-CN" altLang="en-US"/>
           </a:p>
@@ -7724,6 +7725,261 @@
 </p:sld>
 </file>
 
+<file path=ppt/slides/slide16.xml><?xml version="1.0" encoding="utf-8"?>
+<p:sld xmlns:a="http://schemas.openxmlformats.org/drawingml/2006/main" xmlns:r="http://schemas.openxmlformats.org/officeDocument/2006/relationships" xmlns:p="http://schemas.openxmlformats.org/presentationml/2006/main">
+  <p:cSld>
+    <p:spTree>
+      <p:nvGrpSpPr>
+        <p:cNvPr id="1" name=""/>
+        <p:cNvGrpSpPr/>
+        <p:nvPr/>
+      </p:nvGrpSpPr>
+      <p:grpSpPr>
+        <a:xfrm>
+          <a:off x="0" y="0"/>
+          <a:ext cx="0" cy="0"/>
+          <a:chOff x="0" y="0"/>
+          <a:chExt cx="0" cy="0"/>
+        </a:xfrm>
+      </p:grpSpPr>
+      <p:sp>
+        <p:nvSpPr>
+          <p:cNvPr id="2" name="矩形 1">
+            <a:extLst>
+              <a:ext uri="{FF2B5EF4-FFF2-40B4-BE49-F238E27FC236}">
+                <a16:creationId xmlns:a16="http://schemas.microsoft.com/office/drawing/2014/main" id="{A9FA40EB-9BA1-4EC7-877C-671D61716EA4}"/>
+              </a:ext>
+            </a:extLst>
+          </p:cNvPr>
+          <p:cNvSpPr/>
+          <p:nvPr/>
+        </p:nvSpPr>
+        <p:spPr>
+          <a:xfrm>
+            <a:off x="3147142" y="1697434"/>
+            <a:ext cx="727969" cy="1443186"/>
+          </a:xfrm>
+          <a:prstGeom prst="rect">
+            <a:avLst/>
+          </a:prstGeom>
+          <a:noFill/>
+          <a:ln>
+            <a:solidFill>
+              <a:schemeClr val="tx1"/>
+            </a:solidFill>
+          </a:ln>
+        </p:spPr>
+        <p:style>
+          <a:lnRef idx="2">
+            <a:schemeClr val="accent1">
+              <a:shade val="50000"/>
+            </a:schemeClr>
+          </a:lnRef>
+          <a:fillRef idx="1">
+            <a:schemeClr val="accent1"/>
+          </a:fillRef>
+          <a:effectRef idx="0">
+            <a:schemeClr val="accent1"/>
+          </a:effectRef>
+          <a:fontRef idx="minor">
+            <a:schemeClr val="lt1"/>
+          </a:fontRef>
+        </p:style>
+        <p:txBody>
+          <a:bodyPr rtlCol="0" anchor="ctr"/>
+          <a:lstStyle/>
+          <a:p>
+            <a:pPr algn="ctr"/>
+            <a:r>
+              <a:rPr lang="zh-CN" altLang="en-US" sz="2400" dirty="0">
+                <a:solidFill>
+                  <a:schemeClr val="tx1"/>
+                </a:solidFill>
+                <a:latin typeface="仿宋" panose="02010609060101010101" pitchFamily="49" charset="-122"/>
+                <a:ea typeface="仿宋" panose="02010609060101010101" pitchFamily="49" charset="-122"/>
+                <a:cs typeface="Courier New" panose="02070309020205020404" pitchFamily="49" charset="0"/>
+              </a:rPr>
+              <a:t>主服务器</a:t>
+            </a:r>
+          </a:p>
+        </p:txBody>
+      </p:sp>
+      <p:sp>
+        <p:nvSpPr>
+          <p:cNvPr id="11" name="矩形 10">
+            <a:extLst>
+              <a:ext uri="{FF2B5EF4-FFF2-40B4-BE49-F238E27FC236}">
+                <a16:creationId xmlns:a16="http://schemas.microsoft.com/office/drawing/2014/main" id="{F78EF42E-D26B-4163-A72E-3EBA99FA7239}"/>
+              </a:ext>
+            </a:extLst>
+          </p:cNvPr>
+          <p:cNvSpPr/>
+          <p:nvPr/>
+        </p:nvSpPr>
+        <p:spPr>
+          <a:xfrm>
+            <a:off x="4911573" y="1697434"/>
+            <a:ext cx="727969" cy="1443186"/>
+          </a:xfrm>
+          <a:prstGeom prst="rect">
+            <a:avLst/>
+          </a:prstGeom>
+          <a:noFill/>
+          <a:ln>
+            <a:solidFill>
+              <a:schemeClr val="tx1"/>
+            </a:solidFill>
+          </a:ln>
+        </p:spPr>
+        <p:style>
+          <a:lnRef idx="2">
+            <a:schemeClr val="accent1">
+              <a:shade val="50000"/>
+            </a:schemeClr>
+          </a:lnRef>
+          <a:fillRef idx="1">
+            <a:schemeClr val="accent1"/>
+          </a:fillRef>
+          <a:effectRef idx="0">
+            <a:schemeClr val="accent1"/>
+          </a:effectRef>
+          <a:fontRef idx="minor">
+            <a:schemeClr val="lt1"/>
+          </a:fontRef>
+        </p:style>
+        <p:txBody>
+          <a:bodyPr rtlCol="0" anchor="ctr"/>
+          <a:lstStyle/>
+          <a:p>
+            <a:pPr algn="ctr"/>
+            <a:r>
+              <a:rPr lang="zh-CN" altLang="en-US" sz="2400" dirty="0">
+                <a:solidFill>
+                  <a:schemeClr val="tx1"/>
+                </a:solidFill>
+                <a:latin typeface="仿宋" panose="02010609060101010101" pitchFamily="49" charset="-122"/>
+                <a:ea typeface="仿宋" panose="02010609060101010101" pitchFamily="49" charset="-122"/>
+                <a:cs typeface="Courier New" panose="02070309020205020404" pitchFamily="49" charset="0"/>
+              </a:rPr>
+              <a:t>从</a:t>
+            </a:r>
+            <a:endParaRPr lang="en-US" altLang="zh-CN" sz="2400" dirty="0">
+              <a:solidFill>
+                <a:schemeClr val="tx1"/>
+              </a:solidFill>
+              <a:latin typeface="仿宋" panose="02010609060101010101" pitchFamily="49" charset="-122"/>
+              <a:ea typeface="仿宋" panose="02010609060101010101" pitchFamily="49" charset="-122"/>
+              <a:cs typeface="Courier New" panose="02070309020205020404" pitchFamily="49" charset="0"/>
+            </a:endParaRPr>
+          </a:p>
+          <a:p>
+            <a:pPr algn="ctr"/>
+            <a:r>
+              <a:rPr lang="zh-CN" altLang="en-US" sz="2400" dirty="0">
+                <a:solidFill>
+                  <a:schemeClr val="tx1"/>
+                </a:solidFill>
+                <a:latin typeface="仿宋" panose="02010609060101010101" pitchFamily="49" charset="-122"/>
+                <a:ea typeface="仿宋" panose="02010609060101010101" pitchFamily="49" charset="-122"/>
+                <a:cs typeface="Courier New" panose="02070309020205020404" pitchFamily="49" charset="0"/>
+              </a:rPr>
+              <a:t>服务器</a:t>
+            </a:r>
+          </a:p>
+        </p:txBody>
+      </p:sp>
+      <p:cxnSp>
+        <p:nvCxnSpPr>
+          <p:cNvPr id="28" name="直接箭头连接符 27">
+            <a:extLst>
+              <a:ext uri="{FF2B5EF4-FFF2-40B4-BE49-F238E27FC236}">
+                <a16:creationId xmlns:a16="http://schemas.microsoft.com/office/drawing/2014/main" id="{96BA9F97-7D58-4D79-BB35-ED6A31991381}"/>
+              </a:ext>
+            </a:extLst>
+          </p:cNvPr>
+          <p:cNvCxnSpPr>
+            <a:cxnSpLocks/>
+          </p:cNvCxnSpPr>
+          <p:nvPr/>
+        </p:nvCxnSpPr>
+        <p:spPr>
+          <a:xfrm flipH="1">
+            <a:off x="3875107" y="2419027"/>
+            <a:ext cx="1027588" cy="0"/>
+          </a:xfrm>
+          <a:prstGeom prst="straightConnector1">
+            <a:avLst/>
+          </a:prstGeom>
+          <a:ln>
+            <a:tailEnd type="triangle"/>
+          </a:ln>
+        </p:spPr>
+        <p:style>
+          <a:lnRef idx="1">
+            <a:schemeClr val="dk1"/>
+          </a:lnRef>
+          <a:fillRef idx="0">
+            <a:schemeClr val="dk1"/>
+          </a:fillRef>
+          <a:effectRef idx="0">
+            <a:schemeClr val="dk1"/>
+          </a:effectRef>
+          <a:fontRef idx="minor">
+            <a:schemeClr val="tx1"/>
+          </a:fontRef>
+        </p:style>
+      </p:cxnSp>
+      <p:sp>
+        <p:nvSpPr>
+          <p:cNvPr id="29" name="文本框 28">
+            <a:extLst>
+              <a:ext uri="{FF2B5EF4-FFF2-40B4-BE49-F238E27FC236}">
+                <a16:creationId xmlns:a16="http://schemas.microsoft.com/office/drawing/2014/main" id="{856793B7-4D32-4B09-9943-B4DAF498764D}"/>
+              </a:ext>
+            </a:extLst>
+          </p:cNvPr>
+          <p:cNvSpPr txBox="1"/>
+          <p:nvPr/>
+        </p:nvSpPr>
+        <p:spPr>
+          <a:xfrm>
+            <a:off x="4099268" y="2080473"/>
+            <a:ext cx="727968" cy="338554"/>
+          </a:xfrm>
+          <a:prstGeom prst="rect">
+            <a:avLst/>
+          </a:prstGeom>
+          <a:noFill/>
+        </p:spPr>
+        <p:txBody>
+          <a:bodyPr wrap="square" rtlCol="0">
+            <a:spAutoFit/>
+          </a:bodyPr>
+          <a:lstStyle/>
+          <a:p>
+            <a:r>
+              <a:rPr lang="zh-CN" altLang="en-US" sz="1600" dirty="0">
+                <a:latin typeface="仿宋" panose="02010609060101010101" pitchFamily="49" charset="-122"/>
+                <a:ea typeface="仿宋" panose="02010609060101010101" pitchFamily="49" charset="-122"/>
+              </a:rPr>
+              <a:t>复制</a:t>
+            </a:r>
+          </a:p>
+        </p:txBody>
+      </p:sp>
+    </p:spTree>
+    <p:extLst>
+      <p:ext uri="{BB962C8B-B14F-4D97-AF65-F5344CB8AC3E}">
+        <p14:creationId xmlns:p14="http://schemas.microsoft.com/office/powerpoint/2010/main" val="728262987"/>
+      </p:ext>
+    </p:extLst>
+  </p:cSld>
+  <p:clrMapOvr>
+    <a:masterClrMapping/>
+  </p:clrMapOvr>
+</p:sld>
+</file>
+
 <file path=ppt/slides/slide2.xml><?xml version="1.0" encoding="utf-8"?>
 <p:sld xmlns:a="http://schemas.openxmlformats.org/drawingml/2006/main" xmlns:r="http://schemas.openxmlformats.org/officeDocument/2006/relationships" xmlns:p="http://schemas.openxmlformats.org/presentationml/2006/main">
   <p:cSld>
